--- a/module-2/ppt/2.1-Overview.pptx
+++ b/module-2/ppt/2.1-Overview.pptx
@@ -6,7 +6,7 @@
     <p:sldMasterId id="2147483674" r:id="rId2"/>
   </p:sldMasterIdLst>
   <p:notesMasterIdLst>
-    <p:notesMasterId r:id="rId11"/>
+    <p:notesMasterId r:id="rId14"/>
   </p:notesMasterIdLst>
   <p:sldIdLst>
     <p:sldId id="2602" r:id="rId3"/>
@@ -14,9 +14,12 @@
     <p:sldId id="2600" r:id="rId5"/>
     <p:sldId id="2604" r:id="rId6"/>
     <p:sldId id="2591" r:id="rId7"/>
-    <p:sldId id="2594" r:id="rId8"/>
-    <p:sldId id="2603" r:id="rId9"/>
-    <p:sldId id="2596" r:id="rId10"/>
+    <p:sldId id="2605" r:id="rId8"/>
+    <p:sldId id="2606" r:id="rId9"/>
+    <p:sldId id="2594" r:id="rId10"/>
+    <p:sldId id="2603" r:id="rId11"/>
+    <p:sldId id="2607" r:id="rId12"/>
+    <p:sldId id="2596" r:id="rId13"/>
   </p:sldIdLst>
   <p:sldSz cx="12192000" cy="6858000"/>
   <p:notesSz cx="6858000" cy="9144000"/>
@@ -211,7 +214,7 @@
           <a:p>
             <a:fld id="{A2472FB4-D3E2-AE43-B634-FEEAFFC420FD}" type="datetimeFigureOut">
               <a:rPr lang="en-US" smtClean="0"/>
-              <a:t>10/19/20</a:t>
+              <a:t>11/16/20</a:t>
             </a:fld>
             <a:endParaRPr lang="en-US"/>
           </a:p>
@@ -1185,7 +1188,7 @@
           <a:p>
             <a:fld id="{2AAA8945-93FC-CD4D-85EF-05021FBA20E6}" type="datetimeFigureOut">
               <a:rPr lang="en-US" smtClean="0"/>
-              <a:t>10/19/20</a:t>
+              <a:t>11/16/20</a:t>
             </a:fld>
             <a:endParaRPr lang="en-US"/>
           </a:p>
@@ -2823,16 +2826,12 @@
               </a:rPr>
             </a:br>
             <a:r>
-              <a:rPr lang="en-US" sz="3600">
+              <a:rPr lang="en-US" sz="3600" dirty="0">
                 <a:latin typeface="Arial" panose="020B0604020202020204" pitchFamily="34" charset="0"/>
                 <a:cs typeface="Arial" panose="020B0604020202020204" pitchFamily="34" charset="0"/>
               </a:rPr>
               <a:t>Networking Background</a:t>
             </a:r>
-            <a:endParaRPr lang="en-US" sz="3600" dirty="0">
-              <a:latin typeface="Arial" panose="020B0604020202020204" pitchFamily="34" charset="0"/>
-              <a:cs typeface="Arial" panose="020B0604020202020204" pitchFamily="34" charset="0"/>
-            </a:endParaRPr>
           </a:p>
           <a:p>
             <a:pPr algn="l"/>
@@ -3138,6 +3137,285 @@
 </p:sld>
 </file>
 
+<file path=ppt/slides/slide10.xml><?xml version="1.0" encoding="utf-8"?>
+<p:sld xmlns:a="http://schemas.openxmlformats.org/drawingml/2006/main" xmlns:r="http://schemas.openxmlformats.org/officeDocument/2006/relationships" xmlns:p="http://schemas.openxmlformats.org/presentationml/2006/main">
+  <p:cSld>
+    <p:spTree>
+      <p:nvGrpSpPr>
+        <p:cNvPr id="1" name=""/>
+        <p:cNvGrpSpPr/>
+        <p:nvPr/>
+      </p:nvGrpSpPr>
+      <p:grpSpPr>
+        <a:xfrm>
+          <a:off x="0" y="0"/>
+          <a:ext cx="0" cy="0"/>
+          <a:chOff x="0" y="0"/>
+          <a:chExt cx="0" cy="0"/>
+        </a:xfrm>
+      </p:grpSpPr>
+      <p:sp>
+        <p:nvSpPr>
+          <p:cNvPr id="4" name="Title 3">
+            <a:extLst>
+              <a:ext uri="{FF2B5EF4-FFF2-40B4-BE49-F238E27FC236}">
+                <a16:creationId xmlns:a16="http://schemas.microsoft.com/office/drawing/2014/main" id="{16089A73-7CB9-444F-AACB-43B1BD1628E0}"/>
+              </a:ext>
+            </a:extLst>
+          </p:cNvPr>
+          <p:cNvSpPr>
+            <a:spLocks noGrp="1"/>
+          </p:cNvSpPr>
+          <p:nvPr>
+            <p:ph type="title"/>
+          </p:nvPr>
+        </p:nvSpPr>
+        <p:spPr/>
+        <p:txBody>
+          <a:bodyPr/>
+          <a:lstStyle/>
+          <a:p>
+            <a:r>
+              <a:rPr lang="en-US" dirty="0"/>
+              <a:t>Concepts from Network Traffic</a:t>
+            </a:r>
+          </a:p>
+        </p:txBody>
+      </p:sp>
+      <p:sp>
+        <p:nvSpPr>
+          <p:cNvPr id="5" name="Content Placeholder 4">
+            <a:extLst>
+              <a:ext uri="{FF2B5EF4-FFF2-40B4-BE49-F238E27FC236}">
+                <a16:creationId xmlns:a16="http://schemas.microsoft.com/office/drawing/2014/main" id="{DE635695-485E-6C47-9CB3-3E5F2CB1FBD7}"/>
+              </a:ext>
+            </a:extLst>
+          </p:cNvPr>
+          <p:cNvSpPr>
+            <a:spLocks noGrp="1"/>
+          </p:cNvSpPr>
+          <p:nvPr>
+            <p:ph idx="1"/>
+          </p:nvPr>
+        </p:nvSpPr>
+        <p:spPr/>
+        <p:txBody>
+          <a:bodyPr>
+            <a:normAutofit fontScale="92500" lnSpcReduction="10000"/>
+          </a:bodyPr>
+          <a:lstStyle/>
+          <a:p>
+            <a:r>
+              <a:rPr lang="en-US" dirty="0"/>
+              <a:t>The basic unit of network traffic is a “packet”.</a:t>
+            </a:r>
+          </a:p>
+          <a:p>
+            <a:endParaRPr lang="en-US" dirty="0"/>
+          </a:p>
+          <a:p>
+            <a:r>
+              <a:rPr lang="en-US" dirty="0"/>
+              <a:t>Each packet has various metadata associated with it:</a:t>
+            </a:r>
+          </a:p>
+          <a:p>
+            <a:pPr lvl="1"/>
+            <a:r>
+              <a:rPr lang="en-US" dirty="0"/>
+              <a:t>Addresses (Internet Protocol, Hardware)</a:t>
+            </a:r>
+          </a:p>
+          <a:p>
+            <a:pPr lvl="1"/>
+            <a:r>
+              <a:rPr lang="en-US" dirty="0"/>
+              <a:t>Sizes</a:t>
+            </a:r>
+          </a:p>
+          <a:p>
+            <a:pPr lvl="1"/>
+            <a:r>
+              <a:rPr lang="en-US" dirty="0"/>
+              <a:t>Times</a:t>
+            </a:r>
+          </a:p>
+          <a:p>
+            <a:pPr lvl="1"/>
+            <a:endParaRPr lang="en-US" dirty="0"/>
+          </a:p>
+          <a:p>
+            <a:r>
+              <a:rPr lang="en-US" dirty="0"/>
+              <a:t>Most traffic is increasingly encrypted but machine learning often uses this information for everything from identification to </a:t>
+            </a:r>
+            <a:r>
+              <a:rPr lang="en-US"/>
+              <a:t>anomaly detection.</a:t>
+            </a:r>
+            <a:endParaRPr lang="en-US" dirty="0"/>
+          </a:p>
+          <a:p>
+            <a:endParaRPr lang="en-US" dirty="0"/>
+          </a:p>
+        </p:txBody>
+      </p:sp>
+      <p:sp>
+        <p:nvSpPr>
+          <p:cNvPr id="3" name="Slide Number Placeholder 2">
+            <a:extLst>
+              <a:ext uri="{FF2B5EF4-FFF2-40B4-BE49-F238E27FC236}">
+                <a16:creationId xmlns:a16="http://schemas.microsoft.com/office/drawing/2014/main" id="{B63B7621-E79A-6C43-9304-61258FCDF9FC}"/>
+              </a:ext>
+            </a:extLst>
+          </p:cNvPr>
+          <p:cNvSpPr>
+            <a:spLocks noGrp="1"/>
+          </p:cNvSpPr>
+          <p:nvPr>
+            <p:ph type="sldNum" sz="quarter" idx="12"/>
+          </p:nvPr>
+        </p:nvSpPr>
+        <p:spPr/>
+        <p:txBody>
+          <a:bodyPr/>
+          <a:lstStyle/>
+          <a:p>
+            <a:fld id="{D7AA6054-60FB-8048-98AD-326CDDBBD22D}" type="slidenum">
+              <a:rPr lang="en-US" smtClean="0"/>
+              <a:t>10</a:t>
+            </a:fld>
+            <a:endParaRPr lang="en-US"/>
+          </a:p>
+        </p:txBody>
+      </p:sp>
+    </p:spTree>
+    <p:extLst>
+      <p:ext uri="{BB962C8B-B14F-4D97-AF65-F5344CB8AC3E}">
+        <p14:creationId xmlns:p14="http://schemas.microsoft.com/office/powerpoint/2010/main" val="2404005849"/>
+      </p:ext>
+    </p:extLst>
+  </p:cSld>
+  <p:clrMapOvr>
+    <a:masterClrMapping/>
+  </p:clrMapOvr>
+</p:sld>
+</file>
+
+<file path=ppt/slides/slide11.xml><?xml version="1.0" encoding="utf-8"?>
+<p:sld xmlns:a="http://schemas.openxmlformats.org/drawingml/2006/main" xmlns:r="http://schemas.openxmlformats.org/officeDocument/2006/relationships" xmlns:p="http://schemas.openxmlformats.org/presentationml/2006/main">
+  <p:cSld>
+    <p:spTree>
+      <p:nvGrpSpPr>
+        <p:cNvPr id="1" name=""/>
+        <p:cNvGrpSpPr/>
+        <p:nvPr/>
+      </p:nvGrpSpPr>
+      <p:grpSpPr>
+        <a:xfrm>
+          <a:off x="0" y="0"/>
+          <a:ext cx="0" cy="0"/>
+          <a:chOff x="0" y="0"/>
+          <a:chExt cx="0" cy="0"/>
+        </a:xfrm>
+      </p:grpSpPr>
+      <p:sp>
+        <p:nvSpPr>
+          <p:cNvPr id="2" name="Title 1">
+            <a:extLst>
+              <a:ext uri="{FF2B5EF4-FFF2-40B4-BE49-F238E27FC236}">
+                <a16:creationId xmlns:a16="http://schemas.microsoft.com/office/drawing/2014/main" id="{CC41D186-8911-9F4B-8D5D-343D0DB2995D}"/>
+              </a:ext>
+            </a:extLst>
+          </p:cNvPr>
+          <p:cNvSpPr>
+            <a:spLocks noGrp="1"/>
+          </p:cNvSpPr>
+          <p:nvPr>
+            <p:ph type="title"/>
+          </p:nvPr>
+        </p:nvSpPr>
+        <p:spPr/>
+        <p:txBody>
+          <a:bodyPr/>
+          <a:lstStyle/>
+          <a:p>
+            <a:endParaRPr lang="en-US"/>
+          </a:p>
+        </p:txBody>
+      </p:sp>
+      <p:sp>
+        <p:nvSpPr>
+          <p:cNvPr id="3" name="Slide Number Placeholder 2">
+            <a:extLst>
+              <a:ext uri="{FF2B5EF4-FFF2-40B4-BE49-F238E27FC236}">
+                <a16:creationId xmlns:a16="http://schemas.microsoft.com/office/drawing/2014/main" id="{BCC6CCD6-B825-BC46-BEF8-0B94C44FDDA8}"/>
+              </a:ext>
+            </a:extLst>
+          </p:cNvPr>
+          <p:cNvSpPr>
+            <a:spLocks noGrp="1"/>
+          </p:cNvSpPr>
+          <p:nvPr>
+            <p:ph type="sldNum" sz="quarter" idx="12"/>
+          </p:nvPr>
+        </p:nvSpPr>
+        <p:spPr/>
+        <p:txBody>
+          <a:bodyPr/>
+          <a:lstStyle/>
+          <a:p>
+            <a:fld id="{D7AA6054-60FB-8048-98AD-326CDDBBD22D}" type="slidenum">
+              <a:rPr lang="en-US" smtClean="0"/>
+              <a:t>11</a:t>
+            </a:fld>
+            <a:endParaRPr lang="en-US"/>
+          </a:p>
+        </p:txBody>
+      </p:sp>
+      <p:pic>
+        <p:nvPicPr>
+          <p:cNvPr id="4" name="Picture 3">
+            <a:extLst>
+              <a:ext uri="{FF2B5EF4-FFF2-40B4-BE49-F238E27FC236}">
+                <a16:creationId xmlns:a16="http://schemas.microsoft.com/office/drawing/2014/main" id="{8FA11F1E-AE2B-BE4A-81EB-99D967B8F155}"/>
+              </a:ext>
+            </a:extLst>
+          </p:cNvPr>
+          <p:cNvPicPr>
+            <a:picLocks noChangeAspect="1"/>
+          </p:cNvPicPr>
+          <p:nvPr/>
+        </p:nvPicPr>
+        <p:blipFill>
+          <a:blip r:embed="rId2"/>
+          <a:stretch>
+            <a:fillRect/>
+          </a:stretch>
+        </p:blipFill>
+        <p:spPr>
+          <a:xfrm>
+            <a:off x="0" y="818029"/>
+            <a:ext cx="12192000" cy="5221941"/>
+          </a:xfrm>
+          <a:prstGeom prst="rect">
+            <a:avLst/>
+          </a:prstGeom>
+        </p:spPr>
+      </p:pic>
+    </p:spTree>
+    <p:extLst>
+      <p:ext uri="{BB962C8B-B14F-4D97-AF65-F5344CB8AC3E}">
+        <p14:creationId xmlns:p14="http://schemas.microsoft.com/office/powerpoint/2010/main" val="809947040"/>
+      </p:ext>
+    </p:extLst>
+  </p:cSld>
+  <p:clrMapOvr>
+    <a:masterClrMapping/>
+  </p:clrMapOvr>
+</p:sld>
+</file>
+
 <file path=ppt/slides/slide2.xml><?xml version="1.0" encoding="utf-8"?>
 <p:sld xmlns:a="http://schemas.openxmlformats.org/drawingml/2006/main" xmlns:r="http://schemas.openxmlformats.org/officeDocument/2006/relationships" xmlns:p="http://schemas.openxmlformats.org/presentationml/2006/main">
   <p:cSld>
@@ -3266,7 +3544,7 @@
           <a:p>
             <a:r>
               <a:rPr lang="en-US" dirty="0"/>
-              <a:t>Networking basics</a:t>
+              <a:t>Networking 101</a:t>
             </a:r>
           </a:p>
           <a:p>
@@ -3275,7 +3553,7 @@
           <a:p>
             <a:r>
               <a:rPr lang="en-US" dirty="0"/>
-              <a:t>Traffic as packets</a:t>
+              <a:t>Data from networks (packets)</a:t>
             </a:r>
           </a:p>
           <a:p>
@@ -3523,6 +3801,185 @@
       </p:grpSpPr>
       <p:sp>
         <p:nvSpPr>
+          <p:cNvPr id="3" name="Slide Number Placeholder 2">
+            <a:extLst>
+              <a:ext uri="{FF2B5EF4-FFF2-40B4-BE49-F238E27FC236}">
+                <a16:creationId xmlns:a16="http://schemas.microsoft.com/office/drawing/2014/main" id="{E001A649-63A5-EB48-A66C-E26F6C174DCE}"/>
+              </a:ext>
+            </a:extLst>
+          </p:cNvPr>
+          <p:cNvSpPr>
+            <a:spLocks noGrp="1"/>
+          </p:cNvSpPr>
+          <p:nvPr>
+            <p:ph type="sldNum" sz="quarter" idx="12"/>
+          </p:nvPr>
+        </p:nvSpPr>
+        <p:spPr/>
+        <p:txBody>
+          <a:bodyPr/>
+          <a:lstStyle/>
+          <a:p>
+            <a:fld id="{D7AA6054-60FB-8048-98AD-326CDDBBD22D}" type="slidenum">
+              <a:rPr lang="en-US" smtClean="0"/>
+              <a:t>6</a:t>
+            </a:fld>
+            <a:endParaRPr lang="en-US"/>
+          </a:p>
+        </p:txBody>
+      </p:sp>
+      <p:pic>
+        <p:nvPicPr>
+          <p:cNvPr id="4" name="Picture 3">
+            <a:extLst>
+              <a:ext uri="{FF2B5EF4-FFF2-40B4-BE49-F238E27FC236}">
+                <a16:creationId xmlns:a16="http://schemas.microsoft.com/office/drawing/2014/main" id="{40070915-0FD6-6049-BFCE-4D20E12DD293}"/>
+              </a:ext>
+            </a:extLst>
+          </p:cNvPr>
+          <p:cNvPicPr>
+            <a:picLocks noChangeAspect="1"/>
+          </p:cNvPicPr>
+          <p:nvPr/>
+        </p:nvPicPr>
+        <p:blipFill>
+          <a:blip r:embed="rId2"/>
+          <a:stretch>
+            <a:fillRect/>
+          </a:stretch>
+        </p:blipFill>
+        <p:spPr>
+          <a:xfrm>
+            <a:off x="1346200" y="214630"/>
+            <a:ext cx="9499600" cy="5676900"/>
+          </a:xfrm>
+          <a:prstGeom prst="rect">
+            <a:avLst/>
+          </a:prstGeom>
+        </p:spPr>
+      </p:pic>
+    </p:spTree>
+    <p:extLst>
+      <p:ext uri="{BB962C8B-B14F-4D97-AF65-F5344CB8AC3E}">
+        <p14:creationId xmlns:p14="http://schemas.microsoft.com/office/powerpoint/2010/main" val="1776211740"/>
+      </p:ext>
+    </p:extLst>
+  </p:cSld>
+  <p:clrMapOvr>
+    <a:masterClrMapping/>
+  </p:clrMapOvr>
+</p:sld>
+</file>
+
+<file path=ppt/slides/slide7.xml><?xml version="1.0" encoding="utf-8"?>
+<p:sld xmlns:a="http://schemas.openxmlformats.org/drawingml/2006/main" xmlns:r="http://schemas.openxmlformats.org/officeDocument/2006/relationships" xmlns:p="http://schemas.openxmlformats.org/presentationml/2006/main">
+  <p:cSld>
+    <p:spTree>
+      <p:nvGrpSpPr>
+        <p:cNvPr id="1" name=""/>
+        <p:cNvGrpSpPr/>
+        <p:nvPr/>
+      </p:nvGrpSpPr>
+      <p:grpSpPr>
+        <a:xfrm>
+          <a:off x="0" y="0"/>
+          <a:ext cx="0" cy="0"/>
+          <a:chOff x="0" y="0"/>
+          <a:chExt cx="0" cy="0"/>
+        </a:xfrm>
+      </p:grpSpPr>
+      <p:sp>
+        <p:nvSpPr>
+          <p:cNvPr id="2" name="Slide Number Placeholder 1">
+            <a:extLst>
+              <a:ext uri="{FF2B5EF4-FFF2-40B4-BE49-F238E27FC236}">
+                <a16:creationId xmlns:a16="http://schemas.microsoft.com/office/drawing/2014/main" id="{DEE7296C-BF5C-204D-9E97-6CBC091A2563}"/>
+              </a:ext>
+            </a:extLst>
+          </p:cNvPr>
+          <p:cNvSpPr>
+            <a:spLocks noGrp="1"/>
+          </p:cNvSpPr>
+          <p:nvPr>
+            <p:ph type="sldNum" sz="quarter" idx="12"/>
+          </p:nvPr>
+        </p:nvSpPr>
+        <p:spPr/>
+        <p:txBody>
+          <a:bodyPr/>
+          <a:lstStyle/>
+          <a:p>
+            <a:fld id="{256CE055-ECFD-9048-9FD8-7E2D8656A4F7}" type="slidenum">
+              <a:rPr lang="en-US" smtClean="0"/>
+              <a:pPr/>
+              <a:t>7</a:t>
+            </a:fld>
+            <a:endParaRPr lang="en-US" dirty="0"/>
+          </a:p>
+        </p:txBody>
+      </p:sp>
+      <p:pic>
+        <p:nvPicPr>
+          <p:cNvPr id="3" name="Picture 2">
+            <a:extLst>
+              <a:ext uri="{FF2B5EF4-FFF2-40B4-BE49-F238E27FC236}">
+                <a16:creationId xmlns:a16="http://schemas.microsoft.com/office/drawing/2014/main" id="{7E1FD155-962C-984C-B7B5-68EC343A4EF6}"/>
+              </a:ext>
+            </a:extLst>
+          </p:cNvPr>
+          <p:cNvPicPr>
+            <a:picLocks noChangeAspect="1"/>
+          </p:cNvPicPr>
+          <p:nvPr/>
+        </p:nvPicPr>
+        <p:blipFill>
+          <a:blip r:embed="rId2"/>
+          <a:stretch>
+            <a:fillRect/>
+          </a:stretch>
+        </p:blipFill>
+        <p:spPr>
+          <a:xfrm>
+            <a:off x="1987550" y="857250"/>
+            <a:ext cx="8216900" cy="4127500"/>
+          </a:xfrm>
+          <a:prstGeom prst="rect">
+            <a:avLst/>
+          </a:prstGeom>
+        </p:spPr>
+      </p:pic>
+    </p:spTree>
+    <p:extLst>
+      <p:ext uri="{BB962C8B-B14F-4D97-AF65-F5344CB8AC3E}">
+        <p14:creationId xmlns:p14="http://schemas.microsoft.com/office/powerpoint/2010/main" val="3808476048"/>
+      </p:ext>
+    </p:extLst>
+  </p:cSld>
+  <p:clrMapOvr>
+    <a:masterClrMapping/>
+  </p:clrMapOvr>
+</p:sld>
+</file>
+
+<file path=ppt/slides/slide8.xml><?xml version="1.0" encoding="utf-8"?>
+<p:sld xmlns:a="http://schemas.openxmlformats.org/drawingml/2006/main" xmlns:r="http://schemas.openxmlformats.org/officeDocument/2006/relationships" xmlns:p="http://schemas.openxmlformats.org/presentationml/2006/main">
+  <p:cSld>
+    <p:spTree>
+      <p:nvGrpSpPr>
+        <p:cNvPr id="1" name=""/>
+        <p:cNvGrpSpPr/>
+        <p:nvPr/>
+      </p:nvGrpSpPr>
+      <p:grpSpPr>
+        <a:xfrm>
+          <a:off x="0" y="0"/>
+          <a:ext cx="0" cy="0"/>
+          <a:chOff x="0" y="0"/>
+          <a:chExt cx="0" cy="0"/>
+        </a:xfrm>
+      </p:grpSpPr>
+      <p:sp>
+        <p:nvSpPr>
           <p:cNvPr id="2" name="Title 1">
             <a:extLst>
               <a:ext uri="{FF2B5EF4-FFF2-40B4-BE49-F238E27FC236}">
@@ -3569,7 +4026,7 @@
           <a:p>
             <a:fld id="{D7AA6054-60FB-8048-98AD-326CDDBBD22D}" type="slidenum">
               <a:rPr lang="en-US" smtClean="0"/>
-              <a:t>6</a:t>
+              <a:t>8</a:t>
             </a:fld>
             <a:endParaRPr lang="en-US"/>
           </a:p>
@@ -3618,7 +4075,7 @@
 </p:sld>
 </file>
 
-<file path=ppt/slides/slide7.xml><?xml version="1.0" encoding="utf-8"?>
+<file path=ppt/slides/slide9.xml><?xml version="1.0" encoding="utf-8"?>
 <p:sld xmlns:a="http://schemas.openxmlformats.org/drawingml/2006/main" xmlns:r="http://schemas.openxmlformats.org/officeDocument/2006/relationships" xmlns:p="http://schemas.openxmlformats.org/presentationml/2006/main">
   <p:cSld>
     <p:spTree>
@@ -3657,10 +4114,16 @@
           <a:lstStyle/>
           <a:p>
             <a:r>
-              <a:rPr lang="en-US"/>
-              <a:t>Demonstration</a:t>
+              <a:rPr lang="en-US" dirty="0"/>
+              <a:t>Demonstration:</a:t>
             </a:r>
-            <a:endParaRPr lang="en-US" dirty="0"/>
+            <a:br>
+              <a:rPr lang="en-US" dirty="0"/>
+            </a:br>
+            <a:r>
+              <a:rPr lang="en-US" dirty="0"/>
+              <a:t>Network Traffic</a:t>
+            </a:r>
           </a:p>
         </p:txBody>
       </p:sp>
@@ -3668,120 +4131,6 @@
     <p:extLst>
       <p:ext uri="{BB962C8B-B14F-4D97-AF65-F5344CB8AC3E}">
         <p14:creationId xmlns:p14="http://schemas.microsoft.com/office/powerpoint/2010/main" val="1858176420"/>
-      </p:ext>
-    </p:extLst>
-  </p:cSld>
-  <p:clrMapOvr>
-    <a:masterClrMapping/>
-  </p:clrMapOvr>
-</p:sld>
-</file>
-
-<file path=ppt/slides/slide8.xml><?xml version="1.0" encoding="utf-8"?>
-<p:sld xmlns:a="http://schemas.openxmlformats.org/drawingml/2006/main" xmlns:r="http://schemas.openxmlformats.org/officeDocument/2006/relationships" xmlns:p="http://schemas.openxmlformats.org/presentationml/2006/main">
-  <p:cSld>
-    <p:spTree>
-      <p:nvGrpSpPr>
-        <p:cNvPr id="1" name=""/>
-        <p:cNvGrpSpPr/>
-        <p:nvPr/>
-      </p:nvGrpSpPr>
-      <p:grpSpPr>
-        <a:xfrm>
-          <a:off x="0" y="0"/>
-          <a:ext cx="0" cy="0"/>
-          <a:chOff x="0" y="0"/>
-          <a:chExt cx="0" cy="0"/>
-        </a:xfrm>
-      </p:grpSpPr>
-      <p:sp>
-        <p:nvSpPr>
-          <p:cNvPr id="2" name="Title 1">
-            <a:extLst>
-              <a:ext uri="{FF2B5EF4-FFF2-40B4-BE49-F238E27FC236}">
-                <a16:creationId xmlns:a16="http://schemas.microsoft.com/office/drawing/2014/main" id="{CC41D186-8911-9F4B-8D5D-343D0DB2995D}"/>
-              </a:ext>
-            </a:extLst>
-          </p:cNvPr>
-          <p:cNvSpPr>
-            <a:spLocks noGrp="1"/>
-          </p:cNvSpPr>
-          <p:nvPr>
-            <p:ph type="title"/>
-          </p:nvPr>
-        </p:nvSpPr>
-        <p:spPr/>
-        <p:txBody>
-          <a:bodyPr/>
-          <a:lstStyle/>
-          <a:p>
-            <a:endParaRPr lang="en-US"/>
-          </a:p>
-        </p:txBody>
-      </p:sp>
-      <p:sp>
-        <p:nvSpPr>
-          <p:cNvPr id="3" name="Slide Number Placeholder 2">
-            <a:extLst>
-              <a:ext uri="{FF2B5EF4-FFF2-40B4-BE49-F238E27FC236}">
-                <a16:creationId xmlns:a16="http://schemas.microsoft.com/office/drawing/2014/main" id="{BCC6CCD6-B825-BC46-BEF8-0B94C44FDDA8}"/>
-              </a:ext>
-            </a:extLst>
-          </p:cNvPr>
-          <p:cNvSpPr>
-            <a:spLocks noGrp="1"/>
-          </p:cNvSpPr>
-          <p:nvPr>
-            <p:ph type="sldNum" sz="quarter" idx="12"/>
-          </p:nvPr>
-        </p:nvSpPr>
-        <p:spPr/>
-        <p:txBody>
-          <a:bodyPr/>
-          <a:lstStyle/>
-          <a:p>
-            <a:fld id="{D7AA6054-60FB-8048-98AD-326CDDBBD22D}" type="slidenum">
-              <a:rPr lang="en-US" smtClean="0"/>
-              <a:t>8</a:t>
-            </a:fld>
-            <a:endParaRPr lang="en-US"/>
-          </a:p>
-        </p:txBody>
-      </p:sp>
-      <p:pic>
-        <p:nvPicPr>
-          <p:cNvPr id="4" name="Picture 3">
-            <a:extLst>
-              <a:ext uri="{FF2B5EF4-FFF2-40B4-BE49-F238E27FC236}">
-                <a16:creationId xmlns:a16="http://schemas.microsoft.com/office/drawing/2014/main" id="{8FA11F1E-AE2B-BE4A-81EB-99D967B8F155}"/>
-              </a:ext>
-            </a:extLst>
-          </p:cNvPr>
-          <p:cNvPicPr>
-            <a:picLocks noChangeAspect="1"/>
-          </p:cNvPicPr>
-          <p:nvPr/>
-        </p:nvPicPr>
-        <p:blipFill>
-          <a:blip r:embed="rId2"/>
-          <a:stretch>
-            <a:fillRect/>
-          </a:stretch>
-        </p:blipFill>
-        <p:spPr>
-          <a:xfrm>
-            <a:off x="0" y="818029"/>
-            <a:ext cx="12192000" cy="5221941"/>
-          </a:xfrm>
-          <a:prstGeom prst="rect">
-            <a:avLst/>
-          </a:prstGeom>
-        </p:spPr>
-      </p:pic>
-    </p:spTree>
-    <p:extLst>
-      <p:ext uri="{BB962C8B-B14F-4D97-AF65-F5344CB8AC3E}">
-        <p14:creationId xmlns:p14="http://schemas.microsoft.com/office/powerpoint/2010/main" val="809947040"/>
       </p:ext>
     </p:extLst>
   </p:cSld>

--- a/module-2/ppt/2.1-Overview.pptx
+++ b/module-2/ppt/2.1-Overview.pptx
@@ -6,20 +6,31 @@
     <p:sldMasterId id="2147483674" r:id="rId2"/>
   </p:sldMasterIdLst>
   <p:notesMasterIdLst>
-    <p:notesMasterId r:id="rId14"/>
+    <p:notesMasterId r:id="rId25"/>
   </p:notesMasterIdLst>
   <p:sldIdLst>
     <p:sldId id="2602" r:id="rId3"/>
     <p:sldId id="330" r:id="rId4"/>
     <p:sldId id="2600" r:id="rId5"/>
     <p:sldId id="2604" r:id="rId6"/>
-    <p:sldId id="2591" r:id="rId7"/>
-    <p:sldId id="2605" r:id="rId8"/>
-    <p:sldId id="2606" r:id="rId9"/>
-    <p:sldId id="2594" r:id="rId10"/>
-    <p:sldId id="2603" r:id="rId11"/>
-    <p:sldId id="2607" r:id="rId12"/>
-    <p:sldId id="2596" r:id="rId13"/>
+    <p:sldId id="384" r:id="rId7"/>
+    <p:sldId id="349" r:id="rId8"/>
+    <p:sldId id="350" r:id="rId9"/>
+    <p:sldId id="351" r:id="rId10"/>
+    <p:sldId id="352" r:id="rId11"/>
+    <p:sldId id="353" r:id="rId12"/>
+    <p:sldId id="354" r:id="rId13"/>
+    <p:sldId id="355" r:id="rId14"/>
+    <p:sldId id="356" r:id="rId15"/>
+    <p:sldId id="2609" r:id="rId16"/>
+    <p:sldId id="2608" r:id="rId17"/>
+    <p:sldId id="2591" r:id="rId18"/>
+    <p:sldId id="2605" r:id="rId19"/>
+    <p:sldId id="2606" r:id="rId20"/>
+    <p:sldId id="2594" r:id="rId21"/>
+    <p:sldId id="2603" r:id="rId22"/>
+    <p:sldId id="2607" r:id="rId23"/>
+    <p:sldId id="2596" r:id="rId24"/>
   </p:sldIdLst>
   <p:sldSz cx="12192000" cy="6858000"/>
   <p:notesSz cx="6858000" cy="9144000"/>
@@ -214,7 +225,7 @@
           <a:p>
             <a:fld id="{A2472FB4-D3E2-AE43-B634-FEEAFFC420FD}" type="datetimeFigureOut">
               <a:rPr lang="en-US" smtClean="0"/>
-              <a:t>11/16/20</a:t>
+              <a:t>11/23/20</a:t>
             </a:fld>
             <a:endParaRPr lang="en-US"/>
           </a:p>
@@ -481,6 +492,2489 @@
 </p:notesMaster>
 </file>
 
+<file path=ppt/notesSlides/notesSlide1.xml><?xml version="1.0" encoding="utf-8"?>
+<p:notes xmlns:a="http://schemas.openxmlformats.org/drawingml/2006/main" xmlns:r="http://schemas.openxmlformats.org/officeDocument/2006/relationships" xmlns:p="http://schemas.openxmlformats.org/presentationml/2006/main">
+  <p:cSld>
+    <p:spTree>
+      <p:nvGrpSpPr>
+        <p:cNvPr id="1" name=""/>
+        <p:cNvGrpSpPr/>
+        <p:nvPr/>
+      </p:nvGrpSpPr>
+      <p:grpSpPr>
+        <a:xfrm>
+          <a:off x="0" y="0"/>
+          <a:ext cx="0" cy="0"/>
+          <a:chOff x="0" y="0"/>
+          <a:chExt cx="0" cy="0"/>
+        </a:xfrm>
+      </p:grpSpPr>
+      <p:sp>
+        <p:nvSpPr>
+          <p:cNvPr id="2" name="Slide Image Placeholder 1">
+            <a:extLst>
+              <a:ext uri="{FF2B5EF4-FFF2-40B4-BE49-F238E27FC236}">
+                <a16:creationId xmlns:a16="http://schemas.microsoft.com/office/drawing/2014/main" id="{3104397D-BBD7-8940-8F11-DCCAEAE5F482}"/>
+              </a:ext>
+            </a:extLst>
+          </p:cNvPr>
+          <p:cNvSpPr>
+            <a:spLocks noGrp="1" noRot="1" noChangeAspect="1"/>
+          </p:cNvSpPr>
+          <p:nvPr>
+            <p:ph type="sldImg"/>
+          </p:nvPr>
+        </p:nvSpPr>
+        <p:spPr/>
+      </p:sp>
+      <p:sp>
+        <p:nvSpPr>
+          <p:cNvPr id="3" name="Notes Placeholder 2">
+            <a:extLst>
+              <a:ext uri="{FF2B5EF4-FFF2-40B4-BE49-F238E27FC236}">
+                <a16:creationId xmlns:a16="http://schemas.microsoft.com/office/drawing/2014/main" id="{DA2A3C49-70FD-F740-85BA-427BD1BBE344}"/>
+              </a:ext>
+            </a:extLst>
+          </p:cNvPr>
+          <p:cNvSpPr>
+            <a:spLocks noGrp="1"/>
+          </p:cNvSpPr>
+          <p:nvPr>
+            <p:ph type="body" idx="1"/>
+          </p:nvPr>
+        </p:nvSpPr>
+        <p:spPr/>
+        <p:txBody>
+          <a:bodyPr/>
+          <a:lstStyle/>
+          <a:p>
+            <a:pPr>
+              <a:defRPr/>
+            </a:pPr>
+            <a:r>
+              <a:rPr lang="en-US" dirty="0"/>
+              <a:t>The first worm was written by someone with no malicious intent, just for curiosity and fun. Things are very different today</a:t>
+            </a:r>
+          </a:p>
+          <a:p>
+            <a:pPr>
+              <a:defRPr/>
+            </a:pPr>
+            <a:endParaRPr lang="en-US" dirty="0"/>
+          </a:p>
+          <a:p>
+            <a:pPr>
+              <a:defRPr/>
+            </a:pPr>
+            <a:r>
+              <a:rPr lang="en-US" dirty="0"/>
+              <a:t>Great </a:t>
+            </a:r>
+            <a:r>
+              <a:rPr lang="en-US" dirty="0" err="1"/>
+              <a:t>writeup</a:t>
+            </a:r>
+            <a:r>
+              <a:rPr lang="en-US" dirty="0"/>
+              <a:t> here</a:t>
+            </a:r>
+          </a:p>
+          <a:p>
+            <a:pPr>
+              <a:defRPr/>
+            </a:pPr>
+            <a:r>
+              <a:rPr lang="en-US" dirty="0">
+                <a:hlinkClick r:id="rId3"/>
+              </a:rPr>
+              <a:t>http://www.washingtonpost.com/blogs/the-switch/wp/2013/11/01/how-a-grad-student-trying-to-build-the-first-botnet-brought-the-internet-to-its-knees/</a:t>
+            </a:r>
+            <a:endParaRPr lang="en-US" dirty="0"/>
+          </a:p>
+          <a:p>
+            <a:pPr>
+              <a:defRPr/>
+            </a:pPr>
+            <a:r>
+              <a:rPr lang="en-US" dirty="0"/>
+              <a:t>(Accidentally said in class that he was in college, actually grad school)</a:t>
+            </a:r>
+          </a:p>
+        </p:txBody>
+      </p:sp>
+      <p:sp>
+        <p:nvSpPr>
+          <p:cNvPr id="4" name="Slide Number Placeholder 3">
+            <a:extLst>
+              <a:ext uri="{FF2B5EF4-FFF2-40B4-BE49-F238E27FC236}">
+                <a16:creationId xmlns:a16="http://schemas.microsoft.com/office/drawing/2014/main" id="{2EA8A91C-BF7D-6E4C-BDB2-FE155EE7B7A0}"/>
+              </a:ext>
+            </a:extLst>
+          </p:cNvPr>
+          <p:cNvSpPr>
+            <a:spLocks noGrp="1"/>
+          </p:cNvSpPr>
+          <p:nvPr>
+            <p:ph type="sldNum" sz="quarter" idx="5"/>
+          </p:nvPr>
+        </p:nvSpPr>
+        <p:spPr>
+          <a:extLst>
+            <a:ext uri="{909E8E84-426E-40dd-AFC4-6F175D3DCCD1}">
+              <a14:hiddenFill xmlns:a14="http://schemas.microsoft.com/office/drawing/2010/main" xmlns="">
+                <a:solidFill>
+                  <a:schemeClr val="accent1"/>
+                </a:solidFill>
+              </a14:hiddenFill>
+            </a:ext>
+            <a:ext uri="{91240B29-F687-4f45-9708-019B960494DF}">
+              <a14:hiddenLine xmlns:a14="http://schemas.microsoft.com/office/drawing/2010/main" xmlns="" w="9525">
+                <a:solidFill>
+                  <a:schemeClr val="tx1"/>
+                </a:solidFill>
+                <a:miter lim="800000"/>
+                <a:headEnd/>
+                <a:tailEnd/>
+              </a14:hiddenLine>
+            </a:ext>
+            <a:ext uri="{AF507438-7753-43e0-B8FC-AC1667EBCBE1}">
+              <a14:hiddenEffects xmlns:a14="http://schemas.microsoft.com/office/drawing/2010/main" xmlns="">
+                <a:effectLst>
+                  <a:outerShdw blurRad="63500" dist="38099" dir="2700000" algn="ctr" rotWithShape="0">
+                    <a:schemeClr val="bg2">
+                      <a:alpha val="74998"/>
+                    </a:schemeClr>
+                  </a:outerShdw>
+                </a:effectLst>
+              </a14:hiddenEffects>
+            </a:ext>
+            <a:ext uri="{FAA26D3D-D897-4be2-8F04-BA451C77F1D7}">
+              <ma14:placeholderFlag xmlns:ma14="http://schemas.microsoft.com/office/mac/drawingml/2011/main" xmlns="" val="1"/>
+            </a:ext>
+          </a:extLst>
+        </p:spPr>
+        <p:txBody>
+          <a:bodyPr/>
+          <a:lstStyle>
+            <a:lvl1pPr eaLnBrk="0" hangingPunct="0">
+              <a:defRPr sz="2400">
+                <a:solidFill>
+                  <a:schemeClr val="tx1"/>
+                </a:solidFill>
+                <a:latin typeface="Arial" panose="020B0604020202020204" pitchFamily="34" charset="0"/>
+                <a:ea typeface="ＭＳ Ｐゴシック" panose="020B0600070205080204" pitchFamily="34" charset="-128"/>
+              </a:defRPr>
+            </a:lvl1pPr>
+            <a:lvl2pPr marL="742950" indent="-285750" eaLnBrk="0" hangingPunct="0">
+              <a:defRPr sz="2400">
+                <a:solidFill>
+                  <a:schemeClr val="tx1"/>
+                </a:solidFill>
+                <a:latin typeface="Arial" panose="020B0604020202020204" pitchFamily="34" charset="0"/>
+                <a:ea typeface="ＭＳ Ｐゴシック" panose="020B0600070205080204" pitchFamily="34" charset="-128"/>
+              </a:defRPr>
+            </a:lvl2pPr>
+            <a:lvl3pPr marL="1143000" indent="-228600" eaLnBrk="0" hangingPunct="0">
+              <a:defRPr sz="2400">
+                <a:solidFill>
+                  <a:schemeClr val="tx1"/>
+                </a:solidFill>
+                <a:latin typeface="Arial" panose="020B0604020202020204" pitchFamily="34" charset="0"/>
+                <a:ea typeface="ＭＳ Ｐゴシック" panose="020B0600070205080204" pitchFamily="34" charset="-128"/>
+              </a:defRPr>
+            </a:lvl3pPr>
+            <a:lvl4pPr marL="1600200" indent="-228600" eaLnBrk="0" hangingPunct="0">
+              <a:defRPr sz="2400">
+                <a:solidFill>
+                  <a:schemeClr val="tx1"/>
+                </a:solidFill>
+                <a:latin typeface="Arial" panose="020B0604020202020204" pitchFamily="34" charset="0"/>
+                <a:ea typeface="ＭＳ Ｐゴシック" panose="020B0600070205080204" pitchFamily="34" charset="-128"/>
+              </a:defRPr>
+            </a:lvl4pPr>
+            <a:lvl5pPr marL="2057400" indent="-228600" eaLnBrk="0" hangingPunct="0">
+              <a:defRPr sz="2400">
+                <a:solidFill>
+                  <a:schemeClr val="tx1"/>
+                </a:solidFill>
+                <a:latin typeface="Arial" panose="020B0604020202020204" pitchFamily="34" charset="0"/>
+                <a:ea typeface="ＭＳ Ｐゴシック" panose="020B0600070205080204" pitchFamily="34" charset="-128"/>
+              </a:defRPr>
+            </a:lvl5pPr>
+            <a:lvl6pPr marL="2514600" indent="-228600" eaLnBrk="0" fontAlgn="base" hangingPunct="0">
+              <a:spcBef>
+                <a:spcPct val="0"/>
+              </a:spcBef>
+              <a:spcAft>
+                <a:spcPct val="0"/>
+              </a:spcAft>
+              <a:defRPr sz="2400">
+                <a:solidFill>
+                  <a:schemeClr val="tx1"/>
+                </a:solidFill>
+                <a:latin typeface="Arial" panose="020B0604020202020204" pitchFamily="34" charset="0"/>
+                <a:ea typeface="ＭＳ Ｐゴシック" panose="020B0600070205080204" pitchFamily="34" charset="-128"/>
+              </a:defRPr>
+            </a:lvl6pPr>
+            <a:lvl7pPr marL="2971800" indent="-228600" eaLnBrk="0" fontAlgn="base" hangingPunct="0">
+              <a:spcBef>
+                <a:spcPct val="0"/>
+              </a:spcBef>
+              <a:spcAft>
+                <a:spcPct val="0"/>
+              </a:spcAft>
+              <a:defRPr sz="2400">
+                <a:solidFill>
+                  <a:schemeClr val="tx1"/>
+                </a:solidFill>
+                <a:latin typeface="Arial" panose="020B0604020202020204" pitchFamily="34" charset="0"/>
+                <a:ea typeface="ＭＳ Ｐゴシック" panose="020B0600070205080204" pitchFamily="34" charset="-128"/>
+              </a:defRPr>
+            </a:lvl7pPr>
+            <a:lvl8pPr marL="3429000" indent="-228600" eaLnBrk="0" fontAlgn="base" hangingPunct="0">
+              <a:spcBef>
+                <a:spcPct val="0"/>
+              </a:spcBef>
+              <a:spcAft>
+                <a:spcPct val="0"/>
+              </a:spcAft>
+              <a:defRPr sz="2400">
+                <a:solidFill>
+                  <a:schemeClr val="tx1"/>
+                </a:solidFill>
+                <a:latin typeface="Arial" panose="020B0604020202020204" pitchFamily="34" charset="0"/>
+                <a:ea typeface="ＭＳ Ｐゴシック" panose="020B0600070205080204" pitchFamily="34" charset="-128"/>
+              </a:defRPr>
+            </a:lvl8pPr>
+            <a:lvl9pPr marL="3886200" indent="-228600" eaLnBrk="0" fontAlgn="base" hangingPunct="0">
+              <a:spcBef>
+                <a:spcPct val="0"/>
+              </a:spcBef>
+              <a:spcAft>
+                <a:spcPct val="0"/>
+              </a:spcAft>
+              <a:defRPr sz="2400">
+                <a:solidFill>
+                  <a:schemeClr val="tx1"/>
+                </a:solidFill>
+                <a:latin typeface="Arial" panose="020B0604020202020204" pitchFamily="34" charset="0"/>
+                <a:ea typeface="ＭＳ Ｐゴシック" panose="020B0600070205080204" pitchFamily="34" charset="-128"/>
+              </a:defRPr>
+            </a:lvl9pPr>
+          </a:lstStyle>
+          <a:p>
+            <a:pPr eaLnBrk="1" hangingPunct="1"/>
+            <a:fld id="{79CB4541-262C-3745-9F5A-8FCBF7611049}" type="slidenum">
+              <a:rPr lang="en-US" altLang="en-US" sz="1200"/>
+              <a:pPr eaLnBrk="1" hangingPunct="1"/>
+              <a:t>5</a:t>
+            </a:fld>
+            <a:endParaRPr lang="en-US" altLang="en-US" sz="1200"/>
+          </a:p>
+        </p:txBody>
+      </p:sp>
+    </p:spTree>
+    <p:extLst>
+      <p:ext uri="{BB962C8B-B14F-4D97-AF65-F5344CB8AC3E}">
+        <p14:creationId xmlns:p14="http://schemas.microsoft.com/office/powerpoint/2010/main" val="3882686322"/>
+      </p:ext>
+    </p:extLst>
+  </p:cSld>
+  <p:clrMapOvr>
+    <a:masterClrMapping/>
+  </p:clrMapOvr>
+</p:notes>
+</file>
+
+<file path=ppt/notesSlides/notesSlide10.xml><?xml version="1.0" encoding="utf-8"?>
+<p:notes xmlns:a="http://schemas.openxmlformats.org/drawingml/2006/main" xmlns:r="http://schemas.openxmlformats.org/officeDocument/2006/relationships" xmlns:p="http://schemas.openxmlformats.org/presentationml/2006/main">
+  <p:cSld>
+    <p:spTree>
+      <p:nvGrpSpPr>
+        <p:cNvPr id="1" name=""/>
+        <p:cNvGrpSpPr/>
+        <p:nvPr/>
+      </p:nvGrpSpPr>
+      <p:grpSpPr>
+        <a:xfrm>
+          <a:off x="0" y="0"/>
+          <a:ext cx="0" cy="0"/>
+          <a:chOff x="0" y="0"/>
+          <a:chExt cx="0" cy="0"/>
+        </a:xfrm>
+      </p:grpSpPr>
+      <p:sp>
+        <p:nvSpPr>
+          <p:cNvPr id="2" name="Slide Image Placeholder 1"/>
+          <p:cNvSpPr>
+            <a:spLocks noGrp="1" noRot="1" noChangeAspect="1"/>
+          </p:cNvSpPr>
+          <p:nvPr>
+            <p:ph type="sldImg"/>
+          </p:nvPr>
+        </p:nvSpPr>
+        <p:spPr/>
+      </p:sp>
+      <p:sp>
+        <p:nvSpPr>
+          <p:cNvPr id="3" name="Notes Placeholder 2"/>
+          <p:cNvSpPr>
+            <a:spLocks noGrp="1"/>
+          </p:cNvSpPr>
+          <p:nvPr>
+            <p:ph type="body" idx="1"/>
+          </p:nvPr>
+        </p:nvSpPr>
+        <p:spPr/>
+        <p:txBody>
+          <a:bodyPr/>
+          <a:lstStyle/>
+          <a:p>
+            <a:r>
+              <a:rPr lang="en-US" dirty="0"/>
+              <a:t>Explain why people need to know what follows…</a:t>
+            </a:r>
+          </a:p>
+        </p:txBody>
+      </p:sp>
+      <p:sp>
+        <p:nvSpPr>
+          <p:cNvPr id="4" name="Slide Number Placeholder 3"/>
+          <p:cNvSpPr>
+            <a:spLocks noGrp="1"/>
+          </p:cNvSpPr>
+          <p:nvPr>
+            <p:ph type="sldNum" sz="quarter" idx="5"/>
+          </p:nvPr>
+        </p:nvSpPr>
+        <p:spPr/>
+        <p:txBody>
+          <a:bodyPr/>
+          <a:lstStyle/>
+          <a:p>
+            <a:fld id="{F07A0969-AB06-8F45-A6FC-715D576488B1}" type="slidenum">
+              <a:rPr lang="en-US" smtClean="0"/>
+              <a:t>15</a:t>
+            </a:fld>
+            <a:endParaRPr lang="en-US"/>
+          </a:p>
+        </p:txBody>
+      </p:sp>
+    </p:spTree>
+    <p:extLst>
+      <p:ext uri="{BB962C8B-B14F-4D97-AF65-F5344CB8AC3E}">
+        <p14:creationId xmlns:p14="http://schemas.microsoft.com/office/powerpoint/2010/main" val="3380719683"/>
+      </p:ext>
+    </p:extLst>
+  </p:cSld>
+  <p:clrMapOvr>
+    <a:masterClrMapping/>
+  </p:clrMapOvr>
+</p:notes>
+</file>
+
+<file path=ppt/notesSlides/notesSlide2.xml><?xml version="1.0" encoding="utf-8"?>
+<p:notes xmlns:a="http://schemas.openxmlformats.org/drawingml/2006/main" xmlns:r="http://schemas.openxmlformats.org/officeDocument/2006/relationships" xmlns:p="http://schemas.openxmlformats.org/presentationml/2006/main">
+  <p:cSld>
+    <p:spTree>
+      <p:nvGrpSpPr>
+        <p:cNvPr id="1" name=""/>
+        <p:cNvGrpSpPr/>
+        <p:nvPr/>
+      </p:nvGrpSpPr>
+      <p:grpSpPr>
+        <a:xfrm>
+          <a:off x="0" y="0"/>
+          <a:ext cx="0" cy="0"/>
+          <a:chOff x="0" y="0"/>
+          <a:chExt cx="0" cy="0"/>
+        </a:xfrm>
+      </p:grpSpPr>
+      <p:sp>
+        <p:nvSpPr>
+          <p:cNvPr id="7" name="Rectangle 7">
+            <a:extLst>
+              <a:ext uri="{FF2B5EF4-FFF2-40B4-BE49-F238E27FC236}">
+                <a16:creationId xmlns:a16="http://schemas.microsoft.com/office/drawing/2014/main" id="{4BB59B29-F756-394F-B7DB-9A3C4575BCB0}"/>
+              </a:ext>
+            </a:extLst>
+          </p:cNvPr>
+          <p:cNvSpPr>
+            <a:spLocks noGrp="1" noChangeArrowheads="1"/>
+          </p:cNvSpPr>
+          <p:nvPr>
+            <p:ph type="sldNum" sz="quarter" idx="5"/>
+          </p:nvPr>
+        </p:nvSpPr>
+        <p:spPr>
+          <a:extLst>
+            <a:ext uri="{909E8E84-426E-40dd-AFC4-6F175D3DCCD1}">
+              <a14:hiddenFill xmlns:a14="http://schemas.microsoft.com/office/drawing/2010/main" xmlns="">
+                <a:solidFill>
+                  <a:schemeClr val="accent1"/>
+                </a:solidFill>
+              </a14:hiddenFill>
+            </a:ext>
+            <a:ext uri="{91240B29-F687-4f45-9708-019B960494DF}">
+              <a14:hiddenLine xmlns:a14="http://schemas.microsoft.com/office/drawing/2010/main" xmlns="" w="9525">
+                <a:solidFill>
+                  <a:schemeClr val="tx1"/>
+                </a:solidFill>
+                <a:miter lim="800000"/>
+                <a:headEnd/>
+                <a:tailEnd/>
+              </a14:hiddenLine>
+            </a:ext>
+            <a:ext uri="{AF507438-7753-43e0-B8FC-AC1667EBCBE1}">
+              <a14:hiddenEffects xmlns:a14="http://schemas.microsoft.com/office/drawing/2010/main" xmlns="">
+                <a:effectLst>
+                  <a:outerShdw blurRad="63500" dist="38099" dir="2700000" algn="ctr" rotWithShape="0">
+                    <a:schemeClr val="bg2">
+                      <a:alpha val="74998"/>
+                    </a:schemeClr>
+                  </a:outerShdw>
+                </a:effectLst>
+              </a14:hiddenEffects>
+            </a:ext>
+            <a:ext uri="{FAA26D3D-D897-4be2-8F04-BA451C77F1D7}">
+              <ma14:placeholderFlag xmlns:ma14="http://schemas.microsoft.com/office/mac/drawingml/2011/main" xmlns="" val="1"/>
+            </a:ext>
+          </a:extLst>
+        </p:spPr>
+        <p:txBody>
+          <a:bodyPr/>
+          <a:lstStyle>
+            <a:lvl1pPr eaLnBrk="0" hangingPunct="0">
+              <a:defRPr sz="2400">
+                <a:solidFill>
+                  <a:schemeClr val="tx1"/>
+                </a:solidFill>
+                <a:latin typeface="Arial" panose="020B0604020202020204" pitchFamily="34" charset="0"/>
+                <a:ea typeface="ＭＳ Ｐゴシック" panose="020B0600070205080204" pitchFamily="34" charset="-128"/>
+              </a:defRPr>
+            </a:lvl1pPr>
+            <a:lvl2pPr marL="742950" indent="-285750" eaLnBrk="0" hangingPunct="0">
+              <a:defRPr sz="2400">
+                <a:solidFill>
+                  <a:schemeClr val="tx1"/>
+                </a:solidFill>
+                <a:latin typeface="Arial" panose="020B0604020202020204" pitchFamily="34" charset="0"/>
+                <a:ea typeface="ＭＳ Ｐゴシック" panose="020B0600070205080204" pitchFamily="34" charset="-128"/>
+              </a:defRPr>
+            </a:lvl2pPr>
+            <a:lvl3pPr marL="1143000" indent="-228600" eaLnBrk="0" hangingPunct="0">
+              <a:defRPr sz="2400">
+                <a:solidFill>
+                  <a:schemeClr val="tx1"/>
+                </a:solidFill>
+                <a:latin typeface="Arial" panose="020B0604020202020204" pitchFamily="34" charset="0"/>
+                <a:ea typeface="ＭＳ Ｐゴシック" panose="020B0600070205080204" pitchFamily="34" charset="-128"/>
+              </a:defRPr>
+            </a:lvl3pPr>
+            <a:lvl4pPr marL="1600200" indent="-228600" eaLnBrk="0" hangingPunct="0">
+              <a:defRPr sz="2400">
+                <a:solidFill>
+                  <a:schemeClr val="tx1"/>
+                </a:solidFill>
+                <a:latin typeface="Arial" panose="020B0604020202020204" pitchFamily="34" charset="0"/>
+                <a:ea typeface="ＭＳ Ｐゴシック" panose="020B0600070205080204" pitchFamily="34" charset="-128"/>
+              </a:defRPr>
+            </a:lvl4pPr>
+            <a:lvl5pPr marL="2057400" indent="-228600" eaLnBrk="0" hangingPunct="0">
+              <a:defRPr sz="2400">
+                <a:solidFill>
+                  <a:schemeClr val="tx1"/>
+                </a:solidFill>
+                <a:latin typeface="Arial" panose="020B0604020202020204" pitchFamily="34" charset="0"/>
+                <a:ea typeface="ＭＳ Ｐゴシック" panose="020B0600070205080204" pitchFamily="34" charset="-128"/>
+              </a:defRPr>
+            </a:lvl5pPr>
+            <a:lvl6pPr marL="2514600" indent="-228600" eaLnBrk="0" fontAlgn="base" hangingPunct="0">
+              <a:spcBef>
+                <a:spcPct val="0"/>
+              </a:spcBef>
+              <a:spcAft>
+                <a:spcPct val="0"/>
+              </a:spcAft>
+              <a:defRPr sz="2400">
+                <a:solidFill>
+                  <a:schemeClr val="tx1"/>
+                </a:solidFill>
+                <a:latin typeface="Arial" panose="020B0604020202020204" pitchFamily="34" charset="0"/>
+                <a:ea typeface="ＭＳ Ｐゴシック" panose="020B0600070205080204" pitchFamily="34" charset="-128"/>
+              </a:defRPr>
+            </a:lvl6pPr>
+            <a:lvl7pPr marL="2971800" indent="-228600" eaLnBrk="0" fontAlgn="base" hangingPunct="0">
+              <a:spcBef>
+                <a:spcPct val="0"/>
+              </a:spcBef>
+              <a:spcAft>
+                <a:spcPct val="0"/>
+              </a:spcAft>
+              <a:defRPr sz="2400">
+                <a:solidFill>
+                  <a:schemeClr val="tx1"/>
+                </a:solidFill>
+                <a:latin typeface="Arial" panose="020B0604020202020204" pitchFamily="34" charset="0"/>
+                <a:ea typeface="ＭＳ Ｐゴシック" panose="020B0600070205080204" pitchFamily="34" charset="-128"/>
+              </a:defRPr>
+            </a:lvl7pPr>
+            <a:lvl8pPr marL="3429000" indent="-228600" eaLnBrk="0" fontAlgn="base" hangingPunct="0">
+              <a:spcBef>
+                <a:spcPct val="0"/>
+              </a:spcBef>
+              <a:spcAft>
+                <a:spcPct val="0"/>
+              </a:spcAft>
+              <a:defRPr sz="2400">
+                <a:solidFill>
+                  <a:schemeClr val="tx1"/>
+                </a:solidFill>
+                <a:latin typeface="Arial" panose="020B0604020202020204" pitchFamily="34" charset="0"/>
+                <a:ea typeface="ＭＳ Ｐゴシック" panose="020B0600070205080204" pitchFamily="34" charset="-128"/>
+              </a:defRPr>
+            </a:lvl8pPr>
+            <a:lvl9pPr marL="3886200" indent="-228600" eaLnBrk="0" fontAlgn="base" hangingPunct="0">
+              <a:spcBef>
+                <a:spcPct val="0"/>
+              </a:spcBef>
+              <a:spcAft>
+                <a:spcPct val="0"/>
+              </a:spcAft>
+              <a:defRPr sz="2400">
+                <a:solidFill>
+                  <a:schemeClr val="tx1"/>
+                </a:solidFill>
+                <a:latin typeface="Arial" panose="020B0604020202020204" pitchFamily="34" charset="0"/>
+                <a:ea typeface="ＭＳ Ｐゴシック" panose="020B0600070205080204" pitchFamily="34" charset="-128"/>
+              </a:defRPr>
+            </a:lvl9pPr>
+          </a:lstStyle>
+          <a:p>
+            <a:pPr eaLnBrk="1" hangingPunct="1"/>
+            <a:fld id="{04E353E0-A557-E949-BBC5-A3C312E1D7B1}" type="slidenum">
+              <a:rPr lang="en-US" altLang="en-US" sz="1200"/>
+              <a:pPr eaLnBrk="1" hangingPunct="1"/>
+              <a:t>6</a:t>
+            </a:fld>
+            <a:endParaRPr lang="en-US" altLang="en-US" sz="1200"/>
+          </a:p>
+        </p:txBody>
+      </p:sp>
+      <p:sp>
+        <p:nvSpPr>
+          <p:cNvPr id="31746" name="Rectangle 2">
+            <a:extLst>
+              <a:ext uri="{FF2B5EF4-FFF2-40B4-BE49-F238E27FC236}">
+                <a16:creationId xmlns:a16="http://schemas.microsoft.com/office/drawing/2014/main" id="{636C3370-38F1-1A4B-9F8F-4CC2332C673A}"/>
+              </a:ext>
+            </a:extLst>
+          </p:cNvPr>
+          <p:cNvSpPr>
+            <a:spLocks noGrp="1" noRot="1" noChangeAspect="1" noChangeArrowheads="1" noTextEdit="1"/>
+          </p:cNvSpPr>
+          <p:nvPr>
+            <p:ph type="sldImg"/>
+          </p:nvPr>
+        </p:nvSpPr>
+        <p:spPr>
+          <a:xfrm>
+            <a:off x="393700" y="692150"/>
+            <a:ext cx="6070600" cy="3416300"/>
+          </a:xfrm>
+          <a:ln/>
+          <a:extLst>
+            <a:ext uri="{FAA26D3D-D897-4be2-8F04-BA451C77F1D7}">
+              <ma14:placeholderFlag xmlns:ma14="http://schemas.microsoft.com/office/mac/drawingml/2011/main" xmlns="" val="1"/>
+            </a:ext>
+          </a:extLst>
+        </p:spPr>
+      </p:sp>
+      <p:sp>
+        <p:nvSpPr>
+          <p:cNvPr id="31747" name="Rectangle 3">
+            <a:extLst>
+              <a:ext uri="{FF2B5EF4-FFF2-40B4-BE49-F238E27FC236}">
+                <a16:creationId xmlns:a16="http://schemas.microsoft.com/office/drawing/2014/main" id="{45F4DBF3-CCE8-144F-A331-30309C6FB1E5}"/>
+              </a:ext>
+            </a:extLst>
+          </p:cNvPr>
+          <p:cNvSpPr>
+            <a:spLocks noGrp="1" noChangeArrowheads="1"/>
+          </p:cNvSpPr>
+          <p:nvPr>
+            <p:ph type="body" idx="1"/>
+          </p:nvPr>
+        </p:nvSpPr>
+        <p:spPr>
+          <a:xfrm>
+            <a:off x="914400" y="4343400"/>
+            <a:ext cx="5029200" cy="4114800"/>
+          </a:xfrm>
+        </p:spPr>
+        <p:txBody>
+          <a:bodyPr/>
+          <a:lstStyle/>
+          <a:p>
+            <a:pPr eaLnBrk="1" hangingPunct="1">
+              <a:defRPr/>
+            </a:pPr>
+            <a:endParaRPr lang="en-US">
+              <a:cs typeface="+mn-cs"/>
+            </a:endParaRPr>
+          </a:p>
+        </p:txBody>
+      </p:sp>
+    </p:spTree>
+    <p:extLst>
+      <p:ext uri="{BB962C8B-B14F-4D97-AF65-F5344CB8AC3E}">
+        <p14:creationId xmlns:p14="http://schemas.microsoft.com/office/powerpoint/2010/main" val="1031422654"/>
+      </p:ext>
+    </p:extLst>
+  </p:cSld>
+  <p:clrMapOvr>
+    <a:masterClrMapping/>
+  </p:clrMapOvr>
+</p:notes>
+</file>
+
+<file path=ppt/notesSlides/notesSlide3.xml><?xml version="1.0" encoding="utf-8"?>
+<p:notes xmlns:a="http://schemas.openxmlformats.org/drawingml/2006/main" xmlns:r="http://schemas.openxmlformats.org/officeDocument/2006/relationships" xmlns:p="http://schemas.openxmlformats.org/presentationml/2006/main">
+  <p:cSld>
+    <p:spTree>
+      <p:nvGrpSpPr>
+        <p:cNvPr id="1" name=""/>
+        <p:cNvGrpSpPr/>
+        <p:nvPr/>
+      </p:nvGrpSpPr>
+      <p:grpSpPr>
+        <a:xfrm>
+          <a:off x="0" y="0"/>
+          <a:ext cx="0" cy="0"/>
+          <a:chOff x="0" y="0"/>
+          <a:chExt cx="0" cy="0"/>
+        </a:xfrm>
+      </p:grpSpPr>
+      <p:sp>
+        <p:nvSpPr>
+          <p:cNvPr id="7" name="Rectangle 7">
+            <a:extLst>
+              <a:ext uri="{FF2B5EF4-FFF2-40B4-BE49-F238E27FC236}">
+                <a16:creationId xmlns:a16="http://schemas.microsoft.com/office/drawing/2014/main" id="{609BB9B5-11AD-5048-BB9B-D2238A12B82E}"/>
+              </a:ext>
+            </a:extLst>
+          </p:cNvPr>
+          <p:cNvSpPr>
+            <a:spLocks noGrp="1" noChangeArrowheads="1"/>
+          </p:cNvSpPr>
+          <p:nvPr>
+            <p:ph type="sldNum" sz="quarter" idx="5"/>
+          </p:nvPr>
+        </p:nvSpPr>
+        <p:spPr>
+          <a:extLst>
+            <a:ext uri="{909E8E84-426E-40dd-AFC4-6F175D3DCCD1}">
+              <a14:hiddenFill xmlns:a14="http://schemas.microsoft.com/office/drawing/2010/main" xmlns="">
+                <a:solidFill>
+                  <a:schemeClr val="accent1"/>
+                </a:solidFill>
+              </a14:hiddenFill>
+            </a:ext>
+            <a:ext uri="{91240B29-F687-4f45-9708-019B960494DF}">
+              <a14:hiddenLine xmlns:a14="http://schemas.microsoft.com/office/drawing/2010/main" xmlns="" w="9525">
+                <a:solidFill>
+                  <a:schemeClr val="tx1"/>
+                </a:solidFill>
+                <a:miter lim="800000"/>
+                <a:headEnd/>
+                <a:tailEnd/>
+              </a14:hiddenLine>
+            </a:ext>
+            <a:ext uri="{AF507438-7753-43e0-B8FC-AC1667EBCBE1}">
+              <a14:hiddenEffects xmlns:a14="http://schemas.microsoft.com/office/drawing/2010/main" xmlns="">
+                <a:effectLst>
+                  <a:outerShdw blurRad="63500" dist="38099" dir="2700000" algn="ctr" rotWithShape="0">
+                    <a:schemeClr val="bg2">
+                      <a:alpha val="74998"/>
+                    </a:schemeClr>
+                  </a:outerShdw>
+                </a:effectLst>
+              </a14:hiddenEffects>
+            </a:ext>
+            <a:ext uri="{FAA26D3D-D897-4be2-8F04-BA451C77F1D7}">
+              <ma14:placeholderFlag xmlns:ma14="http://schemas.microsoft.com/office/mac/drawingml/2011/main" xmlns="" val="1"/>
+            </a:ext>
+          </a:extLst>
+        </p:spPr>
+        <p:txBody>
+          <a:bodyPr/>
+          <a:lstStyle>
+            <a:lvl1pPr eaLnBrk="0" hangingPunct="0">
+              <a:defRPr sz="2400">
+                <a:solidFill>
+                  <a:schemeClr val="tx1"/>
+                </a:solidFill>
+                <a:latin typeface="Arial" panose="020B0604020202020204" pitchFamily="34" charset="0"/>
+                <a:ea typeface="ＭＳ Ｐゴシック" panose="020B0600070205080204" pitchFamily="34" charset="-128"/>
+              </a:defRPr>
+            </a:lvl1pPr>
+            <a:lvl2pPr marL="742950" indent="-285750" eaLnBrk="0" hangingPunct="0">
+              <a:defRPr sz="2400">
+                <a:solidFill>
+                  <a:schemeClr val="tx1"/>
+                </a:solidFill>
+                <a:latin typeface="Arial" panose="020B0604020202020204" pitchFamily="34" charset="0"/>
+                <a:ea typeface="ＭＳ Ｐゴシック" panose="020B0600070205080204" pitchFamily="34" charset="-128"/>
+              </a:defRPr>
+            </a:lvl2pPr>
+            <a:lvl3pPr marL="1143000" indent="-228600" eaLnBrk="0" hangingPunct="0">
+              <a:defRPr sz="2400">
+                <a:solidFill>
+                  <a:schemeClr val="tx1"/>
+                </a:solidFill>
+                <a:latin typeface="Arial" panose="020B0604020202020204" pitchFamily="34" charset="0"/>
+                <a:ea typeface="ＭＳ Ｐゴシック" panose="020B0600070205080204" pitchFamily="34" charset="-128"/>
+              </a:defRPr>
+            </a:lvl3pPr>
+            <a:lvl4pPr marL="1600200" indent="-228600" eaLnBrk="0" hangingPunct="0">
+              <a:defRPr sz="2400">
+                <a:solidFill>
+                  <a:schemeClr val="tx1"/>
+                </a:solidFill>
+                <a:latin typeface="Arial" panose="020B0604020202020204" pitchFamily="34" charset="0"/>
+                <a:ea typeface="ＭＳ Ｐゴシック" panose="020B0600070205080204" pitchFamily="34" charset="-128"/>
+              </a:defRPr>
+            </a:lvl4pPr>
+            <a:lvl5pPr marL="2057400" indent="-228600" eaLnBrk="0" hangingPunct="0">
+              <a:defRPr sz="2400">
+                <a:solidFill>
+                  <a:schemeClr val="tx1"/>
+                </a:solidFill>
+                <a:latin typeface="Arial" panose="020B0604020202020204" pitchFamily="34" charset="0"/>
+                <a:ea typeface="ＭＳ Ｐゴシック" panose="020B0600070205080204" pitchFamily="34" charset="-128"/>
+              </a:defRPr>
+            </a:lvl5pPr>
+            <a:lvl6pPr marL="2514600" indent="-228600" eaLnBrk="0" fontAlgn="base" hangingPunct="0">
+              <a:spcBef>
+                <a:spcPct val="0"/>
+              </a:spcBef>
+              <a:spcAft>
+                <a:spcPct val="0"/>
+              </a:spcAft>
+              <a:defRPr sz="2400">
+                <a:solidFill>
+                  <a:schemeClr val="tx1"/>
+                </a:solidFill>
+                <a:latin typeface="Arial" panose="020B0604020202020204" pitchFamily="34" charset="0"/>
+                <a:ea typeface="ＭＳ Ｐゴシック" panose="020B0600070205080204" pitchFamily="34" charset="-128"/>
+              </a:defRPr>
+            </a:lvl6pPr>
+            <a:lvl7pPr marL="2971800" indent="-228600" eaLnBrk="0" fontAlgn="base" hangingPunct="0">
+              <a:spcBef>
+                <a:spcPct val="0"/>
+              </a:spcBef>
+              <a:spcAft>
+                <a:spcPct val="0"/>
+              </a:spcAft>
+              <a:defRPr sz="2400">
+                <a:solidFill>
+                  <a:schemeClr val="tx1"/>
+                </a:solidFill>
+                <a:latin typeface="Arial" panose="020B0604020202020204" pitchFamily="34" charset="0"/>
+                <a:ea typeface="ＭＳ Ｐゴシック" panose="020B0600070205080204" pitchFamily="34" charset="-128"/>
+              </a:defRPr>
+            </a:lvl7pPr>
+            <a:lvl8pPr marL="3429000" indent="-228600" eaLnBrk="0" fontAlgn="base" hangingPunct="0">
+              <a:spcBef>
+                <a:spcPct val="0"/>
+              </a:spcBef>
+              <a:spcAft>
+                <a:spcPct val="0"/>
+              </a:spcAft>
+              <a:defRPr sz="2400">
+                <a:solidFill>
+                  <a:schemeClr val="tx1"/>
+                </a:solidFill>
+                <a:latin typeface="Arial" panose="020B0604020202020204" pitchFamily="34" charset="0"/>
+                <a:ea typeface="ＭＳ Ｐゴシック" panose="020B0600070205080204" pitchFamily="34" charset="-128"/>
+              </a:defRPr>
+            </a:lvl8pPr>
+            <a:lvl9pPr marL="3886200" indent="-228600" eaLnBrk="0" fontAlgn="base" hangingPunct="0">
+              <a:spcBef>
+                <a:spcPct val="0"/>
+              </a:spcBef>
+              <a:spcAft>
+                <a:spcPct val="0"/>
+              </a:spcAft>
+              <a:defRPr sz="2400">
+                <a:solidFill>
+                  <a:schemeClr val="tx1"/>
+                </a:solidFill>
+                <a:latin typeface="Arial" panose="020B0604020202020204" pitchFamily="34" charset="0"/>
+                <a:ea typeface="ＭＳ Ｐゴシック" panose="020B0600070205080204" pitchFamily="34" charset="-128"/>
+              </a:defRPr>
+            </a:lvl9pPr>
+          </a:lstStyle>
+          <a:p>
+            <a:pPr eaLnBrk="1" hangingPunct="1"/>
+            <a:fld id="{7302A534-201F-FB45-B1A1-7410896F2963}" type="slidenum">
+              <a:rPr lang="en-US" altLang="en-US" sz="1200"/>
+              <a:pPr eaLnBrk="1" hangingPunct="1"/>
+              <a:t>7</a:t>
+            </a:fld>
+            <a:endParaRPr lang="en-US" altLang="en-US" sz="1200"/>
+          </a:p>
+        </p:txBody>
+      </p:sp>
+      <p:sp>
+        <p:nvSpPr>
+          <p:cNvPr id="33794" name="Rectangle 2">
+            <a:extLst>
+              <a:ext uri="{FF2B5EF4-FFF2-40B4-BE49-F238E27FC236}">
+                <a16:creationId xmlns:a16="http://schemas.microsoft.com/office/drawing/2014/main" id="{5F4AD680-9695-2B44-8A2B-992616659D05}"/>
+              </a:ext>
+            </a:extLst>
+          </p:cNvPr>
+          <p:cNvSpPr>
+            <a:spLocks noGrp="1" noRot="1" noChangeAspect="1" noChangeArrowheads="1" noTextEdit="1"/>
+          </p:cNvSpPr>
+          <p:nvPr>
+            <p:ph type="sldImg"/>
+          </p:nvPr>
+        </p:nvSpPr>
+        <p:spPr>
+          <a:xfrm>
+            <a:off x="393700" y="692150"/>
+            <a:ext cx="6070600" cy="3416300"/>
+          </a:xfrm>
+          <a:ln/>
+          <a:extLst>
+            <a:ext uri="{FAA26D3D-D897-4be2-8F04-BA451C77F1D7}">
+              <ma14:placeholderFlag xmlns:ma14="http://schemas.microsoft.com/office/mac/drawingml/2011/main" xmlns="" val="1"/>
+            </a:ext>
+          </a:extLst>
+        </p:spPr>
+      </p:sp>
+      <p:sp>
+        <p:nvSpPr>
+          <p:cNvPr id="33795" name="Rectangle 3">
+            <a:extLst>
+              <a:ext uri="{FF2B5EF4-FFF2-40B4-BE49-F238E27FC236}">
+                <a16:creationId xmlns:a16="http://schemas.microsoft.com/office/drawing/2014/main" id="{2D253791-4BA9-9E44-B4F8-A1F9121DCF0E}"/>
+              </a:ext>
+            </a:extLst>
+          </p:cNvPr>
+          <p:cNvSpPr>
+            <a:spLocks noGrp="1" noChangeArrowheads="1"/>
+          </p:cNvSpPr>
+          <p:nvPr>
+            <p:ph type="body" idx="1"/>
+          </p:nvPr>
+        </p:nvSpPr>
+        <p:spPr>
+          <a:xfrm>
+            <a:off x="914400" y="4343400"/>
+            <a:ext cx="5029200" cy="4114800"/>
+          </a:xfrm>
+        </p:spPr>
+        <p:txBody>
+          <a:bodyPr/>
+          <a:lstStyle/>
+          <a:p>
+            <a:pPr eaLnBrk="1" hangingPunct="1">
+              <a:defRPr/>
+            </a:pPr>
+            <a:endParaRPr lang="en-US">
+              <a:cs typeface="+mn-cs"/>
+            </a:endParaRPr>
+          </a:p>
+        </p:txBody>
+      </p:sp>
+    </p:spTree>
+    <p:extLst>
+      <p:ext uri="{BB962C8B-B14F-4D97-AF65-F5344CB8AC3E}">
+        <p14:creationId xmlns:p14="http://schemas.microsoft.com/office/powerpoint/2010/main" val="3564193392"/>
+      </p:ext>
+    </p:extLst>
+  </p:cSld>
+  <p:clrMapOvr>
+    <a:masterClrMapping/>
+  </p:clrMapOvr>
+</p:notes>
+</file>
+
+<file path=ppt/notesSlides/notesSlide4.xml><?xml version="1.0" encoding="utf-8"?>
+<p:notes xmlns:a="http://schemas.openxmlformats.org/drawingml/2006/main" xmlns:r="http://schemas.openxmlformats.org/officeDocument/2006/relationships" xmlns:p="http://schemas.openxmlformats.org/presentationml/2006/main">
+  <p:cSld>
+    <p:spTree>
+      <p:nvGrpSpPr>
+        <p:cNvPr id="1" name=""/>
+        <p:cNvGrpSpPr/>
+        <p:nvPr/>
+      </p:nvGrpSpPr>
+      <p:grpSpPr>
+        <a:xfrm>
+          <a:off x="0" y="0"/>
+          <a:ext cx="0" cy="0"/>
+          <a:chOff x="0" y="0"/>
+          <a:chExt cx="0" cy="0"/>
+        </a:xfrm>
+      </p:grpSpPr>
+      <p:sp>
+        <p:nvSpPr>
+          <p:cNvPr id="7" name="Rectangle 7">
+            <a:extLst>
+              <a:ext uri="{FF2B5EF4-FFF2-40B4-BE49-F238E27FC236}">
+                <a16:creationId xmlns:a16="http://schemas.microsoft.com/office/drawing/2014/main" id="{635E3329-27E7-0F45-9EF9-2A39E525A099}"/>
+              </a:ext>
+            </a:extLst>
+          </p:cNvPr>
+          <p:cNvSpPr>
+            <a:spLocks noGrp="1" noChangeArrowheads="1"/>
+          </p:cNvSpPr>
+          <p:nvPr>
+            <p:ph type="sldNum" sz="quarter" idx="5"/>
+          </p:nvPr>
+        </p:nvSpPr>
+        <p:spPr>
+          <a:extLst>
+            <a:ext uri="{909E8E84-426E-40dd-AFC4-6F175D3DCCD1}">
+              <a14:hiddenFill xmlns:a14="http://schemas.microsoft.com/office/drawing/2010/main" xmlns="">
+                <a:solidFill>
+                  <a:schemeClr val="accent1"/>
+                </a:solidFill>
+              </a14:hiddenFill>
+            </a:ext>
+            <a:ext uri="{91240B29-F687-4f45-9708-019B960494DF}">
+              <a14:hiddenLine xmlns:a14="http://schemas.microsoft.com/office/drawing/2010/main" xmlns="" w="9525">
+                <a:solidFill>
+                  <a:schemeClr val="tx1"/>
+                </a:solidFill>
+                <a:miter lim="800000"/>
+                <a:headEnd/>
+                <a:tailEnd/>
+              </a14:hiddenLine>
+            </a:ext>
+            <a:ext uri="{AF507438-7753-43e0-B8FC-AC1667EBCBE1}">
+              <a14:hiddenEffects xmlns:a14="http://schemas.microsoft.com/office/drawing/2010/main" xmlns="">
+                <a:effectLst>
+                  <a:outerShdw blurRad="63500" dist="38099" dir="2700000" algn="ctr" rotWithShape="0">
+                    <a:schemeClr val="bg2">
+                      <a:alpha val="74998"/>
+                    </a:schemeClr>
+                  </a:outerShdw>
+                </a:effectLst>
+              </a14:hiddenEffects>
+            </a:ext>
+            <a:ext uri="{FAA26D3D-D897-4be2-8F04-BA451C77F1D7}">
+              <ma14:placeholderFlag xmlns:ma14="http://schemas.microsoft.com/office/mac/drawingml/2011/main" xmlns="" val="1"/>
+            </a:ext>
+          </a:extLst>
+        </p:spPr>
+        <p:txBody>
+          <a:bodyPr/>
+          <a:lstStyle>
+            <a:lvl1pPr eaLnBrk="0" hangingPunct="0">
+              <a:defRPr sz="2400">
+                <a:solidFill>
+                  <a:schemeClr val="tx1"/>
+                </a:solidFill>
+                <a:latin typeface="Arial" panose="020B0604020202020204" pitchFamily="34" charset="0"/>
+                <a:ea typeface="ＭＳ Ｐゴシック" panose="020B0600070205080204" pitchFamily="34" charset="-128"/>
+              </a:defRPr>
+            </a:lvl1pPr>
+            <a:lvl2pPr marL="742950" indent="-285750" eaLnBrk="0" hangingPunct="0">
+              <a:defRPr sz="2400">
+                <a:solidFill>
+                  <a:schemeClr val="tx1"/>
+                </a:solidFill>
+                <a:latin typeface="Arial" panose="020B0604020202020204" pitchFamily="34" charset="0"/>
+                <a:ea typeface="ＭＳ Ｐゴシック" panose="020B0600070205080204" pitchFamily="34" charset="-128"/>
+              </a:defRPr>
+            </a:lvl2pPr>
+            <a:lvl3pPr marL="1143000" indent="-228600" eaLnBrk="0" hangingPunct="0">
+              <a:defRPr sz="2400">
+                <a:solidFill>
+                  <a:schemeClr val="tx1"/>
+                </a:solidFill>
+                <a:latin typeface="Arial" panose="020B0604020202020204" pitchFamily="34" charset="0"/>
+                <a:ea typeface="ＭＳ Ｐゴシック" panose="020B0600070205080204" pitchFamily="34" charset="-128"/>
+              </a:defRPr>
+            </a:lvl3pPr>
+            <a:lvl4pPr marL="1600200" indent="-228600" eaLnBrk="0" hangingPunct="0">
+              <a:defRPr sz="2400">
+                <a:solidFill>
+                  <a:schemeClr val="tx1"/>
+                </a:solidFill>
+                <a:latin typeface="Arial" panose="020B0604020202020204" pitchFamily="34" charset="0"/>
+                <a:ea typeface="ＭＳ Ｐゴシック" panose="020B0600070205080204" pitchFamily="34" charset="-128"/>
+              </a:defRPr>
+            </a:lvl4pPr>
+            <a:lvl5pPr marL="2057400" indent="-228600" eaLnBrk="0" hangingPunct="0">
+              <a:defRPr sz="2400">
+                <a:solidFill>
+                  <a:schemeClr val="tx1"/>
+                </a:solidFill>
+                <a:latin typeface="Arial" panose="020B0604020202020204" pitchFamily="34" charset="0"/>
+                <a:ea typeface="ＭＳ Ｐゴシック" panose="020B0600070205080204" pitchFamily="34" charset="-128"/>
+              </a:defRPr>
+            </a:lvl5pPr>
+            <a:lvl6pPr marL="2514600" indent="-228600" eaLnBrk="0" fontAlgn="base" hangingPunct="0">
+              <a:spcBef>
+                <a:spcPct val="0"/>
+              </a:spcBef>
+              <a:spcAft>
+                <a:spcPct val="0"/>
+              </a:spcAft>
+              <a:defRPr sz="2400">
+                <a:solidFill>
+                  <a:schemeClr val="tx1"/>
+                </a:solidFill>
+                <a:latin typeface="Arial" panose="020B0604020202020204" pitchFamily="34" charset="0"/>
+                <a:ea typeface="ＭＳ Ｐゴシック" panose="020B0600070205080204" pitchFamily="34" charset="-128"/>
+              </a:defRPr>
+            </a:lvl6pPr>
+            <a:lvl7pPr marL="2971800" indent="-228600" eaLnBrk="0" fontAlgn="base" hangingPunct="0">
+              <a:spcBef>
+                <a:spcPct val="0"/>
+              </a:spcBef>
+              <a:spcAft>
+                <a:spcPct val="0"/>
+              </a:spcAft>
+              <a:defRPr sz="2400">
+                <a:solidFill>
+                  <a:schemeClr val="tx1"/>
+                </a:solidFill>
+                <a:latin typeface="Arial" panose="020B0604020202020204" pitchFamily="34" charset="0"/>
+                <a:ea typeface="ＭＳ Ｐゴシック" panose="020B0600070205080204" pitchFamily="34" charset="-128"/>
+              </a:defRPr>
+            </a:lvl7pPr>
+            <a:lvl8pPr marL="3429000" indent="-228600" eaLnBrk="0" fontAlgn="base" hangingPunct="0">
+              <a:spcBef>
+                <a:spcPct val="0"/>
+              </a:spcBef>
+              <a:spcAft>
+                <a:spcPct val="0"/>
+              </a:spcAft>
+              <a:defRPr sz="2400">
+                <a:solidFill>
+                  <a:schemeClr val="tx1"/>
+                </a:solidFill>
+                <a:latin typeface="Arial" panose="020B0604020202020204" pitchFamily="34" charset="0"/>
+                <a:ea typeface="ＭＳ Ｐゴシック" panose="020B0600070205080204" pitchFamily="34" charset="-128"/>
+              </a:defRPr>
+            </a:lvl8pPr>
+            <a:lvl9pPr marL="3886200" indent="-228600" eaLnBrk="0" fontAlgn="base" hangingPunct="0">
+              <a:spcBef>
+                <a:spcPct val="0"/>
+              </a:spcBef>
+              <a:spcAft>
+                <a:spcPct val="0"/>
+              </a:spcAft>
+              <a:defRPr sz="2400">
+                <a:solidFill>
+                  <a:schemeClr val="tx1"/>
+                </a:solidFill>
+                <a:latin typeface="Arial" panose="020B0604020202020204" pitchFamily="34" charset="0"/>
+                <a:ea typeface="ＭＳ Ｐゴシック" panose="020B0600070205080204" pitchFamily="34" charset="-128"/>
+              </a:defRPr>
+            </a:lvl9pPr>
+          </a:lstStyle>
+          <a:p>
+            <a:pPr eaLnBrk="1" hangingPunct="1"/>
+            <a:fld id="{F70936B5-01BB-9145-AFA5-9BC77B790D05}" type="slidenum">
+              <a:rPr lang="en-US" altLang="en-US" sz="1200"/>
+              <a:pPr eaLnBrk="1" hangingPunct="1"/>
+              <a:t>8</a:t>
+            </a:fld>
+            <a:endParaRPr lang="en-US" altLang="en-US" sz="1200"/>
+          </a:p>
+        </p:txBody>
+      </p:sp>
+      <p:sp>
+        <p:nvSpPr>
+          <p:cNvPr id="129026" name="Rectangle 2">
+            <a:extLst>
+              <a:ext uri="{FF2B5EF4-FFF2-40B4-BE49-F238E27FC236}">
+                <a16:creationId xmlns:a16="http://schemas.microsoft.com/office/drawing/2014/main" id="{6D1462B8-69C4-834B-9799-F1894966EB37}"/>
+              </a:ext>
+            </a:extLst>
+          </p:cNvPr>
+          <p:cNvSpPr>
+            <a:spLocks noGrp="1" noRot="1" noChangeAspect="1" noChangeArrowheads="1" noTextEdit="1"/>
+          </p:cNvSpPr>
+          <p:nvPr>
+            <p:ph type="sldImg"/>
+          </p:nvPr>
+        </p:nvSpPr>
+        <p:spPr>
+          <a:xfrm>
+            <a:off x="385763" y="685800"/>
+            <a:ext cx="6091237" cy="3427413"/>
+          </a:xfrm>
+          <a:ln/>
+          <a:extLst>
+            <a:ext uri="{FAA26D3D-D897-4be2-8F04-BA451C77F1D7}">
+              <ma14:placeholderFlag xmlns:ma14="http://schemas.microsoft.com/office/mac/drawingml/2011/main" xmlns="" val="1"/>
+            </a:ext>
+          </a:extLst>
+        </p:spPr>
+      </p:sp>
+      <p:sp>
+        <p:nvSpPr>
+          <p:cNvPr id="129027" name="Rectangle 3">
+            <a:extLst>
+              <a:ext uri="{FF2B5EF4-FFF2-40B4-BE49-F238E27FC236}">
+                <a16:creationId xmlns:a16="http://schemas.microsoft.com/office/drawing/2014/main" id="{F62B92AD-F777-2A4F-8AF7-078F20330B0F}"/>
+              </a:ext>
+            </a:extLst>
+          </p:cNvPr>
+          <p:cNvSpPr>
+            <a:spLocks noGrp="1" noChangeArrowheads="1"/>
+          </p:cNvSpPr>
+          <p:nvPr>
+            <p:ph type="body" idx="1"/>
+          </p:nvPr>
+        </p:nvSpPr>
+        <p:spPr>
+          <a:xfrm>
+            <a:off x="912813" y="4341813"/>
+            <a:ext cx="5032375" cy="4116387"/>
+          </a:xfrm>
+        </p:spPr>
+        <p:txBody>
+          <a:bodyPr/>
+          <a:lstStyle/>
+          <a:p>
+            <a:pPr eaLnBrk="1" hangingPunct="1">
+              <a:defRPr/>
+            </a:pPr>
+            <a:endParaRPr lang="en-US">
+              <a:cs typeface="+mn-cs"/>
+            </a:endParaRPr>
+          </a:p>
+        </p:txBody>
+      </p:sp>
+    </p:spTree>
+    <p:extLst>
+      <p:ext uri="{BB962C8B-B14F-4D97-AF65-F5344CB8AC3E}">
+        <p14:creationId xmlns:p14="http://schemas.microsoft.com/office/powerpoint/2010/main" val="4236238381"/>
+      </p:ext>
+    </p:extLst>
+  </p:cSld>
+  <p:clrMapOvr>
+    <a:masterClrMapping/>
+  </p:clrMapOvr>
+</p:notes>
+</file>
+
+<file path=ppt/notesSlides/notesSlide5.xml><?xml version="1.0" encoding="utf-8"?>
+<p:notes xmlns:a="http://schemas.openxmlformats.org/drawingml/2006/main" xmlns:r="http://schemas.openxmlformats.org/officeDocument/2006/relationships" xmlns:p="http://schemas.openxmlformats.org/presentationml/2006/main">
+  <p:cSld>
+    <p:spTree>
+      <p:nvGrpSpPr>
+        <p:cNvPr id="1" name=""/>
+        <p:cNvGrpSpPr/>
+        <p:nvPr/>
+      </p:nvGrpSpPr>
+      <p:grpSpPr>
+        <a:xfrm>
+          <a:off x="0" y="0"/>
+          <a:ext cx="0" cy="0"/>
+          <a:chOff x="0" y="0"/>
+          <a:chExt cx="0" cy="0"/>
+        </a:xfrm>
+      </p:grpSpPr>
+      <p:sp>
+        <p:nvSpPr>
+          <p:cNvPr id="7" name="Rectangle 7">
+            <a:extLst>
+              <a:ext uri="{FF2B5EF4-FFF2-40B4-BE49-F238E27FC236}">
+                <a16:creationId xmlns:a16="http://schemas.microsoft.com/office/drawing/2014/main" id="{963F2C27-DAAD-0E49-A744-4A5C51679557}"/>
+              </a:ext>
+            </a:extLst>
+          </p:cNvPr>
+          <p:cNvSpPr>
+            <a:spLocks noGrp="1" noChangeArrowheads="1"/>
+          </p:cNvSpPr>
+          <p:nvPr>
+            <p:ph type="sldNum" sz="quarter" idx="5"/>
+          </p:nvPr>
+        </p:nvSpPr>
+        <p:spPr>
+          <a:extLst>
+            <a:ext uri="{909E8E84-426E-40dd-AFC4-6F175D3DCCD1}">
+              <a14:hiddenFill xmlns:a14="http://schemas.microsoft.com/office/drawing/2010/main" xmlns="">
+                <a:solidFill>
+                  <a:schemeClr val="accent1"/>
+                </a:solidFill>
+              </a14:hiddenFill>
+            </a:ext>
+            <a:ext uri="{91240B29-F687-4f45-9708-019B960494DF}">
+              <a14:hiddenLine xmlns:a14="http://schemas.microsoft.com/office/drawing/2010/main" xmlns="" w="9525">
+                <a:solidFill>
+                  <a:schemeClr val="tx1"/>
+                </a:solidFill>
+                <a:miter lim="800000"/>
+                <a:headEnd/>
+                <a:tailEnd/>
+              </a14:hiddenLine>
+            </a:ext>
+            <a:ext uri="{AF507438-7753-43e0-B8FC-AC1667EBCBE1}">
+              <a14:hiddenEffects xmlns:a14="http://schemas.microsoft.com/office/drawing/2010/main" xmlns="">
+                <a:effectLst>
+                  <a:outerShdw blurRad="63500" dist="38099" dir="2700000" algn="ctr" rotWithShape="0">
+                    <a:schemeClr val="bg2">
+                      <a:alpha val="74998"/>
+                    </a:schemeClr>
+                  </a:outerShdw>
+                </a:effectLst>
+              </a14:hiddenEffects>
+            </a:ext>
+            <a:ext uri="{FAA26D3D-D897-4be2-8F04-BA451C77F1D7}">
+              <ma14:placeholderFlag xmlns:ma14="http://schemas.microsoft.com/office/mac/drawingml/2011/main" xmlns="" val="1"/>
+            </a:ext>
+          </a:extLst>
+        </p:spPr>
+        <p:txBody>
+          <a:bodyPr/>
+          <a:lstStyle>
+            <a:lvl1pPr eaLnBrk="0" hangingPunct="0">
+              <a:defRPr sz="2400">
+                <a:solidFill>
+                  <a:schemeClr val="tx1"/>
+                </a:solidFill>
+                <a:latin typeface="Arial" panose="020B0604020202020204" pitchFamily="34" charset="0"/>
+                <a:ea typeface="ＭＳ Ｐゴシック" panose="020B0600070205080204" pitchFamily="34" charset="-128"/>
+              </a:defRPr>
+            </a:lvl1pPr>
+            <a:lvl2pPr marL="742950" indent="-285750" eaLnBrk="0" hangingPunct="0">
+              <a:defRPr sz="2400">
+                <a:solidFill>
+                  <a:schemeClr val="tx1"/>
+                </a:solidFill>
+                <a:latin typeface="Arial" panose="020B0604020202020204" pitchFamily="34" charset="0"/>
+                <a:ea typeface="ＭＳ Ｐゴシック" panose="020B0600070205080204" pitchFamily="34" charset="-128"/>
+              </a:defRPr>
+            </a:lvl2pPr>
+            <a:lvl3pPr marL="1143000" indent="-228600" eaLnBrk="0" hangingPunct="0">
+              <a:defRPr sz="2400">
+                <a:solidFill>
+                  <a:schemeClr val="tx1"/>
+                </a:solidFill>
+                <a:latin typeface="Arial" panose="020B0604020202020204" pitchFamily="34" charset="0"/>
+                <a:ea typeface="ＭＳ Ｐゴシック" panose="020B0600070205080204" pitchFamily="34" charset="-128"/>
+              </a:defRPr>
+            </a:lvl3pPr>
+            <a:lvl4pPr marL="1600200" indent="-228600" eaLnBrk="0" hangingPunct="0">
+              <a:defRPr sz="2400">
+                <a:solidFill>
+                  <a:schemeClr val="tx1"/>
+                </a:solidFill>
+                <a:latin typeface="Arial" panose="020B0604020202020204" pitchFamily="34" charset="0"/>
+                <a:ea typeface="ＭＳ Ｐゴシック" panose="020B0600070205080204" pitchFamily="34" charset="-128"/>
+              </a:defRPr>
+            </a:lvl4pPr>
+            <a:lvl5pPr marL="2057400" indent="-228600" eaLnBrk="0" hangingPunct="0">
+              <a:defRPr sz="2400">
+                <a:solidFill>
+                  <a:schemeClr val="tx1"/>
+                </a:solidFill>
+                <a:latin typeface="Arial" panose="020B0604020202020204" pitchFamily="34" charset="0"/>
+                <a:ea typeface="ＭＳ Ｐゴシック" panose="020B0600070205080204" pitchFamily="34" charset="-128"/>
+              </a:defRPr>
+            </a:lvl5pPr>
+            <a:lvl6pPr marL="2514600" indent="-228600" eaLnBrk="0" fontAlgn="base" hangingPunct="0">
+              <a:spcBef>
+                <a:spcPct val="0"/>
+              </a:spcBef>
+              <a:spcAft>
+                <a:spcPct val="0"/>
+              </a:spcAft>
+              <a:defRPr sz="2400">
+                <a:solidFill>
+                  <a:schemeClr val="tx1"/>
+                </a:solidFill>
+                <a:latin typeface="Arial" panose="020B0604020202020204" pitchFamily="34" charset="0"/>
+                <a:ea typeface="ＭＳ Ｐゴシック" panose="020B0600070205080204" pitchFamily="34" charset="-128"/>
+              </a:defRPr>
+            </a:lvl6pPr>
+            <a:lvl7pPr marL="2971800" indent="-228600" eaLnBrk="0" fontAlgn="base" hangingPunct="0">
+              <a:spcBef>
+                <a:spcPct val="0"/>
+              </a:spcBef>
+              <a:spcAft>
+                <a:spcPct val="0"/>
+              </a:spcAft>
+              <a:defRPr sz="2400">
+                <a:solidFill>
+                  <a:schemeClr val="tx1"/>
+                </a:solidFill>
+                <a:latin typeface="Arial" panose="020B0604020202020204" pitchFamily="34" charset="0"/>
+                <a:ea typeface="ＭＳ Ｐゴシック" panose="020B0600070205080204" pitchFamily="34" charset="-128"/>
+              </a:defRPr>
+            </a:lvl7pPr>
+            <a:lvl8pPr marL="3429000" indent="-228600" eaLnBrk="0" fontAlgn="base" hangingPunct="0">
+              <a:spcBef>
+                <a:spcPct val="0"/>
+              </a:spcBef>
+              <a:spcAft>
+                <a:spcPct val="0"/>
+              </a:spcAft>
+              <a:defRPr sz="2400">
+                <a:solidFill>
+                  <a:schemeClr val="tx1"/>
+                </a:solidFill>
+                <a:latin typeface="Arial" panose="020B0604020202020204" pitchFamily="34" charset="0"/>
+                <a:ea typeface="ＭＳ Ｐゴシック" panose="020B0600070205080204" pitchFamily="34" charset="-128"/>
+              </a:defRPr>
+            </a:lvl8pPr>
+            <a:lvl9pPr marL="3886200" indent="-228600" eaLnBrk="0" fontAlgn="base" hangingPunct="0">
+              <a:spcBef>
+                <a:spcPct val="0"/>
+              </a:spcBef>
+              <a:spcAft>
+                <a:spcPct val="0"/>
+              </a:spcAft>
+              <a:defRPr sz="2400">
+                <a:solidFill>
+                  <a:schemeClr val="tx1"/>
+                </a:solidFill>
+                <a:latin typeface="Arial" panose="020B0604020202020204" pitchFamily="34" charset="0"/>
+                <a:ea typeface="ＭＳ Ｐゴシック" panose="020B0600070205080204" pitchFamily="34" charset="-128"/>
+              </a:defRPr>
+            </a:lvl9pPr>
+          </a:lstStyle>
+          <a:p>
+            <a:pPr eaLnBrk="1" hangingPunct="1"/>
+            <a:fld id="{82A3CD69-0E49-314A-9ECB-94E87039030A}" type="slidenum">
+              <a:rPr lang="en-US" altLang="en-US" sz="1200"/>
+              <a:pPr eaLnBrk="1" hangingPunct="1"/>
+              <a:t>9</a:t>
+            </a:fld>
+            <a:endParaRPr lang="en-US" altLang="en-US" sz="1200"/>
+          </a:p>
+        </p:txBody>
+      </p:sp>
+      <p:sp>
+        <p:nvSpPr>
+          <p:cNvPr id="131074" name="Rectangle 2">
+            <a:extLst>
+              <a:ext uri="{FF2B5EF4-FFF2-40B4-BE49-F238E27FC236}">
+                <a16:creationId xmlns:a16="http://schemas.microsoft.com/office/drawing/2014/main" id="{B8990B28-D08C-0142-BEC6-A78B4E867C54}"/>
+              </a:ext>
+            </a:extLst>
+          </p:cNvPr>
+          <p:cNvSpPr>
+            <a:spLocks noGrp="1" noRot="1" noChangeAspect="1" noChangeArrowheads="1" noTextEdit="1"/>
+          </p:cNvSpPr>
+          <p:nvPr>
+            <p:ph type="sldImg"/>
+          </p:nvPr>
+        </p:nvSpPr>
+        <p:spPr>
+          <a:xfrm>
+            <a:off x="385763" y="685800"/>
+            <a:ext cx="6091237" cy="3427413"/>
+          </a:xfrm>
+          <a:ln/>
+          <a:extLst>
+            <a:ext uri="{FAA26D3D-D897-4be2-8F04-BA451C77F1D7}">
+              <ma14:placeholderFlag xmlns:ma14="http://schemas.microsoft.com/office/mac/drawingml/2011/main" xmlns="" val="1"/>
+            </a:ext>
+          </a:extLst>
+        </p:spPr>
+      </p:sp>
+      <p:sp>
+        <p:nvSpPr>
+          <p:cNvPr id="131075" name="Rectangle 3">
+            <a:extLst>
+              <a:ext uri="{FF2B5EF4-FFF2-40B4-BE49-F238E27FC236}">
+                <a16:creationId xmlns:a16="http://schemas.microsoft.com/office/drawing/2014/main" id="{2A9BCDB3-BD6B-2746-9BDF-A5FA1438F6EE}"/>
+              </a:ext>
+            </a:extLst>
+          </p:cNvPr>
+          <p:cNvSpPr>
+            <a:spLocks noGrp="1" noChangeArrowheads="1"/>
+          </p:cNvSpPr>
+          <p:nvPr>
+            <p:ph type="body" idx="1"/>
+          </p:nvPr>
+        </p:nvSpPr>
+        <p:spPr>
+          <a:xfrm>
+            <a:off x="912813" y="4341813"/>
+            <a:ext cx="5032375" cy="4116387"/>
+          </a:xfrm>
+        </p:spPr>
+        <p:txBody>
+          <a:bodyPr/>
+          <a:lstStyle/>
+          <a:p>
+            <a:pPr eaLnBrk="1" hangingPunct="1">
+              <a:defRPr/>
+            </a:pPr>
+            <a:endParaRPr lang="en-US">
+              <a:cs typeface="+mn-cs"/>
+            </a:endParaRPr>
+          </a:p>
+        </p:txBody>
+      </p:sp>
+    </p:spTree>
+    <p:extLst>
+      <p:ext uri="{BB962C8B-B14F-4D97-AF65-F5344CB8AC3E}">
+        <p14:creationId xmlns:p14="http://schemas.microsoft.com/office/powerpoint/2010/main" val="183167840"/>
+      </p:ext>
+    </p:extLst>
+  </p:cSld>
+  <p:clrMapOvr>
+    <a:masterClrMapping/>
+  </p:clrMapOvr>
+</p:notes>
+</file>
+
+<file path=ppt/notesSlides/notesSlide6.xml><?xml version="1.0" encoding="utf-8"?>
+<p:notes xmlns:a="http://schemas.openxmlformats.org/drawingml/2006/main" xmlns:r="http://schemas.openxmlformats.org/officeDocument/2006/relationships" xmlns:p="http://schemas.openxmlformats.org/presentationml/2006/main">
+  <p:cSld>
+    <p:spTree>
+      <p:nvGrpSpPr>
+        <p:cNvPr id="1" name=""/>
+        <p:cNvGrpSpPr/>
+        <p:nvPr/>
+      </p:nvGrpSpPr>
+      <p:grpSpPr>
+        <a:xfrm>
+          <a:off x="0" y="0"/>
+          <a:ext cx="0" cy="0"/>
+          <a:chOff x="0" y="0"/>
+          <a:chExt cx="0" cy="0"/>
+        </a:xfrm>
+      </p:grpSpPr>
+      <p:sp>
+        <p:nvSpPr>
+          <p:cNvPr id="7" name="Rectangle 7">
+            <a:extLst>
+              <a:ext uri="{FF2B5EF4-FFF2-40B4-BE49-F238E27FC236}">
+                <a16:creationId xmlns:a16="http://schemas.microsoft.com/office/drawing/2014/main" id="{51DB6CE8-DE5E-194F-AFB3-4B2F0E95D54E}"/>
+              </a:ext>
+            </a:extLst>
+          </p:cNvPr>
+          <p:cNvSpPr>
+            <a:spLocks noGrp="1" noChangeArrowheads="1"/>
+          </p:cNvSpPr>
+          <p:nvPr>
+            <p:ph type="sldNum" sz="quarter" idx="5"/>
+          </p:nvPr>
+        </p:nvSpPr>
+        <p:spPr>
+          <a:extLst>
+            <a:ext uri="{909E8E84-426E-40dd-AFC4-6F175D3DCCD1}">
+              <a14:hiddenFill xmlns:a14="http://schemas.microsoft.com/office/drawing/2010/main" xmlns="">
+                <a:solidFill>
+                  <a:schemeClr val="accent1"/>
+                </a:solidFill>
+              </a14:hiddenFill>
+            </a:ext>
+            <a:ext uri="{91240B29-F687-4f45-9708-019B960494DF}">
+              <a14:hiddenLine xmlns:a14="http://schemas.microsoft.com/office/drawing/2010/main" xmlns="" w="9525">
+                <a:solidFill>
+                  <a:schemeClr val="tx1"/>
+                </a:solidFill>
+                <a:miter lim="800000"/>
+                <a:headEnd/>
+                <a:tailEnd/>
+              </a14:hiddenLine>
+            </a:ext>
+            <a:ext uri="{AF507438-7753-43e0-B8FC-AC1667EBCBE1}">
+              <a14:hiddenEffects xmlns:a14="http://schemas.microsoft.com/office/drawing/2010/main" xmlns="">
+                <a:effectLst>
+                  <a:outerShdw blurRad="63500" dist="38099" dir="2700000" algn="ctr" rotWithShape="0">
+                    <a:schemeClr val="bg2">
+                      <a:alpha val="74998"/>
+                    </a:schemeClr>
+                  </a:outerShdw>
+                </a:effectLst>
+              </a14:hiddenEffects>
+            </a:ext>
+            <a:ext uri="{FAA26D3D-D897-4be2-8F04-BA451C77F1D7}">
+              <ma14:placeholderFlag xmlns:ma14="http://schemas.microsoft.com/office/mac/drawingml/2011/main" xmlns="" val="1"/>
+            </a:ext>
+          </a:extLst>
+        </p:spPr>
+        <p:txBody>
+          <a:bodyPr/>
+          <a:lstStyle>
+            <a:lvl1pPr eaLnBrk="0" hangingPunct="0">
+              <a:defRPr sz="2400">
+                <a:solidFill>
+                  <a:schemeClr val="tx1"/>
+                </a:solidFill>
+                <a:latin typeface="Arial" panose="020B0604020202020204" pitchFamily="34" charset="0"/>
+                <a:ea typeface="ＭＳ Ｐゴシック" panose="020B0600070205080204" pitchFamily="34" charset="-128"/>
+              </a:defRPr>
+            </a:lvl1pPr>
+            <a:lvl2pPr marL="742950" indent="-285750" eaLnBrk="0" hangingPunct="0">
+              <a:defRPr sz="2400">
+                <a:solidFill>
+                  <a:schemeClr val="tx1"/>
+                </a:solidFill>
+                <a:latin typeface="Arial" panose="020B0604020202020204" pitchFamily="34" charset="0"/>
+                <a:ea typeface="ＭＳ Ｐゴシック" panose="020B0600070205080204" pitchFamily="34" charset="-128"/>
+              </a:defRPr>
+            </a:lvl2pPr>
+            <a:lvl3pPr marL="1143000" indent="-228600" eaLnBrk="0" hangingPunct="0">
+              <a:defRPr sz="2400">
+                <a:solidFill>
+                  <a:schemeClr val="tx1"/>
+                </a:solidFill>
+                <a:latin typeface="Arial" panose="020B0604020202020204" pitchFamily="34" charset="0"/>
+                <a:ea typeface="ＭＳ Ｐゴシック" panose="020B0600070205080204" pitchFamily="34" charset="-128"/>
+              </a:defRPr>
+            </a:lvl3pPr>
+            <a:lvl4pPr marL="1600200" indent="-228600" eaLnBrk="0" hangingPunct="0">
+              <a:defRPr sz="2400">
+                <a:solidFill>
+                  <a:schemeClr val="tx1"/>
+                </a:solidFill>
+                <a:latin typeface="Arial" panose="020B0604020202020204" pitchFamily="34" charset="0"/>
+                <a:ea typeface="ＭＳ Ｐゴシック" panose="020B0600070205080204" pitchFamily="34" charset="-128"/>
+              </a:defRPr>
+            </a:lvl4pPr>
+            <a:lvl5pPr marL="2057400" indent="-228600" eaLnBrk="0" hangingPunct="0">
+              <a:defRPr sz="2400">
+                <a:solidFill>
+                  <a:schemeClr val="tx1"/>
+                </a:solidFill>
+                <a:latin typeface="Arial" panose="020B0604020202020204" pitchFamily="34" charset="0"/>
+                <a:ea typeface="ＭＳ Ｐゴシック" panose="020B0600070205080204" pitchFamily="34" charset="-128"/>
+              </a:defRPr>
+            </a:lvl5pPr>
+            <a:lvl6pPr marL="2514600" indent="-228600" eaLnBrk="0" fontAlgn="base" hangingPunct="0">
+              <a:spcBef>
+                <a:spcPct val="0"/>
+              </a:spcBef>
+              <a:spcAft>
+                <a:spcPct val="0"/>
+              </a:spcAft>
+              <a:defRPr sz="2400">
+                <a:solidFill>
+                  <a:schemeClr val="tx1"/>
+                </a:solidFill>
+                <a:latin typeface="Arial" panose="020B0604020202020204" pitchFamily="34" charset="0"/>
+                <a:ea typeface="ＭＳ Ｐゴシック" panose="020B0600070205080204" pitchFamily="34" charset="-128"/>
+              </a:defRPr>
+            </a:lvl6pPr>
+            <a:lvl7pPr marL="2971800" indent="-228600" eaLnBrk="0" fontAlgn="base" hangingPunct="0">
+              <a:spcBef>
+                <a:spcPct val="0"/>
+              </a:spcBef>
+              <a:spcAft>
+                <a:spcPct val="0"/>
+              </a:spcAft>
+              <a:defRPr sz="2400">
+                <a:solidFill>
+                  <a:schemeClr val="tx1"/>
+                </a:solidFill>
+                <a:latin typeface="Arial" panose="020B0604020202020204" pitchFamily="34" charset="0"/>
+                <a:ea typeface="ＭＳ Ｐゴシック" panose="020B0600070205080204" pitchFamily="34" charset="-128"/>
+              </a:defRPr>
+            </a:lvl7pPr>
+            <a:lvl8pPr marL="3429000" indent="-228600" eaLnBrk="0" fontAlgn="base" hangingPunct="0">
+              <a:spcBef>
+                <a:spcPct val="0"/>
+              </a:spcBef>
+              <a:spcAft>
+                <a:spcPct val="0"/>
+              </a:spcAft>
+              <a:defRPr sz="2400">
+                <a:solidFill>
+                  <a:schemeClr val="tx1"/>
+                </a:solidFill>
+                <a:latin typeface="Arial" panose="020B0604020202020204" pitchFamily="34" charset="0"/>
+                <a:ea typeface="ＭＳ Ｐゴシック" panose="020B0600070205080204" pitchFamily="34" charset="-128"/>
+              </a:defRPr>
+            </a:lvl8pPr>
+            <a:lvl9pPr marL="3886200" indent="-228600" eaLnBrk="0" fontAlgn="base" hangingPunct="0">
+              <a:spcBef>
+                <a:spcPct val="0"/>
+              </a:spcBef>
+              <a:spcAft>
+                <a:spcPct val="0"/>
+              </a:spcAft>
+              <a:defRPr sz="2400">
+                <a:solidFill>
+                  <a:schemeClr val="tx1"/>
+                </a:solidFill>
+                <a:latin typeface="Arial" panose="020B0604020202020204" pitchFamily="34" charset="0"/>
+                <a:ea typeface="ＭＳ Ｐゴシック" panose="020B0600070205080204" pitchFamily="34" charset="-128"/>
+              </a:defRPr>
+            </a:lvl9pPr>
+          </a:lstStyle>
+          <a:p>
+            <a:pPr eaLnBrk="1" hangingPunct="1"/>
+            <a:fld id="{43932DB9-1FBF-F543-A487-A9F739A9E015}" type="slidenum">
+              <a:rPr lang="en-US" altLang="en-US" sz="1200"/>
+              <a:pPr eaLnBrk="1" hangingPunct="1"/>
+              <a:t>10</a:t>
+            </a:fld>
+            <a:endParaRPr lang="en-US" altLang="en-US" sz="1200"/>
+          </a:p>
+        </p:txBody>
+      </p:sp>
+      <p:sp>
+        <p:nvSpPr>
+          <p:cNvPr id="49154" name="Rectangle 2">
+            <a:extLst>
+              <a:ext uri="{FF2B5EF4-FFF2-40B4-BE49-F238E27FC236}">
+                <a16:creationId xmlns:a16="http://schemas.microsoft.com/office/drawing/2014/main" id="{BE2966C6-F6C8-2D47-BCCF-CDDF12892990}"/>
+              </a:ext>
+            </a:extLst>
+          </p:cNvPr>
+          <p:cNvSpPr>
+            <a:spLocks noGrp="1" noRot="1" noChangeAspect="1" noChangeArrowheads="1" noTextEdit="1"/>
+          </p:cNvSpPr>
+          <p:nvPr>
+            <p:ph type="sldImg"/>
+          </p:nvPr>
+        </p:nvSpPr>
+        <p:spPr>
+          <a:ln/>
+          <a:extLst>
+            <a:ext uri="{FAA26D3D-D897-4be2-8F04-BA451C77F1D7}">
+              <ma14:placeholderFlag xmlns:ma14="http://schemas.microsoft.com/office/mac/drawingml/2011/main" xmlns="" val="1"/>
+            </a:ext>
+          </a:extLst>
+        </p:spPr>
+      </p:sp>
+      <p:sp>
+        <p:nvSpPr>
+          <p:cNvPr id="49155" name="Rectangle 3">
+            <a:extLst>
+              <a:ext uri="{FF2B5EF4-FFF2-40B4-BE49-F238E27FC236}">
+                <a16:creationId xmlns:a16="http://schemas.microsoft.com/office/drawing/2014/main" id="{98C49138-C5E9-7349-819D-89AC6CC92D20}"/>
+              </a:ext>
+            </a:extLst>
+          </p:cNvPr>
+          <p:cNvSpPr>
+            <a:spLocks noGrp="1" noChangeArrowheads="1"/>
+          </p:cNvSpPr>
+          <p:nvPr>
+            <p:ph type="body" idx="1"/>
+          </p:nvPr>
+        </p:nvSpPr>
+        <p:spPr/>
+        <p:txBody>
+          <a:bodyPr/>
+          <a:lstStyle/>
+          <a:p>
+            <a:pPr eaLnBrk="1" hangingPunct="1">
+              <a:defRPr/>
+            </a:pPr>
+            <a:endParaRPr lang="en-US">
+              <a:cs typeface="+mn-cs"/>
+            </a:endParaRPr>
+          </a:p>
+        </p:txBody>
+      </p:sp>
+    </p:spTree>
+    <p:extLst>
+      <p:ext uri="{BB962C8B-B14F-4D97-AF65-F5344CB8AC3E}">
+        <p14:creationId xmlns:p14="http://schemas.microsoft.com/office/powerpoint/2010/main" val="2190659701"/>
+      </p:ext>
+    </p:extLst>
+  </p:cSld>
+  <p:clrMapOvr>
+    <a:masterClrMapping/>
+  </p:clrMapOvr>
+</p:notes>
+</file>
+
+<file path=ppt/notesSlides/notesSlide7.xml><?xml version="1.0" encoding="utf-8"?>
+<p:notes xmlns:a="http://schemas.openxmlformats.org/drawingml/2006/main" xmlns:r="http://schemas.openxmlformats.org/officeDocument/2006/relationships" xmlns:p="http://schemas.openxmlformats.org/presentationml/2006/main">
+  <p:cSld>
+    <p:spTree>
+      <p:nvGrpSpPr>
+        <p:cNvPr id="1" name=""/>
+        <p:cNvGrpSpPr/>
+        <p:nvPr/>
+      </p:nvGrpSpPr>
+      <p:grpSpPr>
+        <a:xfrm>
+          <a:off x="0" y="0"/>
+          <a:ext cx="0" cy="0"/>
+          <a:chOff x="0" y="0"/>
+          <a:chExt cx="0" cy="0"/>
+        </a:xfrm>
+      </p:grpSpPr>
+      <p:sp>
+        <p:nvSpPr>
+          <p:cNvPr id="7" name="Rectangle 7">
+            <a:extLst>
+              <a:ext uri="{FF2B5EF4-FFF2-40B4-BE49-F238E27FC236}">
+                <a16:creationId xmlns:a16="http://schemas.microsoft.com/office/drawing/2014/main" id="{7BA6A01C-D4C4-7C47-BC9E-5A72ED1C4F1D}"/>
+              </a:ext>
+            </a:extLst>
+          </p:cNvPr>
+          <p:cNvSpPr>
+            <a:spLocks noGrp="1" noChangeArrowheads="1"/>
+          </p:cNvSpPr>
+          <p:nvPr>
+            <p:ph type="sldNum" sz="quarter" idx="5"/>
+          </p:nvPr>
+        </p:nvSpPr>
+        <p:spPr>
+          <a:extLst>
+            <a:ext uri="{909E8E84-426E-40dd-AFC4-6F175D3DCCD1}">
+              <a14:hiddenFill xmlns:a14="http://schemas.microsoft.com/office/drawing/2010/main" xmlns="">
+                <a:solidFill>
+                  <a:schemeClr val="accent1"/>
+                </a:solidFill>
+              </a14:hiddenFill>
+            </a:ext>
+            <a:ext uri="{91240B29-F687-4f45-9708-019B960494DF}">
+              <a14:hiddenLine xmlns:a14="http://schemas.microsoft.com/office/drawing/2010/main" xmlns="" w="9525">
+                <a:solidFill>
+                  <a:schemeClr val="tx1"/>
+                </a:solidFill>
+                <a:miter lim="800000"/>
+                <a:headEnd/>
+                <a:tailEnd/>
+              </a14:hiddenLine>
+            </a:ext>
+            <a:ext uri="{AF507438-7753-43e0-B8FC-AC1667EBCBE1}">
+              <a14:hiddenEffects xmlns:a14="http://schemas.microsoft.com/office/drawing/2010/main" xmlns="">
+                <a:effectLst>
+                  <a:outerShdw blurRad="63500" dist="38099" dir="2700000" algn="ctr" rotWithShape="0">
+                    <a:schemeClr val="bg2">
+                      <a:alpha val="74998"/>
+                    </a:schemeClr>
+                  </a:outerShdw>
+                </a:effectLst>
+              </a14:hiddenEffects>
+            </a:ext>
+            <a:ext uri="{FAA26D3D-D897-4be2-8F04-BA451C77F1D7}">
+              <ma14:placeholderFlag xmlns:ma14="http://schemas.microsoft.com/office/mac/drawingml/2011/main" xmlns="" val="1"/>
+            </a:ext>
+          </a:extLst>
+        </p:spPr>
+        <p:txBody>
+          <a:bodyPr/>
+          <a:lstStyle>
+            <a:lvl1pPr eaLnBrk="0" hangingPunct="0">
+              <a:defRPr sz="2400">
+                <a:solidFill>
+                  <a:schemeClr val="tx1"/>
+                </a:solidFill>
+                <a:latin typeface="Arial" panose="020B0604020202020204" pitchFamily="34" charset="0"/>
+                <a:ea typeface="ＭＳ Ｐゴシック" panose="020B0600070205080204" pitchFamily="34" charset="-128"/>
+              </a:defRPr>
+            </a:lvl1pPr>
+            <a:lvl2pPr marL="742950" indent="-285750" eaLnBrk="0" hangingPunct="0">
+              <a:defRPr sz="2400">
+                <a:solidFill>
+                  <a:schemeClr val="tx1"/>
+                </a:solidFill>
+                <a:latin typeface="Arial" panose="020B0604020202020204" pitchFamily="34" charset="0"/>
+                <a:ea typeface="ＭＳ Ｐゴシック" panose="020B0600070205080204" pitchFamily="34" charset="-128"/>
+              </a:defRPr>
+            </a:lvl2pPr>
+            <a:lvl3pPr marL="1143000" indent="-228600" eaLnBrk="0" hangingPunct="0">
+              <a:defRPr sz="2400">
+                <a:solidFill>
+                  <a:schemeClr val="tx1"/>
+                </a:solidFill>
+                <a:latin typeface="Arial" panose="020B0604020202020204" pitchFamily="34" charset="0"/>
+                <a:ea typeface="ＭＳ Ｐゴシック" panose="020B0600070205080204" pitchFamily="34" charset="-128"/>
+              </a:defRPr>
+            </a:lvl3pPr>
+            <a:lvl4pPr marL="1600200" indent="-228600" eaLnBrk="0" hangingPunct="0">
+              <a:defRPr sz="2400">
+                <a:solidFill>
+                  <a:schemeClr val="tx1"/>
+                </a:solidFill>
+                <a:latin typeface="Arial" panose="020B0604020202020204" pitchFamily="34" charset="0"/>
+                <a:ea typeface="ＭＳ Ｐゴシック" panose="020B0600070205080204" pitchFamily="34" charset="-128"/>
+              </a:defRPr>
+            </a:lvl4pPr>
+            <a:lvl5pPr marL="2057400" indent="-228600" eaLnBrk="0" hangingPunct="0">
+              <a:defRPr sz="2400">
+                <a:solidFill>
+                  <a:schemeClr val="tx1"/>
+                </a:solidFill>
+                <a:latin typeface="Arial" panose="020B0604020202020204" pitchFamily="34" charset="0"/>
+                <a:ea typeface="ＭＳ Ｐゴシック" panose="020B0600070205080204" pitchFamily="34" charset="-128"/>
+              </a:defRPr>
+            </a:lvl5pPr>
+            <a:lvl6pPr marL="2514600" indent="-228600" eaLnBrk="0" fontAlgn="base" hangingPunct="0">
+              <a:spcBef>
+                <a:spcPct val="0"/>
+              </a:spcBef>
+              <a:spcAft>
+                <a:spcPct val="0"/>
+              </a:spcAft>
+              <a:defRPr sz="2400">
+                <a:solidFill>
+                  <a:schemeClr val="tx1"/>
+                </a:solidFill>
+                <a:latin typeface="Arial" panose="020B0604020202020204" pitchFamily="34" charset="0"/>
+                <a:ea typeface="ＭＳ Ｐゴシック" panose="020B0600070205080204" pitchFamily="34" charset="-128"/>
+              </a:defRPr>
+            </a:lvl6pPr>
+            <a:lvl7pPr marL="2971800" indent="-228600" eaLnBrk="0" fontAlgn="base" hangingPunct="0">
+              <a:spcBef>
+                <a:spcPct val="0"/>
+              </a:spcBef>
+              <a:spcAft>
+                <a:spcPct val="0"/>
+              </a:spcAft>
+              <a:defRPr sz="2400">
+                <a:solidFill>
+                  <a:schemeClr val="tx1"/>
+                </a:solidFill>
+                <a:latin typeface="Arial" panose="020B0604020202020204" pitchFamily="34" charset="0"/>
+                <a:ea typeface="ＭＳ Ｐゴシック" panose="020B0600070205080204" pitchFamily="34" charset="-128"/>
+              </a:defRPr>
+            </a:lvl7pPr>
+            <a:lvl8pPr marL="3429000" indent="-228600" eaLnBrk="0" fontAlgn="base" hangingPunct="0">
+              <a:spcBef>
+                <a:spcPct val="0"/>
+              </a:spcBef>
+              <a:spcAft>
+                <a:spcPct val="0"/>
+              </a:spcAft>
+              <a:defRPr sz="2400">
+                <a:solidFill>
+                  <a:schemeClr val="tx1"/>
+                </a:solidFill>
+                <a:latin typeface="Arial" panose="020B0604020202020204" pitchFamily="34" charset="0"/>
+                <a:ea typeface="ＭＳ Ｐゴシック" panose="020B0600070205080204" pitchFamily="34" charset="-128"/>
+              </a:defRPr>
+            </a:lvl8pPr>
+            <a:lvl9pPr marL="3886200" indent="-228600" eaLnBrk="0" fontAlgn="base" hangingPunct="0">
+              <a:spcBef>
+                <a:spcPct val="0"/>
+              </a:spcBef>
+              <a:spcAft>
+                <a:spcPct val="0"/>
+              </a:spcAft>
+              <a:defRPr sz="2400">
+                <a:solidFill>
+                  <a:schemeClr val="tx1"/>
+                </a:solidFill>
+                <a:latin typeface="Arial" panose="020B0604020202020204" pitchFamily="34" charset="0"/>
+                <a:ea typeface="ＭＳ Ｐゴシック" panose="020B0600070205080204" pitchFamily="34" charset="-128"/>
+              </a:defRPr>
+            </a:lvl9pPr>
+          </a:lstStyle>
+          <a:p>
+            <a:pPr eaLnBrk="1" hangingPunct="1"/>
+            <a:fld id="{AABF4CE3-898F-5843-A141-A03D084434E0}" type="slidenum">
+              <a:rPr lang="en-US" altLang="en-US" sz="1200"/>
+              <a:pPr eaLnBrk="1" hangingPunct="1"/>
+              <a:t>11</a:t>
+            </a:fld>
+            <a:endParaRPr lang="en-US" altLang="en-US" sz="1200"/>
+          </a:p>
+        </p:txBody>
+      </p:sp>
+      <p:sp>
+        <p:nvSpPr>
+          <p:cNvPr id="133122" name="Rectangle 2">
+            <a:extLst>
+              <a:ext uri="{FF2B5EF4-FFF2-40B4-BE49-F238E27FC236}">
+                <a16:creationId xmlns:a16="http://schemas.microsoft.com/office/drawing/2014/main" id="{3515166F-0E9D-3F48-A445-3671134A9D69}"/>
+              </a:ext>
+            </a:extLst>
+          </p:cNvPr>
+          <p:cNvSpPr>
+            <a:spLocks noGrp="1" noRot="1" noChangeAspect="1" noChangeArrowheads="1" noTextEdit="1"/>
+          </p:cNvSpPr>
+          <p:nvPr>
+            <p:ph type="sldImg"/>
+          </p:nvPr>
+        </p:nvSpPr>
+        <p:spPr>
+          <a:xfrm>
+            <a:off x="385763" y="685800"/>
+            <a:ext cx="6091237" cy="3427413"/>
+          </a:xfrm>
+          <a:ln/>
+          <a:extLst>
+            <a:ext uri="{FAA26D3D-D897-4be2-8F04-BA451C77F1D7}">
+              <ma14:placeholderFlag xmlns:ma14="http://schemas.microsoft.com/office/mac/drawingml/2011/main" xmlns="" val="1"/>
+            </a:ext>
+          </a:extLst>
+        </p:spPr>
+      </p:sp>
+      <p:sp>
+        <p:nvSpPr>
+          <p:cNvPr id="133123" name="Rectangle 3">
+            <a:extLst>
+              <a:ext uri="{FF2B5EF4-FFF2-40B4-BE49-F238E27FC236}">
+                <a16:creationId xmlns:a16="http://schemas.microsoft.com/office/drawing/2014/main" id="{26593B74-7209-634C-9DFA-1E4C77943D44}"/>
+              </a:ext>
+            </a:extLst>
+          </p:cNvPr>
+          <p:cNvSpPr>
+            <a:spLocks noGrp="1" noChangeArrowheads="1"/>
+          </p:cNvSpPr>
+          <p:nvPr>
+            <p:ph type="body" idx="1"/>
+          </p:nvPr>
+        </p:nvSpPr>
+        <p:spPr>
+          <a:xfrm>
+            <a:off x="912813" y="4341813"/>
+            <a:ext cx="5032375" cy="4116387"/>
+          </a:xfrm>
+        </p:spPr>
+        <p:txBody>
+          <a:bodyPr/>
+          <a:lstStyle/>
+          <a:p>
+            <a:pPr eaLnBrk="1" hangingPunct="1">
+              <a:defRPr/>
+            </a:pPr>
+            <a:endParaRPr lang="en-US">
+              <a:cs typeface="+mn-cs"/>
+            </a:endParaRPr>
+          </a:p>
+        </p:txBody>
+      </p:sp>
+    </p:spTree>
+    <p:extLst>
+      <p:ext uri="{BB962C8B-B14F-4D97-AF65-F5344CB8AC3E}">
+        <p14:creationId xmlns:p14="http://schemas.microsoft.com/office/powerpoint/2010/main" val="1805758928"/>
+      </p:ext>
+    </p:extLst>
+  </p:cSld>
+  <p:clrMapOvr>
+    <a:masterClrMapping/>
+  </p:clrMapOvr>
+</p:notes>
+</file>
+
+<file path=ppt/notesSlides/notesSlide8.xml><?xml version="1.0" encoding="utf-8"?>
+<p:notes xmlns:a="http://schemas.openxmlformats.org/drawingml/2006/main" xmlns:r="http://schemas.openxmlformats.org/officeDocument/2006/relationships" xmlns:p="http://schemas.openxmlformats.org/presentationml/2006/main">
+  <p:cSld>
+    <p:spTree>
+      <p:nvGrpSpPr>
+        <p:cNvPr id="1" name=""/>
+        <p:cNvGrpSpPr/>
+        <p:nvPr/>
+      </p:nvGrpSpPr>
+      <p:grpSpPr>
+        <a:xfrm>
+          <a:off x="0" y="0"/>
+          <a:ext cx="0" cy="0"/>
+          <a:chOff x="0" y="0"/>
+          <a:chExt cx="0" cy="0"/>
+        </a:xfrm>
+      </p:grpSpPr>
+      <p:sp>
+        <p:nvSpPr>
+          <p:cNvPr id="7" name="Rectangle 7">
+            <a:extLst>
+              <a:ext uri="{FF2B5EF4-FFF2-40B4-BE49-F238E27FC236}">
+                <a16:creationId xmlns:a16="http://schemas.microsoft.com/office/drawing/2014/main" id="{5EB5534C-4425-D94E-909F-662AF7BFF5D2}"/>
+              </a:ext>
+            </a:extLst>
+          </p:cNvPr>
+          <p:cNvSpPr>
+            <a:spLocks noGrp="1" noChangeArrowheads="1"/>
+          </p:cNvSpPr>
+          <p:nvPr>
+            <p:ph type="sldNum" sz="quarter" idx="5"/>
+          </p:nvPr>
+        </p:nvSpPr>
+        <p:spPr>
+          <a:extLst>
+            <a:ext uri="{909E8E84-426E-40dd-AFC4-6F175D3DCCD1}">
+              <a14:hiddenFill xmlns:a14="http://schemas.microsoft.com/office/drawing/2010/main" xmlns="">
+                <a:solidFill>
+                  <a:schemeClr val="accent1"/>
+                </a:solidFill>
+              </a14:hiddenFill>
+            </a:ext>
+            <a:ext uri="{91240B29-F687-4f45-9708-019B960494DF}">
+              <a14:hiddenLine xmlns:a14="http://schemas.microsoft.com/office/drawing/2010/main" xmlns="" w="9525">
+                <a:solidFill>
+                  <a:schemeClr val="tx1"/>
+                </a:solidFill>
+                <a:miter lim="800000"/>
+                <a:headEnd/>
+                <a:tailEnd/>
+              </a14:hiddenLine>
+            </a:ext>
+            <a:ext uri="{AF507438-7753-43e0-B8FC-AC1667EBCBE1}">
+              <a14:hiddenEffects xmlns:a14="http://schemas.microsoft.com/office/drawing/2010/main" xmlns="">
+                <a:effectLst>
+                  <a:outerShdw blurRad="63500" dist="38099" dir="2700000" algn="ctr" rotWithShape="0">
+                    <a:schemeClr val="bg2">
+                      <a:alpha val="74998"/>
+                    </a:schemeClr>
+                  </a:outerShdw>
+                </a:effectLst>
+              </a14:hiddenEffects>
+            </a:ext>
+            <a:ext uri="{FAA26D3D-D897-4be2-8F04-BA451C77F1D7}">
+              <ma14:placeholderFlag xmlns:ma14="http://schemas.microsoft.com/office/mac/drawingml/2011/main" xmlns="" val="1"/>
+            </a:ext>
+          </a:extLst>
+        </p:spPr>
+        <p:txBody>
+          <a:bodyPr/>
+          <a:lstStyle>
+            <a:lvl1pPr eaLnBrk="0" hangingPunct="0">
+              <a:defRPr sz="2400">
+                <a:solidFill>
+                  <a:schemeClr val="tx1"/>
+                </a:solidFill>
+                <a:latin typeface="Arial" panose="020B0604020202020204" pitchFamily="34" charset="0"/>
+                <a:ea typeface="ＭＳ Ｐゴシック" panose="020B0600070205080204" pitchFamily="34" charset="-128"/>
+              </a:defRPr>
+            </a:lvl1pPr>
+            <a:lvl2pPr marL="742950" indent="-285750" eaLnBrk="0" hangingPunct="0">
+              <a:defRPr sz="2400">
+                <a:solidFill>
+                  <a:schemeClr val="tx1"/>
+                </a:solidFill>
+                <a:latin typeface="Arial" panose="020B0604020202020204" pitchFamily="34" charset="0"/>
+                <a:ea typeface="ＭＳ Ｐゴシック" panose="020B0600070205080204" pitchFamily="34" charset="-128"/>
+              </a:defRPr>
+            </a:lvl2pPr>
+            <a:lvl3pPr marL="1143000" indent="-228600" eaLnBrk="0" hangingPunct="0">
+              <a:defRPr sz="2400">
+                <a:solidFill>
+                  <a:schemeClr val="tx1"/>
+                </a:solidFill>
+                <a:latin typeface="Arial" panose="020B0604020202020204" pitchFamily="34" charset="0"/>
+                <a:ea typeface="ＭＳ Ｐゴシック" panose="020B0600070205080204" pitchFamily="34" charset="-128"/>
+              </a:defRPr>
+            </a:lvl3pPr>
+            <a:lvl4pPr marL="1600200" indent="-228600" eaLnBrk="0" hangingPunct="0">
+              <a:defRPr sz="2400">
+                <a:solidFill>
+                  <a:schemeClr val="tx1"/>
+                </a:solidFill>
+                <a:latin typeface="Arial" panose="020B0604020202020204" pitchFamily="34" charset="0"/>
+                <a:ea typeface="ＭＳ Ｐゴシック" panose="020B0600070205080204" pitchFamily="34" charset="-128"/>
+              </a:defRPr>
+            </a:lvl4pPr>
+            <a:lvl5pPr marL="2057400" indent="-228600" eaLnBrk="0" hangingPunct="0">
+              <a:defRPr sz="2400">
+                <a:solidFill>
+                  <a:schemeClr val="tx1"/>
+                </a:solidFill>
+                <a:latin typeface="Arial" panose="020B0604020202020204" pitchFamily="34" charset="0"/>
+                <a:ea typeface="ＭＳ Ｐゴシック" panose="020B0600070205080204" pitchFamily="34" charset="-128"/>
+              </a:defRPr>
+            </a:lvl5pPr>
+            <a:lvl6pPr marL="2514600" indent="-228600" eaLnBrk="0" fontAlgn="base" hangingPunct="0">
+              <a:spcBef>
+                <a:spcPct val="0"/>
+              </a:spcBef>
+              <a:spcAft>
+                <a:spcPct val="0"/>
+              </a:spcAft>
+              <a:defRPr sz="2400">
+                <a:solidFill>
+                  <a:schemeClr val="tx1"/>
+                </a:solidFill>
+                <a:latin typeface="Arial" panose="020B0604020202020204" pitchFamily="34" charset="0"/>
+                <a:ea typeface="ＭＳ Ｐゴシック" panose="020B0600070205080204" pitchFamily="34" charset="-128"/>
+              </a:defRPr>
+            </a:lvl6pPr>
+            <a:lvl7pPr marL="2971800" indent="-228600" eaLnBrk="0" fontAlgn="base" hangingPunct="0">
+              <a:spcBef>
+                <a:spcPct val="0"/>
+              </a:spcBef>
+              <a:spcAft>
+                <a:spcPct val="0"/>
+              </a:spcAft>
+              <a:defRPr sz="2400">
+                <a:solidFill>
+                  <a:schemeClr val="tx1"/>
+                </a:solidFill>
+                <a:latin typeface="Arial" panose="020B0604020202020204" pitchFamily="34" charset="0"/>
+                <a:ea typeface="ＭＳ Ｐゴシック" panose="020B0600070205080204" pitchFamily="34" charset="-128"/>
+              </a:defRPr>
+            </a:lvl7pPr>
+            <a:lvl8pPr marL="3429000" indent="-228600" eaLnBrk="0" fontAlgn="base" hangingPunct="0">
+              <a:spcBef>
+                <a:spcPct val="0"/>
+              </a:spcBef>
+              <a:spcAft>
+                <a:spcPct val="0"/>
+              </a:spcAft>
+              <a:defRPr sz="2400">
+                <a:solidFill>
+                  <a:schemeClr val="tx1"/>
+                </a:solidFill>
+                <a:latin typeface="Arial" panose="020B0604020202020204" pitchFamily="34" charset="0"/>
+                <a:ea typeface="ＭＳ Ｐゴシック" panose="020B0600070205080204" pitchFamily="34" charset="-128"/>
+              </a:defRPr>
+            </a:lvl8pPr>
+            <a:lvl9pPr marL="3886200" indent="-228600" eaLnBrk="0" fontAlgn="base" hangingPunct="0">
+              <a:spcBef>
+                <a:spcPct val="0"/>
+              </a:spcBef>
+              <a:spcAft>
+                <a:spcPct val="0"/>
+              </a:spcAft>
+              <a:defRPr sz="2400">
+                <a:solidFill>
+                  <a:schemeClr val="tx1"/>
+                </a:solidFill>
+                <a:latin typeface="Arial" panose="020B0604020202020204" pitchFamily="34" charset="0"/>
+                <a:ea typeface="ＭＳ Ｐゴシック" panose="020B0600070205080204" pitchFamily="34" charset="-128"/>
+              </a:defRPr>
+            </a:lvl9pPr>
+          </a:lstStyle>
+          <a:p>
+            <a:pPr eaLnBrk="1" hangingPunct="1"/>
+            <a:fld id="{39124CFE-460D-1244-8788-50CCC1B5DA48}" type="slidenum">
+              <a:rPr lang="en-US" altLang="en-US" sz="1200"/>
+              <a:pPr eaLnBrk="1" hangingPunct="1"/>
+              <a:t>12</a:t>
+            </a:fld>
+            <a:endParaRPr lang="en-US" altLang="en-US" sz="1200"/>
+          </a:p>
+        </p:txBody>
+      </p:sp>
+      <p:sp>
+        <p:nvSpPr>
+          <p:cNvPr id="51202" name="Rectangle 2">
+            <a:extLst>
+              <a:ext uri="{FF2B5EF4-FFF2-40B4-BE49-F238E27FC236}">
+                <a16:creationId xmlns:a16="http://schemas.microsoft.com/office/drawing/2014/main" id="{7E503B1A-065D-5A45-9756-D97B7F3D9A51}"/>
+              </a:ext>
+            </a:extLst>
+          </p:cNvPr>
+          <p:cNvSpPr>
+            <a:spLocks noGrp="1" noRot="1" noChangeAspect="1" noChangeArrowheads="1" noTextEdit="1"/>
+          </p:cNvSpPr>
+          <p:nvPr>
+            <p:ph type="sldImg"/>
+          </p:nvPr>
+        </p:nvSpPr>
+        <p:spPr>
+          <a:ln/>
+          <a:extLst>
+            <a:ext uri="{FAA26D3D-D897-4be2-8F04-BA451C77F1D7}">
+              <ma14:placeholderFlag xmlns:ma14="http://schemas.microsoft.com/office/mac/drawingml/2011/main" xmlns="" val="1"/>
+            </a:ext>
+          </a:extLst>
+        </p:spPr>
+      </p:sp>
+      <p:sp>
+        <p:nvSpPr>
+          <p:cNvPr id="51203" name="Rectangle 3">
+            <a:extLst>
+              <a:ext uri="{FF2B5EF4-FFF2-40B4-BE49-F238E27FC236}">
+                <a16:creationId xmlns:a16="http://schemas.microsoft.com/office/drawing/2014/main" id="{B6B97D05-0311-AF46-B773-20A8C7E990A9}"/>
+              </a:ext>
+            </a:extLst>
+          </p:cNvPr>
+          <p:cNvSpPr>
+            <a:spLocks noGrp="1" noChangeArrowheads="1"/>
+          </p:cNvSpPr>
+          <p:nvPr>
+            <p:ph type="body" idx="1"/>
+          </p:nvPr>
+        </p:nvSpPr>
+        <p:spPr/>
+        <p:txBody>
+          <a:bodyPr/>
+          <a:lstStyle/>
+          <a:p>
+            <a:pPr eaLnBrk="1" hangingPunct="1">
+              <a:defRPr/>
+            </a:pPr>
+            <a:endParaRPr lang="en-US">
+              <a:cs typeface="+mn-cs"/>
+            </a:endParaRPr>
+          </a:p>
+        </p:txBody>
+      </p:sp>
+    </p:spTree>
+    <p:extLst>
+      <p:ext uri="{BB962C8B-B14F-4D97-AF65-F5344CB8AC3E}">
+        <p14:creationId xmlns:p14="http://schemas.microsoft.com/office/powerpoint/2010/main" val="1484359389"/>
+      </p:ext>
+    </p:extLst>
+  </p:cSld>
+  <p:clrMapOvr>
+    <a:masterClrMapping/>
+  </p:clrMapOvr>
+</p:notes>
+</file>
+
+<file path=ppt/notesSlides/notesSlide9.xml><?xml version="1.0" encoding="utf-8"?>
+<p:notes xmlns:a="http://schemas.openxmlformats.org/drawingml/2006/main" xmlns:r="http://schemas.openxmlformats.org/officeDocument/2006/relationships" xmlns:p="http://schemas.openxmlformats.org/presentationml/2006/main">
+  <p:cSld>
+    <p:spTree>
+      <p:nvGrpSpPr>
+        <p:cNvPr id="1" name=""/>
+        <p:cNvGrpSpPr/>
+        <p:nvPr/>
+      </p:nvGrpSpPr>
+      <p:grpSpPr>
+        <a:xfrm>
+          <a:off x="0" y="0"/>
+          <a:ext cx="0" cy="0"/>
+          <a:chOff x="0" y="0"/>
+          <a:chExt cx="0" cy="0"/>
+        </a:xfrm>
+      </p:grpSpPr>
+      <p:sp>
+        <p:nvSpPr>
+          <p:cNvPr id="7" name="Rectangle 7">
+            <a:extLst>
+              <a:ext uri="{FF2B5EF4-FFF2-40B4-BE49-F238E27FC236}">
+                <a16:creationId xmlns:a16="http://schemas.microsoft.com/office/drawing/2014/main" id="{AB040723-8EAB-0C49-BEB8-5460821F0E26}"/>
+              </a:ext>
+            </a:extLst>
+          </p:cNvPr>
+          <p:cNvSpPr>
+            <a:spLocks noGrp="1" noChangeArrowheads="1"/>
+          </p:cNvSpPr>
+          <p:nvPr>
+            <p:ph type="sldNum" sz="quarter" idx="5"/>
+          </p:nvPr>
+        </p:nvSpPr>
+        <p:spPr>
+          <a:extLst>
+            <a:ext uri="{909E8E84-426E-40dd-AFC4-6F175D3DCCD1}">
+              <a14:hiddenFill xmlns:a14="http://schemas.microsoft.com/office/drawing/2010/main" xmlns="">
+                <a:solidFill>
+                  <a:schemeClr val="accent1"/>
+                </a:solidFill>
+              </a14:hiddenFill>
+            </a:ext>
+            <a:ext uri="{91240B29-F687-4f45-9708-019B960494DF}">
+              <a14:hiddenLine xmlns:a14="http://schemas.microsoft.com/office/drawing/2010/main" xmlns="" w="9525">
+                <a:solidFill>
+                  <a:schemeClr val="tx1"/>
+                </a:solidFill>
+                <a:miter lim="800000"/>
+                <a:headEnd/>
+                <a:tailEnd/>
+              </a14:hiddenLine>
+            </a:ext>
+            <a:ext uri="{AF507438-7753-43e0-B8FC-AC1667EBCBE1}">
+              <a14:hiddenEffects xmlns:a14="http://schemas.microsoft.com/office/drawing/2010/main" xmlns="">
+                <a:effectLst>
+                  <a:outerShdw blurRad="63500" dist="38099" dir="2700000" algn="ctr" rotWithShape="0">
+                    <a:schemeClr val="bg2">
+                      <a:alpha val="74998"/>
+                    </a:schemeClr>
+                  </a:outerShdw>
+                </a:effectLst>
+              </a14:hiddenEffects>
+            </a:ext>
+            <a:ext uri="{FAA26D3D-D897-4be2-8F04-BA451C77F1D7}">
+              <ma14:placeholderFlag xmlns:ma14="http://schemas.microsoft.com/office/mac/drawingml/2011/main" xmlns="" val="1"/>
+            </a:ext>
+          </a:extLst>
+        </p:spPr>
+        <p:txBody>
+          <a:bodyPr/>
+          <a:lstStyle>
+            <a:lvl1pPr eaLnBrk="0" hangingPunct="0">
+              <a:defRPr sz="2400">
+                <a:solidFill>
+                  <a:schemeClr val="tx1"/>
+                </a:solidFill>
+                <a:latin typeface="Arial" panose="020B0604020202020204" pitchFamily="34" charset="0"/>
+                <a:ea typeface="ＭＳ Ｐゴシック" panose="020B0600070205080204" pitchFamily="34" charset="-128"/>
+              </a:defRPr>
+            </a:lvl1pPr>
+            <a:lvl2pPr marL="742950" indent="-285750" eaLnBrk="0" hangingPunct="0">
+              <a:defRPr sz="2400">
+                <a:solidFill>
+                  <a:schemeClr val="tx1"/>
+                </a:solidFill>
+                <a:latin typeface="Arial" panose="020B0604020202020204" pitchFamily="34" charset="0"/>
+                <a:ea typeface="ＭＳ Ｐゴシック" panose="020B0600070205080204" pitchFamily="34" charset="-128"/>
+              </a:defRPr>
+            </a:lvl2pPr>
+            <a:lvl3pPr marL="1143000" indent="-228600" eaLnBrk="0" hangingPunct="0">
+              <a:defRPr sz="2400">
+                <a:solidFill>
+                  <a:schemeClr val="tx1"/>
+                </a:solidFill>
+                <a:latin typeface="Arial" panose="020B0604020202020204" pitchFamily="34" charset="0"/>
+                <a:ea typeface="ＭＳ Ｐゴシック" panose="020B0600070205080204" pitchFamily="34" charset="-128"/>
+              </a:defRPr>
+            </a:lvl3pPr>
+            <a:lvl4pPr marL="1600200" indent="-228600" eaLnBrk="0" hangingPunct="0">
+              <a:defRPr sz="2400">
+                <a:solidFill>
+                  <a:schemeClr val="tx1"/>
+                </a:solidFill>
+                <a:latin typeface="Arial" panose="020B0604020202020204" pitchFamily="34" charset="0"/>
+                <a:ea typeface="ＭＳ Ｐゴシック" panose="020B0600070205080204" pitchFamily="34" charset="-128"/>
+              </a:defRPr>
+            </a:lvl4pPr>
+            <a:lvl5pPr marL="2057400" indent="-228600" eaLnBrk="0" hangingPunct="0">
+              <a:defRPr sz="2400">
+                <a:solidFill>
+                  <a:schemeClr val="tx1"/>
+                </a:solidFill>
+                <a:latin typeface="Arial" panose="020B0604020202020204" pitchFamily="34" charset="0"/>
+                <a:ea typeface="ＭＳ Ｐゴシック" panose="020B0600070205080204" pitchFamily="34" charset="-128"/>
+              </a:defRPr>
+            </a:lvl5pPr>
+            <a:lvl6pPr marL="2514600" indent="-228600" eaLnBrk="0" fontAlgn="base" hangingPunct="0">
+              <a:spcBef>
+                <a:spcPct val="0"/>
+              </a:spcBef>
+              <a:spcAft>
+                <a:spcPct val="0"/>
+              </a:spcAft>
+              <a:defRPr sz="2400">
+                <a:solidFill>
+                  <a:schemeClr val="tx1"/>
+                </a:solidFill>
+                <a:latin typeface="Arial" panose="020B0604020202020204" pitchFamily="34" charset="0"/>
+                <a:ea typeface="ＭＳ Ｐゴシック" panose="020B0600070205080204" pitchFamily="34" charset="-128"/>
+              </a:defRPr>
+            </a:lvl6pPr>
+            <a:lvl7pPr marL="2971800" indent="-228600" eaLnBrk="0" fontAlgn="base" hangingPunct="0">
+              <a:spcBef>
+                <a:spcPct val="0"/>
+              </a:spcBef>
+              <a:spcAft>
+                <a:spcPct val="0"/>
+              </a:spcAft>
+              <a:defRPr sz="2400">
+                <a:solidFill>
+                  <a:schemeClr val="tx1"/>
+                </a:solidFill>
+                <a:latin typeface="Arial" panose="020B0604020202020204" pitchFamily="34" charset="0"/>
+                <a:ea typeface="ＭＳ Ｐゴシック" panose="020B0600070205080204" pitchFamily="34" charset="-128"/>
+              </a:defRPr>
+            </a:lvl7pPr>
+            <a:lvl8pPr marL="3429000" indent="-228600" eaLnBrk="0" fontAlgn="base" hangingPunct="0">
+              <a:spcBef>
+                <a:spcPct val="0"/>
+              </a:spcBef>
+              <a:spcAft>
+                <a:spcPct val="0"/>
+              </a:spcAft>
+              <a:defRPr sz="2400">
+                <a:solidFill>
+                  <a:schemeClr val="tx1"/>
+                </a:solidFill>
+                <a:latin typeface="Arial" panose="020B0604020202020204" pitchFamily="34" charset="0"/>
+                <a:ea typeface="ＭＳ Ｐゴシック" panose="020B0600070205080204" pitchFamily="34" charset="-128"/>
+              </a:defRPr>
+            </a:lvl8pPr>
+            <a:lvl9pPr marL="3886200" indent="-228600" eaLnBrk="0" fontAlgn="base" hangingPunct="0">
+              <a:spcBef>
+                <a:spcPct val="0"/>
+              </a:spcBef>
+              <a:spcAft>
+                <a:spcPct val="0"/>
+              </a:spcAft>
+              <a:defRPr sz="2400">
+                <a:solidFill>
+                  <a:schemeClr val="tx1"/>
+                </a:solidFill>
+                <a:latin typeface="Arial" panose="020B0604020202020204" pitchFamily="34" charset="0"/>
+                <a:ea typeface="ＭＳ Ｐゴシック" panose="020B0600070205080204" pitchFamily="34" charset="-128"/>
+              </a:defRPr>
+            </a:lvl9pPr>
+          </a:lstStyle>
+          <a:p>
+            <a:pPr eaLnBrk="1" hangingPunct="1"/>
+            <a:fld id="{B2CC458E-8BC0-1D46-B534-DEDBF7208904}" type="slidenum">
+              <a:rPr lang="en-US" altLang="en-US" sz="1200"/>
+              <a:pPr eaLnBrk="1" hangingPunct="1"/>
+              <a:t>13</a:t>
+            </a:fld>
+            <a:endParaRPr lang="en-US" altLang="en-US" sz="1200"/>
+          </a:p>
+        </p:txBody>
+      </p:sp>
+      <p:sp>
+        <p:nvSpPr>
+          <p:cNvPr id="53250" name="Rectangle 2">
+            <a:extLst>
+              <a:ext uri="{FF2B5EF4-FFF2-40B4-BE49-F238E27FC236}">
+                <a16:creationId xmlns:a16="http://schemas.microsoft.com/office/drawing/2014/main" id="{AA324389-7BB6-0049-B603-6941D0F7AEDE}"/>
+              </a:ext>
+            </a:extLst>
+          </p:cNvPr>
+          <p:cNvSpPr>
+            <a:spLocks noGrp="1" noRot="1" noChangeAspect="1" noChangeArrowheads="1" noTextEdit="1"/>
+          </p:cNvSpPr>
+          <p:nvPr>
+            <p:ph type="sldImg"/>
+          </p:nvPr>
+        </p:nvSpPr>
+        <p:spPr>
+          <a:xfrm>
+            <a:off x="417513" y="708025"/>
+            <a:ext cx="6045200" cy="3402013"/>
+          </a:xfrm>
+          <a:ln/>
+          <a:extLst>
+            <a:ext uri="{FAA26D3D-D897-4be2-8F04-BA451C77F1D7}">
+              <ma14:placeholderFlag xmlns:ma14="http://schemas.microsoft.com/office/mac/drawingml/2011/main" xmlns="" val="1"/>
+            </a:ext>
+          </a:extLst>
+        </p:spPr>
+      </p:sp>
+      <p:sp>
+        <p:nvSpPr>
+          <p:cNvPr id="53251" name="Rectangle 3">
+            <a:extLst>
+              <a:ext uri="{FF2B5EF4-FFF2-40B4-BE49-F238E27FC236}">
+                <a16:creationId xmlns:a16="http://schemas.microsoft.com/office/drawing/2014/main" id="{3B64A446-F74B-A34E-B68E-DC9087E74DDC}"/>
+              </a:ext>
+            </a:extLst>
+          </p:cNvPr>
+          <p:cNvSpPr>
+            <a:spLocks noGrp="1" noChangeArrowheads="1"/>
+          </p:cNvSpPr>
+          <p:nvPr>
+            <p:ph type="body" idx="1"/>
+          </p:nvPr>
+        </p:nvSpPr>
+        <p:spPr>
+          <a:xfrm>
+            <a:off x="914400" y="4343400"/>
+            <a:ext cx="5029200" cy="4098925"/>
+          </a:xfrm>
+        </p:spPr>
+        <p:txBody>
+          <a:bodyPr/>
+          <a:lstStyle/>
+          <a:p>
+            <a:pPr eaLnBrk="1" hangingPunct="1">
+              <a:defRPr/>
+            </a:pPr>
+            <a:endParaRPr lang="en-US">
+              <a:cs typeface="+mn-cs"/>
+            </a:endParaRPr>
+          </a:p>
+        </p:txBody>
+      </p:sp>
+    </p:spTree>
+    <p:extLst>
+      <p:ext uri="{BB962C8B-B14F-4D97-AF65-F5344CB8AC3E}">
+        <p14:creationId xmlns:p14="http://schemas.microsoft.com/office/powerpoint/2010/main" val="4151019656"/>
+      </p:ext>
+    </p:extLst>
+  </p:cSld>
+  <p:clrMapOvr>
+    <a:masterClrMapping/>
+  </p:clrMapOvr>
+</p:notes>
+</file>
+
 <file path=ppt/slideLayouts/slideLayout1.xml><?xml version="1.0" encoding="utf-8"?>
 <p:sldLayout xmlns:a="http://schemas.openxmlformats.org/drawingml/2006/main" xmlns:r="http://schemas.openxmlformats.org/officeDocument/2006/relationships" xmlns:p="http://schemas.openxmlformats.org/presentationml/2006/main" type="obj" preserve="1">
   <p:cSld name="Title and Content">
@@ -749,6 +3243,326 @@
       </p15:sldGuideLst>
     </p:ext>
   </p:extLst>
+</p:sldLayout>
+</file>
+
+<file path=ppt/slideLayouts/slideLayout10.xml><?xml version="1.0" encoding="utf-8"?>
+<p:sldLayout xmlns:a="http://schemas.openxmlformats.org/drawingml/2006/main" xmlns:r="http://schemas.openxmlformats.org/officeDocument/2006/relationships" xmlns:p="http://schemas.openxmlformats.org/presentationml/2006/main" type="twoObj">
+  <p:cSld name="Two Content">
+    <p:spTree>
+      <p:nvGrpSpPr>
+        <p:cNvPr id="1" name=""/>
+        <p:cNvGrpSpPr/>
+        <p:nvPr/>
+      </p:nvGrpSpPr>
+      <p:grpSpPr>
+        <a:xfrm>
+          <a:off x="0" y="0"/>
+          <a:ext cx="0" cy="0"/>
+          <a:chOff x="0" y="0"/>
+          <a:chExt cx="0" cy="0"/>
+        </a:xfrm>
+      </p:grpSpPr>
+      <p:sp>
+        <p:nvSpPr>
+          <p:cNvPr id="2" name="Title 1"/>
+          <p:cNvSpPr>
+            <a:spLocks noGrp="1"/>
+          </p:cNvSpPr>
+          <p:nvPr>
+            <p:ph type="title"/>
+          </p:nvPr>
+        </p:nvSpPr>
+        <p:spPr/>
+        <p:txBody>
+          <a:bodyPr/>
+          <a:lstStyle/>
+          <a:p>
+            <a:r>
+              <a:rPr lang="en-US"/>
+              <a:t>Click to edit Master title style</a:t>
+            </a:r>
+          </a:p>
+        </p:txBody>
+      </p:sp>
+      <p:sp>
+        <p:nvSpPr>
+          <p:cNvPr id="3" name="Content Placeholder 2"/>
+          <p:cNvSpPr>
+            <a:spLocks noGrp="1"/>
+          </p:cNvSpPr>
+          <p:nvPr>
+            <p:ph sz="half" idx="1"/>
+          </p:nvPr>
+        </p:nvSpPr>
+        <p:spPr>
+          <a:xfrm>
+            <a:off x="609600" y="1600201"/>
+            <a:ext cx="5384800" cy="4525963"/>
+          </a:xfrm>
+        </p:spPr>
+        <p:txBody>
+          <a:bodyPr/>
+          <a:lstStyle>
+            <a:lvl1pPr>
+              <a:defRPr sz="2800"/>
+            </a:lvl1pPr>
+            <a:lvl2pPr>
+              <a:defRPr sz="2400"/>
+            </a:lvl2pPr>
+            <a:lvl3pPr>
+              <a:defRPr sz="2000"/>
+            </a:lvl3pPr>
+            <a:lvl4pPr>
+              <a:defRPr sz="1800"/>
+            </a:lvl4pPr>
+            <a:lvl5pPr>
+              <a:defRPr sz="1800"/>
+            </a:lvl5pPr>
+            <a:lvl6pPr>
+              <a:defRPr sz="1800"/>
+            </a:lvl6pPr>
+            <a:lvl7pPr>
+              <a:defRPr sz="1800"/>
+            </a:lvl7pPr>
+            <a:lvl8pPr>
+              <a:defRPr sz="1800"/>
+            </a:lvl8pPr>
+            <a:lvl9pPr>
+              <a:defRPr sz="1800"/>
+            </a:lvl9pPr>
+          </a:lstStyle>
+          <a:p>
+            <a:pPr lvl="0"/>
+            <a:r>
+              <a:rPr lang="en-US"/>
+              <a:t>Click to edit Master text styles</a:t>
+            </a:r>
+          </a:p>
+          <a:p>
+            <a:pPr lvl="1"/>
+            <a:r>
+              <a:rPr lang="en-US"/>
+              <a:t>Second level</a:t>
+            </a:r>
+          </a:p>
+          <a:p>
+            <a:pPr lvl="2"/>
+            <a:r>
+              <a:rPr lang="en-US"/>
+              <a:t>Third level</a:t>
+            </a:r>
+          </a:p>
+          <a:p>
+            <a:pPr lvl="3"/>
+            <a:r>
+              <a:rPr lang="en-US"/>
+              <a:t>Fourth level</a:t>
+            </a:r>
+          </a:p>
+          <a:p>
+            <a:pPr lvl="4"/>
+            <a:r>
+              <a:rPr lang="en-US"/>
+              <a:t>Fifth level</a:t>
+            </a:r>
+          </a:p>
+        </p:txBody>
+      </p:sp>
+      <p:sp>
+        <p:nvSpPr>
+          <p:cNvPr id="4" name="Content Placeholder 3"/>
+          <p:cNvSpPr>
+            <a:spLocks noGrp="1"/>
+          </p:cNvSpPr>
+          <p:nvPr>
+            <p:ph sz="half" idx="2"/>
+          </p:nvPr>
+        </p:nvSpPr>
+        <p:spPr>
+          <a:xfrm>
+            <a:off x="6197600" y="1600201"/>
+            <a:ext cx="5384800" cy="4525963"/>
+          </a:xfrm>
+        </p:spPr>
+        <p:txBody>
+          <a:bodyPr/>
+          <a:lstStyle>
+            <a:lvl1pPr>
+              <a:defRPr sz="2800"/>
+            </a:lvl1pPr>
+            <a:lvl2pPr>
+              <a:defRPr sz="2400"/>
+            </a:lvl2pPr>
+            <a:lvl3pPr>
+              <a:defRPr sz="2000"/>
+            </a:lvl3pPr>
+            <a:lvl4pPr>
+              <a:defRPr sz="1800"/>
+            </a:lvl4pPr>
+            <a:lvl5pPr>
+              <a:defRPr sz="1800"/>
+            </a:lvl5pPr>
+            <a:lvl6pPr>
+              <a:defRPr sz="1800"/>
+            </a:lvl6pPr>
+            <a:lvl7pPr>
+              <a:defRPr sz="1800"/>
+            </a:lvl7pPr>
+            <a:lvl8pPr>
+              <a:defRPr sz="1800"/>
+            </a:lvl8pPr>
+            <a:lvl9pPr>
+              <a:defRPr sz="1800"/>
+            </a:lvl9pPr>
+          </a:lstStyle>
+          <a:p>
+            <a:pPr lvl="0"/>
+            <a:r>
+              <a:rPr lang="en-US"/>
+              <a:t>Click to edit Master text styles</a:t>
+            </a:r>
+          </a:p>
+          <a:p>
+            <a:pPr lvl="1"/>
+            <a:r>
+              <a:rPr lang="en-US"/>
+              <a:t>Second level</a:t>
+            </a:r>
+          </a:p>
+          <a:p>
+            <a:pPr lvl="2"/>
+            <a:r>
+              <a:rPr lang="en-US"/>
+              <a:t>Third level</a:t>
+            </a:r>
+          </a:p>
+          <a:p>
+            <a:pPr lvl="3"/>
+            <a:r>
+              <a:rPr lang="en-US"/>
+              <a:t>Fourth level</a:t>
+            </a:r>
+          </a:p>
+          <a:p>
+            <a:pPr lvl="4"/>
+            <a:r>
+              <a:rPr lang="en-US"/>
+              <a:t>Fifth level</a:t>
+            </a:r>
+          </a:p>
+        </p:txBody>
+      </p:sp>
+      <p:sp>
+        <p:nvSpPr>
+          <p:cNvPr id="5" name="Date Placeholder 3">
+            <a:extLst>
+              <a:ext uri="{FF2B5EF4-FFF2-40B4-BE49-F238E27FC236}">
+                <a16:creationId xmlns:a16="http://schemas.microsoft.com/office/drawing/2014/main" id="{2F0F3D81-B121-DB4B-AF61-4D63D47ECDA2}"/>
+              </a:ext>
+            </a:extLst>
+          </p:cNvPr>
+          <p:cNvSpPr>
+            <a:spLocks noGrp="1"/>
+          </p:cNvSpPr>
+          <p:nvPr>
+            <p:ph type="dt" sz="half" idx="10"/>
+          </p:nvPr>
+        </p:nvSpPr>
+        <p:spPr/>
+        <p:txBody>
+          <a:bodyPr/>
+          <a:lstStyle>
+            <a:lvl1pPr>
+              <a:defRPr/>
+            </a:lvl1pPr>
+          </a:lstStyle>
+          <a:p>
+            <a:fld id="{72F0102A-871B-C743-910C-FB19B2FD047A}" type="datetimeFigureOut">
+              <a:rPr lang="en-US" altLang="en-US"/>
+              <a:pPr/>
+              <a:t>11/23/20</a:t>
+            </a:fld>
+            <a:endParaRPr lang="en-US" altLang="en-US"/>
+          </a:p>
+        </p:txBody>
+      </p:sp>
+      <p:sp>
+        <p:nvSpPr>
+          <p:cNvPr id="6" name="Footer Placeholder 4">
+            <a:extLst>
+              <a:ext uri="{FF2B5EF4-FFF2-40B4-BE49-F238E27FC236}">
+                <a16:creationId xmlns:a16="http://schemas.microsoft.com/office/drawing/2014/main" id="{BE4495A2-AE04-B94C-BB2E-64E6814BBE96}"/>
+              </a:ext>
+            </a:extLst>
+          </p:cNvPr>
+          <p:cNvSpPr>
+            <a:spLocks noGrp="1"/>
+          </p:cNvSpPr>
+          <p:nvPr>
+            <p:ph type="ftr" sz="quarter" idx="11"/>
+          </p:nvPr>
+        </p:nvSpPr>
+        <p:spPr/>
+        <p:txBody>
+          <a:bodyPr/>
+          <a:lstStyle>
+            <a:lvl1pPr>
+              <a:defRPr/>
+            </a:lvl1pPr>
+          </a:lstStyle>
+          <a:p>
+            <a:pPr>
+              <a:defRPr/>
+            </a:pPr>
+            <a:endParaRPr lang="en-US"/>
+          </a:p>
+        </p:txBody>
+      </p:sp>
+      <p:sp>
+        <p:nvSpPr>
+          <p:cNvPr id="7" name="Slide Number Placeholder 5">
+            <a:extLst>
+              <a:ext uri="{FF2B5EF4-FFF2-40B4-BE49-F238E27FC236}">
+                <a16:creationId xmlns:a16="http://schemas.microsoft.com/office/drawing/2014/main" id="{FA500A81-E3AA-254B-BE21-95CDF664C5F2}"/>
+              </a:ext>
+            </a:extLst>
+          </p:cNvPr>
+          <p:cNvSpPr>
+            <a:spLocks noGrp="1"/>
+          </p:cNvSpPr>
+          <p:nvPr>
+            <p:ph type="sldNum" sz="quarter" idx="12"/>
+          </p:nvPr>
+        </p:nvSpPr>
+        <p:spPr/>
+        <p:txBody>
+          <a:bodyPr/>
+          <a:lstStyle>
+            <a:lvl1pPr>
+              <a:defRPr/>
+            </a:lvl1pPr>
+          </a:lstStyle>
+          <a:p>
+            <a:fld id="{6A98A85B-5114-FA41-9297-A33ABD791147}" type="slidenum">
+              <a:rPr lang="en-US" altLang="en-US"/>
+              <a:pPr/>
+              <a:t>‹#›</a:t>
+            </a:fld>
+            <a:endParaRPr lang="en-US" altLang="en-US"/>
+          </a:p>
+        </p:txBody>
+      </p:sp>
+    </p:spTree>
+    <p:extLst>
+      <p:ext uri="{BB962C8B-B14F-4D97-AF65-F5344CB8AC3E}">
+        <p14:creationId xmlns:p14="http://schemas.microsoft.com/office/powerpoint/2010/main" val="1912499064"/>
+      </p:ext>
+    </p:extLst>
+  </p:cSld>
+  <p:clrMapOvr>
+    <a:masterClrMapping/>
+  </p:clrMapOvr>
 </p:sldLayout>
 </file>
 
@@ -1188,7 +4002,7 @@
           <a:p>
             <a:fld id="{2AAA8945-93FC-CD4D-85EF-05021FBA20E6}" type="datetimeFigureOut">
               <a:rPr lang="en-US" smtClean="0"/>
-              <a:t>11/16/20</a:t>
+              <a:t>11/23/20</a:t>
             </a:fld>
             <a:endParaRPr lang="en-US"/>
           </a:p>
@@ -1707,6 +4521,429 @@
     <p:extLst>
       <p:ext uri="{BB962C8B-B14F-4D97-AF65-F5344CB8AC3E}">
         <p14:creationId xmlns:p14="http://schemas.microsoft.com/office/powerpoint/2010/main" val="580033028"/>
+      </p:ext>
+    </p:extLst>
+  </p:cSld>
+  <p:clrMapOvr>
+    <a:masterClrMapping/>
+  </p:clrMapOvr>
+</p:sldLayout>
+</file>
+
+<file path=ppt/slideLayouts/slideLayout8.xml><?xml version="1.0" encoding="utf-8"?>
+<p:sldLayout xmlns:a="http://schemas.openxmlformats.org/drawingml/2006/main" xmlns:r="http://schemas.openxmlformats.org/officeDocument/2006/relationships" xmlns:p="http://schemas.openxmlformats.org/presentationml/2006/main" type="obj">
+  <p:cSld name="Title and Content">
+    <p:spTree>
+      <p:nvGrpSpPr>
+        <p:cNvPr id="1" name=""/>
+        <p:cNvGrpSpPr/>
+        <p:nvPr/>
+      </p:nvGrpSpPr>
+      <p:grpSpPr>
+        <a:xfrm>
+          <a:off x="0" y="0"/>
+          <a:ext cx="0" cy="0"/>
+          <a:chOff x="0" y="0"/>
+          <a:chExt cx="0" cy="0"/>
+        </a:xfrm>
+      </p:grpSpPr>
+      <p:sp>
+        <p:nvSpPr>
+          <p:cNvPr id="2" name="Title 1">
+            <a:extLst>
+              <a:ext uri="{FF2B5EF4-FFF2-40B4-BE49-F238E27FC236}">
+                <a16:creationId xmlns:a16="http://schemas.microsoft.com/office/drawing/2014/main" id="{AF05BE34-7189-A344-B516-A9D086B4E0EF}"/>
+              </a:ext>
+            </a:extLst>
+          </p:cNvPr>
+          <p:cNvSpPr>
+            <a:spLocks noGrp="1"/>
+          </p:cNvSpPr>
+          <p:nvPr>
+            <p:ph type="title"/>
+          </p:nvPr>
+        </p:nvSpPr>
+        <p:spPr>
+          <a:xfrm>
+            <a:off x="838199" y="0"/>
+            <a:ext cx="10515600" cy="1325563"/>
+          </a:xfrm>
+        </p:spPr>
+        <p:txBody>
+          <a:bodyPr/>
+          <a:lstStyle>
+            <a:lvl1pPr>
+              <a:defRPr b="1" i="0">
+                <a:latin typeface="Arial" panose="020B0604020202020204" pitchFamily="34" charset="0"/>
+                <a:cs typeface="Arial" panose="020B0604020202020204" pitchFamily="34" charset="0"/>
+              </a:defRPr>
+            </a:lvl1pPr>
+          </a:lstStyle>
+          <a:p>
+            <a:r>
+              <a:rPr lang="en-US" dirty="0"/>
+              <a:t>Click to edit Master title style</a:t>
+            </a:r>
+          </a:p>
+        </p:txBody>
+      </p:sp>
+      <p:sp>
+        <p:nvSpPr>
+          <p:cNvPr id="3" name="Content Placeholder 2">
+            <a:extLst>
+              <a:ext uri="{FF2B5EF4-FFF2-40B4-BE49-F238E27FC236}">
+                <a16:creationId xmlns:a16="http://schemas.microsoft.com/office/drawing/2014/main" id="{6C60D938-4304-294B-BEF8-E61AF7D54D24}"/>
+              </a:ext>
+            </a:extLst>
+          </p:cNvPr>
+          <p:cNvSpPr>
+            <a:spLocks noGrp="1"/>
+          </p:cNvSpPr>
+          <p:nvPr>
+            <p:ph idx="1"/>
+          </p:nvPr>
+        </p:nvSpPr>
+        <p:spPr>
+          <a:xfrm>
+            <a:off x="838200" y="1543657"/>
+            <a:ext cx="10515600" cy="4157428"/>
+          </a:xfrm>
+        </p:spPr>
+        <p:txBody>
+          <a:bodyPr/>
+          <a:lstStyle>
+            <a:lvl1pPr>
+              <a:lnSpc>
+                <a:spcPct val="100000"/>
+              </a:lnSpc>
+              <a:defRPr b="0" i="0">
+                <a:latin typeface="Arial" panose="020B0604020202020204" pitchFamily="34" charset="0"/>
+                <a:cs typeface="Arial" panose="020B0604020202020204" pitchFamily="34" charset="0"/>
+              </a:defRPr>
+            </a:lvl1pPr>
+            <a:lvl2pPr>
+              <a:lnSpc>
+                <a:spcPct val="100000"/>
+              </a:lnSpc>
+              <a:defRPr b="0" i="0">
+                <a:latin typeface="Arial" panose="020B0604020202020204" pitchFamily="34" charset="0"/>
+                <a:cs typeface="Arial" panose="020B0604020202020204" pitchFamily="34" charset="0"/>
+              </a:defRPr>
+            </a:lvl2pPr>
+            <a:lvl3pPr>
+              <a:lnSpc>
+                <a:spcPct val="100000"/>
+              </a:lnSpc>
+              <a:defRPr b="0" i="0">
+                <a:latin typeface="Arial" panose="020B0604020202020204" pitchFamily="34" charset="0"/>
+                <a:cs typeface="Arial" panose="020B0604020202020204" pitchFamily="34" charset="0"/>
+              </a:defRPr>
+            </a:lvl3pPr>
+            <a:lvl4pPr>
+              <a:lnSpc>
+                <a:spcPct val="100000"/>
+              </a:lnSpc>
+              <a:defRPr b="0" i="0">
+                <a:latin typeface="Arial" panose="020B0604020202020204" pitchFamily="34" charset="0"/>
+                <a:cs typeface="Arial" panose="020B0604020202020204" pitchFamily="34" charset="0"/>
+              </a:defRPr>
+            </a:lvl4pPr>
+            <a:lvl5pPr>
+              <a:lnSpc>
+                <a:spcPct val="100000"/>
+              </a:lnSpc>
+              <a:defRPr b="0" i="0">
+                <a:latin typeface="Arial" panose="020B0604020202020204" pitchFamily="34" charset="0"/>
+                <a:cs typeface="Arial" panose="020B0604020202020204" pitchFamily="34" charset="0"/>
+              </a:defRPr>
+            </a:lvl5pPr>
+          </a:lstStyle>
+          <a:p>
+            <a:pPr lvl="0"/>
+            <a:r>
+              <a:rPr lang="en-US" dirty="0"/>
+              <a:t>Click to edit Master text styles</a:t>
+            </a:r>
+          </a:p>
+          <a:p>
+            <a:pPr lvl="1"/>
+            <a:r>
+              <a:rPr lang="en-US" dirty="0"/>
+              <a:t>Second level</a:t>
+            </a:r>
+          </a:p>
+          <a:p>
+            <a:pPr lvl="2"/>
+            <a:r>
+              <a:rPr lang="en-US" dirty="0"/>
+              <a:t>Third level</a:t>
+            </a:r>
+          </a:p>
+          <a:p>
+            <a:pPr lvl="3"/>
+            <a:r>
+              <a:rPr lang="en-US" dirty="0"/>
+              <a:t>Fourth level</a:t>
+            </a:r>
+          </a:p>
+          <a:p>
+            <a:pPr lvl="4"/>
+            <a:r>
+              <a:rPr lang="en-US" dirty="0"/>
+              <a:t>Fifth level</a:t>
+            </a:r>
+          </a:p>
+        </p:txBody>
+      </p:sp>
+      <p:sp>
+        <p:nvSpPr>
+          <p:cNvPr id="6" name="Slide Number Placeholder 5">
+            <a:extLst>
+              <a:ext uri="{FF2B5EF4-FFF2-40B4-BE49-F238E27FC236}">
+                <a16:creationId xmlns:a16="http://schemas.microsoft.com/office/drawing/2014/main" id="{5DE5F365-BB74-B24F-AFD3-B06FB990816B}"/>
+              </a:ext>
+            </a:extLst>
+          </p:cNvPr>
+          <p:cNvSpPr>
+            <a:spLocks noGrp="1"/>
+          </p:cNvSpPr>
+          <p:nvPr>
+            <p:ph type="sldNum" sz="quarter" idx="12"/>
+          </p:nvPr>
+        </p:nvSpPr>
+        <p:spPr/>
+        <p:txBody>
+          <a:bodyPr/>
+          <a:lstStyle>
+            <a:lvl1pPr>
+              <a:defRPr b="0" i="0">
+                <a:latin typeface="Arial" panose="020B0604020202020204" pitchFamily="34" charset="0"/>
+                <a:cs typeface="Arial" panose="020B0604020202020204" pitchFamily="34" charset="0"/>
+              </a:defRPr>
+            </a:lvl1pPr>
+          </a:lstStyle>
+          <a:p>
+            <a:fld id="{256CE055-ECFD-9048-9FD8-7E2D8656A4F7}" type="slidenum">
+              <a:rPr lang="en-US" smtClean="0"/>
+              <a:pPr/>
+              <a:t>‹#›</a:t>
+            </a:fld>
+            <a:endParaRPr lang="en-US" dirty="0"/>
+          </a:p>
+        </p:txBody>
+      </p:sp>
+      <p:cxnSp>
+        <p:nvCxnSpPr>
+          <p:cNvPr id="7" name="Straight Connector 6">
+            <a:extLst>
+              <a:ext uri="{FF2B5EF4-FFF2-40B4-BE49-F238E27FC236}">
+                <a16:creationId xmlns:a16="http://schemas.microsoft.com/office/drawing/2014/main" id="{5B4E0F02-AC1F-3547-9C59-ABCD83A9480C}"/>
+              </a:ext>
+            </a:extLst>
+          </p:cNvPr>
+          <p:cNvCxnSpPr>
+            <a:cxnSpLocks/>
+          </p:cNvCxnSpPr>
+          <p:nvPr userDrawn="1"/>
+        </p:nvCxnSpPr>
+        <p:spPr>
+          <a:xfrm>
+            <a:off x="914400" y="1344113"/>
+            <a:ext cx="11277600" cy="0"/>
+          </a:xfrm>
+          <a:prstGeom prst="line">
+            <a:avLst/>
+          </a:prstGeom>
+          <a:ln w="38100">
+            <a:solidFill>
+              <a:schemeClr val="bg2">
+                <a:lumMod val="90000"/>
+              </a:schemeClr>
+            </a:solidFill>
+          </a:ln>
+        </p:spPr>
+        <p:style>
+          <a:lnRef idx="1">
+            <a:schemeClr val="accent1"/>
+          </a:lnRef>
+          <a:fillRef idx="0">
+            <a:schemeClr val="accent1"/>
+          </a:fillRef>
+          <a:effectRef idx="0">
+            <a:schemeClr val="accent1"/>
+          </a:effectRef>
+          <a:fontRef idx="minor">
+            <a:schemeClr val="tx1"/>
+          </a:fontRef>
+        </p:style>
+      </p:cxnSp>
+    </p:spTree>
+    <p:extLst>
+      <p:ext uri="{BB962C8B-B14F-4D97-AF65-F5344CB8AC3E}">
+        <p14:creationId xmlns:p14="http://schemas.microsoft.com/office/powerpoint/2010/main" val="3637709897"/>
+      </p:ext>
+    </p:extLst>
+  </p:cSld>
+  <p:clrMapOvr>
+    <a:masterClrMapping/>
+  </p:clrMapOvr>
+  <p:extLst>
+    <p:ext uri="{DCECCB84-F9BA-43D5-87BE-67443E8EF086}">
+      <p15:sldGuideLst xmlns:p15="http://schemas.microsoft.com/office/powerpoint/2012/main">
+        <p15:guide id="1" pos="576">
+          <p15:clr>
+            <a:srgbClr val="FBAE40"/>
+          </p15:clr>
+        </p15:guide>
+      </p15:sldGuideLst>
+    </p:ext>
+  </p:extLst>
+</p:sldLayout>
+</file>
+
+<file path=ppt/slideLayouts/slideLayout9.xml><?xml version="1.0" encoding="utf-8"?>
+<p:sldLayout xmlns:a="http://schemas.openxmlformats.org/drawingml/2006/main" xmlns:r="http://schemas.openxmlformats.org/officeDocument/2006/relationships" xmlns:p="http://schemas.openxmlformats.org/presentationml/2006/main" type="titleOnly">
+  <p:cSld name="Title Only">
+    <p:spTree>
+      <p:nvGrpSpPr>
+        <p:cNvPr id="1" name=""/>
+        <p:cNvGrpSpPr/>
+        <p:nvPr/>
+      </p:nvGrpSpPr>
+      <p:grpSpPr>
+        <a:xfrm>
+          <a:off x="0" y="0"/>
+          <a:ext cx="0" cy="0"/>
+          <a:chOff x="0" y="0"/>
+          <a:chExt cx="0" cy="0"/>
+        </a:xfrm>
+      </p:grpSpPr>
+      <p:sp>
+        <p:nvSpPr>
+          <p:cNvPr id="2" name="Title 1"/>
+          <p:cNvSpPr>
+            <a:spLocks noGrp="1"/>
+          </p:cNvSpPr>
+          <p:nvPr>
+            <p:ph type="title"/>
+          </p:nvPr>
+        </p:nvSpPr>
+        <p:spPr/>
+        <p:txBody>
+          <a:bodyPr/>
+          <a:lstStyle/>
+          <a:p>
+            <a:r>
+              <a:rPr lang="en-US"/>
+              <a:t>Click to edit Master title style</a:t>
+            </a:r>
+          </a:p>
+        </p:txBody>
+      </p:sp>
+      <p:sp>
+        <p:nvSpPr>
+          <p:cNvPr id="3" name="Date Placeholder 3">
+            <a:extLst>
+              <a:ext uri="{FF2B5EF4-FFF2-40B4-BE49-F238E27FC236}">
+                <a16:creationId xmlns:a16="http://schemas.microsoft.com/office/drawing/2014/main" id="{5C3FFC84-1B5F-7B4B-8C89-8A22D88EE58E}"/>
+              </a:ext>
+            </a:extLst>
+          </p:cNvPr>
+          <p:cNvSpPr>
+            <a:spLocks noGrp="1"/>
+          </p:cNvSpPr>
+          <p:nvPr>
+            <p:ph type="dt" sz="half" idx="10"/>
+          </p:nvPr>
+        </p:nvSpPr>
+        <p:spPr/>
+        <p:txBody>
+          <a:bodyPr/>
+          <a:lstStyle>
+            <a:lvl1pPr>
+              <a:defRPr/>
+            </a:lvl1pPr>
+          </a:lstStyle>
+          <a:p>
+            <a:fld id="{0FE23F9E-BA2A-A743-93DB-E506B311A1A2}" type="datetimeFigureOut">
+              <a:rPr lang="en-US" altLang="en-US"/>
+              <a:pPr/>
+              <a:t>11/23/20</a:t>
+            </a:fld>
+            <a:endParaRPr lang="en-US" altLang="en-US"/>
+          </a:p>
+        </p:txBody>
+      </p:sp>
+      <p:sp>
+        <p:nvSpPr>
+          <p:cNvPr id="4" name="Footer Placeholder 4">
+            <a:extLst>
+              <a:ext uri="{FF2B5EF4-FFF2-40B4-BE49-F238E27FC236}">
+                <a16:creationId xmlns:a16="http://schemas.microsoft.com/office/drawing/2014/main" id="{6D85493E-F354-8748-ADFB-98E51486AC7A}"/>
+              </a:ext>
+            </a:extLst>
+          </p:cNvPr>
+          <p:cNvSpPr>
+            <a:spLocks noGrp="1"/>
+          </p:cNvSpPr>
+          <p:nvPr>
+            <p:ph type="ftr" sz="quarter" idx="11"/>
+          </p:nvPr>
+        </p:nvSpPr>
+        <p:spPr/>
+        <p:txBody>
+          <a:bodyPr/>
+          <a:lstStyle>
+            <a:lvl1pPr>
+              <a:defRPr/>
+            </a:lvl1pPr>
+          </a:lstStyle>
+          <a:p>
+            <a:pPr>
+              <a:defRPr/>
+            </a:pPr>
+            <a:endParaRPr lang="en-US"/>
+          </a:p>
+        </p:txBody>
+      </p:sp>
+      <p:sp>
+        <p:nvSpPr>
+          <p:cNvPr id="5" name="Slide Number Placeholder 5">
+            <a:extLst>
+              <a:ext uri="{FF2B5EF4-FFF2-40B4-BE49-F238E27FC236}">
+                <a16:creationId xmlns:a16="http://schemas.microsoft.com/office/drawing/2014/main" id="{47E8DE04-82D4-0E4C-A92D-BAD88E6CDC97}"/>
+              </a:ext>
+            </a:extLst>
+          </p:cNvPr>
+          <p:cNvSpPr>
+            <a:spLocks noGrp="1"/>
+          </p:cNvSpPr>
+          <p:nvPr>
+            <p:ph type="sldNum" sz="quarter" idx="12"/>
+          </p:nvPr>
+        </p:nvSpPr>
+        <p:spPr/>
+        <p:txBody>
+          <a:bodyPr/>
+          <a:lstStyle>
+            <a:lvl1pPr>
+              <a:defRPr/>
+            </a:lvl1pPr>
+          </a:lstStyle>
+          <a:p>
+            <a:fld id="{351442FE-521C-C54B-8154-3956E824952D}" type="slidenum">
+              <a:rPr lang="en-US" altLang="en-US"/>
+              <a:pPr/>
+              <a:t>‹#›</a:t>
+            </a:fld>
+            <a:endParaRPr lang="en-US" altLang="en-US"/>
+          </a:p>
+        </p:txBody>
+      </p:sp>
+    </p:spTree>
+    <p:extLst>
+      <p:ext uri="{BB962C8B-B14F-4D97-AF65-F5344CB8AC3E}">
+        <p14:creationId xmlns:p14="http://schemas.microsoft.com/office/powerpoint/2010/main" val="2998201395"/>
       </p:ext>
     </p:extLst>
   </p:cSld>
@@ -2372,7 +5609,7 @@
           <p:nvPr userDrawn="1"/>
         </p:nvPicPr>
         <p:blipFill>
-          <a:blip r:embed="rId3"/>
+          <a:blip r:embed="rId6"/>
           <a:stretch>
             <a:fillRect/>
           </a:stretch>
@@ -2397,6 +5634,9 @@
   <p:clrMap bg1="lt1" tx1="dk1" bg2="lt2" tx2="dk2" accent1="accent1" accent2="accent2" accent3="accent3" accent4="accent4" accent5="accent5" accent6="accent6" hlink="hlink" folHlink="folHlink"/>
   <p:sldLayoutIdLst>
     <p:sldLayoutId id="2147483675" r:id="rId1"/>
+    <p:sldLayoutId id="2147483677" r:id="rId2"/>
+    <p:sldLayoutId id="2147483678" r:id="rId3"/>
+    <p:sldLayoutId id="2147483679" r:id="rId4"/>
   </p:sldLayoutIdLst>
   <p:hf hdr="0" ftr="0" dt="0"/>
   <p:txStyles>
@@ -3156,15 +6396,15 @@
       </p:grpSpPr>
       <p:sp>
         <p:nvSpPr>
-          <p:cNvPr id="4" name="Title 3">
-            <a:extLst>
-              <a:ext uri="{FF2B5EF4-FFF2-40B4-BE49-F238E27FC236}">
-                <a16:creationId xmlns:a16="http://schemas.microsoft.com/office/drawing/2014/main" id="{16089A73-7CB9-444F-AACB-43B1BD1628E0}"/>
-              </a:ext>
-            </a:extLst>
-          </p:cNvPr>
-          <p:cNvSpPr>
-            <a:spLocks noGrp="1"/>
+          <p:cNvPr id="19457" name="Rectangle 2">
+            <a:extLst>
+              <a:ext uri="{FF2B5EF4-FFF2-40B4-BE49-F238E27FC236}">
+                <a16:creationId xmlns:a16="http://schemas.microsoft.com/office/drawing/2014/main" id="{37629015-6675-0E44-829D-E35A2CDE86AE}"/>
+              </a:ext>
+            </a:extLst>
+          </p:cNvPr>
+          <p:cNvSpPr>
+            <a:spLocks noGrp="1" noChangeArrowheads="1"/>
           </p:cNvSpPr>
           <p:nvPr>
             <p:ph type="title"/>
@@ -3176,23 +6416,23 @@
           <a:lstStyle/>
           <a:p>
             <a:r>
-              <a:rPr lang="en-US" dirty="0"/>
-              <a:t>Concepts from Network Traffic</a:t>
+              <a:rPr lang="en-US" altLang="en-US"/>
+              <a:t>Example Worm: Code Red</a:t>
             </a:r>
           </a:p>
         </p:txBody>
       </p:sp>
       <p:sp>
         <p:nvSpPr>
-          <p:cNvPr id="5" name="Content Placeholder 4">
-            <a:extLst>
-              <a:ext uri="{FF2B5EF4-FFF2-40B4-BE49-F238E27FC236}">
-                <a16:creationId xmlns:a16="http://schemas.microsoft.com/office/drawing/2014/main" id="{DE635695-485E-6C47-9CB3-3E5F2CB1FBD7}"/>
-              </a:ext>
-            </a:extLst>
-          </p:cNvPr>
-          <p:cNvSpPr>
-            <a:spLocks noGrp="1"/>
+          <p:cNvPr id="19458" name="Rectangle 3">
+            <a:extLst>
+              <a:ext uri="{FF2B5EF4-FFF2-40B4-BE49-F238E27FC236}">
+                <a16:creationId xmlns:a16="http://schemas.microsoft.com/office/drawing/2014/main" id="{C71B0641-316D-CE4E-9DFB-938BF9C28CCA}"/>
+              </a:ext>
+            </a:extLst>
+          </p:cNvPr>
+          <p:cNvSpPr>
+            <a:spLocks noGrp="1" noChangeArrowheads="1"/>
           </p:cNvSpPr>
           <p:nvPr>
             <p:ph idx="1"/>
@@ -3206,66 +6446,112 @@
           <a:lstStyle/>
           <a:p>
             <a:r>
-              <a:rPr lang="en-US" dirty="0"/>
-              <a:t>The basic unit of network traffic is a “packet”.</a:t>
-            </a:r>
-          </a:p>
-          <a:p>
-            <a:endParaRPr lang="en-US" dirty="0"/>
-          </a:p>
-          <a:p>
-            <a:r>
-              <a:rPr lang="en-US" dirty="0"/>
-              <a:t>Each packet has various metadata associated with it:</a:t>
-            </a:r>
-          </a:p>
-          <a:p>
-            <a:pPr lvl="1"/>
-            <a:r>
-              <a:rPr lang="en-US" dirty="0"/>
-              <a:t>Addresses (Internet Protocol, Hardware)</a:t>
-            </a:r>
-          </a:p>
-          <a:p>
-            <a:pPr lvl="1"/>
-            <a:r>
-              <a:rPr lang="en-US" dirty="0"/>
-              <a:t>Sizes</a:t>
-            </a:r>
-          </a:p>
-          <a:p>
-            <a:pPr lvl="1"/>
-            <a:r>
-              <a:rPr lang="en-US" dirty="0"/>
-              <a:t>Times</a:t>
-            </a:r>
-          </a:p>
-          <a:p>
-            <a:pPr lvl="1"/>
-            <a:endParaRPr lang="en-US" dirty="0"/>
-          </a:p>
-          <a:p>
-            <a:r>
-              <a:rPr lang="en-US" dirty="0"/>
-              <a:t>Most traffic is increasingly encrypted but machine learning often uses this information for everything from identification to </a:t>
-            </a:r>
-            <a:r>
-              <a:rPr lang="en-US"/>
-              <a:t>anomaly detection.</a:t>
-            </a:r>
-            <a:endParaRPr lang="en-US" dirty="0"/>
-          </a:p>
-          <a:p>
-            <a:endParaRPr lang="en-US" dirty="0"/>
+              <a:rPr lang="en-US" altLang="en-US" sz="2400"/>
+              <a:t>Initial version: July 13, 2001</a:t>
+            </a:r>
+          </a:p>
+          <a:p>
+            <a:endParaRPr lang="en-US" altLang="en-US" sz="2400"/>
+          </a:p>
+          <a:p>
+            <a:r>
+              <a:rPr lang="en-US" altLang="en-US" sz="2400"/>
+              <a:t>Exploited known ISAPI vulnerability in Microsoft IIS Web servers</a:t>
+            </a:r>
+          </a:p>
+          <a:p>
+            <a:endParaRPr lang="en-US" altLang="en-US" sz="2400"/>
+          </a:p>
+          <a:p>
+            <a:r>
+              <a:rPr lang="en-US" altLang="en-US" sz="2400"/>
+              <a:t>1</a:t>
+            </a:r>
+            <a:r>
+              <a:rPr lang="en-US" altLang="en-US" sz="2400" baseline="30000"/>
+              <a:t>st</a:t>
+            </a:r>
+            <a:r>
+              <a:rPr lang="en-US" altLang="en-US" sz="2400"/>
+              <a:t> through 20</a:t>
+            </a:r>
+            <a:r>
+              <a:rPr lang="en-US" altLang="en-US" sz="2400" baseline="30000"/>
+              <a:t>th</a:t>
+            </a:r>
+            <a:r>
+              <a:rPr lang="en-US" altLang="en-US" sz="2400"/>
+              <a:t> of each month: spread</a:t>
+            </a:r>
+            <a:br>
+              <a:rPr lang="en-US" altLang="en-US" sz="2400"/>
+            </a:br>
+            <a:r>
+              <a:rPr lang="en-US" altLang="en-US" sz="2400"/>
+              <a:t>20</a:t>
+            </a:r>
+            <a:r>
+              <a:rPr lang="en-US" altLang="en-US" sz="2400" baseline="30000"/>
+              <a:t>th</a:t>
+            </a:r>
+            <a:r>
+              <a:rPr lang="en-US" altLang="en-US" sz="2400"/>
+              <a:t> through end of each month: attack</a:t>
+            </a:r>
+          </a:p>
+          <a:p>
+            <a:endParaRPr lang="en-US" altLang="en-US" sz="2400"/>
+          </a:p>
+          <a:p>
+            <a:r>
+              <a:rPr lang="en-US" altLang="en-US" sz="2400" b="1">
+                <a:solidFill>
+                  <a:srgbClr val="FF0000"/>
+                </a:solidFill>
+              </a:rPr>
+              <a:t>Payload:</a:t>
+            </a:r>
+            <a:r>
+              <a:rPr lang="en-US" altLang="en-US" sz="2400"/>
+              <a:t> Web site defacement</a:t>
+            </a:r>
+          </a:p>
+          <a:p>
+            <a:r>
+              <a:rPr lang="en-US" altLang="en-US" sz="2400" b="1">
+                <a:solidFill>
+                  <a:srgbClr val="FF0000"/>
+                </a:solidFill>
+              </a:rPr>
+              <a:t>Scanning:</a:t>
+            </a:r>
+            <a:r>
+              <a:rPr lang="en-US" altLang="en-US" sz="2400"/>
+              <a:t> Random IP addresses</a:t>
+            </a:r>
+          </a:p>
+          <a:p>
+            <a:r>
+              <a:rPr lang="en-US" altLang="en-US" sz="2400" b="1">
+                <a:solidFill>
+                  <a:srgbClr val="FF0000"/>
+                </a:solidFill>
+              </a:rPr>
+              <a:t>Bug:</a:t>
+            </a:r>
+            <a:r>
+              <a:rPr lang="en-US" altLang="en-US" sz="2400"/>
+              <a:t> failure to seed random number generator</a:t>
+            </a:r>
           </a:p>
         </p:txBody>
       </p:sp>
       <p:sp>
         <p:nvSpPr>
-          <p:cNvPr id="3" name="Slide Number Placeholder 2">
-            <a:extLst>
-              <a:ext uri="{FF2B5EF4-FFF2-40B4-BE49-F238E27FC236}">
-                <a16:creationId xmlns:a16="http://schemas.microsoft.com/office/drawing/2014/main" id="{B63B7621-E79A-6C43-9304-61258FCDF9FC}"/>
+          <p:cNvPr id="6" name="Slide Number Placeholder 5">
+            <a:extLst>
+              <a:ext uri="{FF2B5EF4-FFF2-40B4-BE49-F238E27FC236}">
+                <a16:creationId xmlns:a16="http://schemas.microsoft.com/office/drawing/2014/main" id="{0F5198B9-9F3A-B149-8A7A-C1DD05EA24D8}"/>
               </a:ext>
             </a:extLst>
           </p:cNvPr>
@@ -3279,20 +6565,136 @@
         <p:spPr/>
         <p:txBody>
           <a:bodyPr/>
-          <a:lstStyle/>
-          <a:p>
-            <a:fld id="{D7AA6054-60FB-8048-98AD-326CDDBBD22D}" type="slidenum">
-              <a:rPr lang="en-US" smtClean="0"/>
+          <a:lstStyle>
+            <a:lvl1pPr eaLnBrk="0" hangingPunct="0">
+              <a:defRPr sz="2400">
+                <a:solidFill>
+                  <a:schemeClr val="tx1"/>
+                </a:solidFill>
+                <a:latin typeface="Arial" panose="020B0604020202020204" pitchFamily="34" charset="0"/>
+                <a:ea typeface="ＭＳ Ｐゴシック" panose="020B0600070205080204" pitchFamily="34" charset="-128"/>
+              </a:defRPr>
+            </a:lvl1pPr>
+            <a:lvl2pPr marL="742950" indent="-285750" eaLnBrk="0" hangingPunct="0">
+              <a:defRPr sz="2400">
+                <a:solidFill>
+                  <a:schemeClr val="tx1"/>
+                </a:solidFill>
+                <a:latin typeface="Arial" panose="020B0604020202020204" pitchFamily="34" charset="0"/>
+                <a:ea typeface="ＭＳ Ｐゴシック" panose="020B0600070205080204" pitchFamily="34" charset="-128"/>
+              </a:defRPr>
+            </a:lvl2pPr>
+            <a:lvl3pPr marL="1143000" indent="-228600" eaLnBrk="0" hangingPunct="0">
+              <a:defRPr sz="2400">
+                <a:solidFill>
+                  <a:schemeClr val="tx1"/>
+                </a:solidFill>
+                <a:latin typeface="Arial" panose="020B0604020202020204" pitchFamily="34" charset="0"/>
+                <a:ea typeface="ＭＳ Ｐゴシック" panose="020B0600070205080204" pitchFamily="34" charset="-128"/>
+              </a:defRPr>
+            </a:lvl3pPr>
+            <a:lvl4pPr marL="1600200" indent="-228600" eaLnBrk="0" hangingPunct="0">
+              <a:defRPr sz="2400">
+                <a:solidFill>
+                  <a:schemeClr val="tx1"/>
+                </a:solidFill>
+                <a:latin typeface="Arial" panose="020B0604020202020204" pitchFamily="34" charset="0"/>
+                <a:ea typeface="ＭＳ Ｐゴシック" panose="020B0600070205080204" pitchFamily="34" charset="-128"/>
+              </a:defRPr>
+            </a:lvl4pPr>
+            <a:lvl5pPr marL="2057400" indent="-228600" eaLnBrk="0" hangingPunct="0">
+              <a:defRPr sz="2400">
+                <a:solidFill>
+                  <a:schemeClr val="tx1"/>
+                </a:solidFill>
+                <a:latin typeface="Arial" panose="020B0604020202020204" pitchFamily="34" charset="0"/>
+                <a:ea typeface="ＭＳ Ｐゴシック" panose="020B0600070205080204" pitchFamily="34" charset="-128"/>
+              </a:defRPr>
+            </a:lvl5pPr>
+            <a:lvl6pPr marL="2514600" indent="-228600" eaLnBrk="0" fontAlgn="base" hangingPunct="0">
+              <a:spcBef>
+                <a:spcPct val="0"/>
+              </a:spcBef>
+              <a:spcAft>
+                <a:spcPct val="0"/>
+              </a:spcAft>
+              <a:defRPr sz="2400">
+                <a:solidFill>
+                  <a:schemeClr val="tx1"/>
+                </a:solidFill>
+                <a:latin typeface="Arial" panose="020B0604020202020204" pitchFamily="34" charset="0"/>
+                <a:ea typeface="ＭＳ Ｐゴシック" panose="020B0600070205080204" pitchFamily="34" charset="-128"/>
+              </a:defRPr>
+            </a:lvl6pPr>
+            <a:lvl7pPr marL="2971800" indent="-228600" eaLnBrk="0" fontAlgn="base" hangingPunct="0">
+              <a:spcBef>
+                <a:spcPct val="0"/>
+              </a:spcBef>
+              <a:spcAft>
+                <a:spcPct val="0"/>
+              </a:spcAft>
+              <a:defRPr sz="2400">
+                <a:solidFill>
+                  <a:schemeClr val="tx1"/>
+                </a:solidFill>
+                <a:latin typeface="Arial" panose="020B0604020202020204" pitchFamily="34" charset="0"/>
+                <a:ea typeface="ＭＳ Ｐゴシック" panose="020B0600070205080204" pitchFamily="34" charset="-128"/>
+              </a:defRPr>
+            </a:lvl7pPr>
+            <a:lvl8pPr marL="3429000" indent="-228600" eaLnBrk="0" fontAlgn="base" hangingPunct="0">
+              <a:spcBef>
+                <a:spcPct val="0"/>
+              </a:spcBef>
+              <a:spcAft>
+                <a:spcPct val="0"/>
+              </a:spcAft>
+              <a:defRPr sz="2400">
+                <a:solidFill>
+                  <a:schemeClr val="tx1"/>
+                </a:solidFill>
+                <a:latin typeface="Arial" panose="020B0604020202020204" pitchFamily="34" charset="0"/>
+                <a:ea typeface="ＭＳ Ｐゴシック" panose="020B0600070205080204" pitchFamily="34" charset="-128"/>
+              </a:defRPr>
+            </a:lvl8pPr>
+            <a:lvl9pPr marL="3886200" indent="-228600" eaLnBrk="0" fontAlgn="base" hangingPunct="0">
+              <a:spcBef>
+                <a:spcPct val="0"/>
+              </a:spcBef>
+              <a:spcAft>
+                <a:spcPct val="0"/>
+              </a:spcAft>
+              <a:defRPr sz="2400">
+                <a:solidFill>
+                  <a:schemeClr val="tx1"/>
+                </a:solidFill>
+                <a:latin typeface="Arial" panose="020B0604020202020204" pitchFamily="34" charset="0"/>
+                <a:ea typeface="ＭＳ Ｐゴシック" panose="020B0600070205080204" pitchFamily="34" charset="-128"/>
+              </a:defRPr>
+            </a:lvl9pPr>
+          </a:lstStyle>
+          <a:p>
+            <a:pPr eaLnBrk="1" hangingPunct="1"/>
+            <a:fld id="{C646E16F-4ECD-D140-B823-83710BE8A158}" type="slidenum">
+              <a:rPr lang="en-US" altLang="en-US" sz="1200">
+                <a:solidFill>
+                  <a:srgbClr val="898989"/>
+                </a:solidFill>
+              </a:rPr>
+              <a:pPr eaLnBrk="1" hangingPunct="1"/>
               <a:t>10</a:t>
             </a:fld>
-            <a:endParaRPr lang="en-US"/>
+            <a:endParaRPr lang="en-US" altLang="en-US" sz="1200">
+              <a:solidFill>
+                <a:srgbClr val="898989"/>
+              </a:solidFill>
+            </a:endParaRPr>
           </a:p>
         </p:txBody>
       </p:sp>
     </p:spTree>
     <p:extLst>
       <p:ext uri="{BB962C8B-B14F-4D97-AF65-F5344CB8AC3E}">
-        <p14:creationId xmlns:p14="http://schemas.microsoft.com/office/powerpoint/2010/main" val="2404005849"/>
+        <p14:creationId xmlns:p14="http://schemas.microsoft.com/office/powerpoint/2010/main" val="980627112"/>
       </p:ext>
     </p:extLst>
   </p:cSld>
@@ -3321,15 +6723,15 @@
       </p:grpSpPr>
       <p:sp>
         <p:nvSpPr>
-          <p:cNvPr id="2" name="Title 1">
-            <a:extLst>
-              <a:ext uri="{FF2B5EF4-FFF2-40B4-BE49-F238E27FC236}">
-                <a16:creationId xmlns:a16="http://schemas.microsoft.com/office/drawing/2014/main" id="{CC41D186-8911-9F4B-8D5D-343D0DB2995D}"/>
-              </a:ext>
-            </a:extLst>
-          </p:cNvPr>
-          <p:cNvSpPr>
-            <a:spLocks noGrp="1"/>
+          <p:cNvPr id="21505" name="Rectangle 2">
+            <a:extLst>
+              <a:ext uri="{FF2B5EF4-FFF2-40B4-BE49-F238E27FC236}">
+                <a16:creationId xmlns:a16="http://schemas.microsoft.com/office/drawing/2014/main" id="{3256F092-DC46-0748-94F5-25E6DE49879A}"/>
+              </a:ext>
+            </a:extLst>
+          </p:cNvPr>
+          <p:cNvSpPr>
+            <a:spLocks noGrp="1" noChangeArrowheads="1"/>
           </p:cNvSpPr>
           <p:nvPr>
             <p:ph type="title"/>
@@ -3340,16 +6742,200 @@
           <a:bodyPr/>
           <a:lstStyle/>
           <a:p>
-            <a:endParaRPr lang="en-US"/>
+            <a:r>
+              <a:rPr lang="en-US" altLang="en-US"/>
+              <a:t>Code Red I</a:t>
+            </a:r>
           </a:p>
         </p:txBody>
       </p:sp>
       <p:sp>
         <p:nvSpPr>
-          <p:cNvPr id="3" name="Slide Number Placeholder 2">
-            <a:extLst>
-              <a:ext uri="{FF2B5EF4-FFF2-40B4-BE49-F238E27FC236}">
-                <a16:creationId xmlns:a16="http://schemas.microsoft.com/office/drawing/2014/main" id="{BCC6CCD6-B825-BC46-BEF8-0B94C44FDDA8}"/>
+          <p:cNvPr id="132099" name="Rectangle 3">
+            <a:extLst>
+              <a:ext uri="{FF2B5EF4-FFF2-40B4-BE49-F238E27FC236}">
+                <a16:creationId xmlns:a16="http://schemas.microsoft.com/office/drawing/2014/main" id="{0D9E678B-E7F7-DB4C-990C-495E0894B330}"/>
+              </a:ext>
+            </a:extLst>
+          </p:cNvPr>
+          <p:cNvSpPr>
+            <a:spLocks noGrp="1" noChangeArrowheads="1"/>
+          </p:cNvSpPr>
+          <p:nvPr>
+            <p:ph idx="1"/>
+          </p:nvPr>
+        </p:nvSpPr>
+        <p:spPr/>
+        <p:txBody>
+          <a:bodyPr>
+            <a:normAutofit lnSpcReduction="10000"/>
+          </a:bodyPr>
+          <a:lstStyle/>
+          <a:p>
+            <a:pPr>
+              <a:lnSpc>
+                <a:spcPct val="80000"/>
+              </a:lnSpc>
+            </a:pPr>
+            <a:r>
+              <a:rPr lang="en-US" altLang="en-US" sz="3000"/>
+              <a:t>July 13, 2001: First worm of the modern era</a:t>
+            </a:r>
+          </a:p>
+          <a:p>
+            <a:pPr>
+              <a:lnSpc>
+                <a:spcPct val="80000"/>
+              </a:lnSpc>
+            </a:pPr>
+            <a:r>
+              <a:rPr lang="en-US" altLang="en-US" sz="3000"/>
+              <a:t>Exploited buffer overflow in Microsoft</a:t>
+            </a:r>
+            <a:r>
+              <a:rPr lang="ja-JP" altLang="en-US" sz="3000"/>
+              <a:t>’</a:t>
+            </a:r>
+            <a:r>
+              <a:rPr lang="en-US" altLang="ja-JP" sz="3000"/>
+              <a:t>s Internet Information Server (IIS)</a:t>
+            </a:r>
+          </a:p>
+          <a:p>
+            <a:pPr>
+              <a:lnSpc>
+                <a:spcPct val="80000"/>
+              </a:lnSpc>
+            </a:pPr>
+            <a:r>
+              <a:rPr lang="en-US" altLang="en-US" sz="3000"/>
+              <a:t> 1</a:t>
+            </a:r>
+            <a:r>
+              <a:rPr lang="en-US" altLang="en-US" sz="3000" baseline="30000"/>
+              <a:t>st</a:t>
+            </a:r>
+            <a:r>
+              <a:rPr lang="en-US" altLang="en-US" sz="3000"/>
+              <a:t> through 20</a:t>
+            </a:r>
+            <a:r>
+              <a:rPr lang="en-US" altLang="en-US" sz="3000" baseline="30000"/>
+              <a:t>th</a:t>
+            </a:r>
+            <a:r>
+              <a:rPr lang="en-US" altLang="en-US" sz="3000"/>
+              <a:t> of each month: spread</a:t>
+            </a:r>
+          </a:p>
+          <a:p>
+            <a:pPr lvl="1">
+              <a:lnSpc>
+                <a:spcPct val="80000"/>
+              </a:lnSpc>
+            </a:pPr>
+            <a:r>
+              <a:rPr lang="en-US" altLang="en-US" sz="2600"/>
+              <a:t>Find new targets by random scan of IP address space</a:t>
+            </a:r>
+          </a:p>
+          <a:p>
+            <a:pPr lvl="2">
+              <a:lnSpc>
+                <a:spcPct val="80000"/>
+              </a:lnSpc>
+            </a:pPr>
+            <a:r>
+              <a:rPr lang="en-US" altLang="en-US" sz="2200"/>
+              <a:t>Spawn 99 threads to generate addresses and look for IIS</a:t>
+            </a:r>
+          </a:p>
+          <a:p>
+            <a:pPr lvl="1">
+              <a:lnSpc>
+                <a:spcPct val="80000"/>
+              </a:lnSpc>
+            </a:pPr>
+            <a:r>
+              <a:rPr lang="en-US" altLang="en-US" sz="2600"/>
+              <a:t>Creator forgot to seed the random number generator, and every copy scanned the same set of addresses </a:t>
+            </a:r>
+            <a:r>
+              <a:rPr lang="en-US" altLang="en-US" sz="2600">
+                <a:sym typeface="Wingdings" pitchFamily="2" charset="2"/>
+              </a:rPr>
+              <a:t></a:t>
+            </a:r>
+          </a:p>
+          <a:p>
+            <a:pPr>
+              <a:lnSpc>
+                <a:spcPct val="80000"/>
+              </a:lnSpc>
+            </a:pPr>
+            <a:r>
+              <a:rPr lang="en-US" altLang="en-US" sz="3000"/>
+              <a:t>21</a:t>
+            </a:r>
+            <a:r>
+              <a:rPr lang="en-US" altLang="en-US" sz="3000" baseline="30000"/>
+              <a:t>st</a:t>
+            </a:r>
+            <a:r>
+              <a:rPr lang="en-US" altLang="en-US" sz="3000"/>
+              <a:t> through the end of each month: attack</a:t>
+            </a:r>
+          </a:p>
+          <a:p>
+            <a:pPr lvl="1">
+              <a:lnSpc>
+                <a:spcPct val="80000"/>
+              </a:lnSpc>
+            </a:pPr>
+            <a:r>
+              <a:rPr lang="en-US" altLang="en-US" sz="2600"/>
+              <a:t>Deface websites with </a:t>
+            </a:r>
+            <a:r>
+              <a:rPr lang="ja-JP" altLang="en-US" sz="2600" b="1">
+                <a:solidFill>
+                  <a:schemeClr val="accent2"/>
+                </a:solidFill>
+              </a:rPr>
+              <a:t>“</a:t>
+            </a:r>
+            <a:r>
+              <a:rPr lang="en-US" altLang="ja-JP" sz="2600" b="1">
+                <a:solidFill>
+                  <a:schemeClr val="accent2"/>
+                </a:solidFill>
+                <a:latin typeface="Courier New" panose="02070309020205020404" pitchFamily="49" charset="0"/>
+              </a:rPr>
+              <a:t>HELLO! Welcome to http://www.worm.com! Hacked by Chinese!</a:t>
+            </a:r>
+            <a:r>
+              <a:rPr lang="ja-JP" altLang="en-US" sz="2600" b="1">
+                <a:solidFill>
+                  <a:schemeClr val="accent2"/>
+                </a:solidFill>
+              </a:rPr>
+              <a:t>”</a:t>
+            </a:r>
+            <a:endParaRPr lang="en-US" altLang="en-US" sz="2600" b="1">
+              <a:solidFill>
+                <a:schemeClr val="accent2"/>
+              </a:solidFill>
+              <a:latin typeface="Courier New" panose="02070309020205020404" pitchFamily="49" charset="0"/>
+            </a:endParaRPr>
+          </a:p>
+        </p:txBody>
+      </p:sp>
+      <p:sp>
+        <p:nvSpPr>
+          <p:cNvPr id="6" name="Slide Number Placeholder 5">
+            <a:extLst>
+              <a:ext uri="{FF2B5EF4-FFF2-40B4-BE49-F238E27FC236}">
+                <a16:creationId xmlns:a16="http://schemas.microsoft.com/office/drawing/2014/main" id="{B6EA18B6-C471-404D-AE19-A72FF5E66566}"/>
               </a:ext>
             </a:extLst>
           </p:cNvPr>
@@ -3358,6 +6944,181 @@
           </p:cNvSpPr>
           <p:nvPr>
             <p:ph type="sldNum" sz="quarter" idx="12"/>
+          </p:nvPr>
+        </p:nvSpPr>
+        <p:spPr/>
+        <p:txBody>
+          <a:bodyPr/>
+          <a:lstStyle>
+            <a:lvl1pPr eaLnBrk="0" hangingPunct="0">
+              <a:defRPr sz="2400">
+                <a:solidFill>
+                  <a:schemeClr val="tx1"/>
+                </a:solidFill>
+                <a:latin typeface="Arial" panose="020B0604020202020204" pitchFamily="34" charset="0"/>
+                <a:ea typeface="ＭＳ Ｐゴシック" panose="020B0600070205080204" pitchFamily="34" charset="-128"/>
+              </a:defRPr>
+            </a:lvl1pPr>
+            <a:lvl2pPr marL="742950" indent="-285750" eaLnBrk="0" hangingPunct="0">
+              <a:defRPr sz="2400">
+                <a:solidFill>
+                  <a:schemeClr val="tx1"/>
+                </a:solidFill>
+                <a:latin typeface="Arial" panose="020B0604020202020204" pitchFamily="34" charset="0"/>
+                <a:ea typeface="ＭＳ Ｐゴシック" panose="020B0600070205080204" pitchFamily="34" charset="-128"/>
+              </a:defRPr>
+            </a:lvl2pPr>
+            <a:lvl3pPr marL="1143000" indent="-228600" eaLnBrk="0" hangingPunct="0">
+              <a:defRPr sz="2400">
+                <a:solidFill>
+                  <a:schemeClr val="tx1"/>
+                </a:solidFill>
+                <a:latin typeface="Arial" panose="020B0604020202020204" pitchFamily="34" charset="0"/>
+                <a:ea typeface="ＭＳ Ｐゴシック" panose="020B0600070205080204" pitchFamily="34" charset="-128"/>
+              </a:defRPr>
+            </a:lvl3pPr>
+            <a:lvl4pPr marL="1600200" indent="-228600" eaLnBrk="0" hangingPunct="0">
+              <a:defRPr sz="2400">
+                <a:solidFill>
+                  <a:schemeClr val="tx1"/>
+                </a:solidFill>
+                <a:latin typeface="Arial" panose="020B0604020202020204" pitchFamily="34" charset="0"/>
+                <a:ea typeface="ＭＳ Ｐゴシック" panose="020B0600070205080204" pitchFamily="34" charset="-128"/>
+              </a:defRPr>
+            </a:lvl4pPr>
+            <a:lvl5pPr marL="2057400" indent="-228600" eaLnBrk="0" hangingPunct="0">
+              <a:defRPr sz="2400">
+                <a:solidFill>
+                  <a:schemeClr val="tx1"/>
+                </a:solidFill>
+                <a:latin typeface="Arial" panose="020B0604020202020204" pitchFamily="34" charset="0"/>
+                <a:ea typeface="ＭＳ Ｐゴシック" panose="020B0600070205080204" pitchFamily="34" charset="-128"/>
+              </a:defRPr>
+            </a:lvl5pPr>
+            <a:lvl6pPr marL="2514600" indent="-228600" eaLnBrk="0" fontAlgn="base" hangingPunct="0">
+              <a:spcBef>
+                <a:spcPct val="0"/>
+              </a:spcBef>
+              <a:spcAft>
+                <a:spcPct val="0"/>
+              </a:spcAft>
+              <a:defRPr sz="2400">
+                <a:solidFill>
+                  <a:schemeClr val="tx1"/>
+                </a:solidFill>
+                <a:latin typeface="Arial" panose="020B0604020202020204" pitchFamily="34" charset="0"/>
+                <a:ea typeface="ＭＳ Ｐゴシック" panose="020B0600070205080204" pitchFamily="34" charset="-128"/>
+              </a:defRPr>
+            </a:lvl6pPr>
+            <a:lvl7pPr marL="2971800" indent="-228600" eaLnBrk="0" fontAlgn="base" hangingPunct="0">
+              <a:spcBef>
+                <a:spcPct val="0"/>
+              </a:spcBef>
+              <a:spcAft>
+                <a:spcPct val="0"/>
+              </a:spcAft>
+              <a:defRPr sz="2400">
+                <a:solidFill>
+                  <a:schemeClr val="tx1"/>
+                </a:solidFill>
+                <a:latin typeface="Arial" panose="020B0604020202020204" pitchFamily="34" charset="0"/>
+                <a:ea typeface="ＭＳ Ｐゴシック" panose="020B0600070205080204" pitchFamily="34" charset="-128"/>
+              </a:defRPr>
+            </a:lvl7pPr>
+            <a:lvl8pPr marL="3429000" indent="-228600" eaLnBrk="0" fontAlgn="base" hangingPunct="0">
+              <a:spcBef>
+                <a:spcPct val="0"/>
+              </a:spcBef>
+              <a:spcAft>
+                <a:spcPct val="0"/>
+              </a:spcAft>
+              <a:defRPr sz="2400">
+                <a:solidFill>
+                  <a:schemeClr val="tx1"/>
+                </a:solidFill>
+                <a:latin typeface="Arial" panose="020B0604020202020204" pitchFamily="34" charset="0"/>
+                <a:ea typeface="ＭＳ Ｐゴシック" panose="020B0600070205080204" pitchFamily="34" charset="-128"/>
+              </a:defRPr>
+            </a:lvl8pPr>
+            <a:lvl9pPr marL="3886200" indent="-228600" eaLnBrk="0" fontAlgn="base" hangingPunct="0">
+              <a:spcBef>
+                <a:spcPct val="0"/>
+              </a:spcBef>
+              <a:spcAft>
+                <a:spcPct val="0"/>
+              </a:spcAft>
+              <a:defRPr sz="2400">
+                <a:solidFill>
+                  <a:schemeClr val="tx1"/>
+                </a:solidFill>
+                <a:latin typeface="Arial" panose="020B0604020202020204" pitchFamily="34" charset="0"/>
+                <a:ea typeface="ＭＳ Ｐゴシック" panose="020B0600070205080204" pitchFamily="34" charset="-128"/>
+              </a:defRPr>
+            </a:lvl9pPr>
+          </a:lstStyle>
+          <a:p>
+            <a:pPr eaLnBrk="1" hangingPunct="1"/>
+            <a:fld id="{E9F79736-28B7-2846-83CE-E3E4C2FE5407}" type="slidenum">
+              <a:rPr lang="en-US" altLang="en-US" sz="1200">
+                <a:solidFill>
+                  <a:srgbClr val="898989"/>
+                </a:solidFill>
+              </a:rPr>
+              <a:pPr eaLnBrk="1" hangingPunct="1"/>
+              <a:t>11</a:t>
+            </a:fld>
+            <a:endParaRPr lang="en-US" altLang="en-US" sz="1200">
+              <a:solidFill>
+                <a:srgbClr val="898989"/>
+              </a:solidFill>
+            </a:endParaRPr>
+          </a:p>
+        </p:txBody>
+      </p:sp>
+    </p:spTree>
+    <p:extLst>
+      <p:ext uri="{BB962C8B-B14F-4D97-AF65-F5344CB8AC3E}">
+        <p14:creationId xmlns:p14="http://schemas.microsoft.com/office/powerpoint/2010/main" val="1805429734"/>
+      </p:ext>
+    </p:extLst>
+  </p:cSld>
+  <p:clrMapOvr>
+    <a:masterClrMapping/>
+  </p:clrMapOvr>
+</p:sld>
+</file>
+
+<file path=ppt/slides/slide12.xml><?xml version="1.0" encoding="utf-8"?>
+<p:sld xmlns:a="http://schemas.openxmlformats.org/drawingml/2006/main" xmlns:r="http://schemas.openxmlformats.org/officeDocument/2006/relationships" xmlns:p="http://schemas.openxmlformats.org/presentationml/2006/main">
+  <p:cSld>
+    <p:spTree>
+      <p:nvGrpSpPr>
+        <p:cNvPr id="1" name=""/>
+        <p:cNvGrpSpPr/>
+        <p:nvPr/>
+      </p:nvGrpSpPr>
+      <p:grpSpPr>
+        <a:xfrm>
+          <a:off x="0" y="0"/>
+          <a:ext cx="0" cy="0"/>
+          <a:chOff x="0" y="0"/>
+          <a:chExt cx="0" cy="0"/>
+        </a:xfrm>
+      </p:grpSpPr>
+      <p:sp>
+        <p:nvSpPr>
+          <p:cNvPr id="23553" name="Rectangle 2">
+            <a:extLst>
+              <a:ext uri="{FF2B5EF4-FFF2-40B4-BE49-F238E27FC236}">
+                <a16:creationId xmlns:a16="http://schemas.microsoft.com/office/drawing/2014/main" id="{14E7BCBF-92DD-794E-8684-084192015422}"/>
+              </a:ext>
+            </a:extLst>
+          </p:cNvPr>
+          <p:cNvSpPr>
+            <a:spLocks noGrp="1" noChangeArrowheads="1"/>
+          </p:cNvSpPr>
+          <p:nvPr>
+            <p:ph type="title"/>
           </p:nvPr>
         </p:nvSpPr>
         <p:spPr/>
@@ -3365,9 +7126,1722 @@
           <a:bodyPr/>
           <a:lstStyle/>
           <a:p>
+            <a:r>
+              <a:rPr lang="en-US" altLang="en-US"/>
+              <a:t>Code Red: Revisions</a:t>
+            </a:r>
+          </a:p>
+        </p:txBody>
+      </p:sp>
+      <p:sp>
+        <p:nvSpPr>
+          <p:cNvPr id="50179" name="Rectangle 3">
+            <a:extLst>
+              <a:ext uri="{FF2B5EF4-FFF2-40B4-BE49-F238E27FC236}">
+                <a16:creationId xmlns:a16="http://schemas.microsoft.com/office/drawing/2014/main" id="{25864224-D9E1-3547-819C-6F327B083162}"/>
+              </a:ext>
+            </a:extLst>
+          </p:cNvPr>
+          <p:cNvSpPr>
+            <a:spLocks noGrp="1" noChangeArrowheads="1"/>
+          </p:cNvSpPr>
+          <p:nvPr>
+            <p:ph idx="1"/>
+          </p:nvPr>
+        </p:nvSpPr>
+        <p:spPr/>
+        <p:txBody>
+          <a:bodyPr rtlCol="0">
+            <a:normAutofit/>
+          </a:bodyPr>
+          <a:lstStyle/>
+          <a:p>
+            <a:pPr>
+              <a:buFont typeface="Arial"/>
+              <a:buChar char="•"/>
+              <a:defRPr/>
+            </a:pPr>
+            <a:r>
+              <a:rPr lang="en-US">
+                <a:ea typeface="+mn-ea"/>
+              </a:rPr>
+              <a:t>Released July 19, 2001</a:t>
+            </a:r>
+          </a:p>
+          <a:p>
+            <a:pPr>
+              <a:buFont typeface="Arial"/>
+              <a:buChar char="•"/>
+              <a:defRPr/>
+            </a:pPr>
+            <a:endParaRPr lang="en-US">
+              <a:ea typeface="+mn-ea"/>
+            </a:endParaRPr>
+          </a:p>
+          <a:p>
+            <a:pPr>
+              <a:buFont typeface="Arial"/>
+              <a:buChar char="•"/>
+              <a:defRPr/>
+            </a:pPr>
+            <a:r>
+              <a:rPr lang="en-US" b="1">
+                <a:solidFill>
+                  <a:srgbClr val="FF0000"/>
+                </a:solidFill>
+                <a:ea typeface="+mn-ea"/>
+              </a:rPr>
+              <a:t>Payload:</a:t>
+            </a:r>
+            <a:r>
+              <a:rPr lang="en-US">
+                <a:ea typeface="+mn-ea"/>
+              </a:rPr>
+              <a:t> flooding attack on w</a:t>
+            </a:r>
+            <a:r>
+              <a:rPr lang="en-US">
+                <a:latin typeface="American Typewriter" charset="0"/>
+                <a:ea typeface="+mn-ea"/>
+              </a:rPr>
+              <a:t>ww.whitehouse.gov</a:t>
+            </a:r>
+          </a:p>
+          <a:p>
+            <a:pPr lvl="1">
+              <a:buFont typeface="Arial"/>
+              <a:buChar char="–"/>
+              <a:defRPr/>
+            </a:pPr>
+            <a:r>
+              <a:rPr lang="en-US">
+                <a:ea typeface="+mn-ea"/>
+              </a:rPr>
+              <a:t>Attack was mounted at the </a:t>
+            </a:r>
+            <a:r>
+              <a:rPr lang="en-US" i="1">
+                <a:ea typeface="+mn-ea"/>
+              </a:rPr>
+              <a:t>IP address of the Web site</a:t>
+            </a:r>
+          </a:p>
+          <a:p>
+            <a:pPr lvl="1">
+              <a:buFont typeface="Arial"/>
+              <a:buChar char="–"/>
+              <a:defRPr/>
+            </a:pPr>
+            <a:endParaRPr lang="en-US">
+              <a:ea typeface="+mn-ea"/>
+            </a:endParaRPr>
+          </a:p>
+          <a:p>
+            <a:pPr>
+              <a:buFont typeface="Arial"/>
+              <a:buChar char="•"/>
+              <a:defRPr/>
+            </a:pPr>
+            <a:r>
+              <a:rPr lang="en-US" b="1">
+                <a:solidFill>
+                  <a:srgbClr val="FF0000"/>
+                </a:solidFill>
+                <a:ea typeface="+mn-ea"/>
+              </a:rPr>
+              <a:t>Bug:</a:t>
+            </a:r>
+            <a:r>
+              <a:rPr lang="en-US">
+                <a:ea typeface="+mn-ea"/>
+              </a:rPr>
+              <a:t> died after 20</a:t>
+            </a:r>
+            <a:r>
+              <a:rPr lang="en-US" baseline="30000">
+                <a:ea typeface="+mn-ea"/>
+              </a:rPr>
+              <a:t>th</a:t>
+            </a:r>
+            <a:r>
+              <a:rPr lang="en-US">
+                <a:ea typeface="+mn-ea"/>
+              </a:rPr>
+              <a:t> of each month</a:t>
+            </a:r>
+          </a:p>
+          <a:p>
+            <a:pPr>
+              <a:buFont typeface="Arial"/>
+              <a:buChar char="•"/>
+              <a:defRPr/>
+            </a:pPr>
+            <a:endParaRPr lang="en-US">
+              <a:ea typeface="+mn-ea"/>
+            </a:endParaRPr>
+          </a:p>
+          <a:p>
+            <a:pPr>
+              <a:buFont typeface="Arial"/>
+              <a:buChar char="•"/>
+              <a:defRPr/>
+            </a:pPr>
+            <a:r>
+              <a:rPr lang="en-US">
+                <a:ea typeface="+mn-ea"/>
+              </a:rPr>
+              <a:t>Random number generator for IP scanning fixed</a:t>
+            </a:r>
+          </a:p>
+        </p:txBody>
+      </p:sp>
+      <p:sp>
+        <p:nvSpPr>
+          <p:cNvPr id="6" name="Slide Number Placeholder 5">
+            <a:extLst>
+              <a:ext uri="{FF2B5EF4-FFF2-40B4-BE49-F238E27FC236}">
+                <a16:creationId xmlns:a16="http://schemas.microsoft.com/office/drawing/2014/main" id="{82A02C6E-E243-D44A-85AE-B11883FA698A}"/>
+              </a:ext>
+            </a:extLst>
+          </p:cNvPr>
+          <p:cNvSpPr>
+            <a:spLocks noGrp="1"/>
+          </p:cNvSpPr>
+          <p:nvPr>
+            <p:ph type="sldNum" sz="quarter" idx="12"/>
+          </p:nvPr>
+        </p:nvSpPr>
+        <p:spPr/>
+        <p:txBody>
+          <a:bodyPr/>
+          <a:lstStyle>
+            <a:lvl1pPr eaLnBrk="0" hangingPunct="0">
+              <a:defRPr sz="2400">
+                <a:solidFill>
+                  <a:schemeClr val="tx1"/>
+                </a:solidFill>
+                <a:latin typeface="Arial" panose="020B0604020202020204" pitchFamily="34" charset="0"/>
+                <a:ea typeface="ＭＳ Ｐゴシック" panose="020B0600070205080204" pitchFamily="34" charset="-128"/>
+              </a:defRPr>
+            </a:lvl1pPr>
+            <a:lvl2pPr marL="742950" indent="-285750" eaLnBrk="0" hangingPunct="0">
+              <a:defRPr sz="2400">
+                <a:solidFill>
+                  <a:schemeClr val="tx1"/>
+                </a:solidFill>
+                <a:latin typeface="Arial" panose="020B0604020202020204" pitchFamily="34" charset="0"/>
+                <a:ea typeface="ＭＳ Ｐゴシック" panose="020B0600070205080204" pitchFamily="34" charset="-128"/>
+              </a:defRPr>
+            </a:lvl2pPr>
+            <a:lvl3pPr marL="1143000" indent="-228600" eaLnBrk="0" hangingPunct="0">
+              <a:defRPr sz="2400">
+                <a:solidFill>
+                  <a:schemeClr val="tx1"/>
+                </a:solidFill>
+                <a:latin typeface="Arial" panose="020B0604020202020204" pitchFamily="34" charset="0"/>
+                <a:ea typeface="ＭＳ Ｐゴシック" panose="020B0600070205080204" pitchFamily="34" charset="-128"/>
+              </a:defRPr>
+            </a:lvl3pPr>
+            <a:lvl4pPr marL="1600200" indent="-228600" eaLnBrk="0" hangingPunct="0">
+              <a:defRPr sz="2400">
+                <a:solidFill>
+                  <a:schemeClr val="tx1"/>
+                </a:solidFill>
+                <a:latin typeface="Arial" panose="020B0604020202020204" pitchFamily="34" charset="0"/>
+                <a:ea typeface="ＭＳ Ｐゴシック" panose="020B0600070205080204" pitchFamily="34" charset="-128"/>
+              </a:defRPr>
+            </a:lvl4pPr>
+            <a:lvl5pPr marL="2057400" indent="-228600" eaLnBrk="0" hangingPunct="0">
+              <a:defRPr sz="2400">
+                <a:solidFill>
+                  <a:schemeClr val="tx1"/>
+                </a:solidFill>
+                <a:latin typeface="Arial" panose="020B0604020202020204" pitchFamily="34" charset="0"/>
+                <a:ea typeface="ＭＳ Ｐゴシック" panose="020B0600070205080204" pitchFamily="34" charset="-128"/>
+              </a:defRPr>
+            </a:lvl5pPr>
+            <a:lvl6pPr marL="2514600" indent="-228600" eaLnBrk="0" fontAlgn="base" hangingPunct="0">
+              <a:spcBef>
+                <a:spcPct val="0"/>
+              </a:spcBef>
+              <a:spcAft>
+                <a:spcPct val="0"/>
+              </a:spcAft>
+              <a:defRPr sz="2400">
+                <a:solidFill>
+                  <a:schemeClr val="tx1"/>
+                </a:solidFill>
+                <a:latin typeface="Arial" panose="020B0604020202020204" pitchFamily="34" charset="0"/>
+                <a:ea typeface="ＭＳ Ｐゴシック" panose="020B0600070205080204" pitchFamily="34" charset="-128"/>
+              </a:defRPr>
+            </a:lvl6pPr>
+            <a:lvl7pPr marL="2971800" indent="-228600" eaLnBrk="0" fontAlgn="base" hangingPunct="0">
+              <a:spcBef>
+                <a:spcPct val="0"/>
+              </a:spcBef>
+              <a:spcAft>
+                <a:spcPct val="0"/>
+              </a:spcAft>
+              <a:defRPr sz="2400">
+                <a:solidFill>
+                  <a:schemeClr val="tx1"/>
+                </a:solidFill>
+                <a:latin typeface="Arial" panose="020B0604020202020204" pitchFamily="34" charset="0"/>
+                <a:ea typeface="ＭＳ Ｐゴシック" panose="020B0600070205080204" pitchFamily="34" charset="-128"/>
+              </a:defRPr>
+            </a:lvl7pPr>
+            <a:lvl8pPr marL="3429000" indent="-228600" eaLnBrk="0" fontAlgn="base" hangingPunct="0">
+              <a:spcBef>
+                <a:spcPct val="0"/>
+              </a:spcBef>
+              <a:spcAft>
+                <a:spcPct val="0"/>
+              </a:spcAft>
+              <a:defRPr sz="2400">
+                <a:solidFill>
+                  <a:schemeClr val="tx1"/>
+                </a:solidFill>
+                <a:latin typeface="Arial" panose="020B0604020202020204" pitchFamily="34" charset="0"/>
+                <a:ea typeface="ＭＳ Ｐゴシック" panose="020B0600070205080204" pitchFamily="34" charset="-128"/>
+              </a:defRPr>
+            </a:lvl8pPr>
+            <a:lvl9pPr marL="3886200" indent="-228600" eaLnBrk="0" fontAlgn="base" hangingPunct="0">
+              <a:spcBef>
+                <a:spcPct val="0"/>
+              </a:spcBef>
+              <a:spcAft>
+                <a:spcPct val="0"/>
+              </a:spcAft>
+              <a:defRPr sz="2400">
+                <a:solidFill>
+                  <a:schemeClr val="tx1"/>
+                </a:solidFill>
+                <a:latin typeface="Arial" panose="020B0604020202020204" pitchFamily="34" charset="0"/>
+                <a:ea typeface="ＭＳ Ｐゴシック" panose="020B0600070205080204" pitchFamily="34" charset="-128"/>
+              </a:defRPr>
+            </a:lvl9pPr>
+          </a:lstStyle>
+          <a:p>
+            <a:pPr eaLnBrk="1" hangingPunct="1"/>
+            <a:fld id="{DC96489F-F113-824F-BE52-C64B147060C5}" type="slidenum">
+              <a:rPr lang="en-US" altLang="en-US" sz="1200">
+                <a:solidFill>
+                  <a:srgbClr val="898989"/>
+                </a:solidFill>
+              </a:rPr>
+              <a:pPr eaLnBrk="1" hangingPunct="1"/>
+              <a:t>12</a:t>
+            </a:fld>
+            <a:endParaRPr lang="en-US" altLang="en-US" sz="1200">
+              <a:solidFill>
+                <a:srgbClr val="898989"/>
+              </a:solidFill>
+            </a:endParaRPr>
+          </a:p>
+        </p:txBody>
+      </p:sp>
+    </p:spTree>
+    <p:extLst>
+      <p:ext uri="{BB962C8B-B14F-4D97-AF65-F5344CB8AC3E}">
+        <p14:creationId xmlns:p14="http://schemas.microsoft.com/office/powerpoint/2010/main" val="694043387"/>
+      </p:ext>
+    </p:extLst>
+  </p:cSld>
+  <p:clrMapOvr>
+    <a:masterClrMapping/>
+  </p:clrMapOvr>
+</p:sld>
+</file>
+
+<file path=ppt/slides/slide13.xml><?xml version="1.0" encoding="utf-8"?>
+<p:sld xmlns:a="http://schemas.openxmlformats.org/drawingml/2006/main" xmlns:r="http://schemas.openxmlformats.org/officeDocument/2006/relationships" xmlns:p="http://schemas.openxmlformats.org/presentationml/2006/main">
+  <p:cSld>
+    <p:spTree>
+      <p:nvGrpSpPr>
+        <p:cNvPr id="1" name=""/>
+        <p:cNvGrpSpPr/>
+        <p:nvPr/>
+      </p:nvGrpSpPr>
+      <p:grpSpPr>
+        <a:xfrm>
+          <a:off x="0" y="0"/>
+          <a:ext cx="0" cy="0"/>
+          <a:chOff x="0" y="0"/>
+          <a:chExt cx="0" cy="0"/>
+        </a:xfrm>
+      </p:grpSpPr>
+      <p:sp>
+        <p:nvSpPr>
+          <p:cNvPr id="25601" name="Rectangle 2">
+            <a:extLst>
+              <a:ext uri="{FF2B5EF4-FFF2-40B4-BE49-F238E27FC236}">
+                <a16:creationId xmlns:a16="http://schemas.microsoft.com/office/drawing/2014/main" id="{2EEAEC05-AD4F-8744-85D9-9E3C16A264A2}"/>
+              </a:ext>
+            </a:extLst>
+          </p:cNvPr>
+          <p:cNvSpPr>
+            <a:spLocks noGrp="1" noChangeArrowheads="1"/>
+          </p:cNvSpPr>
+          <p:nvPr>
+            <p:ph type="title"/>
+          </p:nvPr>
+        </p:nvSpPr>
+        <p:spPr/>
+        <p:txBody>
+          <a:bodyPr/>
+          <a:lstStyle/>
+          <a:p>
+            <a:r>
+              <a:rPr lang="en-US" altLang="en-US"/>
+              <a:t>Code Red: Host Infection Rate</a:t>
+            </a:r>
+          </a:p>
+        </p:txBody>
+      </p:sp>
+      <p:sp>
+        <p:nvSpPr>
+          <p:cNvPr id="2" name="Content Placeholder 1">
+            <a:extLst>
+              <a:ext uri="{FF2B5EF4-FFF2-40B4-BE49-F238E27FC236}">
+                <a16:creationId xmlns:a16="http://schemas.microsoft.com/office/drawing/2014/main" id="{67B47D50-082D-9E42-9F35-BAD675A05F29}"/>
+              </a:ext>
+            </a:extLst>
+          </p:cNvPr>
+          <p:cNvSpPr>
+            <a:spLocks noGrp="1"/>
+          </p:cNvSpPr>
+          <p:nvPr>
+            <p:ph idx="1"/>
+          </p:nvPr>
+        </p:nvSpPr>
+        <p:spPr/>
+        <p:txBody>
+          <a:bodyPr/>
+          <a:lstStyle/>
+          <a:p>
+            <a:endParaRPr lang="en-US"/>
+          </a:p>
+        </p:txBody>
+      </p:sp>
+      <p:sp>
+        <p:nvSpPr>
+          <p:cNvPr id="9" name="Slide Number Placeholder 4">
+            <a:extLst>
+              <a:ext uri="{FF2B5EF4-FFF2-40B4-BE49-F238E27FC236}">
+                <a16:creationId xmlns:a16="http://schemas.microsoft.com/office/drawing/2014/main" id="{EC6B6A16-35A1-D146-A55E-750465350547}"/>
+              </a:ext>
+            </a:extLst>
+          </p:cNvPr>
+          <p:cNvSpPr>
+            <a:spLocks noGrp="1"/>
+          </p:cNvSpPr>
+          <p:nvPr>
+            <p:ph type="sldNum" sz="quarter" idx="12"/>
+          </p:nvPr>
+        </p:nvSpPr>
+        <p:spPr/>
+        <p:txBody>
+          <a:bodyPr/>
+          <a:lstStyle>
+            <a:lvl1pPr eaLnBrk="0" hangingPunct="0">
+              <a:defRPr sz="2400">
+                <a:solidFill>
+                  <a:schemeClr val="tx1"/>
+                </a:solidFill>
+                <a:latin typeface="Arial" panose="020B0604020202020204" pitchFamily="34" charset="0"/>
+                <a:ea typeface="ＭＳ Ｐゴシック" panose="020B0600070205080204" pitchFamily="34" charset="-128"/>
+              </a:defRPr>
+            </a:lvl1pPr>
+            <a:lvl2pPr marL="742950" indent="-285750" eaLnBrk="0" hangingPunct="0">
+              <a:defRPr sz="2400">
+                <a:solidFill>
+                  <a:schemeClr val="tx1"/>
+                </a:solidFill>
+                <a:latin typeface="Arial" panose="020B0604020202020204" pitchFamily="34" charset="0"/>
+                <a:ea typeface="ＭＳ Ｐゴシック" panose="020B0600070205080204" pitchFamily="34" charset="-128"/>
+              </a:defRPr>
+            </a:lvl2pPr>
+            <a:lvl3pPr marL="1143000" indent="-228600" eaLnBrk="0" hangingPunct="0">
+              <a:defRPr sz="2400">
+                <a:solidFill>
+                  <a:schemeClr val="tx1"/>
+                </a:solidFill>
+                <a:latin typeface="Arial" panose="020B0604020202020204" pitchFamily="34" charset="0"/>
+                <a:ea typeface="ＭＳ Ｐゴシック" panose="020B0600070205080204" pitchFamily="34" charset="-128"/>
+              </a:defRPr>
+            </a:lvl3pPr>
+            <a:lvl4pPr marL="1600200" indent="-228600" eaLnBrk="0" hangingPunct="0">
+              <a:defRPr sz="2400">
+                <a:solidFill>
+                  <a:schemeClr val="tx1"/>
+                </a:solidFill>
+                <a:latin typeface="Arial" panose="020B0604020202020204" pitchFamily="34" charset="0"/>
+                <a:ea typeface="ＭＳ Ｐゴシック" panose="020B0600070205080204" pitchFamily="34" charset="-128"/>
+              </a:defRPr>
+            </a:lvl4pPr>
+            <a:lvl5pPr marL="2057400" indent="-228600" eaLnBrk="0" hangingPunct="0">
+              <a:defRPr sz="2400">
+                <a:solidFill>
+                  <a:schemeClr val="tx1"/>
+                </a:solidFill>
+                <a:latin typeface="Arial" panose="020B0604020202020204" pitchFamily="34" charset="0"/>
+                <a:ea typeface="ＭＳ Ｐゴシック" panose="020B0600070205080204" pitchFamily="34" charset="-128"/>
+              </a:defRPr>
+            </a:lvl5pPr>
+            <a:lvl6pPr marL="2514600" indent="-228600" eaLnBrk="0" fontAlgn="base" hangingPunct="0">
+              <a:spcBef>
+                <a:spcPct val="0"/>
+              </a:spcBef>
+              <a:spcAft>
+                <a:spcPct val="0"/>
+              </a:spcAft>
+              <a:defRPr sz="2400">
+                <a:solidFill>
+                  <a:schemeClr val="tx1"/>
+                </a:solidFill>
+                <a:latin typeface="Arial" panose="020B0604020202020204" pitchFamily="34" charset="0"/>
+                <a:ea typeface="ＭＳ Ｐゴシック" panose="020B0600070205080204" pitchFamily="34" charset="-128"/>
+              </a:defRPr>
+            </a:lvl6pPr>
+            <a:lvl7pPr marL="2971800" indent="-228600" eaLnBrk="0" fontAlgn="base" hangingPunct="0">
+              <a:spcBef>
+                <a:spcPct val="0"/>
+              </a:spcBef>
+              <a:spcAft>
+                <a:spcPct val="0"/>
+              </a:spcAft>
+              <a:defRPr sz="2400">
+                <a:solidFill>
+                  <a:schemeClr val="tx1"/>
+                </a:solidFill>
+                <a:latin typeface="Arial" panose="020B0604020202020204" pitchFamily="34" charset="0"/>
+                <a:ea typeface="ＭＳ Ｐゴシック" panose="020B0600070205080204" pitchFamily="34" charset="-128"/>
+              </a:defRPr>
+            </a:lvl7pPr>
+            <a:lvl8pPr marL="3429000" indent="-228600" eaLnBrk="0" fontAlgn="base" hangingPunct="0">
+              <a:spcBef>
+                <a:spcPct val="0"/>
+              </a:spcBef>
+              <a:spcAft>
+                <a:spcPct val="0"/>
+              </a:spcAft>
+              <a:defRPr sz="2400">
+                <a:solidFill>
+                  <a:schemeClr val="tx1"/>
+                </a:solidFill>
+                <a:latin typeface="Arial" panose="020B0604020202020204" pitchFamily="34" charset="0"/>
+                <a:ea typeface="ＭＳ Ｐゴシック" panose="020B0600070205080204" pitchFamily="34" charset="-128"/>
+              </a:defRPr>
+            </a:lvl8pPr>
+            <a:lvl9pPr marL="3886200" indent="-228600" eaLnBrk="0" fontAlgn="base" hangingPunct="0">
+              <a:spcBef>
+                <a:spcPct val="0"/>
+              </a:spcBef>
+              <a:spcAft>
+                <a:spcPct val="0"/>
+              </a:spcAft>
+              <a:defRPr sz="2400">
+                <a:solidFill>
+                  <a:schemeClr val="tx1"/>
+                </a:solidFill>
+                <a:latin typeface="Arial" panose="020B0604020202020204" pitchFamily="34" charset="0"/>
+                <a:ea typeface="ＭＳ Ｐゴシック" panose="020B0600070205080204" pitchFamily="34" charset="-128"/>
+              </a:defRPr>
+            </a:lvl9pPr>
+          </a:lstStyle>
+          <a:p>
+            <a:pPr eaLnBrk="1" hangingPunct="1"/>
+            <a:fld id="{95DFACEA-71E0-EC4D-9BB8-3298BECE5333}" type="slidenum">
+              <a:rPr lang="en-US" altLang="en-US" sz="1200">
+                <a:solidFill>
+                  <a:srgbClr val="898989"/>
+                </a:solidFill>
+              </a:rPr>
+              <a:pPr eaLnBrk="1" hangingPunct="1"/>
+              <a:t>13</a:t>
+            </a:fld>
+            <a:endParaRPr lang="en-US" altLang="en-US" sz="1200">
+              <a:solidFill>
+                <a:srgbClr val="898989"/>
+              </a:solidFill>
+            </a:endParaRPr>
+          </a:p>
+        </p:txBody>
+      </p:sp>
+      <p:pic>
+        <p:nvPicPr>
+          <p:cNvPr id="25603" name="Picture 3" descr="cumulative-ts">
+            <a:extLst>
+              <a:ext uri="{FF2B5EF4-FFF2-40B4-BE49-F238E27FC236}">
+                <a16:creationId xmlns:a16="http://schemas.microsoft.com/office/drawing/2014/main" id="{FE4D84A0-0843-374C-8885-51E5920B024C}"/>
+              </a:ext>
+            </a:extLst>
+          </p:cNvPr>
+          <p:cNvPicPr>
+            <a:picLocks noChangeAspect="1" noChangeArrowheads="1"/>
+          </p:cNvPicPr>
+          <p:nvPr/>
+        </p:nvPicPr>
+        <p:blipFill>
+          <a:blip r:embed="rId3">
+            <a:extLst>
+              <a:ext uri="{28A0092B-C50C-407E-A947-70E740481C1C}">
+                <a14:useLocalDpi xmlns:a14="http://schemas.microsoft.com/office/drawing/2010/main" val="0"/>
+              </a:ext>
+            </a:extLst>
+          </a:blip>
+          <a:srcRect/>
+          <a:stretch>
+            <a:fillRect/>
+          </a:stretch>
+        </p:blipFill>
+        <p:spPr bwMode="auto">
+          <a:xfrm>
+            <a:off x="2895600" y="1905000"/>
+            <a:ext cx="6096000" cy="4572000"/>
+          </a:xfrm>
+          <a:prstGeom prst="rect">
+            <a:avLst/>
+          </a:prstGeom>
+          <a:noFill/>
+          <a:ln>
+            <a:noFill/>
+          </a:ln>
+          <a:extLst>
+            <a:ext uri="{909E8E84-426E-40DD-AFC4-6F175D3DCCD1}">
+              <a14:hiddenFill xmlns:a14="http://schemas.microsoft.com/office/drawing/2010/main">
+                <a:solidFill>
+                  <a:srgbClr val="FFFFFF"/>
+                </a:solidFill>
+              </a14:hiddenFill>
+            </a:ext>
+            <a:ext uri="{91240B29-F687-4F45-9708-019B960494DF}">
+              <a14:hiddenLine xmlns:a14="http://schemas.microsoft.com/office/drawing/2010/main" w="9525">
+                <a:solidFill>
+                  <a:srgbClr val="000000"/>
+                </a:solidFill>
+                <a:miter lim="800000"/>
+                <a:headEnd/>
+                <a:tailEnd/>
+              </a14:hiddenLine>
+            </a:ext>
+          </a:extLst>
+        </p:spPr>
+      </p:pic>
+      <p:sp>
+        <p:nvSpPr>
+          <p:cNvPr id="52228" name="Text Box 4">
+            <a:extLst>
+              <a:ext uri="{FF2B5EF4-FFF2-40B4-BE49-F238E27FC236}">
+                <a16:creationId xmlns:a16="http://schemas.microsoft.com/office/drawing/2014/main" id="{4B265960-4D0B-2C4F-9FB7-03BAC53F7BC9}"/>
+              </a:ext>
+            </a:extLst>
+          </p:cNvPr>
+          <p:cNvSpPr txBox="1">
+            <a:spLocks noChangeArrowheads="1"/>
+          </p:cNvSpPr>
+          <p:nvPr/>
+        </p:nvSpPr>
+        <p:spPr bwMode="auto">
+          <a:xfrm>
+            <a:off x="2286000" y="3214688"/>
+            <a:ext cx="4114800" cy="457200"/>
+          </a:xfrm>
+          <a:prstGeom prst="rect">
+            <a:avLst/>
+          </a:prstGeom>
+          <a:solidFill>
+            <a:srgbClr val="F7F5A7"/>
+          </a:solidFill>
+          <a:ln>
+            <a:noFill/>
+          </a:ln>
+          <a:effectLst/>
+          <a:extLst>
+            <a:ext uri="{91240B29-F687-4f45-9708-019B960494DF}">
+              <a14:hiddenLine xmlns:a14="http://schemas.microsoft.com/office/drawing/2010/main" xmlns="" w="9525">
+                <a:solidFill>
+                  <a:schemeClr val="tx1"/>
+                </a:solidFill>
+                <a:miter lim="800000"/>
+                <a:headEnd/>
+                <a:tailEnd/>
+              </a14:hiddenLine>
+            </a:ext>
+            <a:ext uri="{AF507438-7753-43e0-B8FC-AC1667EBCBE1}">
+              <a14:hiddenEffects xmlns:a14="http://schemas.microsoft.com/office/drawing/2010/main" xmlns="">
+                <a:effectLst>
+                  <a:outerShdw blurRad="63500" dist="38099" dir="2700000" algn="ctr" rotWithShape="0">
+                    <a:schemeClr val="bg2">
+                      <a:alpha val="74998"/>
+                    </a:schemeClr>
+                  </a:outerShdw>
+                </a:effectLst>
+              </a14:hiddenEffects>
+            </a:ext>
+          </a:extLst>
+        </p:spPr>
+        <p:txBody>
+          <a:bodyPr>
+            <a:spAutoFit/>
+          </a:bodyPr>
+          <a:lstStyle/>
+          <a:p>
+            <a:pPr>
+              <a:spcBef>
+                <a:spcPct val="50000"/>
+              </a:spcBef>
+              <a:defRPr/>
+            </a:pPr>
+            <a:r>
+              <a:rPr lang="en-US" sz="2400" b="1">
+                <a:solidFill>
+                  <a:srgbClr val="FF0000"/>
+                </a:solidFill>
+                <a:latin typeface="Arial" charset="0"/>
+                <a:ea typeface="ＭＳ Ｐゴシック" charset="0"/>
+              </a:rPr>
+              <a:t>Exponential infection rate</a:t>
+            </a:r>
+          </a:p>
+        </p:txBody>
+      </p:sp>
+      <p:sp>
+        <p:nvSpPr>
+          <p:cNvPr id="52229" name="Line 5">
+            <a:extLst>
+              <a:ext uri="{FF2B5EF4-FFF2-40B4-BE49-F238E27FC236}">
+                <a16:creationId xmlns:a16="http://schemas.microsoft.com/office/drawing/2014/main" id="{81E7B361-33F6-6C46-A538-1CA5B4DA4399}"/>
+              </a:ext>
+            </a:extLst>
+          </p:cNvPr>
+          <p:cNvSpPr>
+            <a:spLocks noChangeShapeType="1"/>
+          </p:cNvSpPr>
+          <p:nvPr/>
+        </p:nvSpPr>
+        <p:spPr bwMode="auto">
+          <a:xfrm>
+            <a:off x="4724400" y="3657600"/>
+            <a:ext cx="1295400" cy="1981200"/>
+          </a:xfrm>
+          <a:prstGeom prst="line">
+            <a:avLst/>
+          </a:prstGeom>
+          <a:noFill/>
+          <a:ln w="9525">
+            <a:solidFill>
+              <a:schemeClr val="tx1"/>
+            </a:solidFill>
+            <a:round/>
+            <a:headEnd/>
+            <a:tailEnd type="triangle" w="med" len="med"/>
+          </a:ln>
+          <a:effectLst/>
+          <a:extLst>
+            <a:ext uri="{909E8E84-426E-40dd-AFC4-6F175D3DCCD1}">
+              <a14:hiddenFill xmlns:a14="http://schemas.microsoft.com/office/drawing/2010/main" xmlns="">
+                <a:noFill/>
+              </a14:hiddenFill>
+            </a:ext>
+            <a:ext uri="{AF507438-7753-43e0-B8FC-AC1667EBCBE1}">
+              <a14:hiddenEffects xmlns:a14="http://schemas.microsoft.com/office/drawing/2010/main" xmlns="">
+                <a:effectLst>
+                  <a:outerShdw blurRad="63500" dist="38099" dir="2700000" algn="ctr" rotWithShape="0">
+                    <a:schemeClr val="bg2">
+                      <a:alpha val="74998"/>
+                    </a:schemeClr>
+                  </a:outerShdw>
+                </a:effectLst>
+              </a14:hiddenEffects>
+            </a:ext>
+          </a:extLst>
+        </p:spPr>
+        <p:txBody>
+          <a:bodyPr/>
+          <a:lstStyle/>
+          <a:p>
+            <a:pPr>
+              <a:defRPr/>
+            </a:pPr>
+            <a:endParaRPr lang="en-US">
+              <a:latin typeface="Arial" charset="0"/>
+              <a:ea typeface="ＭＳ Ｐゴシック" charset="0"/>
+            </a:endParaRPr>
+          </a:p>
+        </p:txBody>
+      </p:sp>
+    </p:spTree>
+    <p:extLst>
+      <p:ext uri="{BB962C8B-B14F-4D97-AF65-F5344CB8AC3E}">
+        <p14:creationId xmlns:p14="http://schemas.microsoft.com/office/powerpoint/2010/main" val="4135019181"/>
+      </p:ext>
+    </p:extLst>
+  </p:cSld>
+  <p:clrMapOvr>
+    <a:masterClrMapping/>
+  </p:clrMapOvr>
+</p:sld>
+</file>
+
+<file path=ppt/slides/slide14.xml><?xml version="1.0" encoding="utf-8"?>
+<p:sld xmlns:a="http://schemas.openxmlformats.org/drawingml/2006/main" xmlns:r="http://schemas.openxmlformats.org/officeDocument/2006/relationships" xmlns:p="http://schemas.openxmlformats.org/presentationml/2006/main">
+  <p:cSld>
+    <p:spTree>
+      <p:nvGrpSpPr>
+        <p:cNvPr id="1" name=""/>
+        <p:cNvGrpSpPr/>
+        <p:nvPr/>
+      </p:nvGrpSpPr>
+      <p:grpSpPr>
+        <a:xfrm>
+          <a:off x="0" y="0"/>
+          <a:ext cx="0" cy="0"/>
+          <a:chOff x="0" y="0"/>
+          <a:chExt cx="0" cy="0"/>
+        </a:xfrm>
+      </p:grpSpPr>
+      <p:sp>
+        <p:nvSpPr>
+          <p:cNvPr id="5" name="Title 4">
+            <a:extLst>
+              <a:ext uri="{FF2B5EF4-FFF2-40B4-BE49-F238E27FC236}">
+                <a16:creationId xmlns:a16="http://schemas.microsoft.com/office/drawing/2014/main" id="{3C485A7A-6D4C-6449-95D3-D40C9E876BB6}"/>
+              </a:ext>
+            </a:extLst>
+          </p:cNvPr>
+          <p:cNvSpPr>
+            <a:spLocks noGrp="1"/>
+          </p:cNvSpPr>
+          <p:nvPr>
+            <p:ph type="ctrTitle"/>
+          </p:nvPr>
+        </p:nvSpPr>
+        <p:spPr/>
+        <p:txBody>
+          <a:bodyPr/>
+          <a:lstStyle/>
+          <a:p>
+            <a:r>
+              <a:rPr lang="en-US"/>
+              <a:t>Networking 101</a:t>
+            </a:r>
+            <a:endParaRPr lang="en-US" dirty="0"/>
+          </a:p>
+        </p:txBody>
+      </p:sp>
+    </p:spTree>
+    <p:extLst>
+      <p:ext uri="{BB962C8B-B14F-4D97-AF65-F5344CB8AC3E}">
+        <p14:creationId xmlns:p14="http://schemas.microsoft.com/office/powerpoint/2010/main" val="569829527"/>
+      </p:ext>
+    </p:extLst>
+  </p:cSld>
+  <p:clrMapOvr>
+    <a:masterClrMapping/>
+  </p:clrMapOvr>
+</p:sld>
+</file>
+
+<file path=ppt/slides/slide15.xml><?xml version="1.0" encoding="utf-8"?>
+<p:sld xmlns:a="http://schemas.openxmlformats.org/drawingml/2006/main" xmlns:r="http://schemas.openxmlformats.org/officeDocument/2006/relationships" xmlns:p="http://schemas.openxmlformats.org/presentationml/2006/main">
+  <p:cSld>
+    <p:spTree>
+      <p:nvGrpSpPr>
+        <p:cNvPr id="1" name=""/>
+        <p:cNvGrpSpPr/>
+        <p:nvPr/>
+      </p:nvGrpSpPr>
+      <p:grpSpPr>
+        <a:xfrm>
+          <a:off x="0" y="0"/>
+          <a:ext cx="0" cy="0"/>
+          <a:chOff x="0" y="0"/>
+          <a:chExt cx="0" cy="0"/>
+        </a:xfrm>
+      </p:grpSpPr>
+      <p:sp>
+        <p:nvSpPr>
+          <p:cNvPr id="3" name="Title 2">
+            <a:extLst>
+              <a:ext uri="{FF2B5EF4-FFF2-40B4-BE49-F238E27FC236}">
+                <a16:creationId xmlns:a16="http://schemas.microsoft.com/office/drawing/2014/main" id="{A226D5DA-D380-D84B-9087-54675E129AA5}"/>
+              </a:ext>
+            </a:extLst>
+          </p:cNvPr>
+          <p:cNvSpPr>
+            <a:spLocks noGrp="1"/>
+          </p:cNvSpPr>
+          <p:nvPr>
+            <p:ph type="title"/>
+          </p:nvPr>
+        </p:nvSpPr>
+        <p:spPr/>
+        <p:txBody>
+          <a:bodyPr/>
+          <a:lstStyle/>
+          <a:p>
+            <a:r>
+              <a:rPr lang="en-US" dirty="0"/>
+              <a:t>Internet: Where Cybersecurity Attacks Happen</a:t>
+            </a:r>
+          </a:p>
+        </p:txBody>
+      </p:sp>
+      <p:sp>
+        <p:nvSpPr>
+          <p:cNvPr id="5" name="Content Placeholder 4">
+            <a:extLst>
+              <a:ext uri="{FF2B5EF4-FFF2-40B4-BE49-F238E27FC236}">
+                <a16:creationId xmlns:a16="http://schemas.microsoft.com/office/drawing/2014/main" id="{438BDD2F-F98A-E54F-8D1C-9AAE8B9C2F44}"/>
+              </a:ext>
+            </a:extLst>
+          </p:cNvPr>
+          <p:cNvSpPr>
+            <a:spLocks noGrp="1"/>
+          </p:cNvSpPr>
+          <p:nvPr>
+            <p:ph idx="1"/>
+          </p:nvPr>
+        </p:nvSpPr>
+        <p:spPr/>
+        <p:txBody>
+          <a:bodyPr/>
+          <a:lstStyle/>
+          <a:p>
+            <a:r>
+              <a:rPr lang="en-US" dirty="0"/>
+              <a:t>…</a:t>
+            </a:r>
+          </a:p>
+          <a:p>
+            <a:endParaRPr lang="en-US" dirty="0"/>
+          </a:p>
+          <a:p>
+            <a:r>
+              <a:rPr lang="en-US" dirty="0"/>
+              <a:t>Often these attacks are detected with ML …</a:t>
+            </a:r>
+          </a:p>
+          <a:p>
+            <a:pPr lvl="1"/>
+            <a:r>
+              <a:rPr lang="en-US" dirty="0"/>
+              <a:t>Give history of cybersecurity (Morris worm, 1989)</a:t>
+            </a:r>
+          </a:p>
+          <a:p>
+            <a:pPr lvl="1"/>
+            <a:r>
+              <a:rPr lang="en-US" dirty="0"/>
+              <a:t>First DDoS Attacks (</a:t>
+            </a:r>
+            <a:r>
+              <a:rPr lang="en-US" dirty="0" err="1"/>
+              <a:t>Ebay</a:t>
+            </a:r>
+            <a:r>
+              <a:rPr lang="en-US" dirty="0"/>
+              <a:t>, Yahoo, etc. c. 2001?)</a:t>
+            </a:r>
+          </a:p>
+          <a:p>
+            <a:pPr lvl="1"/>
+            <a:r>
+              <a:rPr lang="en-US" dirty="0"/>
+              <a:t>Shortly thereafter: Statistical </a:t>
+            </a:r>
+            <a:r>
+              <a:rPr lang="en-US"/>
+              <a:t>anomaly detection (SHT, PCA)</a:t>
+            </a:r>
+            <a:endParaRPr lang="en-US" dirty="0"/>
+          </a:p>
+          <a:p>
+            <a:endParaRPr lang="en-US" dirty="0"/>
+          </a:p>
+          <a:p>
+            <a:r>
+              <a:rPr lang="en-US" dirty="0"/>
+              <a:t>First Step: Getting the data to train models, etc.</a:t>
+            </a:r>
+          </a:p>
+        </p:txBody>
+      </p:sp>
+      <p:sp>
+        <p:nvSpPr>
+          <p:cNvPr id="2" name="Slide Number Placeholder 1">
+            <a:extLst>
+              <a:ext uri="{FF2B5EF4-FFF2-40B4-BE49-F238E27FC236}">
+                <a16:creationId xmlns:a16="http://schemas.microsoft.com/office/drawing/2014/main" id="{CA3801EB-AB82-CE4A-A247-9D9F5FFE0D4F}"/>
+              </a:ext>
+            </a:extLst>
+          </p:cNvPr>
+          <p:cNvSpPr>
+            <a:spLocks noGrp="1"/>
+          </p:cNvSpPr>
+          <p:nvPr>
+            <p:ph type="sldNum" sz="quarter" idx="12"/>
+          </p:nvPr>
+        </p:nvSpPr>
+        <p:spPr/>
+        <p:txBody>
+          <a:bodyPr/>
+          <a:lstStyle/>
+          <a:p>
+            <a:fld id="{256CE055-ECFD-9048-9FD8-7E2D8656A4F7}" type="slidenum">
+              <a:rPr lang="en-US" smtClean="0"/>
+              <a:pPr/>
+              <a:t>15</a:t>
+            </a:fld>
+            <a:endParaRPr lang="en-US" dirty="0"/>
+          </a:p>
+        </p:txBody>
+      </p:sp>
+    </p:spTree>
+    <p:extLst>
+      <p:ext uri="{BB962C8B-B14F-4D97-AF65-F5344CB8AC3E}">
+        <p14:creationId xmlns:p14="http://schemas.microsoft.com/office/powerpoint/2010/main" val="3284936232"/>
+      </p:ext>
+    </p:extLst>
+  </p:cSld>
+  <p:clrMapOvr>
+    <a:masterClrMapping/>
+  </p:clrMapOvr>
+</p:sld>
+</file>
+
+<file path=ppt/slides/slide16.xml><?xml version="1.0" encoding="utf-8"?>
+<p:sld xmlns:a="http://schemas.openxmlformats.org/drawingml/2006/main" xmlns:r="http://schemas.openxmlformats.org/officeDocument/2006/relationships" xmlns:p="http://schemas.openxmlformats.org/presentationml/2006/main">
+  <p:cSld>
+    <p:spTree>
+      <p:nvGrpSpPr>
+        <p:cNvPr id="1" name=""/>
+        <p:cNvGrpSpPr/>
+        <p:nvPr/>
+      </p:nvGrpSpPr>
+      <p:grpSpPr>
+        <a:xfrm>
+          <a:off x="0" y="0"/>
+          <a:ext cx="0" cy="0"/>
+          <a:chOff x="0" y="0"/>
+          <a:chExt cx="0" cy="0"/>
+        </a:xfrm>
+      </p:grpSpPr>
+      <p:sp>
+        <p:nvSpPr>
+          <p:cNvPr id="2" name="Title 1">
+            <a:extLst>
+              <a:ext uri="{FF2B5EF4-FFF2-40B4-BE49-F238E27FC236}">
+                <a16:creationId xmlns:a16="http://schemas.microsoft.com/office/drawing/2014/main" id="{049590D4-52F9-C243-AE1A-616121F592FF}"/>
+              </a:ext>
+            </a:extLst>
+          </p:cNvPr>
+          <p:cNvSpPr>
+            <a:spLocks noGrp="1"/>
+          </p:cNvSpPr>
+          <p:nvPr>
+            <p:ph type="title"/>
+          </p:nvPr>
+        </p:nvSpPr>
+        <p:spPr/>
+        <p:txBody>
+          <a:bodyPr/>
+          <a:lstStyle/>
+          <a:p>
+            <a:endParaRPr lang="en-US"/>
+          </a:p>
+        </p:txBody>
+      </p:sp>
+      <p:sp>
+        <p:nvSpPr>
+          <p:cNvPr id="3" name="Slide Number Placeholder 2">
+            <a:extLst>
+              <a:ext uri="{FF2B5EF4-FFF2-40B4-BE49-F238E27FC236}">
+                <a16:creationId xmlns:a16="http://schemas.microsoft.com/office/drawing/2014/main" id="{947B91C1-BCEB-294D-A55A-459033EC6DDA}"/>
+              </a:ext>
+            </a:extLst>
+          </p:cNvPr>
+          <p:cNvSpPr>
+            <a:spLocks noGrp="1"/>
+          </p:cNvSpPr>
+          <p:nvPr>
+            <p:ph type="sldNum" sz="quarter" idx="12"/>
+          </p:nvPr>
+        </p:nvSpPr>
+        <p:spPr/>
+        <p:txBody>
+          <a:bodyPr/>
+          <a:lstStyle/>
+          <a:p>
             <a:fld id="{D7AA6054-60FB-8048-98AD-326CDDBBD22D}" type="slidenum">
               <a:rPr lang="en-US" smtClean="0"/>
-              <a:t>11</a:t>
+              <a:t>16</a:t>
+            </a:fld>
+            <a:endParaRPr lang="en-US"/>
+          </a:p>
+        </p:txBody>
+      </p:sp>
+      <p:pic>
+        <p:nvPicPr>
+          <p:cNvPr id="4" name="Picture 3">
+            <a:extLst>
+              <a:ext uri="{FF2B5EF4-FFF2-40B4-BE49-F238E27FC236}">
+                <a16:creationId xmlns:a16="http://schemas.microsoft.com/office/drawing/2014/main" id="{04BD01A1-CBC7-244D-A7BE-5C1A9E56E192}"/>
+              </a:ext>
+            </a:extLst>
+          </p:cNvPr>
+          <p:cNvPicPr>
+            <a:picLocks noChangeAspect="1"/>
+          </p:cNvPicPr>
+          <p:nvPr/>
+        </p:nvPicPr>
+        <p:blipFill>
+          <a:blip r:embed="rId2"/>
+          <a:stretch>
+            <a:fillRect/>
+          </a:stretch>
+        </p:blipFill>
+        <p:spPr>
+          <a:xfrm>
+            <a:off x="554606" y="0"/>
+            <a:ext cx="11082787" cy="6858000"/>
+          </a:xfrm>
+          <a:prstGeom prst="rect">
+            <a:avLst/>
+          </a:prstGeom>
+        </p:spPr>
+      </p:pic>
+    </p:spTree>
+    <p:extLst>
+      <p:ext uri="{BB962C8B-B14F-4D97-AF65-F5344CB8AC3E}">
+        <p14:creationId xmlns:p14="http://schemas.microsoft.com/office/powerpoint/2010/main" val="14129180"/>
+      </p:ext>
+    </p:extLst>
+  </p:cSld>
+  <p:clrMapOvr>
+    <a:masterClrMapping/>
+  </p:clrMapOvr>
+</p:sld>
+</file>
+
+<file path=ppt/slides/slide17.xml><?xml version="1.0" encoding="utf-8"?>
+<p:sld xmlns:a="http://schemas.openxmlformats.org/drawingml/2006/main" xmlns:r="http://schemas.openxmlformats.org/officeDocument/2006/relationships" xmlns:p="http://schemas.openxmlformats.org/presentationml/2006/main">
+  <p:cSld>
+    <p:spTree>
+      <p:nvGrpSpPr>
+        <p:cNvPr id="1" name=""/>
+        <p:cNvGrpSpPr/>
+        <p:nvPr/>
+      </p:nvGrpSpPr>
+      <p:grpSpPr>
+        <a:xfrm>
+          <a:off x="0" y="0"/>
+          <a:ext cx="0" cy="0"/>
+          <a:chOff x="0" y="0"/>
+          <a:chExt cx="0" cy="0"/>
+        </a:xfrm>
+      </p:grpSpPr>
+      <p:sp>
+        <p:nvSpPr>
+          <p:cNvPr id="3" name="Slide Number Placeholder 2">
+            <a:extLst>
+              <a:ext uri="{FF2B5EF4-FFF2-40B4-BE49-F238E27FC236}">
+                <a16:creationId xmlns:a16="http://schemas.microsoft.com/office/drawing/2014/main" id="{E001A649-63A5-EB48-A66C-E26F6C174DCE}"/>
+              </a:ext>
+            </a:extLst>
+          </p:cNvPr>
+          <p:cNvSpPr>
+            <a:spLocks noGrp="1"/>
+          </p:cNvSpPr>
+          <p:nvPr>
+            <p:ph type="sldNum" sz="quarter" idx="12"/>
+          </p:nvPr>
+        </p:nvSpPr>
+        <p:spPr/>
+        <p:txBody>
+          <a:bodyPr/>
+          <a:lstStyle/>
+          <a:p>
+            <a:fld id="{D7AA6054-60FB-8048-98AD-326CDDBBD22D}" type="slidenum">
+              <a:rPr lang="en-US" smtClean="0"/>
+              <a:t>17</a:t>
+            </a:fld>
+            <a:endParaRPr lang="en-US"/>
+          </a:p>
+        </p:txBody>
+      </p:sp>
+      <p:pic>
+        <p:nvPicPr>
+          <p:cNvPr id="4" name="Picture 3">
+            <a:extLst>
+              <a:ext uri="{FF2B5EF4-FFF2-40B4-BE49-F238E27FC236}">
+                <a16:creationId xmlns:a16="http://schemas.microsoft.com/office/drawing/2014/main" id="{40070915-0FD6-6049-BFCE-4D20E12DD293}"/>
+              </a:ext>
+            </a:extLst>
+          </p:cNvPr>
+          <p:cNvPicPr>
+            <a:picLocks noChangeAspect="1"/>
+          </p:cNvPicPr>
+          <p:nvPr/>
+        </p:nvPicPr>
+        <p:blipFill>
+          <a:blip r:embed="rId2"/>
+          <a:stretch>
+            <a:fillRect/>
+          </a:stretch>
+        </p:blipFill>
+        <p:spPr>
+          <a:xfrm>
+            <a:off x="1346200" y="214630"/>
+            <a:ext cx="9499600" cy="5676900"/>
+          </a:xfrm>
+          <a:prstGeom prst="rect">
+            <a:avLst/>
+          </a:prstGeom>
+        </p:spPr>
+      </p:pic>
+    </p:spTree>
+    <p:extLst>
+      <p:ext uri="{BB962C8B-B14F-4D97-AF65-F5344CB8AC3E}">
+        <p14:creationId xmlns:p14="http://schemas.microsoft.com/office/powerpoint/2010/main" val="1776211740"/>
+      </p:ext>
+    </p:extLst>
+  </p:cSld>
+  <p:clrMapOvr>
+    <a:masterClrMapping/>
+  </p:clrMapOvr>
+</p:sld>
+</file>
+
+<file path=ppt/slides/slide18.xml><?xml version="1.0" encoding="utf-8"?>
+<p:sld xmlns:a="http://schemas.openxmlformats.org/drawingml/2006/main" xmlns:r="http://schemas.openxmlformats.org/officeDocument/2006/relationships" xmlns:p="http://schemas.openxmlformats.org/presentationml/2006/main">
+  <p:cSld>
+    <p:spTree>
+      <p:nvGrpSpPr>
+        <p:cNvPr id="1" name=""/>
+        <p:cNvGrpSpPr/>
+        <p:nvPr/>
+      </p:nvGrpSpPr>
+      <p:grpSpPr>
+        <a:xfrm>
+          <a:off x="0" y="0"/>
+          <a:ext cx="0" cy="0"/>
+          <a:chOff x="0" y="0"/>
+          <a:chExt cx="0" cy="0"/>
+        </a:xfrm>
+      </p:grpSpPr>
+      <p:sp>
+        <p:nvSpPr>
+          <p:cNvPr id="2" name="Slide Number Placeholder 1">
+            <a:extLst>
+              <a:ext uri="{FF2B5EF4-FFF2-40B4-BE49-F238E27FC236}">
+                <a16:creationId xmlns:a16="http://schemas.microsoft.com/office/drawing/2014/main" id="{DEE7296C-BF5C-204D-9E97-6CBC091A2563}"/>
+              </a:ext>
+            </a:extLst>
+          </p:cNvPr>
+          <p:cNvSpPr>
+            <a:spLocks noGrp="1"/>
+          </p:cNvSpPr>
+          <p:nvPr>
+            <p:ph type="sldNum" sz="quarter" idx="12"/>
+          </p:nvPr>
+        </p:nvSpPr>
+        <p:spPr/>
+        <p:txBody>
+          <a:bodyPr/>
+          <a:lstStyle/>
+          <a:p>
+            <a:fld id="{256CE055-ECFD-9048-9FD8-7E2D8656A4F7}" type="slidenum">
+              <a:rPr lang="en-US" smtClean="0"/>
+              <a:pPr/>
+              <a:t>18</a:t>
+            </a:fld>
+            <a:endParaRPr lang="en-US" dirty="0"/>
+          </a:p>
+        </p:txBody>
+      </p:sp>
+      <p:pic>
+        <p:nvPicPr>
+          <p:cNvPr id="3" name="Picture 2">
+            <a:extLst>
+              <a:ext uri="{FF2B5EF4-FFF2-40B4-BE49-F238E27FC236}">
+                <a16:creationId xmlns:a16="http://schemas.microsoft.com/office/drawing/2014/main" id="{7E1FD155-962C-984C-B7B5-68EC343A4EF6}"/>
+              </a:ext>
+            </a:extLst>
+          </p:cNvPr>
+          <p:cNvPicPr>
+            <a:picLocks noChangeAspect="1"/>
+          </p:cNvPicPr>
+          <p:nvPr/>
+        </p:nvPicPr>
+        <p:blipFill>
+          <a:blip r:embed="rId2"/>
+          <a:stretch>
+            <a:fillRect/>
+          </a:stretch>
+        </p:blipFill>
+        <p:spPr>
+          <a:xfrm>
+            <a:off x="1987550" y="857250"/>
+            <a:ext cx="8216900" cy="4127500"/>
+          </a:xfrm>
+          <a:prstGeom prst="rect">
+            <a:avLst/>
+          </a:prstGeom>
+        </p:spPr>
+      </p:pic>
+    </p:spTree>
+    <p:extLst>
+      <p:ext uri="{BB962C8B-B14F-4D97-AF65-F5344CB8AC3E}">
+        <p14:creationId xmlns:p14="http://schemas.microsoft.com/office/powerpoint/2010/main" val="3808476048"/>
+      </p:ext>
+    </p:extLst>
+  </p:cSld>
+  <p:clrMapOvr>
+    <a:masterClrMapping/>
+  </p:clrMapOvr>
+</p:sld>
+</file>
+
+<file path=ppt/slides/slide19.xml><?xml version="1.0" encoding="utf-8"?>
+<p:sld xmlns:a="http://schemas.openxmlformats.org/drawingml/2006/main" xmlns:r="http://schemas.openxmlformats.org/officeDocument/2006/relationships" xmlns:p="http://schemas.openxmlformats.org/presentationml/2006/main">
+  <p:cSld>
+    <p:spTree>
+      <p:nvGrpSpPr>
+        <p:cNvPr id="1" name=""/>
+        <p:cNvGrpSpPr/>
+        <p:nvPr/>
+      </p:nvGrpSpPr>
+      <p:grpSpPr>
+        <a:xfrm>
+          <a:off x="0" y="0"/>
+          <a:ext cx="0" cy="0"/>
+          <a:chOff x="0" y="0"/>
+          <a:chExt cx="0" cy="0"/>
+        </a:xfrm>
+      </p:grpSpPr>
+      <p:sp>
+        <p:nvSpPr>
+          <p:cNvPr id="2" name="Title 1">
+            <a:extLst>
+              <a:ext uri="{FF2B5EF4-FFF2-40B4-BE49-F238E27FC236}">
+                <a16:creationId xmlns:a16="http://schemas.microsoft.com/office/drawing/2014/main" id="{0AE0A5A6-9B6F-8346-AE54-14E4F29BE00F}"/>
+              </a:ext>
+            </a:extLst>
+          </p:cNvPr>
+          <p:cNvSpPr>
+            <a:spLocks noGrp="1"/>
+          </p:cNvSpPr>
+          <p:nvPr>
+            <p:ph type="title"/>
+          </p:nvPr>
+        </p:nvSpPr>
+        <p:spPr/>
+        <p:txBody>
+          <a:bodyPr/>
+          <a:lstStyle/>
+          <a:p>
+            <a:endParaRPr lang="en-US"/>
+          </a:p>
+        </p:txBody>
+      </p:sp>
+      <p:sp>
+        <p:nvSpPr>
+          <p:cNvPr id="3" name="Slide Number Placeholder 2">
+            <a:extLst>
+              <a:ext uri="{FF2B5EF4-FFF2-40B4-BE49-F238E27FC236}">
+                <a16:creationId xmlns:a16="http://schemas.microsoft.com/office/drawing/2014/main" id="{D9373B46-EEE3-D14E-B72D-28B39A327FFB}"/>
+              </a:ext>
+            </a:extLst>
+          </p:cNvPr>
+          <p:cNvSpPr>
+            <a:spLocks noGrp="1"/>
+          </p:cNvSpPr>
+          <p:nvPr>
+            <p:ph type="sldNum" sz="quarter" idx="12"/>
+          </p:nvPr>
+        </p:nvSpPr>
+        <p:spPr/>
+        <p:txBody>
+          <a:bodyPr/>
+          <a:lstStyle/>
+          <a:p>
+            <a:fld id="{D7AA6054-60FB-8048-98AD-326CDDBBD22D}" type="slidenum">
+              <a:rPr lang="en-US" smtClean="0"/>
+              <a:t>19</a:t>
+            </a:fld>
+            <a:endParaRPr lang="en-US"/>
+          </a:p>
+        </p:txBody>
+      </p:sp>
+      <p:pic>
+        <p:nvPicPr>
+          <p:cNvPr id="4" name="Picture 3">
+            <a:extLst>
+              <a:ext uri="{FF2B5EF4-FFF2-40B4-BE49-F238E27FC236}">
+                <a16:creationId xmlns:a16="http://schemas.microsoft.com/office/drawing/2014/main" id="{3A1AFB4A-6D42-7540-9FF8-FC6FF34C3213}"/>
+              </a:ext>
+            </a:extLst>
+          </p:cNvPr>
+          <p:cNvPicPr>
+            <a:picLocks noChangeAspect="1"/>
+          </p:cNvPicPr>
+          <p:nvPr/>
+        </p:nvPicPr>
+        <p:blipFill>
+          <a:blip r:embed="rId2"/>
+          <a:stretch>
+            <a:fillRect/>
+          </a:stretch>
+        </p:blipFill>
+        <p:spPr>
+          <a:xfrm>
+            <a:off x="238559" y="0"/>
+            <a:ext cx="11714881" cy="6858000"/>
+          </a:xfrm>
+          <a:prstGeom prst="rect">
+            <a:avLst/>
+          </a:prstGeom>
+        </p:spPr>
+      </p:pic>
+    </p:spTree>
+    <p:extLst>
+      <p:ext uri="{BB962C8B-B14F-4D97-AF65-F5344CB8AC3E}">
+        <p14:creationId xmlns:p14="http://schemas.microsoft.com/office/powerpoint/2010/main" val="3848941263"/>
+      </p:ext>
+    </p:extLst>
+  </p:cSld>
+  <p:clrMapOvr>
+    <a:masterClrMapping/>
+  </p:clrMapOvr>
+</p:sld>
+</file>
+
+<file path=ppt/slides/slide2.xml><?xml version="1.0" encoding="utf-8"?>
+<p:sld xmlns:a="http://schemas.openxmlformats.org/drawingml/2006/main" xmlns:r="http://schemas.openxmlformats.org/officeDocument/2006/relationships" xmlns:p="http://schemas.openxmlformats.org/presentationml/2006/main">
+  <p:cSld>
+    <p:spTree>
+      <p:nvGrpSpPr>
+        <p:cNvPr id="1" name=""/>
+        <p:cNvGrpSpPr/>
+        <p:nvPr/>
+      </p:nvGrpSpPr>
+      <p:grpSpPr>
+        <a:xfrm>
+          <a:off x="0" y="0"/>
+          <a:ext cx="0" cy="0"/>
+          <a:chOff x="0" y="0"/>
+          <a:chExt cx="0" cy="0"/>
+        </a:xfrm>
+      </p:grpSpPr>
+      <p:sp>
+        <p:nvSpPr>
+          <p:cNvPr id="5" name="Title 4">
+            <a:extLst>
+              <a:ext uri="{FF2B5EF4-FFF2-40B4-BE49-F238E27FC236}">
+                <a16:creationId xmlns:a16="http://schemas.microsoft.com/office/drawing/2014/main" id="{3C485A7A-6D4C-6449-95D3-D40C9E876BB6}"/>
+              </a:ext>
+            </a:extLst>
+          </p:cNvPr>
+          <p:cNvSpPr>
+            <a:spLocks noGrp="1"/>
+          </p:cNvSpPr>
+          <p:nvPr>
+            <p:ph type="ctrTitle"/>
+          </p:nvPr>
+        </p:nvSpPr>
+        <p:spPr/>
+        <p:txBody>
+          <a:bodyPr/>
+          <a:lstStyle/>
+          <a:p>
+            <a:r>
+              <a:rPr lang="en-US" dirty="0"/>
+              <a:t>Learning Objective</a:t>
+            </a:r>
+          </a:p>
+        </p:txBody>
+      </p:sp>
+    </p:spTree>
+    <p:extLst>
+      <p:ext uri="{BB962C8B-B14F-4D97-AF65-F5344CB8AC3E}">
+        <p14:creationId xmlns:p14="http://schemas.microsoft.com/office/powerpoint/2010/main" val="2302339542"/>
+      </p:ext>
+    </p:extLst>
+  </p:cSld>
+  <p:clrMapOvr>
+    <a:masterClrMapping/>
+  </p:clrMapOvr>
+</p:sld>
+</file>
+
+<file path=ppt/slides/slide20.xml><?xml version="1.0" encoding="utf-8"?>
+<p:sld xmlns:a="http://schemas.openxmlformats.org/drawingml/2006/main" xmlns:r="http://schemas.openxmlformats.org/officeDocument/2006/relationships" xmlns:p="http://schemas.openxmlformats.org/presentationml/2006/main">
+  <p:cSld>
+    <p:spTree>
+      <p:nvGrpSpPr>
+        <p:cNvPr id="1" name=""/>
+        <p:cNvGrpSpPr/>
+        <p:nvPr/>
+      </p:nvGrpSpPr>
+      <p:grpSpPr>
+        <a:xfrm>
+          <a:off x="0" y="0"/>
+          <a:ext cx="0" cy="0"/>
+          <a:chOff x="0" y="0"/>
+          <a:chExt cx="0" cy="0"/>
+        </a:xfrm>
+      </p:grpSpPr>
+      <p:sp>
+        <p:nvSpPr>
+          <p:cNvPr id="5" name="Title 4">
+            <a:extLst>
+              <a:ext uri="{FF2B5EF4-FFF2-40B4-BE49-F238E27FC236}">
+                <a16:creationId xmlns:a16="http://schemas.microsoft.com/office/drawing/2014/main" id="{3C485A7A-6D4C-6449-95D3-D40C9E876BB6}"/>
+              </a:ext>
+            </a:extLst>
+          </p:cNvPr>
+          <p:cNvSpPr>
+            <a:spLocks noGrp="1"/>
+          </p:cNvSpPr>
+          <p:nvPr>
+            <p:ph type="ctrTitle"/>
+          </p:nvPr>
+        </p:nvSpPr>
+        <p:spPr/>
+        <p:txBody>
+          <a:bodyPr/>
+          <a:lstStyle/>
+          <a:p>
+            <a:r>
+              <a:rPr lang="en-US" dirty="0"/>
+              <a:t>Demonstration:</a:t>
+            </a:r>
+            <a:br>
+              <a:rPr lang="en-US" dirty="0"/>
+            </a:br>
+            <a:r>
+              <a:rPr lang="en-US" dirty="0"/>
+              <a:t>Network Traffic</a:t>
+            </a:r>
+          </a:p>
+        </p:txBody>
+      </p:sp>
+    </p:spTree>
+    <p:extLst>
+      <p:ext uri="{BB962C8B-B14F-4D97-AF65-F5344CB8AC3E}">
+        <p14:creationId xmlns:p14="http://schemas.microsoft.com/office/powerpoint/2010/main" val="1858176420"/>
+      </p:ext>
+    </p:extLst>
+  </p:cSld>
+  <p:clrMapOvr>
+    <a:masterClrMapping/>
+  </p:clrMapOvr>
+</p:sld>
+</file>
+
+<file path=ppt/slides/slide21.xml><?xml version="1.0" encoding="utf-8"?>
+<p:sld xmlns:a="http://schemas.openxmlformats.org/drawingml/2006/main" xmlns:r="http://schemas.openxmlformats.org/officeDocument/2006/relationships" xmlns:p="http://schemas.openxmlformats.org/presentationml/2006/main">
+  <p:cSld>
+    <p:spTree>
+      <p:nvGrpSpPr>
+        <p:cNvPr id="1" name=""/>
+        <p:cNvGrpSpPr/>
+        <p:nvPr/>
+      </p:nvGrpSpPr>
+      <p:grpSpPr>
+        <a:xfrm>
+          <a:off x="0" y="0"/>
+          <a:ext cx="0" cy="0"/>
+          <a:chOff x="0" y="0"/>
+          <a:chExt cx="0" cy="0"/>
+        </a:xfrm>
+      </p:grpSpPr>
+      <p:sp>
+        <p:nvSpPr>
+          <p:cNvPr id="4" name="Title 3">
+            <a:extLst>
+              <a:ext uri="{FF2B5EF4-FFF2-40B4-BE49-F238E27FC236}">
+                <a16:creationId xmlns:a16="http://schemas.microsoft.com/office/drawing/2014/main" id="{16089A73-7CB9-444F-AACB-43B1BD1628E0}"/>
+              </a:ext>
+            </a:extLst>
+          </p:cNvPr>
+          <p:cNvSpPr>
+            <a:spLocks noGrp="1"/>
+          </p:cNvSpPr>
+          <p:nvPr>
+            <p:ph type="title"/>
+          </p:nvPr>
+        </p:nvSpPr>
+        <p:spPr/>
+        <p:txBody>
+          <a:bodyPr/>
+          <a:lstStyle/>
+          <a:p>
+            <a:r>
+              <a:rPr lang="en-US" dirty="0"/>
+              <a:t>Concepts from Network Traffic</a:t>
+            </a:r>
+          </a:p>
+        </p:txBody>
+      </p:sp>
+      <p:sp>
+        <p:nvSpPr>
+          <p:cNvPr id="5" name="Content Placeholder 4">
+            <a:extLst>
+              <a:ext uri="{FF2B5EF4-FFF2-40B4-BE49-F238E27FC236}">
+                <a16:creationId xmlns:a16="http://schemas.microsoft.com/office/drawing/2014/main" id="{DE635695-485E-6C47-9CB3-3E5F2CB1FBD7}"/>
+              </a:ext>
+            </a:extLst>
+          </p:cNvPr>
+          <p:cNvSpPr>
+            <a:spLocks noGrp="1"/>
+          </p:cNvSpPr>
+          <p:nvPr>
+            <p:ph idx="1"/>
+          </p:nvPr>
+        </p:nvSpPr>
+        <p:spPr/>
+        <p:txBody>
+          <a:bodyPr>
+            <a:normAutofit fontScale="92500" lnSpcReduction="10000"/>
+          </a:bodyPr>
+          <a:lstStyle/>
+          <a:p>
+            <a:r>
+              <a:rPr lang="en-US" dirty="0"/>
+              <a:t>The basic unit of network traffic is a “packet”.</a:t>
+            </a:r>
+          </a:p>
+          <a:p>
+            <a:endParaRPr lang="en-US" dirty="0"/>
+          </a:p>
+          <a:p>
+            <a:r>
+              <a:rPr lang="en-US" dirty="0"/>
+              <a:t>Each packet has various metadata associated with it:</a:t>
+            </a:r>
+          </a:p>
+          <a:p>
+            <a:pPr lvl="1"/>
+            <a:r>
+              <a:rPr lang="en-US" dirty="0"/>
+              <a:t>Addresses (Internet Protocol, Hardware)</a:t>
+            </a:r>
+          </a:p>
+          <a:p>
+            <a:pPr lvl="1"/>
+            <a:r>
+              <a:rPr lang="en-US" dirty="0"/>
+              <a:t>Sizes</a:t>
+            </a:r>
+          </a:p>
+          <a:p>
+            <a:pPr lvl="1"/>
+            <a:r>
+              <a:rPr lang="en-US" dirty="0"/>
+              <a:t>Times</a:t>
+            </a:r>
+          </a:p>
+          <a:p>
+            <a:pPr lvl="1"/>
+            <a:endParaRPr lang="en-US" dirty="0"/>
+          </a:p>
+          <a:p>
+            <a:r>
+              <a:rPr lang="en-US" dirty="0"/>
+              <a:t>Most traffic is increasingly encrypted but machine learning often uses this information for everything from identification to anomaly detection.</a:t>
+            </a:r>
+          </a:p>
+          <a:p>
+            <a:endParaRPr lang="en-US" dirty="0"/>
+          </a:p>
+        </p:txBody>
+      </p:sp>
+      <p:sp>
+        <p:nvSpPr>
+          <p:cNvPr id="3" name="Slide Number Placeholder 2">
+            <a:extLst>
+              <a:ext uri="{FF2B5EF4-FFF2-40B4-BE49-F238E27FC236}">
+                <a16:creationId xmlns:a16="http://schemas.microsoft.com/office/drawing/2014/main" id="{B63B7621-E79A-6C43-9304-61258FCDF9FC}"/>
+              </a:ext>
+            </a:extLst>
+          </p:cNvPr>
+          <p:cNvSpPr>
+            <a:spLocks noGrp="1"/>
+          </p:cNvSpPr>
+          <p:nvPr>
+            <p:ph type="sldNum" sz="quarter" idx="12"/>
+          </p:nvPr>
+        </p:nvSpPr>
+        <p:spPr/>
+        <p:txBody>
+          <a:bodyPr/>
+          <a:lstStyle/>
+          <a:p>
+            <a:fld id="{D7AA6054-60FB-8048-98AD-326CDDBBD22D}" type="slidenum">
+              <a:rPr lang="en-US" smtClean="0"/>
+              <a:t>21</a:t>
+            </a:fld>
+            <a:endParaRPr lang="en-US"/>
+          </a:p>
+        </p:txBody>
+      </p:sp>
+    </p:spTree>
+    <p:extLst>
+      <p:ext uri="{BB962C8B-B14F-4D97-AF65-F5344CB8AC3E}">
+        <p14:creationId xmlns:p14="http://schemas.microsoft.com/office/powerpoint/2010/main" val="2404005849"/>
+      </p:ext>
+    </p:extLst>
+  </p:cSld>
+  <p:clrMapOvr>
+    <a:masterClrMapping/>
+  </p:clrMapOvr>
+</p:sld>
+</file>
+
+<file path=ppt/slides/slide22.xml><?xml version="1.0" encoding="utf-8"?>
+<p:sld xmlns:a="http://schemas.openxmlformats.org/drawingml/2006/main" xmlns:r="http://schemas.openxmlformats.org/officeDocument/2006/relationships" xmlns:p="http://schemas.openxmlformats.org/presentationml/2006/main">
+  <p:cSld>
+    <p:spTree>
+      <p:nvGrpSpPr>
+        <p:cNvPr id="1" name=""/>
+        <p:cNvGrpSpPr/>
+        <p:nvPr/>
+      </p:nvGrpSpPr>
+      <p:grpSpPr>
+        <a:xfrm>
+          <a:off x="0" y="0"/>
+          <a:ext cx="0" cy="0"/>
+          <a:chOff x="0" y="0"/>
+          <a:chExt cx="0" cy="0"/>
+        </a:xfrm>
+      </p:grpSpPr>
+      <p:sp>
+        <p:nvSpPr>
+          <p:cNvPr id="3" name="Slide Number Placeholder 2">
+            <a:extLst>
+              <a:ext uri="{FF2B5EF4-FFF2-40B4-BE49-F238E27FC236}">
+                <a16:creationId xmlns:a16="http://schemas.microsoft.com/office/drawing/2014/main" id="{BCC6CCD6-B825-BC46-BEF8-0B94C44FDDA8}"/>
+              </a:ext>
+            </a:extLst>
+          </p:cNvPr>
+          <p:cNvSpPr>
+            <a:spLocks noGrp="1"/>
+          </p:cNvSpPr>
+          <p:nvPr>
+            <p:ph type="sldNum" sz="quarter" idx="12"/>
+          </p:nvPr>
+        </p:nvSpPr>
+        <p:spPr/>
+        <p:txBody>
+          <a:bodyPr/>
+          <a:lstStyle/>
+          <a:p>
+            <a:fld id="{D7AA6054-60FB-8048-98AD-326CDDBBD22D}" type="slidenum">
+              <a:rPr lang="en-US" smtClean="0"/>
+              <a:t>22</a:t>
             </a:fld>
             <a:endParaRPr lang="en-US"/>
           </a:p>
@@ -3416,64 +8890,6 @@
 </p:sld>
 </file>
 
-<file path=ppt/slides/slide2.xml><?xml version="1.0" encoding="utf-8"?>
-<p:sld xmlns:a="http://schemas.openxmlformats.org/drawingml/2006/main" xmlns:r="http://schemas.openxmlformats.org/officeDocument/2006/relationships" xmlns:p="http://schemas.openxmlformats.org/presentationml/2006/main">
-  <p:cSld>
-    <p:spTree>
-      <p:nvGrpSpPr>
-        <p:cNvPr id="1" name=""/>
-        <p:cNvGrpSpPr/>
-        <p:nvPr/>
-      </p:nvGrpSpPr>
-      <p:grpSpPr>
-        <a:xfrm>
-          <a:off x="0" y="0"/>
-          <a:ext cx="0" cy="0"/>
-          <a:chOff x="0" y="0"/>
-          <a:chExt cx="0" cy="0"/>
-        </a:xfrm>
-      </p:grpSpPr>
-      <p:sp>
-        <p:nvSpPr>
-          <p:cNvPr id="5" name="Title 4">
-            <a:extLst>
-              <a:ext uri="{FF2B5EF4-FFF2-40B4-BE49-F238E27FC236}">
-                <a16:creationId xmlns:a16="http://schemas.microsoft.com/office/drawing/2014/main" id="{3C485A7A-6D4C-6449-95D3-D40C9E876BB6}"/>
-              </a:ext>
-            </a:extLst>
-          </p:cNvPr>
-          <p:cNvSpPr>
-            <a:spLocks noGrp="1"/>
-          </p:cNvSpPr>
-          <p:nvPr>
-            <p:ph type="ctrTitle"/>
-          </p:nvPr>
-        </p:nvSpPr>
-        <p:spPr/>
-        <p:txBody>
-          <a:bodyPr/>
-          <a:lstStyle/>
-          <a:p>
-            <a:r>
-              <a:rPr lang="en-US" dirty="0"/>
-              <a:t>Learning Objective</a:t>
-            </a:r>
-          </a:p>
-        </p:txBody>
-      </p:sp>
-    </p:spTree>
-    <p:extLst>
-      <p:ext uri="{BB962C8B-B14F-4D97-AF65-F5344CB8AC3E}">
-        <p14:creationId xmlns:p14="http://schemas.microsoft.com/office/powerpoint/2010/main" val="2302339542"/>
-      </p:ext>
-    </p:extLst>
-  </p:cSld>
-  <p:clrMapOvr>
-    <a:masterClrMapping/>
-  </p:clrMapOvr>
-</p:sld>
-</file>
-
 <file path=ppt/slides/slide3.xml><?xml version="1.0" encoding="utf-8"?>
 <p:sld xmlns:a="http://schemas.openxmlformats.org/drawingml/2006/main" xmlns:r="http://schemas.openxmlformats.org/officeDocument/2006/relationships" xmlns:p="http://schemas.openxmlformats.org/presentationml/2006/main">
   <p:cSld>
@@ -3544,7 +8960,7 @@
           <a:p>
             <a:r>
               <a:rPr lang="en-US" dirty="0"/>
-              <a:t>Networking 101</a:t>
+              <a:t>Describe the basic infrastructure and architecture of the Internet</a:t>
             </a:r>
           </a:p>
           <a:p>
@@ -3553,7 +8969,7 @@
           <a:p>
             <a:r>
               <a:rPr lang="en-US" dirty="0"/>
-              <a:t>Data from networks (packets)</a:t>
+              <a:t>Explain how packets are routed through networks to communicate information</a:t>
             </a:r>
           </a:p>
           <a:p>
@@ -3562,7 +8978,7 @@
           <a:p>
             <a:r>
               <a:rPr lang="en-US" dirty="0"/>
-              <a:t>Domain name system (DNS)</a:t>
+              <a:t>Explain the role of domain name servers in routing traffic to IP addresses</a:t>
             </a:r>
           </a:p>
         </p:txBody>
@@ -3649,8 +9065,12 @@
           <a:lstStyle/>
           <a:p>
             <a:r>
+              <a:rPr lang="en-US" dirty="0" err="1"/>
+              <a:t>CyberSecurity</a:t>
+            </a:r>
+            <a:r>
               <a:rPr lang="en-US" dirty="0"/>
-              <a:t>Networking 101</a:t>
+              <a:t> and ML: A BRIEF History</a:t>
             </a:r>
           </a:p>
         </p:txBody>
@@ -3687,10 +9107,10 @@
       </p:grpSpPr>
       <p:sp>
         <p:nvSpPr>
-          <p:cNvPr id="2" name="Title 1">
-            <a:extLst>
-              <a:ext uri="{FF2B5EF4-FFF2-40B4-BE49-F238E27FC236}">
-                <a16:creationId xmlns:a16="http://schemas.microsoft.com/office/drawing/2014/main" id="{049590D4-52F9-C243-AE1A-616121F592FF}"/>
+          <p:cNvPr id="93185" name="Title 1">
+            <a:extLst>
+              <a:ext uri="{FF2B5EF4-FFF2-40B4-BE49-F238E27FC236}">
+                <a16:creationId xmlns:a16="http://schemas.microsoft.com/office/drawing/2014/main" id="{73E6C0C8-3F8B-604E-AF3F-55C6BF105C2E}"/>
               </a:ext>
             </a:extLst>
           </p:cNvPr>
@@ -3706,16 +9126,19 @@
           <a:bodyPr/>
           <a:lstStyle/>
           <a:p>
-            <a:endParaRPr lang="en-US"/>
+            <a:r>
+              <a:rPr lang="en-US" altLang="en-US"/>
+              <a:t>Morris Worm</a:t>
+            </a:r>
           </a:p>
         </p:txBody>
       </p:sp>
       <p:sp>
         <p:nvSpPr>
-          <p:cNvPr id="3" name="Slide Number Placeholder 2">
-            <a:extLst>
-              <a:ext uri="{FF2B5EF4-FFF2-40B4-BE49-F238E27FC236}">
-                <a16:creationId xmlns:a16="http://schemas.microsoft.com/office/drawing/2014/main" id="{947B91C1-BCEB-294D-A55A-459033EC6DDA}"/>
+          <p:cNvPr id="3" name="Content Placeholder 2">
+            <a:extLst>
+              <a:ext uri="{FF2B5EF4-FFF2-40B4-BE49-F238E27FC236}">
+                <a16:creationId xmlns:a16="http://schemas.microsoft.com/office/drawing/2014/main" id="{B59524C9-5720-B54C-B907-D5FF78B02D20}"/>
               </a:ext>
             </a:extLst>
           </p:cNvPr>
@@ -3723,62 +9146,165 @@
             <a:spLocks noGrp="1"/>
           </p:cNvSpPr>
           <p:nvPr>
-            <p:ph type="sldNum" sz="quarter" idx="12"/>
+            <p:ph idx="1"/>
           </p:nvPr>
         </p:nvSpPr>
         <p:spPr/>
         <p:txBody>
-          <a:bodyPr/>
+          <a:bodyPr>
+            <a:normAutofit/>
+          </a:bodyPr>
           <a:lstStyle/>
           <a:p>
-            <a:fld id="{D7AA6054-60FB-8048-98AD-326CDDBBD22D}" type="slidenum">
-              <a:rPr lang="en-US" smtClean="0"/>
-              <a:t>5</a:t>
-            </a:fld>
-            <a:endParaRPr lang="en-US"/>
+            <a:pPr marL="0" indent="0">
+              <a:buNone/>
+            </a:pPr>
+            <a:r>
+              <a:rPr lang="en-US" altLang="en-US" sz="2600"/>
+              <a:t>Nov 2, 1988 – First major worm</a:t>
+            </a:r>
+          </a:p>
+          <a:p>
+            <a:pPr marL="0" indent="0">
+              <a:buNone/>
+            </a:pPr>
+            <a:r>
+              <a:rPr lang="en-US" altLang="en-US" sz="2600"/>
+              <a:t>∼10% of Internet-connected machines affected</a:t>
+            </a:r>
+          </a:p>
+          <a:p>
+            <a:pPr marL="0" indent="0"/>
+            <a:endParaRPr lang="en-US" altLang="en-US" sz="2600"/>
+          </a:p>
+          <a:p>
+            <a:pPr marL="0" indent="0">
+              <a:buNone/>
+            </a:pPr>
+            <a:r>
+              <a:rPr lang="en-US" altLang="en-US" sz="2600"/>
+              <a:t>Robert Tappan Morris</a:t>
+            </a:r>
+          </a:p>
+          <a:p>
+            <a:pPr lvl="1"/>
+            <a:r>
+              <a:rPr lang="en-US" altLang="en-US" sz="2200"/>
+              <a:t>Cornell student</a:t>
+            </a:r>
+          </a:p>
+          <a:p>
+            <a:pPr lvl="1"/>
+            <a:r>
+              <a:rPr lang="en-US" altLang="en-US" sz="2200"/>
+              <a:t>Son of computer security expert</a:t>
+            </a:r>
+          </a:p>
+          <a:p>
+            <a:pPr lvl="1"/>
+            <a:r>
+              <a:rPr lang="en-US" altLang="en-US" sz="2200"/>
+              <a:t>Motivated by curiosity</a:t>
+            </a:r>
+          </a:p>
+          <a:p>
+            <a:pPr lvl="1"/>
+            <a:r>
+              <a:rPr lang="en-US" altLang="en-US" sz="2200"/>
+              <a:t>First CFAA prosecution</a:t>
+            </a:r>
+          </a:p>
+          <a:p>
+            <a:pPr lvl="1"/>
+            <a:r>
+              <a:rPr lang="en-US" altLang="en-US" sz="2200"/>
+              <a:t>Now part of YCombinator</a:t>
+            </a:r>
+          </a:p>
+          <a:p>
+            <a:pPr lvl="1"/>
+            <a:endParaRPr lang="en-US" altLang="en-US" sz="2200"/>
           </a:p>
         </p:txBody>
       </p:sp>
       <p:pic>
         <p:nvPicPr>
-          <p:cNvPr id="4" name="Picture 3">
-            <a:extLst>
-              <a:ext uri="{FF2B5EF4-FFF2-40B4-BE49-F238E27FC236}">
-                <a16:creationId xmlns:a16="http://schemas.microsoft.com/office/drawing/2014/main" id="{04BD01A1-CBC7-244D-A7BE-5C1A9E56E192}"/>
+          <p:cNvPr id="1026" name="Picture 2" descr="Robert Morris. (Photo by Intel Free Press)">
+            <a:extLst>
+              <a:ext uri="{FF2B5EF4-FFF2-40B4-BE49-F238E27FC236}">
+                <a16:creationId xmlns:a16="http://schemas.microsoft.com/office/drawing/2014/main" id="{523A4917-A221-CC4A-91C1-0305531FDF89}"/>
               </a:ext>
             </a:extLst>
           </p:cNvPr>
           <p:cNvPicPr>
-            <a:picLocks noChangeAspect="1"/>
+            <a:picLocks noChangeAspect="1" noChangeArrowheads="1"/>
           </p:cNvPicPr>
           <p:nvPr/>
         </p:nvPicPr>
         <p:blipFill>
-          <a:blip r:embed="rId2"/>
+          <a:blip r:embed="rId3">
+            <a:extLst>
+              <a:ext uri="{28A0092B-C50C-407E-A947-70E740481C1C}">
+                <a14:useLocalDpi xmlns:a14="http://schemas.microsoft.com/office/drawing/2010/main" val="0"/>
+              </a:ext>
+            </a:extLst>
+          </a:blip>
+          <a:srcRect/>
           <a:stretch>
             <a:fillRect/>
           </a:stretch>
         </p:blipFill>
-        <p:spPr>
+        <p:spPr bwMode="auto">
           <a:xfrm>
-            <a:off x="554606" y="0"/>
-            <a:ext cx="11082787" cy="6858000"/>
+            <a:off x="7391400" y="1593850"/>
+            <a:ext cx="2928938" cy="4495800"/>
           </a:xfrm>
           <a:prstGeom prst="rect">
             <a:avLst/>
           </a:prstGeom>
+          <a:noFill/>
+          <a:ln>
+            <a:noFill/>
+          </a:ln>
+          <a:effectLst>
+            <a:outerShdw blurRad="292100" dist="139700" dir="2700000" algn="tl" rotWithShape="0">
+              <a:srgbClr val="333333">
+                <a:alpha val="64999"/>
+              </a:srgbClr>
+            </a:outerShdw>
+          </a:effectLst>
+          <a:extLst>
+            <a:ext uri="{909E8E84-426E-40DD-AFC4-6F175D3DCCD1}">
+              <a14:hiddenFill xmlns:a14="http://schemas.microsoft.com/office/drawing/2010/main">
+                <a:solidFill>
+                  <a:srgbClr val="FFFFFF"/>
+                </a:solidFill>
+              </a14:hiddenFill>
+            </a:ext>
+            <a:ext uri="{91240B29-F687-4F45-9708-019B960494DF}">
+              <a14:hiddenLine xmlns:a14="http://schemas.microsoft.com/office/drawing/2010/main" w="9525">
+                <a:solidFill>
+                  <a:srgbClr val="000000"/>
+                </a:solidFill>
+                <a:miter lim="800000"/>
+                <a:headEnd/>
+                <a:tailEnd/>
+              </a14:hiddenLine>
+            </a:ext>
+          </a:extLst>
         </p:spPr>
       </p:pic>
     </p:spTree>
     <p:extLst>
       <p:ext uri="{BB962C8B-B14F-4D97-AF65-F5344CB8AC3E}">
-        <p14:creationId xmlns:p14="http://schemas.microsoft.com/office/powerpoint/2010/main" val="14129180"/>
+        <p14:creationId xmlns:p14="http://schemas.microsoft.com/office/powerpoint/2010/main" val="223542080"/>
       </p:ext>
     </p:extLst>
   </p:cSld>
   <p:clrMapOvr>
     <a:masterClrMapping/>
   </p:clrMapOvr>
+  <p:transition spd="slow"/>
 </p:sld>
 </file>
 
@@ -3801,18 +9327,18 @@
       </p:grpSpPr>
       <p:sp>
         <p:nvSpPr>
-          <p:cNvPr id="3" name="Slide Number Placeholder 2">
-            <a:extLst>
-              <a:ext uri="{FF2B5EF4-FFF2-40B4-BE49-F238E27FC236}">
-                <a16:creationId xmlns:a16="http://schemas.microsoft.com/office/drawing/2014/main" id="{E001A649-63A5-EB48-A66C-E26F6C174DCE}"/>
-              </a:ext>
-            </a:extLst>
-          </p:cNvPr>
-          <p:cNvSpPr>
-            <a:spLocks noGrp="1"/>
+          <p:cNvPr id="11265" name="Rectangle 2">
+            <a:extLst>
+              <a:ext uri="{FF2B5EF4-FFF2-40B4-BE49-F238E27FC236}">
+                <a16:creationId xmlns:a16="http://schemas.microsoft.com/office/drawing/2014/main" id="{1506059C-856A-A141-918A-88EDAAC5498E}"/>
+              </a:ext>
+            </a:extLst>
+          </p:cNvPr>
+          <p:cNvSpPr>
+            <a:spLocks noGrp="1" noChangeArrowheads="1"/>
           </p:cNvSpPr>
           <p:nvPr>
-            <p:ph type="sldNum" sz="quarter" idx="12"/>
+            <p:ph type="title"/>
           </p:nvPr>
         </p:nvSpPr>
         <p:spPr/>
@@ -3820,48 +9346,271 @@
           <a:bodyPr/>
           <a:lstStyle/>
           <a:p>
-            <a:fld id="{D7AA6054-60FB-8048-98AD-326CDDBBD22D}" type="slidenum">
-              <a:rPr lang="en-US" smtClean="0"/>
+            <a:r>
+              <a:rPr lang="en-US" altLang="en-US"/>
+              <a:t>Morris Internet Worm</a:t>
+            </a:r>
+          </a:p>
+        </p:txBody>
+      </p:sp>
+      <p:sp>
+        <p:nvSpPr>
+          <p:cNvPr id="30723" name="Rectangle 3">
+            <a:extLst>
+              <a:ext uri="{FF2B5EF4-FFF2-40B4-BE49-F238E27FC236}">
+                <a16:creationId xmlns:a16="http://schemas.microsoft.com/office/drawing/2014/main" id="{9EA4151F-A0C7-2C46-AA80-D8A24CDFFC00}"/>
+              </a:ext>
+            </a:extLst>
+          </p:cNvPr>
+          <p:cNvSpPr>
+            <a:spLocks noGrp="1" noChangeArrowheads="1"/>
+          </p:cNvSpPr>
+          <p:nvPr>
+            <p:ph idx="1"/>
+          </p:nvPr>
+        </p:nvSpPr>
+        <p:spPr/>
+        <p:txBody>
+          <a:bodyPr>
+            <a:normAutofit/>
+          </a:bodyPr>
+          <a:lstStyle/>
+          <a:p>
+            <a:pPr>
+              <a:lnSpc>
+                <a:spcPct val="80000"/>
+              </a:lnSpc>
+            </a:pPr>
+            <a:r>
+              <a:rPr lang="en-US" altLang="en-US"/>
+              <a:t>What it did</a:t>
+            </a:r>
+          </a:p>
+          <a:p>
+            <a:pPr lvl="1">
+              <a:lnSpc>
+                <a:spcPct val="80000"/>
+              </a:lnSpc>
+            </a:pPr>
+            <a:r>
+              <a:rPr lang="en-US" altLang="en-US"/>
+              <a:t>Determine where it could spread</a:t>
+            </a:r>
+          </a:p>
+          <a:p>
+            <a:pPr lvl="1">
+              <a:lnSpc>
+                <a:spcPct val="80000"/>
+              </a:lnSpc>
+            </a:pPr>
+            <a:r>
+              <a:rPr lang="en-US" altLang="en-US"/>
+              <a:t>Spread its infection</a:t>
+            </a:r>
+          </a:p>
+          <a:p>
+            <a:pPr lvl="1">
+              <a:lnSpc>
+                <a:spcPct val="80000"/>
+              </a:lnSpc>
+            </a:pPr>
+            <a:r>
+              <a:rPr lang="en-US" altLang="en-US"/>
+              <a:t>Remain undiscovered and undiscoverable</a:t>
+            </a:r>
+          </a:p>
+          <a:p>
+            <a:pPr lvl="1">
+              <a:lnSpc>
+                <a:spcPct val="80000"/>
+              </a:lnSpc>
+            </a:pPr>
+            <a:endParaRPr lang="en-US" altLang="en-US"/>
+          </a:p>
+          <a:p>
+            <a:pPr>
+              <a:lnSpc>
+                <a:spcPct val="80000"/>
+              </a:lnSpc>
+            </a:pPr>
+            <a:r>
+              <a:rPr lang="en-US" altLang="en-US"/>
+              <a:t>Effect</a:t>
+            </a:r>
+          </a:p>
+          <a:p>
+            <a:pPr lvl="1">
+              <a:lnSpc>
+                <a:spcPct val="80000"/>
+              </a:lnSpc>
+            </a:pPr>
+            <a:r>
+              <a:rPr lang="en-US" altLang="en-US"/>
+              <a:t>Resource exhaustion – repeated infection due to a programming bug</a:t>
+            </a:r>
+          </a:p>
+          <a:p>
+            <a:pPr lvl="1">
+              <a:lnSpc>
+                <a:spcPct val="80000"/>
+              </a:lnSpc>
+            </a:pPr>
+            <a:r>
+              <a:rPr lang="en-US" altLang="en-US"/>
+              <a:t>Servers are disconnected from the Internet by sys admin to stop infection</a:t>
+            </a:r>
+          </a:p>
+        </p:txBody>
+      </p:sp>
+      <p:sp>
+        <p:nvSpPr>
+          <p:cNvPr id="6" name="Slide Number Placeholder 5">
+            <a:extLst>
+              <a:ext uri="{FF2B5EF4-FFF2-40B4-BE49-F238E27FC236}">
+                <a16:creationId xmlns:a16="http://schemas.microsoft.com/office/drawing/2014/main" id="{D58AC529-3DB6-724B-BA81-4BD226D12B00}"/>
+              </a:ext>
+            </a:extLst>
+          </p:cNvPr>
+          <p:cNvSpPr>
+            <a:spLocks noGrp="1"/>
+          </p:cNvSpPr>
+          <p:nvPr>
+            <p:ph type="sldNum" sz="quarter" idx="12"/>
+          </p:nvPr>
+        </p:nvSpPr>
+        <p:spPr/>
+        <p:txBody>
+          <a:bodyPr/>
+          <a:lstStyle>
+            <a:lvl1pPr eaLnBrk="0" hangingPunct="0">
+              <a:defRPr sz="2400">
+                <a:solidFill>
+                  <a:schemeClr val="tx1"/>
+                </a:solidFill>
+                <a:latin typeface="Arial" panose="020B0604020202020204" pitchFamily="34" charset="0"/>
+                <a:ea typeface="ＭＳ Ｐゴシック" panose="020B0600070205080204" pitchFamily="34" charset="-128"/>
+              </a:defRPr>
+            </a:lvl1pPr>
+            <a:lvl2pPr marL="742950" indent="-285750" eaLnBrk="0" hangingPunct="0">
+              <a:defRPr sz="2400">
+                <a:solidFill>
+                  <a:schemeClr val="tx1"/>
+                </a:solidFill>
+                <a:latin typeface="Arial" panose="020B0604020202020204" pitchFamily="34" charset="0"/>
+                <a:ea typeface="ＭＳ Ｐゴシック" panose="020B0600070205080204" pitchFamily="34" charset="-128"/>
+              </a:defRPr>
+            </a:lvl2pPr>
+            <a:lvl3pPr marL="1143000" indent="-228600" eaLnBrk="0" hangingPunct="0">
+              <a:defRPr sz="2400">
+                <a:solidFill>
+                  <a:schemeClr val="tx1"/>
+                </a:solidFill>
+                <a:latin typeface="Arial" panose="020B0604020202020204" pitchFamily="34" charset="0"/>
+                <a:ea typeface="ＭＳ Ｐゴシック" panose="020B0600070205080204" pitchFamily="34" charset="-128"/>
+              </a:defRPr>
+            </a:lvl3pPr>
+            <a:lvl4pPr marL="1600200" indent="-228600" eaLnBrk="0" hangingPunct="0">
+              <a:defRPr sz="2400">
+                <a:solidFill>
+                  <a:schemeClr val="tx1"/>
+                </a:solidFill>
+                <a:latin typeface="Arial" panose="020B0604020202020204" pitchFamily="34" charset="0"/>
+                <a:ea typeface="ＭＳ Ｐゴシック" panose="020B0600070205080204" pitchFamily="34" charset="-128"/>
+              </a:defRPr>
+            </a:lvl4pPr>
+            <a:lvl5pPr marL="2057400" indent="-228600" eaLnBrk="0" hangingPunct="0">
+              <a:defRPr sz="2400">
+                <a:solidFill>
+                  <a:schemeClr val="tx1"/>
+                </a:solidFill>
+                <a:latin typeface="Arial" panose="020B0604020202020204" pitchFamily="34" charset="0"/>
+                <a:ea typeface="ＭＳ Ｐゴシック" panose="020B0600070205080204" pitchFamily="34" charset="-128"/>
+              </a:defRPr>
+            </a:lvl5pPr>
+            <a:lvl6pPr marL="2514600" indent="-228600" eaLnBrk="0" fontAlgn="base" hangingPunct="0">
+              <a:spcBef>
+                <a:spcPct val="0"/>
+              </a:spcBef>
+              <a:spcAft>
+                <a:spcPct val="0"/>
+              </a:spcAft>
+              <a:defRPr sz="2400">
+                <a:solidFill>
+                  <a:schemeClr val="tx1"/>
+                </a:solidFill>
+                <a:latin typeface="Arial" panose="020B0604020202020204" pitchFamily="34" charset="0"/>
+                <a:ea typeface="ＭＳ Ｐゴシック" panose="020B0600070205080204" pitchFamily="34" charset="-128"/>
+              </a:defRPr>
+            </a:lvl6pPr>
+            <a:lvl7pPr marL="2971800" indent="-228600" eaLnBrk="0" fontAlgn="base" hangingPunct="0">
+              <a:spcBef>
+                <a:spcPct val="0"/>
+              </a:spcBef>
+              <a:spcAft>
+                <a:spcPct val="0"/>
+              </a:spcAft>
+              <a:defRPr sz="2400">
+                <a:solidFill>
+                  <a:schemeClr val="tx1"/>
+                </a:solidFill>
+                <a:latin typeface="Arial" panose="020B0604020202020204" pitchFamily="34" charset="0"/>
+                <a:ea typeface="ＭＳ Ｐゴシック" panose="020B0600070205080204" pitchFamily="34" charset="-128"/>
+              </a:defRPr>
+            </a:lvl7pPr>
+            <a:lvl8pPr marL="3429000" indent="-228600" eaLnBrk="0" fontAlgn="base" hangingPunct="0">
+              <a:spcBef>
+                <a:spcPct val="0"/>
+              </a:spcBef>
+              <a:spcAft>
+                <a:spcPct val="0"/>
+              </a:spcAft>
+              <a:defRPr sz="2400">
+                <a:solidFill>
+                  <a:schemeClr val="tx1"/>
+                </a:solidFill>
+                <a:latin typeface="Arial" panose="020B0604020202020204" pitchFamily="34" charset="0"/>
+                <a:ea typeface="ＭＳ Ｐゴシック" panose="020B0600070205080204" pitchFamily="34" charset="-128"/>
+              </a:defRPr>
+            </a:lvl8pPr>
+            <a:lvl9pPr marL="3886200" indent="-228600" eaLnBrk="0" fontAlgn="base" hangingPunct="0">
+              <a:spcBef>
+                <a:spcPct val="0"/>
+              </a:spcBef>
+              <a:spcAft>
+                <a:spcPct val="0"/>
+              </a:spcAft>
+              <a:defRPr sz="2400">
+                <a:solidFill>
+                  <a:schemeClr val="tx1"/>
+                </a:solidFill>
+                <a:latin typeface="Arial" panose="020B0604020202020204" pitchFamily="34" charset="0"/>
+                <a:ea typeface="ＭＳ Ｐゴシック" panose="020B0600070205080204" pitchFamily="34" charset="-128"/>
+              </a:defRPr>
+            </a:lvl9pPr>
+          </a:lstStyle>
+          <a:p>
+            <a:pPr eaLnBrk="1" hangingPunct="1"/>
+            <a:fld id="{EBCECE09-59AC-6242-90FA-EA1A885DEF81}" type="slidenum">
+              <a:rPr lang="en-US" altLang="en-US" sz="1200">
+                <a:solidFill>
+                  <a:srgbClr val="898989"/>
+                </a:solidFill>
+              </a:rPr>
+              <a:pPr eaLnBrk="1" hangingPunct="1"/>
               <a:t>6</a:t>
             </a:fld>
-            <a:endParaRPr lang="en-US"/>
+            <a:endParaRPr lang="en-US" altLang="en-US" sz="1200">
+              <a:solidFill>
+                <a:srgbClr val="898989"/>
+              </a:solidFill>
+            </a:endParaRPr>
           </a:p>
         </p:txBody>
       </p:sp>
-      <p:pic>
-        <p:nvPicPr>
-          <p:cNvPr id="4" name="Picture 3">
-            <a:extLst>
-              <a:ext uri="{FF2B5EF4-FFF2-40B4-BE49-F238E27FC236}">
-                <a16:creationId xmlns:a16="http://schemas.microsoft.com/office/drawing/2014/main" id="{40070915-0FD6-6049-BFCE-4D20E12DD293}"/>
-              </a:ext>
-            </a:extLst>
-          </p:cNvPr>
-          <p:cNvPicPr>
-            <a:picLocks noChangeAspect="1"/>
-          </p:cNvPicPr>
-          <p:nvPr/>
-        </p:nvPicPr>
-        <p:blipFill>
-          <a:blip r:embed="rId2"/>
-          <a:stretch>
-            <a:fillRect/>
-          </a:stretch>
-        </p:blipFill>
-        <p:spPr>
-          <a:xfrm>
-            <a:off x="1346200" y="214630"/>
-            <a:ext cx="9499600" cy="5676900"/>
-          </a:xfrm>
-          <a:prstGeom prst="rect">
-            <a:avLst/>
-          </a:prstGeom>
-        </p:spPr>
-      </p:pic>
     </p:spTree>
     <p:extLst>
       <p:ext uri="{BB962C8B-B14F-4D97-AF65-F5344CB8AC3E}">
-        <p14:creationId xmlns:p14="http://schemas.microsoft.com/office/powerpoint/2010/main" val="1776211740"/>
+        <p14:creationId xmlns:p14="http://schemas.microsoft.com/office/powerpoint/2010/main" val="265900000"/>
       </p:ext>
     </p:extLst>
   </p:cSld>
@@ -3890,18 +9639,18 @@
       </p:grpSpPr>
       <p:sp>
         <p:nvSpPr>
-          <p:cNvPr id="2" name="Slide Number Placeholder 1">
-            <a:extLst>
-              <a:ext uri="{FF2B5EF4-FFF2-40B4-BE49-F238E27FC236}">
-                <a16:creationId xmlns:a16="http://schemas.microsoft.com/office/drawing/2014/main" id="{DEE7296C-BF5C-204D-9E97-6CBC091A2563}"/>
-              </a:ext>
-            </a:extLst>
-          </p:cNvPr>
-          <p:cNvSpPr>
-            <a:spLocks noGrp="1"/>
+          <p:cNvPr id="13313" name="Rectangle 2">
+            <a:extLst>
+              <a:ext uri="{FF2B5EF4-FFF2-40B4-BE49-F238E27FC236}">
+                <a16:creationId xmlns:a16="http://schemas.microsoft.com/office/drawing/2014/main" id="{DBBFDDD1-F94B-6F4C-A8AB-5FC31A1B92A0}"/>
+              </a:ext>
+            </a:extLst>
+          </p:cNvPr>
+          <p:cNvSpPr>
+            <a:spLocks noGrp="1" noChangeArrowheads="1"/>
           </p:cNvSpPr>
           <p:nvPr>
-            <p:ph type="sldNum" sz="quarter" idx="12"/>
+            <p:ph type="title"/>
           </p:nvPr>
         </p:nvSpPr>
         <p:spPr/>
@@ -3909,49 +9658,307 @@
           <a:bodyPr/>
           <a:lstStyle/>
           <a:p>
-            <a:fld id="{256CE055-ECFD-9048-9FD8-7E2D8656A4F7}" type="slidenum">
-              <a:rPr lang="en-US" smtClean="0"/>
-              <a:pPr/>
+            <a:r>
+              <a:rPr lang="en-US" altLang="en-US"/>
+              <a:t>Morris Internet Worm</a:t>
+            </a:r>
+          </a:p>
+        </p:txBody>
+      </p:sp>
+      <p:sp>
+        <p:nvSpPr>
+          <p:cNvPr id="13314" name="Rectangle 3">
+            <a:extLst>
+              <a:ext uri="{FF2B5EF4-FFF2-40B4-BE49-F238E27FC236}">
+                <a16:creationId xmlns:a16="http://schemas.microsoft.com/office/drawing/2014/main" id="{E91DA360-AFE8-1C4D-976E-2E9621B6BAFB}"/>
+              </a:ext>
+            </a:extLst>
+          </p:cNvPr>
+          <p:cNvSpPr>
+            <a:spLocks noGrp="1" noChangeArrowheads="1"/>
+          </p:cNvSpPr>
+          <p:nvPr>
+            <p:ph idx="1"/>
+          </p:nvPr>
+        </p:nvSpPr>
+        <p:spPr/>
+        <p:txBody>
+          <a:bodyPr>
+            <a:normAutofit lnSpcReduction="10000"/>
+          </a:bodyPr>
+          <a:lstStyle/>
+          <a:p>
+            <a:pPr>
+              <a:lnSpc>
+                <a:spcPct val="90000"/>
+              </a:lnSpc>
+            </a:pPr>
+            <a:r>
+              <a:rPr lang="en-US" altLang="en-US"/>
+              <a:t>How it worked</a:t>
+            </a:r>
+          </a:p>
+          <a:p>
+            <a:pPr lvl="1">
+              <a:lnSpc>
+                <a:spcPct val="90000"/>
+              </a:lnSpc>
+            </a:pPr>
+            <a:r>
+              <a:rPr lang="en-US" altLang="en-US"/>
+              <a:t>Where to spread</a:t>
+            </a:r>
+          </a:p>
+          <a:p>
+            <a:pPr lvl="2">
+              <a:lnSpc>
+                <a:spcPct val="90000"/>
+              </a:lnSpc>
+            </a:pPr>
+            <a:r>
+              <a:rPr lang="en-US" altLang="en-US"/>
+              <a:t>Exploit security flaws</a:t>
+            </a:r>
+          </a:p>
+          <a:p>
+            <a:pPr lvl="3">
+              <a:lnSpc>
+                <a:spcPct val="90000"/>
+              </a:lnSpc>
+            </a:pPr>
+            <a:r>
+              <a:rPr lang="en-US" altLang="en-US"/>
+              <a:t>Guess password (encrypted passwd file readable)</a:t>
+            </a:r>
+          </a:p>
+          <a:p>
+            <a:pPr lvl="3">
+              <a:lnSpc>
+                <a:spcPct val="90000"/>
+              </a:lnSpc>
+            </a:pPr>
+            <a:r>
+              <a:rPr lang="en-US" altLang="en-US"/>
+              <a:t>fingerd: buffer overflow</a:t>
+            </a:r>
+          </a:p>
+          <a:p>
+            <a:pPr lvl="3">
+              <a:lnSpc>
+                <a:spcPct val="90000"/>
+              </a:lnSpc>
+            </a:pPr>
+            <a:r>
+              <a:rPr lang="en-US" altLang="en-US"/>
+              <a:t>sendmail: trapdoor (accepts shell commands)</a:t>
+            </a:r>
+          </a:p>
+          <a:p>
+            <a:pPr lvl="1">
+              <a:lnSpc>
+                <a:spcPct val="90000"/>
+              </a:lnSpc>
+            </a:pPr>
+            <a:r>
+              <a:rPr lang="en-US" altLang="en-US"/>
+              <a:t>Spread</a:t>
+            </a:r>
+          </a:p>
+          <a:p>
+            <a:pPr lvl="2">
+              <a:lnSpc>
+                <a:spcPct val="90000"/>
+              </a:lnSpc>
+            </a:pPr>
+            <a:r>
+              <a:rPr lang="en-US" altLang="en-US"/>
+              <a:t>Bootstrap loader to target machine, then fetch rest of code (password authenticated)</a:t>
+            </a:r>
+          </a:p>
+          <a:p>
+            <a:pPr lvl="1">
+              <a:lnSpc>
+                <a:spcPct val="90000"/>
+              </a:lnSpc>
+            </a:pPr>
+            <a:r>
+              <a:rPr lang="en-US" altLang="en-US"/>
+              <a:t>Remain undiscoverable</a:t>
+            </a:r>
+          </a:p>
+          <a:p>
+            <a:pPr lvl="2">
+              <a:lnSpc>
+                <a:spcPct val="90000"/>
+              </a:lnSpc>
+            </a:pPr>
+            <a:r>
+              <a:rPr lang="en-US" altLang="en-US"/>
+              <a:t>Load code in memory, encrypt, remove file</a:t>
+            </a:r>
+          </a:p>
+          <a:p>
+            <a:pPr lvl="2">
+              <a:lnSpc>
+                <a:spcPct val="90000"/>
+              </a:lnSpc>
+            </a:pPr>
+            <a:r>
+              <a:rPr lang="en-US" altLang="en-US"/>
+              <a:t>Periodically changed name and process ID</a:t>
+            </a:r>
+          </a:p>
+        </p:txBody>
+      </p:sp>
+      <p:sp>
+        <p:nvSpPr>
+          <p:cNvPr id="6" name="Slide Number Placeholder 5">
+            <a:extLst>
+              <a:ext uri="{FF2B5EF4-FFF2-40B4-BE49-F238E27FC236}">
+                <a16:creationId xmlns:a16="http://schemas.microsoft.com/office/drawing/2014/main" id="{799D4FE4-DB98-4145-A66F-EA0B4074D643}"/>
+              </a:ext>
+            </a:extLst>
+          </p:cNvPr>
+          <p:cNvSpPr>
+            <a:spLocks noGrp="1"/>
+          </p:cNvSpPr>
+          <p:nvPr>
+            <p:ph type="sldNum" sz="quarter" idx="12"/>
+          </p:nvPr>
+        </p:nvSpPr>
+        <p:spPr/>
+        <p:txBody>
+          <a:bodyPr/>
+          <a:lstStyle>
+            <a:lvl1pPr eaLnBrk="0" hangingPunct="0">
+              <a:defRPr sz="2400">
+                <a:solidFill>
+                  <a:schemeClr val="tx1"/>
+                </a:solidFill>
+                <a:latin typeface="Arial" panose="020B0604020202020204" pitchFamily="34" charset="0"/>
+                <a:ea typeface="ＭＳ Ｐゴシック" panose="020B0600070205080204" pitchFamily="34" charset="-128"/>
+              </a:defRPr>
+            </a:lvl1pPr>
+            <a:lvl2pPr marL="742950" indent="-285750" eaLnBrk="0" hangingPunct="0">
+              <a:defRPr sz="2400">
+                <a:solidFill>
+                  <a:schemeClr val="tx1"/>
+                </a:solidFill>
+                <a:latin typeface="Arial" panose="020B0604020202020204" pitchFamily="34" charset="0"/>
+                <a:ea typeface="ＭＳ Ｐゴシック" panose="020B0600070205080204" pitchFamily="34" charset="-128"/>
+              </a:defRPr>
+            </a:lvl2pPr>
+            <a:lvl3pPr marL="1143000" indent="-228600" eaLnBrk="0" hangingPunct="0">
+              <a:defRPr sz="2400">
+                <a:solidFill>
+                  <a:schemeClr val="tx1"/>
+                </a:solidFill>
+                <a:latin typeface="Arial" panose="020B0604020202020204" pitchFamily="34" charset="0"/>
+                <a:ea typeface="ＭＳ Ｐゴシック" panose="020B0600070205080204" pitchFamily="34" charset="-128"/>
+              </a:defRPr>
+            </a:lvl3pPr>
+            <a:lvl4pPr marL="1600200" indent="-228600" eaLnBrk="0" hangingPunct="0">
+              <a:defRPr sz="2400">
+                <a:solidFill>
+                  <a:schemeClr val="tx1"/>
+                </a:solidFill>
+                <a:latin typeface="Arial" panose="020B0604020202020204" pitchFamily="34" charset="0"/>
+                <a:ea typeface="ＭＳ Ｐゴシック" panose="020B0600070205080204" pitchFamily="34" charset="-128"/>
+              </a:defRPr>
+            </a:lvl4pPr>
+            <a:lvl5pPr marL="2057400" indent="-228600" eaLnBrk="0" hangingPunct="0">
+              <a:defRPr sz="2400">
+                <a:solidFill>
+                  <a:schemeClr val="tx1"/>
+                </a:solidFill>
+                <a:latin typeface="Arial" panose="020B0604020202020204" pitchFamily="34" charset="0"/>
+                <a:ea typeface="ＭＳ Ｐゴシック" panose="020B0600070205080204" pitchFamily="34" charset="-128"/>
+              </a:defRPr>
+            </a:lvl5pPr>
+            <a:lvl6pPr marL="2514600" indent="-228600" eaLnBrk="0" fontAlgn="base" hangingPunct="0">
+              <a:spcBef>
+                <a:spcPct val="0"/>
+              </a:spcBef>
+              <a:spcAft>
+                <a:spcPct val="0"/>
+              </a:spcAft>
+              <a:defRPr sz="2400">
+                <a:solidFill>
+                  <a:schemeClr val="tx1"/>
+                </a:solidFill>
+                <a:latin typeface="Arial" panose="020B0604020202020204" pitchFamily="34" charset="0"/>
+                <a:ea typeface="ＭＳ Ｐゴシック" panose="020B0600070205080204" pitchFamily="34" charset="-128"/>
+              </a:defRPr>
+            </a:lvl6pPr>
+            <a:lvl7pPr marL="2971800" indent="-228600" eaLnBrk="0" fontAlgn="base" hangingPunct="0">
+              <a:spcBef>
+                <a:spcPct val="0"/>
+              </a:spcBef>
+              <a:spcAft>
+                <a:spcPct val="0"/>
+              </a:spcAft>
+              <a:defRPr sz="2400">
+                <a:solidFill>
+                  <a:schemeClr val="tx1"/>
+                </a:solidFill>
+                <a:latin typeface="Arial" panose="020B0604020202020204" pitchFamily="34" charset="0"/>
+                <a:ea typeface="ＭＳ Ｐゴシック" panose="020B0600070205080204" pitchFamily="34" charset="-128"/>
+              </a:defRPr>
+            </a:lvl7pPr>
+            <a:lvl8pPr marL="3429000" indent="-228600" eaLnBrk="0" fontAlgn="base" hangingPunct="0">
+              <a:spcBef>
+                <a:spcPct val="0"/>
+              </a:spcBef>
+              <a:spcAft>
+                <a:spcPct val="0"/>
+              </a:spcAft>
+              <a:defRPr sz="2400">
+                <a:solidFill>
+                  <a:schemeClr val="tx1"/>
+                </a:solidFill>
+                <a:latin typeface="Arial" panose="020B0604020202020204" pitchFamily="34" charset="0"/>
+                <a:ea typeface="ＭＳ Ｐゴシック" panose="020B0600070205080204" pitchFamily="34" charset="-128"/>
+              </a:defRPr>
+            </a:lvl8pPr>
+            <a:lvl9pPr marL="3886200" indent="-228600" eaLnBrk="0" fontAlgn="base" hangingPunct="0">
+              <a:spcBef>
+                <a:spcPct val="0"/>
+              </a:spcBef>
+              <a:spcAft>
+                <a:spcPct val="0"/>
+              </a:spcAft>
+              <a:defRPr sz="2400">
+                <a:solidFill>
+                  <a:schemeClr val="tx1"/>
+                </a:solidFill>
+                <a:latin typeface="Arial" panose="020B0604020202020204" pitchFamily="34" charset="0"/>
+                <a:ea typeface="ＭＳ Ｐゴシック" panose="020B0600070205080204" pitchFamily="34" charset="-128"/>
+              </a:defRPr>
+            </a:lvl9pPr>
+          </a:lstStyle>
+          <a:p>
+            <a:pPr eaLnBrk="1" hangingPunct="1"/>
+            <a:fld id="{A47A7259-E330-DF4D-8829-62A01AF961B5}" type="slidenum">
+              <a:rPr lang="en-US" altLang="en-US" sz="1200">
+                <a:solidFill>
+                  <a:srgbClr val="898989"/>
+                </a:solidFill>
+              </a:rPr>
+              <a:pPr eaLnBrk="1" hangingPunct="1"/>
               <a:t>7</a:t>
             </a:fld>
-            <a:endParaRPr lang="en-US" dirty="0"/>
+            <a:endParaRPr lang="en-US" altLang="en-US" sz="1200">
+              <a:solidFill>
+                <a:srgbClr val="898989"/>
+              </a:solidFill>
+            </a:endParaRPr>
           </a:p>
         </p:txBody>
       </p:sp>
-      <p:pic>
-        <p:nvPicPr>
-          <p:cNvPr id="3" name="Picture 2">
-            <a:extLst>
-              <a:ext uri="{FF2B5EF4-FFF2-40B4-BE49-F238E27FC236}">
-                <a16:creationId xmlns:a16="http://schemas.microsoft.com/office/drawing/2014/main" id="{7E1FD155-962C-984C-B7B5-68EC343A4EF6}"/>
-              </a:ext>
-            </a:extLst>
-          </p:cNvPr>
-          <p:cNvPicPr>
-            <a:picLocks noChangeAspect="1"/>
-          </p:cNvPicPr>
-          <p:nvPr/>
-        </p:nvPicPr>
-        <p:blipFill>
-          <a:blip r:embed="rId2"/>
-          <a:stretch>
-            <a:fillRect/>
-          </a:stretch>
-        </p:blipFill>
-        <p:spPr>
-          <a:xfrm>
-            <a:off x="1987550" y="857250"/>
-            <a:ext cx="8216900" cy="4127500"/>
-          </a:xfrm>
-          <a:prstGeom prst="rect">
-            <a:avLst/>
-          </a:prstGeom>
-        </p:spPr>
-      </p:pic>
     </p:spTree>
     <p:extLst>
       <p:ext uri="{BB962C8B-B14F-4D97-AF65-F5344CB8AC3E}">
-        <p14:creationId xmlns:p14="http://schemas.microsoft.com/office/powerpoint/2010/main" val="3808476048"/>
+        <p14:creationId xmlns:p14="http://schemas.microsoft.com/office/powerpoint/2010/main" val="3153500709"/>
       </p:ext>
     </p:extLst>
   </p:cSld>
@@ -3980,15 +9987,15 @@
       </p:grpSpPr>
       <p:sp>
         <p:nvSpPr>
-          <p:cNvPr id="2" name="Title 1">
-            <a:extLst>
-              <a:ext uri="{FF2B5EF4-FFF2-40B4-BE49-F238E27FC236}">
-                <a16:creationId xmlns:a16="http://schemas.microsoft.com/office/drawing/2014/main" id="{0AE0A5A6-9B6F-8346-AE54-14E4F29BE00F}"/>
-              </a:ext>
-            </a:extLst>
-          </p:cNvPr>
-          <p:cNvSpPr>
-            <a:spLocks noGrp="1"/>
+          <p:cNvPr id="15361" name="Rectangle 2">
+            <a:extLst>
+              <a:ext uri="{FF2B5EF4-FFF2-40B4-BE49-F238E27FC236}">
+                <a16:creationId xmlns:a16="http://schemas.microsoft.com/office/drawing/2014/main" id="{FE1067BF-779D-7E45-8D6A-FE1EC066E92D}"/>
+              </a:ext>
+            </a:extLst>
+          </p:cNvPr>
+          <p:cNvSpPr>
+            <a:spLocks noGrp="1" noChangeArrowheads="1"/>
           </p:cNvSpPr>
           <p:nvPr>
             <p:ph type="title"/>
@@ -3999,16 +10006,104 @@
           <a:bodyPr/>
           <a:lstStyle/>
           <a:p>
-            <a:endParaRPr lang="en-US"/>
+            <a:r>
+              <a:rPr lang="en-US" altLang="en-US"/>
+              <a:t>Morris Worm Redux</a:t>
+            </a:r>
           </a:p>
         </p:txBody>
       </p:sp>
       <p:sp>
         <p:nvSpPr>
-          <p:cNvPr id="3" name="Slide Number Placeholder 2">
-            <a:extLst>
-              <a:ext uri="{FF2B5EF4-FFF2-40B4-BE49-F238E27FC236}">
-                <a16:creationId xmlns:a16="http://schemas.microsoft.com/office/drawing/2014/main" id="{D9373B46-EEE3-D14E-B72D-28B39A327FFB}"/>
+          <p:cNvPr id="15362" name="Rectangle 3">
+            <a:extLst>
+              <a:ext uri="{FF2B5EF4-FFF2-40B4-BE49-F238E27FC236}">
+                <a16:creationId xmlns:a16="http://schemas.microsoft.com/office/drawing/2014/main" id="{A089631D-49EC-4D45-A31F-9F5CAF69ABB4}"/>
+              </a:ext>
+            </a:extLst>
+          </p:cNvPr>
+          <p:cNvSpPr>
+            <a:spLocks noGrp="1" noChangeArrowheads="1"/>
+          </p:cNvSpPr>
+          <p:nvPr>
+            <p:ph idx="1"/>
+          </p:nvPr>
+        </p:nvSpPr>
+        <p:spPr/>
+        <p:txBody>
+          <a:bodyPr>
+            <a:normAutofit lnSpcReduction="10000"/>
+          </a:bodyPr>
+          <a:lstStyle/>
+          <a:p>
+            <a:r>
+              <a:rPr lang="en-US" altLang="en-US" sz="2400"/>
+              <a:t>1988: No malicious payload, but bogged down infected machines by uncontrolled spawning</a:t>
+            </a:r>
+          </a:p>
+          <a:p>
+            <a:pPr lvl="1"/>
+            <a:r>
+              <a:rPr lang="en-US" altLang="en-US" sz="2000"/>
+              <a:t>Infected 10% of all Internet hosts at the time</a:t>
+            </a:r>
+          </a:p>
+          <a:p>
+            <a:r>
+              <a:rPr lang="en-US" altLang="en-US" sz="2400"/>
+              <a:t>Multiple propagation vectors</a:t>
+            </a:r>
+          </a:p>
+          <a:p>
+            <a:pPr lvl="1"/>
+            <a:r>
+              <a:rPr lang="en-US" altLang="en-US" sz="2000"/>
+              <a:t>Remote execution using rsh and cracked passwords</a:t>
+            </a:r>
+          </a:p>
+          <a:p>
+            <a:pPr lvl="2"/>
+            <a:r>
+              <a:rPr lang="en-US" altLang="en-US"/>
+              <a:t>Tried to crack passwords using small dictionary and publicly readable password file; targeted hosts from /etc/hosts.equiv</a:t>
+            </a:r>
+          </a:p>
+          <a:p>
+            <a:pPr lvl="1"/>
+            <a:r>
+              <a:rPr lang="en-US" altLang="en-US" sz="2000"/>
+              <a:t>Buffer overflow in fingerd on VAX</a:t>
+            </a:r>
+          </a:p>
+          <a:p>
+            <a:pPr lvl="2"/>
+            <a:r>
+              <a:rPr lang="en-US" altLang="en-US"/>
+              <a:t>Standard stack smashing exploit</a:t>
+            </a:r>
+          </a:p>
+          <a:p>
+            <a:pPr lvl="1"/>
+            <a:r>
+              <a:rPr lang="en-US" altLang="en-US" sz="2000"/>
+              <a:t>DEBUG command in Sendmail</a:t>
+            </a:r>
+          </a:p>
+          <a:p>
+            <a:pPr lvl="2"/>
+            <a:r>
+              <a:rPr lang="en-US" altLang="en-US"/>
+              <a:t>In early Sendmail versions, possible to execute a command on a remote machine by sending an SMTP (mail transfer) message</a:t>
+            </a:r>
+          </a:p>
+        </p:txBody>
+      </p:sp>
+      <p:sp>
+        <p:nvSpPr>
+          <p:cNvPr id="6" name="Slide Number Placeholder 5">
+            <a:extLst>
+              <a:ext uri="{FF2B5EF4-FFF2-40B4-BE49-F238E27FC236}">
+                <a16:creationId xmlns:a16="http://schemas.microsoft.com/office/drawing/2014/main" id="{C22A5D1C-9D3E-5541-A702-90B3C5EBF5FC}"/>
               </a:ext>
             </a:extLst>
           </p:cNvPr>
@@ -4022,50 +10117,136 @@
         <p:spPr/>
         <p:txBody>
           <a:bodyPr/>
-          <a:lstStyle/>
-          <a:p>
-            <a:fld id="{D7AA6054-60FB-8048-98AD-326CDDBBD22D}" type="slidenum">
-              <a:rPr lang="en-US" smtClean="0"/>
+          <a:lstStyle>
+            <a:lvl1pPr eaLnBrk="0" hangingPunct="0">
+              <a:defRPr sz="2400">
+                <a:solidFill>
+                  <a:schemeClr val="tx1"/>
+                </a:solidFill>
+                <a:latin typeface="Arial" panose="020B0604020202020204" pitchFamily="34" charset="0"/>
+                <a:ea typeface="ＭＳ Ｐゴシック" panose="020B0600070205080204" pitchFamily="34" charset="-128"/>
+              </a:defRPr>
+            </a:lvl1pPr>
+            <a:lvl2pPr marL="742950" indent="-285750" eaLnBrk="0" hangingPunct="0">
+              <a:defRPr sz="2400">
+                <a:solidFill>
+                  <a:schemeClr val="tx1"/>
+                </a:solidFill>
+                <a:latin typeface="Arial" panose="020B0604020202020204" pitchFamily="34" charset="0"/>
+                <a:ea typeface="ＭＳ Ｐゴシック" panose="020B0600070205080204" pitchFamily="34" charset="-128"/>
+              </a:defRPr>
+            </a:lvl2pPr>
+            <a:lvl3pPr marL="1143000" indent="-228600" eaLnBrk="0" hangingPunct="0">
+              <a:defRPr sz="2400">
+                <a:solidFill>
+                  <a:schemeClr val="tx1"/>
+                </a:solidFill>
+                <a:latin typeface="Arial" panose="020B0604020202020204" pitchFamily="34" charset="0"/>
+                <a:ea typeface="ＭＳ Ｐゴシック" panose="020B0600070205080204" pitchFamily="34" charset="-128"/>
+              </a:defRPr>
+            </a:lvl3pPr>
+            <a:lvl4pPr marL="1600200" indent="-228600" eaLnBrk="0" hangingPunct="0">
+              <a:defRPr sz="2400">
+                <a:solidFill>
+                  <a:schemeClr val="tx1"/>
+                </a:solidFill>
+                <a:latin typeface="Arial" panose="020B0604020202020204" pitchFamily="34" charset="0"/>
+                <a:ea typeface="ＭＳ Ｐゴシック" panose="020B0600070205080204" pitchFamily="34" charset="-128"/>
+              </a:defRPr>
+            </a:lvl4pPr>
+            <a:lvl5pPr marL="2057400" indent="-228600" eaLnBrk="0" hangingPunct="0">
+              <a:defRPr sz="2400">
+                <a:solidFill>
+                  <a:schemeClr val="tx1"/>
+                </a:solidFill>
+                <a:latin typeface="Arial" panose="020B0604020202020204" pitchFamily="34" charset="0"/>
+                <a:ea typeface="ＭＳ Ｐゴシック" panose="020B0600070205080204" pitchFamily="34" charset="-128"/>
+              </a:defRPr>
+            </a:lvl5pPr>
+            <a:lvl6pPr marL="2514600" indent="-228600" eaLnBrk="0" fontAlgn="base" hangingPunct="0">
+              <a:spcBef>
+                <a:spcPct val="0"/>
+              </a:spcBef>
+              <a:spcAft>
+                <a:spcPct val="0"/>
+              </a:spcAft>
+              <a:defRPr sz="2400">
+                <a:solidFill>
+                  <a:schemeClr val="tx1"/>
+                </a:solidFill>
+                <a:latin typeface="Arial" panose="020B0604020202020204" pitchFamily="34" charset="0"/>
+                <a:ea typeface="ＭＳ Ｐゴシック" panose="020B0600070205080204" pitchFamily="34" charset="-128"/>
+              </a:defRPr>
+            </a:lvl6pPr>
+            <a:lvl7pPr marL="2971800" indent="-228600" eaLnBrk="0" fontAlgn="base" hangingPunct="0">
+              <a:spcBef>
+                <a:spcPct val="0"/>
+              </a:spcBef>
+              <a:spcAft>
+                <a:spcPct val="0"/>
+              </a:spcAft>
+              <a:defRPr sz="2400">
+                <a:solidFill>
+                  <a:schemeClr val="tx1"/>
+                </a:solidFill>
+                <a:latin typeface="Arial" panose="020B0604020202020204" pitchFamily="34" charset="0"/>
+                <a:ea typeface="ＭＳ Ｐゴシック" panose="020B0600070205080204" pitchFamily="34" charset="-128"/>
+              </a:defRPr>
+            </a:lvl7pPr>
+            <a:lvl8pPr marL="3429000" indent="-228600" eaLnBrk="0" fontAlgn="base" hangingPunct="0">
+              <a:spcBef>
+                <a:spcPct val="0"/>
+              </a:spcBef>
+              <a:spcAft>
+                <a:spcPct val="0"/>
+              </a:spcAft>
+              <a:defRPr sz="2400">
+                <a:solidFill>
+                  <a:schemeClr val="tx1"/>
+                </a:solidFill>
+                <a:latin typeface="Arial" panose="020B0604020202020204" pitchFamily="34" charset="0"/>
+                <a:ea typeface="ＭＳ Ｐゴシック" panose="020B0600070205080204" pitchFamily="34" charset="-128"/>
+              </a:defRPr>
+            </a:lvl8pPr>
+            <a:lvl9pPr marL="3886200" indent="-228600" eaLnBrk="0" fontAlgn="base" hangingPunct="0">
+              <a:spcBef>
+                <a:spcPct val="0"/>
+              </a:spcBef>
+              <a:spcAft>
+                <a:spcPct val="0"/>
+              </a:spcAft>
+              <a:defRPr sz="2400">
+                <a:solidFill>
+                  <a:schemeClr val="tx1"/>
+                </a:solidFill>
+                <a:latin typeface="Arial" panose="020B0604020202020204" pitchFamily="34" charset="0"/>
+                <a:ea typeface="ＭＳ Ｐゴシック" panose="020B0600070205080204" pitchFamily="34" charset="-128"/>
+              </a:defRPr>
+            </a:lvl9pPr>
+          </a:lstStyle>
+          <a:p>
+            <a:pPr eaLnBrk="1" hangingPunct="1"/>
+            <a:fld id="{0C4E3E25-D359-B246-B7B7-9D9F0EC94FB9}" type="slidenum">
+              <a:rPr lang="en-US" altLang="en-US" sz="1200">
+                <a:solidFill>
+                  <a:srgbClr val="898989"/>
+                </a:solidFill>
+              </a:rPr>
+              <a:pPr eaLnBrk="1" hangingPunct="1"/>
               <a:t>8</a:t>
             </a:fld>
-            <a:endParaRPr lang="en-US"/>
+            <a:endParaRPr lang="en-US" altLang="en-US" sz="1200">
+              <a:solidFill>
+                <a:srgbClr val="898989"/>
+              </a:solidFill>
+            </a:endParaRPr>
           </a:p>
         </p:txBody>
       </p:sp>
-      <p:pic>
-        <p:nvPicPr>
-          <p:cNvPr id="4" name="Picture 3">
-            <a:extLst>
-              <a:ext uri="{FF2B5EF4-FFF2-40B4-BE49-F238E27FC236}">
-                <a16:creationId xmlns:a16="http://schemas.microsoft.com/office/drawing/2014/main" id="{3A1AFB4A-6D42-7540-9FF8-FC6FF34C3213}"/>
-              </a:ext>
-            </a:extLst>
-          </p:cNvPr>
-          <p:cNvPicPr>
-            <a:picLocks noChangeAspect="1"/>
-          </p:cNvPicPr>
-          <p:nvPr/>
-        </p:nvPicPr>
-        <p:blipFill>
-          <a:blip r:embed="rId2"/>
-          <a:stretch>
-            <a:fillRect/>
-          </a:stretch>
-        </p:blipFill>
-        <p:spPr>
-          <a:xfrm>
-            <a:off x="238559" y="0"/>
-            <a:ext cx="11714881" cy="6858000"/>
-          </a:xfrm>
-          <a:prstGeom prst="rect">
-            <a:avLst/>
-          </a:prstGeom>
-        </p:spPr>
-      </p:pic>
     </p:spTree>
     <p:extLst>
       <p:ext uri="{BB962C8B-B14F-4D97-AF65-F5344CB8AC3E}">
-        <p14:creationId xmlns:p14="http://schemas.microsoft.com/office/powerpoint/2010/main" val="3848941263"/>
+        <p14:creationId xmlns:p14="http://schemas.microsoft.com/office/powerpoint/2010/main" val="444685505"/>
       </p:ext>
     </p:extLst>
   </p:cSld>
@@ -4094,18 +10275,18 @@
       </p:grpSpPr>
       <p:sp>
         <p:nvSpPr>
-          <p:cNvPr id="5" name="Title 4">
-            <a:extLst>
-              <a:ext uri="{FF2B5EF4-FFF2-40B4-BE49-F238E27FC236}">
-                <a16:creationId xmlns:a16="http://schemas.microsoft.com/office/drawing/2014/main" id="{3C485A7A-6D4C-6449-95D3-D40C9E876BB6}"/>
-              </a:ext>
-            </a:extLst>
-          </p:cNvPr>
-          <p:cNvSpPr>
-            <a:spLocks noGrp="1"/>
+          <p:cNvPr id="17409" name="Rectangle 2">
+            <a:extLst>
+              <a:ext uri="{FF2B5EF4-FFF2-40B4-BE49-F238E27FC236}">
+                <a16:creationId xmlns:a16="http://schemas.microsoft.com/office/drawing/2014/main" id="{BD3DBBDD-0C33-7343-86ED-29810E512106}"/>
+              </a:ext>
+            </a:extLst>
+          </p:cNvPr>
+          <p:cNvSpPr>
+            <a:spLocks noGrp="1" noChangeArrowheads="1"/>
           </p:cNvSpPr>
           <p:nvPr>
-            <p:ph type="ctrTitle"/>
+            <p:ph type="title"/>
           </p:nvPr>
         </p:nvSpPr>
         <p:spPr/>
@@ -4114,23 +10295,620 @@
           <a:lstStyle/>
           <a:p>
             <a:r>
-              <a:rPr lang="en-US" dirty="0"/>
-              <a:t>Demonstration:</a:t>
-            </a:r>
-            <a:br>
-              <a:rPr lang="en-US" dirty="0"/>
-            </a:br>
-            <a:r>
-              <a:rPr lang="en-US" dirty="0"/>
-              <a:t>Network Traffic</a:t>
-            </a:r>
+              <a:rPr lang="en-US" altLang="en-US"/>
+              <a:t>Summer of 2001</a:t>
+            </a:r>
+          </a:p>
+        </p:txBody>
+      </p:sp>
+      <p:sp>
+        <p:nvSpPr>
+          <p:cNvPr id="2" name="Content Placeholder 1">
+            <a:extLst>
+              <a:ext uri="{FF2B5EF4-FFF2-40B4-BE49-F238E27FC236}">
+                <a16:creationId xmlns:a16="http://schemas.microsoft.com/office/drawing/2014/main" id="{9C6A3E82-B770-DA48-AB41-E784279F03BE}"/>
+              </a:ext>
+            </a:extLst>
+          </p:cNvPr>
+          <p:cNvSpPr>
+            <a:spLocks noGrp="1"/>
+          </p:cNvSpPr>
+          <p:nvPr>
+            <p:ph idx="1"/>
+          </p:nvPr>
+        </p:nvSpPr>
+        <p:spPr/>
+        <p:txBody>
+          <a:bodyPr/>
+          <a:lstStyle/>
+          <a:p>
+            <a:endParaRPr lang="en-US"/>
+          </a:p>
+        </p:txBody>
+      </p:sp>
+      <p:sp>
+        <p:nvSpPr>
+          <p:cNvPr id="11" name="Slide Number Placeholder 6">
+            <a:extLst>
+              <a:ext uri="{FF2B5EF4-FFF2-40B4-BE49-F238E27FC236}">
+                <a16:creationId xmlns:a16="http://schemas.microsoft.com/office/drawing/2014/main" id="{BF56646B-E5A4-F046-A6B6-FDC74C8678FA}"/>
+              </a:ext>
+            </a:extLst>
+          </p:cNvPr>
+          <p:cNvSpPr>
+            <a:spLocks noGrp="1"/>
+          </p:cNvSpPr>
+          <p:nvPr>
+            <p:ph type="sldNum" sz="quarter" idx="12"/>
+          </p:nvPr>
+        </p:nvSpPr>
+        <p:spPr/>
+        <p:txBody>
+          <a:bodyPr/>
+          <a:lstStyle>
+            <a:lvl1pPr eaLnBrk="0" hangingPunct="0">
+              <a:defRPr sz="2400">
+                <a:solidFill>
+                  <a:schemeClr val="tx1"/>
+                </a:solidFill>
+                <a:latin typeface="Arial" panose="020B0604020202020204" pitchFamily="34" charset="0"/>
+                <a:ea typeface="ＭＳ Ｐゴシック" panose="020B0600070205080204" pitchFamily="34" charset="-128"/>
+              </a:defRPr>
+            </a:lvl1pPr>
+            <a:lvl2pPr marL="742950" indent="-285750" eaLnBrk="0" hangingPunct="0">
+              <a:defRPr sz="2400">
+                <a:solidFill>
+                  <a:schemeClr val="tx1"/>
+                </a:solidFill>
+                <a:latin typeface="Arial" panose="020B0604020202020204" pitchFamily="34" charset="0"/>
+                <a:ea typeface="ＭＳ Ｐゴシック" panose="020B0600070205080204" pitchFamily="34" charset="-128"/>
+              </a:defRPr>
+            </a:lvl2pPr>
+            <a:lvl3pPr marL="1143000" indent="-228600" eaLnBrk="0" hangingPunct="0">
+              <a:defRPr sz="2400">
+                <a:solidFill>
+                  <a:schemeClr val="tx1"/>
+                </a:solidFill>
+                <a:latin typeface="Arial" panose="020B0604020202020204" pitchFamily="34" charset="0"/>
+                <a:ea typeface="ＭＳ Ｐゴシック" panose="020B0600070205080204" pitchFamily="34" charset="-128"/>
+              </a:defRPr>
+            </a:lvl3pPr>
+            <a:lvl4pPr marL="1600200" indent="-228600" eaLnBrk="0" hangingPunct="0">
+              <a:defRPr sz="2400">
+                <a:solidFill>
+                  <a:schemeClr val="tx1"/>
+                </a:solidFill>
+                <a:latin typeface="Arial" panose="020B0604020202020204" pitchFamily="34" charset="0"/>
+                <a:ea typeface="ＭＳ Ｐゴシック" panose="020B0600070205080204" pitchFamily="34" charset="-128"/>
+              </a:defRPr>
+            </a:lvl4pPr>
+            <a:lvl5pPr marL="2057400" indent="-228600" eaLnBrk="0" hangingPunct="0">
+              <a:defRPr sz="2400">
+                <a:solidFill>
+                  <a:schemeClr val="tx1"/>
+                </a:solidFill>
+                <a:latin typeface="Arial" panose="020B0604020202020204" pitchFamily="34" charset="0"/>
+                <a:ea typeface="ＭＳ Ｐゴシック" panose="020B0600070205080204" pitchFamily="34" charset="-128"/>
+              </a:defRPr>
+            </a:lvl5pPr>
+            <a:lvl6pPr marL="2514600" indent="-228600" eaLnBrk="0" fontAlgn="base" hangingPunct="0">
+              <a:spcBef>
+                <a:spcPct val="0"/>
+              </a:spcBef>
+              <a:spcAft>
+                <a:spcPct val="0"/>
+              </a:spcAft>
+              <a:defRPr sz="2400">
+                <a:solidFill>
+                  <a:schemeClr val="tx1"/>
+                </a:solidFill>
+                <a:latin typeface="Arial" panose="020B0604020202020204" pitchFamily="34" charset="0"/>
+                <a:ea typeface="ＭＳ Ｐゴシック" panose="020B0600070205080204" pitchFamily="34" charset="-128"/>
+              </a:defRPr>
+            </a:lvl6pPr>
+            <a:lvl7pPr marL="2971800" indent="-228600" eaLnBrk="0" fontAlgn="base" hangingPunct="0">
+              <a:spcBef>
+                <a:spcPct val="0"/>
+              </a:spcBef>
+              <a:spcAft>
+                <a:spcPct val="0"/>
+              </a:spcAft>
+              <a:defRPr sz="2400">
+                <a:solidFill>
+                  <a:schemeClr val="tx1"/>
+                </a:solidFill>
+                <a:latin typeface="Arial" panose="020B0604020202020204" pitchFamily="34" charset="0"/>
+                <a:ea typeface="ＭＳ Ｐゴシック" panose="020B0600070205080204" pitchFamily="34" charset="-128"/>
+              </a:defRPr>
+            </a:lvl7pPr>
+            <a:lvl8pPr marL="3429000" indent="-228600" eaLnBrk="0" fontAlgn="base" hangingPunct="0">
+              <a:spcBef>
+                <a:spcPct val="0"/>
+              </a:spcBef>
+              <a:spcAft>
+                <a:spcPct val="0"/>
+              </a:spcAft>
+              <a:defRPr sz="2400">
+                <a:solidFill>
+                  <a:schemeClr val="tx1"/>
+                </a:solidFill>
+                <a:latin typeface="Arial" panose="020B0604020202020204" pitchFamily="34" charset="0"/>
+                <a:ea typeface="ＭＳ Ｐゴシック" panose="020B0600070205080204" pitchFamily="34" charset="-128"/>
+              </a:defRPr>
+            </a:lvl8pPr>
+            <a:lvl9pPr marL="3886200" indent="-228600" eaLnBrk="0" fontAlgn="base" hangingPunct="0">
+              <a:spcBef>
+                <a:spcPct val="0"/>
+              </a:spcBef>
+              <a:spcAft>
+                <a:spcPct val="0"/>
+              </a:spcAft>
+              <a:defRPr sz="2400">
+                <a:solidFill>
+                  <a:schemeClr val="tx1"/>
+                </a:solidFill>
+                <a:latin typeface="Arial" panose="020B0604020202020204" pitchFamily="34" charset="0"/>
+                <a:ea typeface="ＭＳ Ｐゴシック" panose="020B0600070205080204" pitchFamily="34" charset="-128"/>
+              </a:defRPr>
+            </a:lvl9pPr>
+          </a:lstStyle>
+          <a:p>
+            <a:pPr eaLnBrk="1" hangingPunct="1"/>
+            <a:fld id="{3967729B-971B-6548-819A-C4F1F9155749}" type="slidenum">
+              <a:rPr lang="en-US" altLang="en-US" sz="1200">
+                <a:solidFill>
+                  <a:srgbClr val="898989"/>
+                </a:solidFill>
+              </a:rPr>
+              <a:pPr eaLnBrk="1" hangingPunct="1"/>
+              <a:t>9</a:t>
+            </a:fld>
+            <a:endParaRPr lang="en-US" altLang="en-US" sz="1200">
+              <a:solidFill>
+                <a:srgbClr val="898989"/>
+              </a:solidFill>
+            </a:endParaRPr>
+          </a:p>
+        </p:txBody>
+      </p:sp>
+      <p:pic>
+        <p:nvPicPr>
+          <p:cNvPr id="17411" name="Picture 3" descr="worm2001">
+            <a:extLst>
+              <a:ext uri="{FF2B5EF4-FFF2-40B4-BE49-F238E27FC236}">
+                <a16:creationId xmlns:a16="http://schemas.microsoft.com/office/drawing/2014/main" id="{47707CEC-399B-2746-979B-6043B4F4CF3E}"/>
+              </a:ext>
+            </a:extLst>
+          </p:cNvPr>
+          <p:cNvPicPr>
+            <a:picLocks noChangeAspect="1" noChangeArrowheads="1"/>
+          </p:cNvPicPr>
+          <p:nvPr/>
+        </p:nvPicPr>
+        <p:blipFill>
+          <a:blip r:embed="rId3">
+            <a:extLst>
+              <a:ext uri="{28A0092B-C50C-407E-A947-70E740481C1C}">
+                <a14:useLocalDpi xmlns:a14="http://schemas.microsoft.com/office/drawing/2010/main" val="0"/>
+              </a:ext>
+            </a:extLst>
+          </a:blip>
+          <a:srcRect/>
+          <a:stretch>
+            <a:fillRect/>
+          </a:stretch>
+        </p:blipFill>
+        <p:spPr bwMode="auto">
+          <a:xfrm>
+            <a:off x="2971800" y="2209800"/>
+            <a:ext cx="5715000" cy="3714750"/>
+          </a:xfrm>
+          <a:prstGeom prst="rect">
+            <a:avLst/>
+          </a:prstGeom>
+          <a:noFill/>
+          <a:ln>
+            <a:noFill/>
+          </a:ln>
+          <a:extLst>
+            <a:ext uri="{909E8E84-426E-40DD-AFC4-6F175D3DCCD1}">
+              <a14:hiddenFill xmlns:a14="http://schemas.microsoft.com/office/drawing/2010/main">
+                <a:solidFill>
+                  <a:srgbClr val="FFFFFF"/>
+                </a:solidFill>
+              </a14:hiddenFill>
+            </a:ext>
+            <a:ext uri="{91240B29-F687-4F45-9708-019B960494DF}">
+              <a14:hiddenLine xmlns:a14="http://schemas.microsoft.com/office/drawing/2010/main" w="9525">
+                <a:solidFill>
+                  <a:srgbClr val="000000"/>
+                </a:solidFill>
+                <a:miter lim="800000"/>
+                <a:headEnd/>
+                <a:tailEnd/>
+              </a14:hiddenLine>
+            </a:ext>
+          </a:extLst>
+        </p:spPr>
+      </p:pic>
+      <p:sp>
+        <p:nvSpPr>
+          <p:cNvPr id="130053" name="Text Box 5">
+            <a:extLst>
+              <a:ext uri="{FF2B5EF4-FFF2-40B4-BE49-F238E27FC236}">
+                <a16:creationId xmlns:a16="http://schemas.microsoft.com/office/drawing/2014/main" id="{8CE169BC-D117-BF4D-A4C8-746A0B8B606B}"/>
+              </a:ext>
+            </a:extLst>
+          </p:cNvPr>
+          <p:cNvSpPr txBox="1">
+            <a:spLocks noChangeArrowheads="1"/>
+          </p:cNvSpPr>
+          <p:nvPr/>
+        </p:nvSpPr>
+        <p:spPr bwMode="auto">
+          <a:xfrm>
+            <a:off x="2073276" y="5562600"/>
+            <a:ext cx="2270125" cy="641350"/>
+          </a:xfrm>
+          <a:prstGeom prst="rect">
+            <a:avLst/>
+          </a:prstGeom>
+          <a:noFill/>
+          <a:ln>
+            <a:noFill/>
+          </a:ln>
+          <a:effectLst/>
+          <a:extLst>
+            <a:ext uri="{909E8E84-426E-40dd-AFC4-6F175D3DCCD1}">
+              <a14:hiddenFill xmlns:a14="http://schemas.microsoft.com/office/drawing/2010/main" xmlns="">
+                <a:solidFill>
+                  <a:srgbClr val="FFFFFF"/>
+                </a:solidFill>
+              </a14:hiddenFill>
+            </a:ext>
+            <a:ext uri="{91240B29-F687-4f45-9708-019B960494DF}">
+              <a14:hiddenLine xmlns:a14="http://schemas.microsoft.com/office/drawing/2010/main" xmlns="" w="28575">
+                <a:solidFill>
+                  <a:schemeClr val="tx1"/>
+                </a:solidFill>
+                <a:prstDash val="dash"/>
+                <a:miter lim="800000"/>
+                <a:headEnd type="none" w="lg" len="lg"/>
+                <a:tailEnd type="none" w="lg" len="lg"/>
+              </a14:hiddenLine>
+            </a:ext>
+            <a:ext uri="{AF507438-7753-43e0-B8FC-AC1667EBCBE1}">
+              <a14:hiddenEffects xmlns:a14="http://schemas.microsoft.com/office/drawing/2010/main" xmlns="">
+                <a:effectLst>
+                  <a:outerShdw blurRad="63500" dist="38099" dir="2700000" algn="ctr" rotWithShape="0">
+                    <a:srgbClr val="000000">
+                      <a:alpha val="74998"/>
+                    </a:srgbClr>
+                  </a:outerShdw>
+                </a:effectLst>
+              </a14:hiddenEffects>
+            </a:ext>
+          </a:extLst>
+        </p:spPr>
+        <p:txBody>
+          <a:bodyPr wrap="none">
+            <a:spAutoFit/>
+          </a:bodyPr>
+          <a:lstStyle/>
+          <a:p>
+            <a:pPr eaLnBrk="0" hangingPunct="0">
+              <a:lnSpc>
+                <a:spcPct val="80000"/>
+              </a:lnSpc>
+              <a:spcBef>
+                <a:spcPct val="20000"/>
+              </a:spcBef>
+              <a:buClr>
+                <a:schemeClr val="accent2"/>
+              </a:buClr>
+              <a:defRPr/>
+            </a:pPr>
+            <a:r>
+              <a:rPr lang="en-US" sz="2000">
+                <a:solidFill>
+                  <a:srgbClr val="FF0000"/>
+                </a:solidFill>
+                <a:latin typeface="Tahoma" charset="0"/>
+                <a:ea typeface="ＭＳ Ｐゴシック" charset="0"/>
+              </a:rPr>
+              <a:t>Three major worm</a:t>
+            </a:r>
+          </a:p>
+          <a:p>
+            <a:pPr eaLnBrk="0" hangingPunct="0">
+              <a:lnSpc>
+                <a:spcPct val="80000"/>
+              </a:lnSpc>
+              <a:spcBef>
+                <a:spcPct val="20000"/>
+              </a:spcBef>
+              <a:buClr>
+                <a:schemeClr val="accent2"/>
+              </a:buClr>
+              <a:defRPr/>
+            </a:pPr>
+            <a:r>
+              <a:rPr lang="en-US" sz="2000">
+                <a:solidFill>
+                  <a:srgbClr val="FF0000"/>
+                </a:solidFill>
+                <a:latin typeface="Tahoma" charset="0"/>
+                <a:ea typeface="ＭＳ Ｐゴシック" charset="0"/>
+              </a:rPr>
+              <a:t>outbreaks</a:t>
+            </a:r>
+          </a:p>
+        </p:txBody>
+      </p:sp>
+      <p:sp>
+        <p:nvSpPr>
+          <p:cNvPr id="130054" name="Line 6">
+            <a:extLst>
+              <a:ext uri="{FF2B5EF4-FFF2-40B4-BE49-F238E27FC236}">
+                <a16:creationId xmlns:a16="http://schemas.microsoft.com/office/drawing/2014/main" id="{9E85CA50-A65C-0043-988C-DC85CB1DFE0F}"/>
+              </a:ext>
+            </a:extLst>
+          </p:cNvPr>
+          <p:cNvSpPr>
+            <a:spLocks noChangeShapeType="1"/>
+          </p:cNvSpPr>
+          <p:nvPr/>
+        </p:nvSpPr>
+        <p:spPr bwMode="auto">
+          <a:xfrm flipV="1">
+            <a:off x="3733800" y="4191000"/>
+            <a:ext cx="228600" cy="1371600"/>
+          </a:xfrm>
+          <a:prstGeom prst="line">
+            <a:avLst/>
+          </a:prstGeom>
+          <a:noFill/>
+          <a:ln w="28575">
+            <a:solidFill>
+              <a:srgbClr val="FF0000"/>
+            </a:solidFill>
+            <a:round/>
+            <a:headEnd type="none" w="lg" len="lg"/>
+            <a:tailEnd type="stealth" w="lg" len="lg"/>
+          </a:ln>
+          <a:effectLst/>
+          <a:extLst>
+            <a:ext uri="{909E8E84-426E-40dd-AFC4-6F175D3DCCD1}">
+              <a14:hiddenFill xmlns:a14="http://schemas.microsoft.com/office/drawing/2010/main" xmlns="">
+                <a:noFill/>
+              </a14:hiddenFill>
+            </a:ext>
+            <a:ext uri="{AF507438-7753-43e0-B8FC-AC1667EBCBE1}">
+              <a14:hiddenEffects xmlns:a14="http://schemas.microsoft.com/office/drawing/2010/main" xmlns="">
+                <a:effectLst>
+                  <a:outerShdw blurRad="63500" dist="38099" dir="2700000" algn="ctr" rotWithShape="0">
+                    <a:srgbClr val="000000">
+                      <a:alpha val="74998"/>
+                    </a:srgbClr>
+                  </a:outerShdw>
+                </a:effectLst>
+              </a14:hiddenEffects>
+            </a:ext>
+          </a:extLst>
+        </p:spPr>
+        <p:txBody>
+          <a:bodyPr/>
+          <a:lstStyle/>
+          <a:p>
+            <a:pPr>
+              <a:defRPr/>
+            </a:pPr>
+            <a:endParaRPr lang="en-US">
+              <a:latin typeface="Arial" charset="0"/>
+              <a:ea typeface="ＭＳ Ｐゴシック" charset="0"/>
+            </a:endParaRPr>
+          </a:p>
+        </p:txBody>
+      </p:sp>
+      <p:sp>
+        <p:nvSpPr>
+          <p:cNvPr id="130055" name="Line 7">
+            <a:extLst>
+              <a:ext uri="{FF2B5EF4-FFF2-40B4-BE49-F238E27FC236}">
+                <a16:creationId xmlns:a16="http://schemas.microsoft.com/office/drawing/2014/main" id="{6B531713-4B4C-AF44-BAA8-22E5942439B8}"/>
+              </a:ext>
+            </a:extLst>
+          </p:cNvPr>
+          <p:cNvSpPr>
+            <a:spLocks noChangeShapeType="1"/>
+          </p:cNvSpPr>
+          <p:nvPr/>
+        </p:nvSpPr>
+        <p:spPr bwMode="auto">
+          <a:xfrm flipV="1">
+            <a:off x="3733800" y="3810000"/>
+            <a:ext cx="838200" cy="1752600"/>
+          </a:xfrm>
+          <a:prstGeom prst="line">
+            <a:avLst/>
+          </a:prstGeom>
+          <a:noFill/>
+          <a:ln w="28575">
+            <a:solidFill>
+              <a:srgbClr val="FF0000"/>
+            </a:solidFill>
+            <a:round/>
+            <a:headEnd type="none" w="lg" len="lg"/>
+            <a:tailEnd type="stealth" w="lg" len="lg"/>
+          </a:ln>
+          <a:effectLst/>
+          <a:extLst>
+            <a:ext uri="{909E8E84-426E-40dd-AFC4-6F175D3DCCD1}">
+              <a14:hiddenFill xmlns:a14="http://schemas.microsoft.com/office/drawing/2010/main" xmlns="">
+                <a:noFill/>
+              </a14:hiddenFill>
+            </a:ext>
+            <a:ext uri="{AF507438-7753-43e0-B8FC-AC1667EBCBE1}">
+              <a14:hiddenEffects xmlns:a14="http://schemas.microsoft.com/office/drawing/2010/main" xmlns="">
+                <a:effectLst>
+                  <a:outerShdw blurRad="63500" dist="38099" dir="2700000" algn="ctr" rotWithShape="0">
+                    <a:srgbClr val="000000">
+                      <a:alpha val="74998"/>
+                    </a:srgbClr>
+                  </a:outerShdw>
+                </a:effectLst>
+              </a14:hiddenEffects>
+            </a:ext>
+          </a:extLst>
+        </p:spPr>
+        <p:txBody>
+          <a:bodyPr/>
+          <a:lstStyle/>
+          <a:p>
+            <a:pPr>
+              <a:defRPr/>
+            </a:pPr>
+            <a:endParaRPr lang="en-US">
+              <a:latin typeface="Arial" charset="0"/>
+              <a:ea typeface="ＭＳ Ｐゴシック" charset="0"/>
+            </a:endParaRPr>
+          </a:p>
+        </p:txBody>
+      </p:sp>
+      <p:sp>
+        <p:nvSpPr>
+          <p:cNvPr id="130056" name="Line 8">
+            <a:extLst>
+              <a:ext uri="{FF2B5EF4-FFF2-40B4-BE49-F238E27FC236}">
+                <a16:creationId xmlns:a16="http://schemas.microsoft.com/office/drawing/2014/main" id="{537528E0-450C-4B40-9B2B-36B68B9729D1}"/>
+              </a:ext>
+            </a:extLst>
+          </p:cNvPr>
+          <p:cNvSpPr>
+            <a:spLocks noChangeShapeType="1"/>
+          </p:cNvSpPr>
+          <p:nvPr/>
+        </p:nvSpPr>
+        <p:spPr bwMode="auto">
+          <a:xfrm flipV="1">
+            <a:off x="4038600" y="4800600"/>
+            <a:ext cx="2971800" cy="762000"/>
+          </a:xfrm>
+          <a:prstGeom prst="line">
+            <a:avLst/>
+          </a:prstGeom>
+          <a:noFill/>
+          <a:ln w="28575">
+            <a:solidFill>
+              <a:srgbClr val="FF0000"/>
+            </a:solidFill>
+            <a:round/>
+            <a:headEnd type="none" w="lg" len="lg"/>
+            <a:tailEnd type="stealth" w="lg" len="lg"/>
+          </a:ln>
+          <a:effectLst/>
+          <a:extLst>
+            <a:ext uri="{909E8E84-426E-40dd-AFC4-6F175D3DCCD1}">
+              <a14:hiddenFill xmlns:a14="http://schemas.microsoft.com/office/drawing/2010/main" xmlns="">
+                <a:noFill/>
+              </a14:hiddenFill>
+            </a:ext>
+            <a:ext uri="{AF507438-7753-43e0-B8FC-AC1667EBCBE1}">
+              <a14:hiddenEffects xmlns:a14="http://schemas.microsoft.com/office/drawing/2010/main" xmlns="">
+                <a:effectLst>
+                  <a:outerShdw blurRad="63500" dist="38099" dir="2700000" algn="ctr" rotWithShape="0">
+                    <a:srgbClr val="000000">
+                      <a:alpha val="74998"/>
+                    </a:srgbClr>
+                  </a:outerShdw>
+                </a:effectLst>
+              </a14:hiddenEffects>
+            </a:ext>
+          </a:extLst>
+        </p:spPr>
+        <p:txBody>
+          <a:bodyPr/>
+          <a:lstStyle/>
+          <a:p>
+            <a:pPr>
+              <a:defRPr/>
+            </a:pPr>
+            <a:endParaRPr lang="en-US">
+              <a:latin typeface="Arial" charset="0"/>
+              <a:ea typeface="ＭＳ Ｐゴシック" charset="0"/>
+            </a:endParaRPr>
+          </a:p>
+        </p:txBody>
+      </p:sp>
+      <p:sp>
+        <p:nvSpPr>
+          <p:cNvPr id="130057" name="Line 9">
+            <a:extLst>
+              <a:ext uri="{FF2B5EF4-FFF2-40B4-BE49-F238E27FC236}">
+                <a16:creationId xmlns:a16="http://schemas.microsoft.com/office/drawing/2014/main" id="{4BB7D123-9460-8444-BA7C-EBC2C2D18AAA}"/>
+              </a:ext>
+            </a:extLst>
+          </p:cNvPr>
+          <p:cNvSpPr>
+            <a:spLocks noChangeShapeType="1"/>
+          </p:cNvSpPr>
+          <p:nvPr/>
+        </p:nvSpPr>
+        <p:spPr bwMode="auto">
+          <a:xfrm flipV="1">
+            <a:off x="3886200" y="4343400"/>
+            <a:ext cx="838200" cy="1219200"/>
+          </a:xfrm>
+          <a:prstGeom prst="line">
+            <a:avLst/>
+          </a:prstGeom>
+          <a:noFill/>
+          <a:ln w="28575">
+            <a:solidFill>
+              <a:srgbClr val="FF0000"/>
+            </a:solidFill>
+            <a:round/>
+            <a:headEnd type="none" w="lg" len="lg"/>
+            <a:tailEnd type="stealth" w="lg" len="lg"/>
+          </a:ln>
+          <a:effectLst/>
+          <a:extLst>
+            <a:ext uri="{909E8E84-426E-40dd-AFC4-6F175D3DCCD1}">
+              <a14:hiddenFill xmlns:a14="http://schemas.microsoft.com/office/drawing/2010/main" xmlns="">
+                <a:noFill/>
+              </a14:hiddenFill>
+            </a:ext>
+            <a:ext uri="{AF507438-7753-43e0-B8FC-AC1667EBCBE1}">
+              <a14:hiddenEffects xmlns:a14="http://schemas.microsoft.com/office/drawing/2010/main" xmlns="">
+                <a:effectLst>
+                  <a:outerShdw blurRad="63500" dist="38099" dir="2700000" algn="ctr" rotWithShape="0">
+                    <a:srgbClr val="000000">
+                      <a:alpha val="74998"/>
+                    </a:srgbClr>
+                  </a:outerShdw>
+                </a:effectLst>
+              </a14:hiddenEffects>
+            </a:ext>
+          </a:extLst>
+        </p:spPr>
+        <p:txBody>
+          <a:bodyPr/>
+          <a:lstStyle/>
+          <a:p>
+            <a:pPr>
+              <a:defRPr/>
+            </a:pPr>
+            <a:endParaRPr lang="en-US">
+              <a:latin typeface="Arial" charset="0"/>
+              <a:ea typeface="ＭＳ Ｐゴシック" charset="0"/>
+            </a:endParaRPr>
           </a:p>
         </p:txBody>
       </p:sp>
     </p:spTree>
     <p:extLst>
       <p:ext uri="{BB962C8B-B14F-4D97-AF65-F5344CB8AC3E}">
-        <p14:creationId xmlns:p14="http://schemas.microsoft.com/office/powerpoint/2010/main" val="1858176420"/>
+        <p14:creationId xmlns:p14="http://schemas.microsoft.com/office/powerpoint/2010/main" val="1324753895"/>
       </p:ext>
     </p:extLst>
   </p:cSld>

--- a/module-2/ppt/2.1-Overview.pptx
+++ b/module-2/ppt/2.1-Overview.pptx
@@ -621,14 +621,14 @@
         <p:spPr>
           <a:extLst>
             <a:ext uri="{909E8E84-426E-40dd-AFC4-6F175D3DCCD1}">
-              <a14:hiddenFill xmlns:a14="http://schemas.microsoft.com/office/drawing/2010/main" xmlns="">
+              <a14:hiddenFill xmlns="" xmlns:a14="http://schemas.microsoft.com/office/drawing/2010/main">
                 <a:solidFill>
                   <a:schemeClr val="accent1"/>
                 </a:solidFill>
               </a14:hiddenFill>
             </a:ext>
             <a:ext uri="{91240B29-F687-4f45-9708-019B960494DF}">
-              <a14:hiddenLine xmlns:a14="http://schemas.microsoft.com/office/drawing/2010/main" xmlns="" w="9525">
+              <a14:hiddenLine xmlns="" xmlns:a14="http://schemas.microsoft.com/office/drawing/2010/main" w="9525">
                 <a:solidFill>
                   <a:schemeClr val="tx1"/>
                 </a:solidFill>
@@ -638,7 +638,7 @@
               </a14:hiddenLine>
             </a:ext>
             <a:ext uri="{AF507438-7753-43e0-B8FC-AC1667EBCBE1}">
-              <a14:hiddenEffects xmlns:a14="http://schemas.microsoft.com/office/drawing/2010/main" xmlns="">
+              <a14:hiddenEffects xmlns="" xmlns:a14="http://schemas.microsoft.com/office/drawing/2010/main">
                 <a:effectLst>
                   <a:outerShdw blurRad="63500" dist="38099" dir="2700000" algn="ctr" rotWithShape="0">
                     <a:schemeClr val="bg2">
@@ -649,7 +649,7 @@
               </a14:hiddenEffects>
             </a:ext>
             <a:ext uri="{FAA26D3D-D897-4be2-8F04-BA451C77F1D7}">
-              <ma14:placeholderFlag xmlns:ma14="http://schemas.microsoft.com/office/mac/drawingml/2011/main" xmlns="" val="1"/>
+              <ma14:placeholderFlag xmlns="" xmlns:ma14="http://schemas.microsoft.com/office/mac/drawingml/2011/main" val="1"/>
             </a:ext>
           </a:extLst>
         </p:spPr>
@@ -909,14 +909,14 @@
         <p:spPr>
           <a:extLst>
             <a:ext uri="{909E8E84-426E-40dd-AFC4-6F175D3DCCD1}">
-              <a14:hiddenFill xmlns:a14="http://schemas.microsoft.com/office/drawing/2010/main" xmlns="">
+              <a14:hiddenFill xmlns="" xmlns:a14="http://schemas.microsoft.com/office/drawing/2010/main">
                 <a:solidFill>
                   <a:schemeClr val="accent1"/>
                 </a:solidFill>
               </a14:hiddenFill>
             </a:ext>
             <a:ext uri="{91240B29-F687-4f45-9708-019B960494DF}">
-              <a14:hiddenLine xmlns:a14="http://schemas.microsoft.com/office/drawing/2010/main" xmlns="" w="9525">
+              <a14:hiddenLine xmlns="" xmlns:a14="http://schemas.microsoft.com/office/drawing/2010/main" w="9525">
                 <a:solidFill>
                   <a:schemeClr val="tx1"/>
                 </a:solidFill>
@@ -926,7 +926,7 @@
               </a14:hiddenLine>
             </a:ext>
             <a:ext uri="{AF507438-7753-43e0-B8FC-AC1667EBCBE1}">
-              <a14:hiddenEffects xmlns:a14="http://schemas.microsoft.com/office/drawing/2010/main" xmlns="">
+              <a14:hiddenEffects xmlns="" xmlns:a14="http://schemas.microsoft.com/office/drawing/2010/main">
                 <a:effectLst>
                   <a:outerShdw blurRad="63500" dist="38099" dir="2700000" algn="ctr" rotWithShape="0">
                     <a:schemeClr val="bg2">
@@ -937,7 +937,7 @@
               </a14:hiddenEffects>
             </a:ext>
             <a:ext uri="{FAA26D3D-D897-4be2-8F04-BA451C77F1D7}">
-              <ma14:placeholderFlag xmlns:ma14="http://schemas.microsoft.com/office/mac/drawingml/2011/main" xmlns="" val="1"/>
+              <ma14:placeholderFlag xmlns="" xmlns:ma14="http://schemas.microsoft.com/office/mac/drawingml/2011/main" val="1"/>
             </a:ext>
           </a:extLst>
         </p:spPr>
@@ -1085,7 +1085,7 @@
           <a:ln/>
           <a:extLst>
             <a:ext uri="{FAA26D3D-D897-4be2-8F04-BA451C77F1D7}">
-              <ma14:placeholderFlag xmlns:ma14="http://schemas.microsoft.com/office/mac/drawingml/2011/main" xmlns="" val="1"/>
+              <ma14:placeholderFlag xmlns="" xmlns:ma14="http://schemas.microsoft.com/office/mac/drawingml/2011/main" val="1"/>
             </a:ext>
           </a:extLst>
         </p:spPr>
@@ -1174,14 +1174,14 @@
         <p:spPr>
           <a:extLst>
             <a:ext uri="{909E8E84-426E-40dd-AFC4-6F175D3DCCD1}">
-              <a14:hiddenFill xmlns:a14="http://schemas.microsoft.com/office/drawing/2010/main" xmlns="">
+              <a14:hiddenFill xmlns="" xmlns:a14="http://schemas.microsoft.com/office/drawing/2010/main">
                 <a:solidFill>
                   <a:schemeClr val="accent1"/>
                 </a:solidFill>
               </a14:hiddenFill>
             </a:ext>
             <a:ext uri="{91240B29-F687-4f45-9708-019B960494DF}">
-              <a14:hiddenLine xmlns:a14="http://schemas.microsoft.com/office/drawing/2010/main" xmlns="" w="9525">
+              <a14:hiddenLine xmlns="" xmlns:a14="http://schemas.microsoft.com/office/drawing/2010/main" w="9525">
                 <a:solidFill>
                   <a:schemeClr val="tx1"/>
                 </a:solidFill>
@@ -1191,7 +1191,7 @@
               </a14:hiddenLine>
             </a:ext>
             <a:ext uri="{AF507438-7753-43e0-B8FC-AC1667EBCBE1}">
-              <a14:hiddenEffects xmlns:a14="http://schemas.microsoft.com/office/drawing/2010/main" xmlns="">
+              <a14:hiddenEffects xmlns="" xmlns:a14="http://schemas.microsoft.com/office/drawing/2010/main">
                 <a:effectLst>
                   <a:outerShdw blurRad="63500" dist="38099" dir="2700000" algn="ctr" rotWithShape="0">
                     <a:schemeClr val="bg2">
@@ -1202,7 +1202,7 @@
               </a14:hiddenEffects>
             </a:ext>
             <a:ext uri="{FAA26D3D-D897-4be2-8F04-BA451C77F1D7}">
-              <ma14:placeholderFlag xmlns:ma14="http://schemas.microsoft.com/office/mac/drawingml/2011/main" xmlns="" val="1"/>
+              <ma14:placeholderFlag xmlns="" xmlns:ma14="http://schemas.microsoft.com/office/mac/drawingml/2011/main" val="1"/>
             </a:ext>
           </a:extLst>
         </p:spPr>
@@ -1350,7 +1350,7 @@
           <a:ln/>
           <a:extLst>
             <a:ext uri="{FAA26D3D-D897-4be2-8F04-BA451C77F1D7}">
-              <ma14:placeholderFlag xmlns:ma14="http://schemas.microsoft.com/office/mac/drawingml/2011/main" xmlns="" val="1"/>
+              <ma14:placeholderFlag xmlns="" xmlns:ma14="http://schemas.microsoft.com/office/mac/drawingml/2011/main" val="1"/>
             </a:ext>
           </a:extLst>
         </p:spPr>
@@ -1439,14 +1439,14 @@
         <p:spPr>
           <a:extLst>
             <a:ext uri="{909E8E84-426E-40dd-AFC4-6F175D3DCCD1}">
-              <a14:hiddenFill xmlns:a14="http://schemas.microsoft.com/office/drawing/2010/main" xmlns="">
+              <a14:hiddenFill xmlns="" xmlns:a14="http://schemas.microsoft.com/office/drawing/2010/main">
                 <a:solidFill>
                   <a:schemeClr val="accent1"/>
                 </a:solidFill>
               </a14:hiddenFill>
             </a:ext>
             <a:ext uri="{91240B29-F687-4f45-9708-019B960494DF}">
-              <a14:hiddenLine xmlns:a14="http://schemas.microsoft.com/office/drawing/2010/main" xmlns="" w="9525">
+              <a14:hiddenLine xmlns="" xmlns:a14="http://schemas.microsoft.com/office/drawing/2010/main" w="9525">
                 <a:solidFill>
                   <a:schemeClr val="tx1"/>
                 </a:solidFill>
@@ -1456,7 +1456,7 @@
               </a14:hiddenLine>
             </a:ext>
             <a:ext uri="{AF507438-7753-43e0-B8FC-AC1667EBCBE1}">
-              <a14:hiddenEffects xmlns:a14="http://schemas.microsoft.com/office/drawing/2010/main" xmlns="">
+              <a14:hiddenEffects xmlns="" xmlns:a14="http://schemas.microsoft.com/office/drawing/2010/main">
                 <a:effectLst>
                   <a:outerShdw blurRad="63500" dist="38099" dir="2700000" algn="ctr" rotWithShape="0">
                     <a:schemeClr val="bg2">
@@ -1467,7 +1467,7 @@
               </a14:hiddenEffects>
             </a:ext>
             <a:ext uri="{FAA26D3D-D897-4be2-8F04-BA451C77F1D7}">
-              <ma14:placeholderFlag xmlns:ma14="http://schemas.microsoft.com/office/mac/drawingml/2011/main" xmlns="" val="1"/>
+              <ma14:placeholderFlag xmlns="" xmlns:ma14="http://schemas.microsoft.com/office/mac/drawingml/2011/main" val="1"/>
             </a:ext>
           </a:extLst>
         </p:spPr>
@@ -1615,7 +1615,7 @@
           <a:ln/>
           <a:extLst>
             <a:ext uri="{FAA26D3D-D897-4be2-8F04-BA451C77F1D7}">
-              <ma14:placeholderFlag xmlns:ma14="http://schemas.microsoft.com/office/mac/drawingml/2011/main" xmlns="" val="1"/>
+              <ma14:placeholderFlag xmlns="" xmlns:ma14="http://schemas.microsoft.com/office/mac/drawingml/2011/main" val="1"/>
             </a:ext>
           </a:extLst>
         </p:spPr>
@@ -1704,14 +1704,14 @@
         <p:spPr>
           <a:extLst>
             <a:ext uri="{909E8E84-426E-40dd-AFC4-6F175D3DCCD1}">
-              <a14:hiddenFill xmlns:a14="http://schemas.microsoft.com/office/drawing/2010/main" xmlns="">
+              <a14:hiddenFill xmlns="" xmlns:a14="http://schemas.microsoft.com/office/drawing/2010/main">
                 <a:solidFill>
                   <a:schemeClr val="accent1"/>
                 </a:solidFill>
               </a14:hiddenFill>
             </a:ext>
             <a:ext uri="{91240B29-F687-4f45-9708-019B960494DF}">
-              <a14:hiddenLine xmlns:a14="http://schemas.microsoft.com/office/drawing/2010/main" xmlns="" w="9525">
+              <a14:hiddenLine xmlns="" xmlns:a14="http://schemas.microsoft.com/office/drawing/2010/main" w="9525">
                 <a:solidFill>
                   <a:schemeClr val="tx1"/>
                 </a:solidFill>
@@ -1721,7 +1721,7 @@
               </a14:hiddenLine>
             </a:ext>
             <a:ext uri="{AF507438-7753-43e0-B8FC-AC1667EBCBE1}">
-              <a14:hiddenEffects xmlns:a14="http://schemas.microsoft.com/office/drawing/2010/main" xmlns="">
+              <a14:hiddenEffects xmlns="" xmlns:a14="http://schemas.microsoft.com/office/drawing/2010/main">
                 <a:effectLst>
                   <a:outerShdw blurRad="63500" dist="38099" dir="2700000" algn="ctr" rotWithShape="0">
                     <a:schemeClr val="bg2">
@@ -1732,7 +1732,7 @@
               </a14:hiddenEffects>
             </a:ext>
             <a:ext uri="{FAA26D3D-D897-4be2-8F04-BA451C77F1D7}">
-              <ma14:placeholderFlag xmlns:ma14="http://schemas.microsoft.com/office/mac/drawingml/2011/main" xmlns="" val="1"/>
+              <ma14:placeholderFlag xmlns="" xmlns:ma14="http://schemas.microsoft.com/office/mac/drawingml/2011/main" val="1"/>
             </a:ext>
           </a:extLst>
         </p:spPr>
@@ -1880,7 +1880,7 @@
           <a:ln/>
           <a:extLst>
             <a:ext uri="{FAA26D3D-D897-4be2-8F04-BA451C77F1D7}">
-              <ma14:placeholderFlag xmlns:ma14="http://schemas.microsoft.com/office/mac/drawingml/2011/main" xmlns="" val="1"/>
+              <ma14:placeholderFlag xmlns="" xmlns:ma14="http://schemas.microsoft.com/office/mac/drawingml/2011/main" val="1"/>
             </a:ext>
           </a:extLst>
         </p:spPr>
@@ -1969,14 +1969,14 @@
         <p:spPr>
           <a:extLst>
             <a:ext uri="{909E8E84-426E-40dd-AFC4-6F175D3DCCD1}">
-              <a14:hiddenFill xmlns:a14="http://schemas.microsoft.com/office/drawing/2010/main" xmlns="">
+              <a14:hiddenFill xmlns="" xmlns:a14="http://schemas.microsoft.com/office/drawing/2010/main">
                 <a:solidFill>
                   <a:schemeClr val="accent1"/>
                 </a:solidFill>
               </a14:hiddenFill>
             </a:ext>
             <a:ext uri="{91240B29-F687-4f45-9708-019B960494DF}">
-              <a14:hiddenLine xmlns:a14="http://schemas.microsoft.com/office/drawing/2010/main" xmlns="" w="9525">
+              <a14:hiddenLine xmlns="" xmlns:a14="http://schemas.microsoft.com/office/drawing/2010/main" w="9525">
                 <a:solidFill>
                   <a:schemeClr val="tx1"/>
                 </a:solidFill>
@@ -1986,7 +1986,7 @@
               </a14:hiddenLine>
             </a:ext>
             <a:ext uri="{AF507438-7753-43e0-B8FC-AC1667EBCBE1}">
-              <a14:hiddenEffects xmlns:a14="http://schemas.microsoft.com/office/drawing/2010/main" xmlns="">
+              <a14:hiddenEffects xmlns="" xmlns:a14="http://schemas.microsoft.com/office/drawing/2010/main">
                 <a:effectLst>
                   <a:outerShdw blurRad="63500" dist="38099" dir="2700000" algn="ctr" rotWithShape="0">
                     <a:schemeClr val="bg2">
@@ -1997,7 +1997,7 @@
               </a14:hiddenEffects>
             </a:ext>
             <a:ext uri="{FAA26D3D-D897-4be2-8F04-BA451C77F1D7}">
-              <ma14:placeholderFlag xmlns:ma14="http://schemas.microsoft.com/office/mac/drawingml/2011/main" xmlns="" val="1"/>
+              <ma14:placeholderFlag xmlns="" xmlns:ma14="http://schemas.microsoft.com/office/mac/drawingml/2011/main" val="1"/>
             </a:ext>
           </a:extLst>
         </p:spPr>
@@ -2141,7 +2141,7 @@
           <a:ln/>
           <a:extLst>
             <a:ext uri="{FAA26D3D-D897-4be2-8F04-BA451C77F1D7}">
-              <ma14:placeholderFlag xmlns:ma14="http://schemas.microsoft.com/office/mac/drawingml/2011/main" xmlns="" val="1"/>
+              <ma14:placeholderFlag xmlns="" xmlns:ma14="http://schemas.microsoft.com/office/mac/drawingml/2011/main" val="1"/>
             </a:ext>
           </a:extLst>
         </p:spPr>
@@ -2225,14 +2225,14 @@
         <p:spPr>
           <a:extLst>
             <a:ext uri="{909E8E84-426E-40dd-AFC4-6F175D3DCCD1}">
-              <a14:hiddenFill xmlns:a14="http://schemas.microsoft.com/office/drawing/2010/main" xmlns="">
+              <a14:hiddenFill xmlns="" xmlns:a14="http://schemas.microsoft.com/office/drawing/2010/main">
                 <a:solidFill>
                   <a:schemeClr val="accent1"/>
                 </a:solidFill>
               </a14:hiddenFill>
             </a:ext>
             <a:ext uri="{91240B29-F687-4f45-9708-019B960494DF}">
-              <a14:hiddenLine xmlns:a14="http://schemas.microsoft.com/office/drawing/2010/main" xmlns="" w="9525">
+              <a14:hiddenLine xmlns="" xmlns:a14="http://schemas.microsoft.com/office/drawing/2010/main" w="9525">
                 <a:solidFill>
                   <a:schemeClr val="tx1"/>
                 </a:solidFill>
@@ -2242,7 +2242,7 @@
               </a14:hiddenLine>
             </a:ext>
             <a:ext uri="{AF507438-7753-43e0-B8FC-AC1667EBCBE1}">
-              <a14:hiddenEffects xmlns:a14="http://schemas.microsoft.com/office/drawing/2010/main" xmlns="">
+              <a14:hiddenEffects xmlns="" xmlns:a14="http://schemas.microsoft.com/office/drawing/2010/main">
                 <a:effectLst>
                   <a:outerShdw blurRad="63500" dist="38099" dir="2700000" algn="ctr" rotWithShape="0">
                     <a:schemeClr val="bg2">
@@ -2253,7 +2253,7 @@
               </a14:hiddenEffects>
             </a:ext>
             <a:ext uri="{FAA26D3D-D897-4be2-8F04-BA451C77F1D7}">
-              <ma14:placeholderFlag xmlns:ma14="http://schemas.microsoft.com/office/mac/drawingml/2011/main" xmlns="" val="1"/>
+              <ma14:placeholderFlag xmlns="" xmlns:ma14="http://schemas.microsoft.com/office/mac/drawingml/2011/main" val="1"/>
             </a:ext>
           </a:extLst>
         </p:spPr>
@@ -2401,7 +2401,7 @@
           <a:ln/>
           <a:extLst>
             <a:ext uri="{FAA26D3D-D897-4be2-8F04-BA451C77F1D7}">
-              <ma14:placeholderFlag xmlns:ma14="http://schemas.microsoft.com/office/mac/drawingml/2011/main" xmlns="" val="1"/>
+              <ma14:placeholderFlag xmlns="" xmlns:ma14="http://schemas.microsoft.com/office/mac/drawingml/2011/main" val="1"/>
             </a:ext>
           </a:extLst>
         </p:spPr>
@@ -2490,14 +2490,14 @@
         <p:spPr>
           <a:extLst>
             <a:ext uri="{909E8E84-426E-40dd-AFC4-6F175D3DCCD1}">
-              <a14:hiddenFill xmlns:a14="http://schemas.microsoft.com/office/drawing/2010/main" xmlns="">
+              <a14:hiddenFill xmlns="" xmlns:a14="http://schemas.microsoft.com/office/drawing/2010/main">
                 <a:solidFill>
                   <a:schemeClr val="accent1"/>
                 </a:solidFill>
               </a14:hiddenFill>
             </a:ext>
             <a:ext uri="{91240B29-F687-4f45-9708-019B960494DF}">
-              <a14:hiddenLine xmlns:a14="http://schemas.microsoft.com/office/drawing/2010/main" xmlns="" w="9525">
+              <a14:hiddenLine xmlns="" xmlns:a14="http://schemas.microsoft.com/office/drawing/2010/main" w="9525">
                 <a:solidFill>
                   <a:schemeClr val="tx1"/>
                 </a:solidFill>
@@ -2507,7 +2507,7 @@
               </a14:hiddenLine>
             </a:ext>
             <a:ext uri="{AF507438-7753-43e0-B8FC-AC1667EBCBE1}">
-              <a14:hiddenEffects xmlns:a14="http://schemas.microsoft.com/office/drawing/2010/main" xmlns="">
+              <a14:hiddenEffects xmlns="" xmlns:a14="http://schemas.microsoft.com/office/drawing/2010/main">
                 <a:effectLst>
                   <a:outerShdw blurRad="63500" dist="38099" dir="2700000" algn="ctr" rotWithShape="0">
                     <a:schemeClr val="bg2">
@@ -2518,7 +2518,7 @@
               </a14:hiddenEffects>
             </a:ext>
             <a:ext uri="{FAA26D3D-D897-4be2-8F04-BA451C77F1D7}">
-              <ma14:placeholderFlag xmlns:ma14="http://schemas.microsoft.com/office/mac/drawingml/2011/main" xmlns="" val="1"/>
+              <ma14:placeholderFlag xmlns="" xmlns:ma14="http://schemas.microsoft.com/office/mac/drawingml/2011/main" val="1"/>
             </a:ext>
           </a:extLst>
         </p:spPr>
@@ -2662,7 +2662,7 @@
           <a:ln/>
           <a:extLst>
             <a:ext uri="{FAA26D3D-D897-4be2-8F04-BA451C77F1D7}">
-              <ma14:placeholderFlag xmlns:ma14="http://schemas.microsoft.com/office/mac/drawingml/2011/main" xmlns="" val="1"/>
+              <ma14:placeholderFlag xmlns="" xmlns:ma14="http://schemas.microsoft.com/office/mac/drawingml/2011/main" val="1"/>
             </a:ext>
           </a:extLst>
         </p:spPr>
@@ -2746,14 +2746,14 @@
         <p:spPr>
           <a:extLst>
             <a:ext uri="{909E8E84-426E-40dd-AFC4-6F175D3DCCD1}">
-              <a14:hiddenFill xmlns:a14="http://schemas.microsoft.com/office/drawing/2010/main" xmlns="">
+              <a14:hiddenFill xmlns="" xmlns:a14="http://schemas.microsoft.com/office/drawing/2010/main">
                 <a:solidFill>
                   <a:schemeClr val="accent1"/>
                 </a:solidFill>
               </a14:hiddenFill>
             </a:ext>
             <a:ext uri="{91240B29-F687-4f45-9708-019B960494DF}">
-              <a14:hiddenLine xmlns:a14="http://schemas.microsoft.com/office/drawing/2010/main" xmlns="" w="9525">
+              <a14:hiddenLine xmlns="" xmlns:a14="http://schemas.microsoft.com/office/drawing/2010/main" w="9525">
                 <a:solidFill>
                   <a:schemeClr val="tx1"/>
                 </a:solidFill>
@@ -2763,7 +2763,7 @@
               </a14:hiddenLine>
             </a:ext>
             <a:ext uri="{AF507438-7753-43e0-B8FC-AC1667EBCBE1}">
-              <a14:hiddenEffects xmlns:a14="http://schemas.microsoft.com/office/drawing/2010/main" xmlns="">
+              <a14:hiddenEffects xmlns="" xmlns:a14="http://schemas.microsoft.com/office/drawing/2010/main">
                 <a:effectLst>
                   <a:outerShdw blurRad="63500" dist="38099" dir="2700000" algn="ctr" rotWithShape="0">
                     <a:schemeClr val="bg2">
@@ -2774,7 +2774,7 @@
               </a14:hiddenEffects>
             </a:ext>
             <a:ext uri="{FAA26D3D-D897-4be2-8F04-BA451C77F1D7}">
-              <ma14:placeholderFlag xmlns:ma14="http://schemas.microsoft.com/office/mac/drawingml/2011/main" xmlns="" val="1"/>
+              <ma14:placeholderFlag xmlns="" xmlns:ma14="http://schemas.microsoft.com/office/mac/drawingml/2011/main" val="1"/>
             </a:ext>
           </a:extLst>
         </p:spPr>
@@ -2922,7 +2922,7 @@
           <a:ln/>
           <a:extLst>
             <a:ext uri="{FAA26D3D-D897-4be2-8F04-BA451C77F1D7}">
-              <ma14:placeholderFlag xmlns:ma14="http://schemas.microsoft.com/office/mac/drawingml/2011/main" xmlns="" val="1"/>
+              <ma14:placeholderFlag xmlns="" xmlns:ma14="http://schemas.microsoft.com/office/mac/drawingml/2011/main" val="1"/>
             </a:ext>
           </a:extLst>
         </p:spPr>
@@ -7500,31 +7500,6 @@
       </p:sp>
       <p:sp>
         <p:nvSpPr>
-          <p:cNvPr id="2" name="Content Placeholder 1">
-            <a:extLst>
-              <a:ext uri="{FF2B5EF4-FFF2-40B4-BE49-F238E27FC236}">
-                <a16:creationId xmlns:a16="http://schemas.microsoft.com/office/drawing/2014/main" id="{67B47D50-082D-9E42-9F35-BAD675A05F29}"/>
-              </a:ext>
-            </a:extLst>
-          </p:cNvPr>
-          <p:cNvSpPr>
-            <a:spLocks noGrp="1"/>
-          </p:cNvSpPr>
-          <p:nvPr>
-            <p:ph idx="1"/>
-          </p:nvPr>
-        </p:nvSpPr>
-        <p:spPr/>
-        <p:txBody>
-          <a:bodyPr/>
-          <a:lstStyle/>
-          <a:p>
-            <a:endParaRPr lang="en-US"/>
-          </a:p>
-        </p:txBody>
-      </p:sp>
-      <p:sp>
-        <p:nvSpPr>
           <p:cNvPr id="9" name="Slide Number Placeholder 4">
             <a:extLst>
               <a:ext uri="{FF2B5EF4-FFF2-40B4-BE49-F238E27FC236}">
@@ -7697,7 +7672,7 @@
         </p:blipFill>
         <p:spPr bwMode="auto">
           <a:xfrm>
-            <a:off x="2895600" y="1905000"/>
+            <a:off x="3048000" y="1039238"/>
             <a:ext cx="6096000" cy="4572000"/>
           </a:xfrm>
           <a:prstGeom prst="rect">
@@ -7744,7 +7719,7 @@
         </p:nvSpPr>
         <p:spPr bwMode="auto">
           <a:xfrm>
-            <a:off x="2286000" y="3214688"/>
+            <a:off x="2438400" y="2348926"/>
             <a:ext cx="4114800" cy="457200"/>
           </a:xfrm>
           <a:prstGeom prst="rect">
@@ -7759,7 +7734,7 @@
           <a:effectLst/>
           <a:extLst>
             <a:ext uri="{91240B29-F687-4f45-9708-019B960494DF}">
-              <a14:hiddenLine xmlns:a14="http://schemas.microsoft.com/office/drawing/2010/main" xmlns="" w="9525">
+              <a14:hiddenLine xmlns="" xmlns:a14="http://schemas.microsoft.com/office/drawing/2010/main" w="9525">
                 <a:solidFill>
                   <a:schemeClr val="tx1"/>
                 </a:solidFill>
@@ -7769,7 +7744,7 @@
               </a14:hiddenLine>
             </a:ext>
             <a:ext uri="{AF507438-7753-43e0-B8FC-AC1667EBCBE1}">
-              <a14:hiddenEffects xmlns:a14="http://schemas.microsoft.com/office/drawing/2010/main" xmlns="">
+              <a14:hiddenEffects xmlns="" xmlns:a14="http://schemas.microsoft.com/office/drawing/2010/main">
                 <a:effectLst>
                   <a:outerShdw blurRad="63500" dist="38099" dir="2700000" algn="ctr" rotWithShape="0">
                     <a:schemeClr val="bg2">
@@ -7822,7 +7797,7 @@
         </p:nvSpPr>
         <p:spPr bwMode="auto">
           <a:xfrm>
-            <a:off x="4724400" y="3657600"/>
+            <a:off x="4876800" y="2791838"/>
             <a:ext cx="1295400" cy="1981200"/>
           </a:xfrm>
           <a:prstGeom prst="line">
@@ -7840,12 +7815,12 @@
           <a:effectLst/>
           <a:extLst>
             <a:ext uri="{909E8E84-426E-40dd-AFC4-6F175D3DCCD1}">
-              <a14:hiddenFill xmlns:a14="http://schemas.microsoft.com/office/drawing/2010/main" xmlns="">
+              <a14:hiddenFill xmlns="" xmlns:a14="http://schemas.microsoft.com/office/drawing/2010/main">
                 <a:noFill/>
               </a14:hiddenFill>
             </a:ext>
             <a:ext uri="{AF507438-7753-43e0-B8FC-AC1667EBCBE1}">
-              <a14:hiddenEffects xmlns:a14="http://schemas.microsoft.com/office/drawing/2010/main" xmlns="">
+              <a14:hiddenEffects xmlns="" xmlns:a14="http://schemas.microsoft.com/office/drawing/2010/main">
                 <a:effectLst>
                   <a:outerShdw blurRad="63500" dist="38099" dir="2700000" algn="ctr" rotWithShape="0">
                     <a:schemeClr val="bg2">
@@ -9256,7 +9231,7 @@
         </p:blipFill>
         <p:spPr bwMode="auto">
           <a:xfrm>
-            <a:off x="7391400" y="1593850"/>
+            <a:off x="8613228" y="1374471"/>
             <a:ext cx="2928938" cy="4495800"/>
           </a:xfrm>
           <a:prstGeom prst="rect">
@@ -10303,31 +10278,6 @@
       </p:sp>
       <p:sp>
         <p:nvSpPr>
-          <p:cNvPr id="2" name="Content Placeholder 1">
-            <a:extLst>
-              <a:ext uri="{FF2B5EF4-FFF2-40B4-BE49-F238E27FC236}">
-                <a16:creationId xmlns:a16="http://schemas.microsoft.com/office/drawing/2014/main" id="{9C6A3E82-B770-DA48-AB41-E784279F03BE}"/>
-              </a:ext>
-            </a:extLst>
-          </p:cNvPr>
-          <p:cNvSpPr>
-            <a:spLocks noGrp="1"/>
-          </p:cNvSpPr>
-          <p:nvPr>
-            <p:ph idx="1"/>
-          </p:nvPr>
-        </p:nvSpPr>
-        <p:spPr/>
-        <p:txBody>
-          <a:bodyPr/>
-          <a:lstStyle/>
-          <a:p>
-            <a:endParaRPr lang="en-US"/>
-          </a:p>
-        </p:txBody>
-      </p:sp>
-      <p:sp>
-        <p:nvSpPr>
           <p:cNvPr id="11" name="Slide Number Placeholder 6">
             <a:extLst>
               <a:ext uri="{FF2B5EF4-FFF2-40B4-BE49-F238E27FC236}">
@@ -10560,14 +10510,14 @@
           <a:effectLst/>
           <a:extLst>
             <a:ext uri="{909E8E84-426E-40dd-AFC4-6F175D3DCCD1}">
-              <a14:hiddenFill xmlns:a14="http://schemas.microsoft.com/office/drawing/2010/main" xmlns="">
+              <a14:hiddenFill xmlns="" xmlns:a14="http://schemas.microsoft.com/office/drawing/2010/main">
                 <a:solidFill>
                   <a:srgbClr val="FFFFFF"/>
                 </a:solidFill>
               </a14:hiddenFill>
             </a:ext>
             <a:ext uri="{91240B29-F687-4f45-9708-019B960494DF}">
-              <a14:hiddenLine xmlns:a14="http://schemas.microsoft.com/office/drawing/2010/main" xmlns="" w="28575">
+              <a14:hiddenLine xmlns="" xmlns:a14="http://schemas.microsoft.com/office/drawing/2010/main" w="28575">
                 <a:solidFill>
                   <a:schemeClr val="tx1"/>
                 </a:solidFill>
@@ -10578,7 +10528,7 @@
               </a14:hiddenLine>
             </a:ext>
             <a:ext uri="{AF507438-7753-43e0-B8FC-AC1667EBCBE1}">
-              <a14:hiddenEffects xmlns:a14="http://schemas.microsoft.com/office/drawing/2010/main" xmlns="">
+              <a14:hiddenEffects xmlns="" xmlns:a14="http://schemas.microsoft.com/office/drawing/2010/main">
                 <a:effectLst>
                   <a:outerShdw blurRad="63500" dist="38099" dir="2700000" algn="ctr" rotWithShape="0">
                     <a:srgbClr val="000000">
@@ -10679,12 +10629,12 @@
           <a:effectLst/>
           <a:extLst>
             <a:ext uri="{909E8E84-426E-40dd-AFC4-6F175D3DCCD1}">
-              <a14:hiddenFill xmlns:a14="http://schemas.microsoft.com/office/drawing/2010/main" xmlns="">
+              <a14:hiddenFill xmlns="" xmlns:a14="http://schemas.microsoft.com/office/drawing/2010/main">
                 <a:noFill/>
               </a14:hiddenFill>
             </a:ext>
             <a:ext uri="{AF507438-7753-43e0-B8FC-AC1667EBCBE1}">
-              <a14:hiddenEffects xmlns:a14="http://schemas.microsoft.com/office/drawing/2010/main" xmlns="">
+              <a14:hiddenEffects xmlns="" xmlns:a14="http://schemas.microsoft.com/office/drawing/2010/main">
                 <a:effectLst>
                   <a:outerShdw blurRad="63500" dist="38099" dir="2700000" algn="ctr" rotWithShape="0">
                     <a:srgbClr val="000000">
@@ -10744,12 +10694,12 @@
           <a:effectLst/>
           <a:extLst>
             <a:ext uri="{909E8E84-426E-40dd-AFC4-6F175D3DCCD1}">
-              <a14:hiddenFill xmlns:a14="http://schemas.microsoft.com/office/drawing/2010/main" xmlns="">
+              <a14:hiddenFill xmlns="" xmlns:a14="http://schemas.microsoft.com/office/drawing/2010/main">
                 <a:noFill/>
               </a14:hiddenFill>
             </a:ext>
             <a:ext uri="{AF507438-7753-43e0-B8FC-AC1667EBCBE1}">
-              <a14:hiddenEffects xmlns:a14="http://schemas.microsoft.com/office/drawing/2010/main" xmlns="">
+              <a14:hiddenEffects xmlns="" xmlns:a14="http://schemas.microsoft.com/office/drawing/2010/main">
                 <a:effectLst>
                   <a:outerShdw blurRad="63500" dist="38099" dir="2700000" algn="ctr" rotWithShape="0">
                     <a:srgbClr val="000000">
@@ -10809,12 +10759,12 @@
           <a:effectLst/>
           <a:extLst>
             <a:ext uri="{909E8E84-426E-40dd-AFC4-6F175D3DCCD1}">
-              <a14:hiddenFill xmlns:a14="http://schemas.microsoft.com/office/drawing/2010/main" xmlns="">
+              <a14:hiddenFill xmlns="" xmlns:a14="http://schemas.microsoft.com/office/drawing/2010/main">
                 <a:noFill/>
               </a14:hiddenFill>
             </a:ext>
             <a:ext uri="{AF507438-7753-43e0-B8FC-AC1667EBCBE1}">
-              <a14:hiddenEffects xmlns:a14="http://schemas.microsoft.com/office/drawing/2010/main" xmlns="">
+              <a14:hiddenEffects xmlns="" xmlns:a14="http://schemas.microsoft.com/office/drawing/2010/main">
                 <a:effectLst>
                   <a:outerShdw blurRad="63500" dist="38099" dir="2700000" algn="ctr" rotWithShape="0">
                     <a:srgbClr val="000000">
@@ -10874,12 +10824,12 @@
           <a:effectLst/>
           <a:extLst>
             <a:ext uri="{909E8E84-426E-40dd-AFC4-6F175D3DCCD1}">
-              <a14:hiddenFill xmlns:a14="http://schemas.microsoft.com/office/drawing/2010/main" xmlns="">
+              <a14:hiddenFill xmlns="" xmlns:a14="http://schemas.microsoft.com/office/drawing/2010/main">
                 <a:noFill/>
               </a14:hiddenFill>
             </a:ext>
             <a:ext uri="{AF507438-7753-43e0-B8FC-AC1667EBCBE1}">
-              <a14:hiddenEffects xmlns:a14="http://schemas.microsoft.com/office/drawing/2010/main" xmlns="">
+              <a14:hiddenEffects xmlns="" xmlns:a14="http://schemas.microsoft.com/office/drawing/2010/main">
                 <a:effectLst>
                   <a:outerShdw blurRad="63500" dist="38099" dir="2700000" algn="ctr" rotWithShape="0">
                     <a:srgbClr val="000000">

--- a/module-2/ppt/2.1-Overview.pptx
+++ b/module-2/ppt/2.1-Overview.pptx
@@ -225,7 +225,7 @@
           <a:p>
             <a:fld id="{A2472FB4-D3E2-AE43-B634-FEEAFFC420FD}" type="datetimeFigureOut">
               <a:rPr lang="en-US" smtClean="0"/>
-              <a:t>11/23/20</a:t>
+              <a:t>2/22/21</a:t>
             </a:fld>
             <a:endParaRPr lang="en-US"/>
           </a:p>
@@ -621,14 +621,14 @@
         <p:spPr>
           <a:extLst>
             <a:ext uri="{909E8E84-426E-40dd-AFC4-6F175D3DCCD1}">
-              <a14:hiddenFill xmlns="" xmlns:a14="http://schemas.microsoft.com/office/drawing/2010/main">
+              <a14:hiddenFill xmlns:a14="http://schemas.microsoft.com/office/drawing/2010/main" xmlns="">
                 <a:solidFill>
                   <a:schemeClr val="accent1"/>
                 </a:solidFill>
               </a14:hiddenFill>
             </a:ext>
             <a:ext uri="{91240B29-F687-4f45-9708-019B960494DF}">
-              <a14:hiddenLine xmlns="" xmlns:a14="http://schemas.microsoft.com/office/drawing/2010/main" w="9525">
+              <a14:hiddenLine xmlns:a14="http://schemas.microsoft.com/office/drawing/2010/main" xmlns="" w="9525">
                 <a:solidFill>
                   <a:schemeClr val="tx1"/>
                 </a:solidFill>
@@ -638,7 +638,7 @@
               </a14:hiddenLine>
             </a:ext>
             <a:ext uri="{AF507438-7753-43e0-B8FC-AC1667EBCBE1}">
-              <a14:hiddenEffects xmlns="" xmlns:a14="http://schemas.microsoft.com/office/drawing/2010/main">
+              <a14:hiddenEffects xmlns:a14="http://schemas.microsoft.com/office/drawing/2010/main" xmlns="">
                 <a:effectLst>
                   <a:outerShdw blurRad="63500" dist="38099" dir="2700000" algn="ctr" rotWithShape="0">
                     <a:schemeClr val="bg2">
@@ -649,7 +649,7 @@
               </a14:hiddenEffects>
             </a:ext>
             <a:ext uri="{FAA26D3D-D897-4be2-8F04-BA451C77F1D7}">
-              <ma14:placeholderFlag xmlns="" xmlns:ma14="http://schemas.microsoft.com/office/mac/drawingml/2011/main" val="1"/>
+              <ma14:placeholderFlag xmlns:ma14="http://schemas.microsoft.com/office/mac/drawingml/2011/main" xmlns="" val="1"/>
             </a:ext>
           </a:extLst>
         </p:spPr>
@@ -909,14 +909,14 @@
         <p:spPr>
           <a:extLst>
             <a:ext uri="{909E8E84-426E-40dd-AFC4-6F175D3DCCD1}">
-              <a14:hiddenFill xmlns="" xmlns:a14="http://schemas.microsoft.com/office/drawing/2010/main">
+              <a14:hiddenFill xmlns:a14="http://schemas.microsoft.com/office/drawing/2010/main" xmlns="">
                 <a:solidFill>
                   <a:schemeClr val="accent1"/>
                 </a:solidFill>
               </a14:hiddenFill>
             </a:ext>
             <a:ext uri="{91240B29-F687-4f45-9708-019B960494DF}">
-              <a14:hiddenLine xmlns="" xmlns:a14="http://schemas.microsoft.com/office/drawing/2010/main" w="9525">
+              <a14:hiddenLine xmlns:a14="http://schemas.microsoft.com/office/drawing/2010/main" xmlns="" w="9525">
                 <a:solidFill>
                   <a:schemeClr val="tx1"/>
                 </a:solidFill>
@@ -926,7 +926,7 @@
               </a14:hiddenLine>
             </a:ext>
             <a:ext uri="{AF507438-7753-43e0-B8FC-AC1667EBCBE1}">
-              <a14:hiddenEffects xmlns="" xmlns:a14="http://schemas.microsoft.com/office/drawing/2010/main">
+              <a14:hiddenEffects xmlns:a14="http://schemas.microsoft.com/office/drawing/2010/main" xmlns="">
                 <a:effectLst>
                   <a:outerShdw blurRad="63500" dist="38099" dir="2700000" algn="ctr" rotWithShape="0">
                     <a:schemeClr val="bg2">
@@ -937,7 +937,7 @@
               </a14:hiddenEffects>
             </a:ext>
             <a:ext uri="{FAA26D3D-D897-4be2-8F04-BA451C77F1D7}">
-              <ma14:placeholderFlag xmlns="" xmlns:ma14="http://schemas.microsoft.com/office/mac/drawingml/2011/main" val="1"/>
+              <ma14:placeholderFlag xmlns:ma14="http://schemas.microsoft.com/office/mac/drawingml/2011/main" xmlns="" val="1"/>
             </a:ext>
           </a:extLst>
         </p:spPr>
@@ -1085,7 +1085,7 @@
           <a:ln/>
           <a:extLst>
             <a:ext uri="{FAA26D3D-D897-4be2-8F04-BA451C77F1D7}">
-              <ma14:placeholderFlag xmlns="" xmlns:ma14="http://schemas.microsoft.com/office/mac/drawingml/2011/main" val="1"/>
+              <ma14:placeholderFlag xmlns:ma14="http://schemas.microsoft.com/office/mac/drawingml/2011/main" xmlns="" val="1"/>
             </a:ext>
           </a:extLst>
         </p:spPr>
@@ -1174,14 +1174,14 @@
         <p:spPr>
           <a:extLst>
             <a:ext uri="{909E8E84-426E-40dd-AFC4-6F175D3DCCD1}">
-              <a14:hiddenFill xmlns="" xmlns:a14="http://schemas.microsoft.com/office/drawing/2010/main">
+              <a14:hiddenFill xmlns:a14="http://schemas.microsoft.com/office/drawing/2010/main" xmlns="">
                 <a:solidFill>
                   <a:schemeClr val="accent1"/>
                 </a:solidFill>
               </a14:hiddenFill>
             </a:ext>
             <a:ext uri="{91240B29-F687-4f45-9708-019B960494DF}">
-              <a14:hiddenLine xmlns="" xmlns:a14="http://schemas.microsoft.com/office/drawing/2010/main" w="9525">
+              <a14:hiddenLine xmlns:a14="http://schemas.microsoft.com/office/drawing/2010/main" xmlns="" w="9525">
                 <a:solidFill>
                   <a:schemeClr val="tx1"/>
                 </a:solidFill>
@@ -1191,7 +1191,7 @@
               </a14:hiddenLine>
             </a:ext>
             <a:ext uri="{AF507438-7753-43e0-B8FC-AC1667EBCBE1}">
-              <a14:hiddenEffects xmlns="" xmlns:a14="http://schemas.microsoft.com/office/drawing/2010/main">
+              <a14:hiddenEffects xmlns:a14="http://schemas.microsoft.com/office/drawing/2010/main" xmlns="">
                 <a:effectLst>
                   <a:outerShdw blurRad="63500" dist="38099" dir="2700000" algn="ctr" rotWithShape="0">
                     <a:schemeClr val="bg2">
@@ -1202,7 +1202,7 @@
               </a14:hiddenEffects>
             </a:ext>
             <a:ext uri="{FAA26D3D-D897-4be2-8F04-BA451C77F1D7}">
-              <ma14:placeholderFlag xmlns="" xmlns:ma14="http://schemas.microsoft.com/office/mac/drawingml/2011/main" val="1"/>
+              <ma14:placeholderFlag xmlns:ma14="http://schemas.microsoft.com/office/mac/drawingml/2011/main" xmlns="" val="1"/>
             </a:ext>
           </a:extLst>
         </p:spPr>
@@ -1350,7 +1350,7 @@
           <a:ln/>
           <a:extLst>
             <a:ext uri="{FAA26D3D-D897-4be2-8F04-BA451C77F1D7}">
-              <ma14:placeholderFlag xmlns="" xmlns:ma14="http://schemas.microsoft.com/office/mac/drawingml/2011/main" val="1"/>
+              <ma14:placeholderFlag xmlns:ma14="http://schemas.microsoft.com/office/mac/drawingml/2011/main" xmlns="" val="1"/>
             </a:ext>
           </a:extLst>
         </p:spPr>
@@ -1439,14 +1439,14 @@
         <p:spPr>
           <a:extLst>
             <a:ext uri="{909E8E84-426E-40dd-AFC4-6F175D3DCCD1}">
-              <a14:hiddenFill xmlns="" xmlns:a14="http://schemas.microsoft.com/office/drawing/2010/main">
+              <a14:hiddenFill xmlns:a14="http://schemas.microsoft.com/office/drawing/2010/main" xmlns="">
                 <a:solidFill>
                   <a:schemeClr val="accent1"/>
                 </a:solidFill>
               </a14:hiddenFill>
             </a:ext>
             <a:ext uri="{91240B29-F687-4f45-9708-019B960494DF}">
-              <a14:hiddenLine xmlns="" xmlns:a14="http://schemas.microsoft.com/office/drawing/2010/main" w="9525">
+              <a14:hiddenLine xmlns:a14="http://schemas.microsoft.com/office/drawing/2010/main" xmlns="" w="9525">
                 <a:solidFill>
                   <a:schemeClr val="tx1"/>
                 </a:solidFill>
@@ -1456,7 +1456,7 @@
               </a14:hiddenLine>
             </a:ext>
             <a:ext uri="{AF507438-7753-43e0-B8FC-AC1667EBCBE1}">
-              <a14:hiddenEffects xmlns="" xmlns:a14="http://schemas.microsoft.com/office/drawing/2010/main">
+              <a14:hiddenEffects xmlns:a14="http://schemas.microsoft.com/office/drawing/2010/main" xmlns="">
                 <a:effectLst>
                   <a:outerShdw blurRad="63500" dist="38099" dir="2700000" algn="ctr" rotWithShape="0">
                     <a:schemeClr val="bg2">
@@ -1467,7 +1467,7 @@
               </a14:hiddenEffects>
             </a:ext>
             <a:ext uri="{FAA26D3D-D897-4be2-8F04-BA451C77F1D7}">
-              <ma14:placeholderFlag xmlns="" xmlns:ma14="http://schemas.microsoft.com/office/mac/drawingml/2011/main" val="1"/>
+              <ma14:placeholderFlag xmlns:ma14="http://schemas.microsoft.com/office/mac/drawingml/2011/main" xmlns="" val="1"/>
             </a:ext>
           </a:extLst>
         </p:spPr>
@@ -1615,7 +1615,7 @@
           <a:ln/>
           <a:extLst>
             <a:ext uri="{FAA26D3D-D897-4be2-8F04-BA451C77F1D7}">
-              <ma14:placeholderFlag xmlns="" xmlns:ma14="http://schemas.microsoft.com/office/mac/drawingml/2011/main" val="1"/>
+              <ma14:placeholderFlag xmlns:ma14="http://schemas.microsoft.com/office/mac/drawingml/2011/main" xmlns="" val="1"/>
             </a:ext>
           </a:extLst>
         </p:spPr>
@@ -1704,14 +1704,14 @@
         <p:spPr>
           <a:extLst>
             <a:ext uri="{909E8E84-426E-40dd-AFC4-6F175D3DCCD1}">
-              <a14:hiddenFill xmlns="" xmlns:a14="http://schemas.microsoft.com/office/drawing/2010/main">
+              <a14:hiddenFill xmlns:a14="http://schemas.microsoft.com/office/drawing/2010/main" xmlns="">
                 <a:solidFill>
                   <a:schemeClr val="accent1"/>
                 </a:solidFill>
               </a14:hiddenFill>
             </a:ext>
             <a:ext uri="{91240B29-F687-4f45-9708-019B960494DF}">
-              <a14:hiddenLine xmlns="" xmlns:a14="http://schemas.microsoft.com/office/drawing/2010/main" w="9525">
+              <a14:hiddenLine xmlns:a14="http://schemas.microsoft.com/office/drawing/2010/main" xmlns="" w="9525">
                 <a:solidFill>
                   <a:schemeClr val="tx1"/>
                 </a:solidFill>
@@ -1721,7 +1721,7 @@
               </a14:hiddenLine>
             </a:ext>
             <a:ext uri="{AF507438-7753-43e0-B8FC-AC1667EBCBE1}">
-              <a14:hiddenEffects xmlns="" xmlns:a14="http://schemas.microsoft.com/office/drawing/2010/main">
+              <a14:hiddenEffects xmlns:a14="http://schemas.microsoft.com/office/drawing/2010/main" xmlns="">
                 <a:effectLst>
                   <a:outerShdw blurRad="63500" dist="38099" dir="2700000" algn="ctr" rotWithShape="0">
                     <a:schemeClr val="bg2">
@@ -1732,7 +1732,7 @@
               </a14:hiddenEffects>
             </a:ext>
             <a:ext uri="{FAA26D3D-D897-4be2-8F04-BA451C77F1D7}">
-              <ma14:placeholderFlag xmlns="" xmlns:ma14="http://schemas.microsoft.com/office/mac/drawingml/2011/main" val="1"/>
+              <ma14:placeholderFlag xmlns:ma14="http://schemas.microsoft.com/office/mac/drawingml/2011/main" xmlns="" val="1"/>
             </a:ext>
           </a:extLst>
         </p:spPr>
@@ -1880,7 +1880,7 @@
           <a:ln/>
           <a:extLst>
             <a:ext uri="{FAA26D3D-D897-4be2-8F04-BA451C77F1D7}">
-              <ma14:placeholderFlag xmlns="" xmlns:ma14="http://schemas.microsoft.com/office/mac/drawingml/2011/main" val="1"/>
+              <ma14:placeholderFlag xmlns:ma14="http://schemas.microsoft.com/office/mac/drawingml/2011/main" xmlns="" val="1"/>
             </a:ext>
           </a:extLst>
         </p:spPr>
@@ -1969,14 +1969,14 @@
         <p:spPr>
           <a:extLst>
             <a:ext uri="{909E8E84-426E-40dd-AFC4-6F175D3DCCD1}">
-              <a14:hiddenFill xmlns="" xmlns:a14="http://schemas.microsoft.com/office/drawing/2010/main">
+              <a14:hiddenFill xmlns:a14="http://schemas.microsoft.com/office/drawing/2010/main" xmlns="">
                 <a:solidFill>
                   <a:schemeClr val="accent1"/>
                 </a:solidFill>
               </a14:hiddenFill>
             </a:ext>
             <a:ext uri="{91240B29-F687-4f45-9708-019B960494DF}">
-              <a14:hiddenLine xmlns="" xmlns:a14="http://schemas.microsoft.com/office/drawing/2010/main" w="9525">
+              <a14:hiddenLine xmlns:a14="http://schemas.microsoft.com/office/drawing/2010/main" xmlns="" w="9525">
                 <a:solidFill>
                   <a:schemeClr val="tx1"/>
                 </a:solidFill>
@@ -1986,7 +1986,7 @@
               </a14:hiddenLine>
             </a:ext>
             <a:ext uri="{AF507438-7753-43e0-B8FC-AC1667EBCBE1}">
-              <a14:hiddenEffects xmlns="" xmlns:a14="http://schemas.microsoft.com/office/drawing/2010/main">
+              <a14:hiddenEffects xmlns:a14="http://schemas.microsoft.com/office/drawing/2010/main" xmlns="">
                 <a:effectLst>
                   <a:outerShdw blurRad="63500" dist="38099" dir="2700000" algn="ctr" rotWithShape="0">
                     <a:schemeClr val="bg2">
@@ -1997,7 +1997,7 @@
               </a14:hiddenEffects>
             </a:ext>
             <a:ext uri="{FAA26D3D-D897-4be2-8F04-BA451C77F1D7}">
-              <ma14:placeholderFlag xmlns="" xmlns:ma14="http://schemas.microsoft.com/office/mac/drawingml/2011/main" val="1"/>
+              <ma14:placeholderFlag xmlns:ma14="http://schemas.microsoft.com/office/mac/drawingml/2011/main" xmlns="" val="1"/>
             </a:ext>
           </a:extLst>
         </p:spPr>
@@ -2141,7 +2141,7 @@
           <a:ln/>
           <a:extLst>
             <a:ext uri="{FAA26D3D-D897-4be2-8F04-BA451C77F1D7}">
-              <ma14:placeholderFlag xmlns="" xmlns:ma14="http://schemas.microsoft.com/office/mac/drawingml/2011/main" val="1"/>
+              <ma14:placeholderFlag xmlns:ma14="http://schemas.microsoft.com/office/mac/drawingml/2011/main" xmlns="" val="1"/>
             </a:ext>
           </a:extLst>
         </p:spPr>
@@ -2225,14 +2225,14 @@
         <p:spPr>
           <a:extLst>
             <a:ext uri="{909E8E84-426E-40dd-AFC4-6F175D3DCCD1}">
-              <a14:hiddenFill xmlns="" xmlns:a14="http://schemas.microsoft.com/office/drawing/2010/main">
+              <a14:hiddenFill xmlns:a14="http://schemas.microsoft.com/office/drawing/2010/main" xmlns="">
                 <a:solidFill>
                   <a:schemeClr val="accent1"/>
                 </a:solidFill>
               </a14:hiddenFill>
             </a:ext>
             <a:ext uri="{91240B29-F687-4f45-9708-019B960494DF}">
-              <a14:hiddenLine xmlns="" xmlns:a14="http://schemas.microsoft.com/office/drawing/2010/main" w="9525">
+              <a14:hiddenLine xmlns:a14="http://schemas.microsoft.com/office/drawing/2010/main" xmlns="" w="9525">
                 <a:solidFill>
                   <a:schemeClr val="tx1"/>
                 </a:solidFill>
@@ -2242,7 +2242,7 @@
               </a14:hiddenLine>
             </a:ext>
             <a:ext uri="{AF507438-7753-43e0-B8FC-AC1667EBCBE1}">
-              <a14:hiddenEffects xmlns="" xmlns:a14="http://schemas.microsoft.com/office/drawing/2010/main">
+              <a14:hiddenEffects xmlns:a14="http://schemas.microsoft.com/office/drawing/2010/main" xmlns="">
                 <a:effectLst>
                   <a:outerShdw blurRad="63500" dist="38099" dir="2700000" algn="ctr" rotWithShape="0">
                     <a:schemeClr val="bg2">
@@ -2253,7 +2253,7 @@
               </a14:hiddenEffects>
             </a:ext>
             <a:ext uri="{FAA26D3D-D897-4be2-8F04-BA451C77F1D7}">
-              <ma14:placeholderFlag xmlns="" xmlns:ma14="http://schemas.microsoft.com/office/mac/drawingml/2011/main" val="1"/>
+              <ma14:placeholderFlag xmlns:ma14="http://schemas.microsoft.com/office/mac/drawingml/2011/main" xmlns="" val="1"/>
             </a:ext>
           </a:extLst>
         </p:spPr>
@@ -2401,7 +2401,7 @@
           <a:ln/>
           <a:extLst>
             <a:ext uri="{FAA26D3D-D897-4be2-8F04-BA451C77F1D7}">
-              <ma14:placeholderFlag xmlns="" xmlns:ma14="http://schemas.microsoft.com/office/mac/drawingml/2011/main" val="1"/>
+              <ma14:placeholderFlag xmlns:ma14="http://schemas.microsoft.com/office/mac/drawingml/2011/main" xmlns="" val="1"/>
             </a:ext>
           </a:extLst>
         </p:spPr>
@@ -2490,14 +2490,14 @@
         <p:spPr>
           <a:extLst>
             <a:ext uri="{909E8E84-426E-40dd-AFC4-6F175D3DCCD1}">
-              <a14:hiddenFill xmlns="" xmlns:a14="http://schemas.microsoft.com/office/drawing/2010/main">
+              <a14:hiddenFill xmlns:a14="http://schemas.microsoft.com/office/drawing/2010/main" xmlns="">
                 <a:solidFill>
                   <a:schemeClr val="accent1"/>
                 </a:solidFill>
               </a14:hiddenFill>
             </a:ext>
             <a:ext uri="{91240B29-F687-4f45-9708-019B960494DF}">
-              <a14:hiddenLine xmlns="" xmlns:a14="http://schemas.microsoft.com/office/drawing/2010/main" w="9525">
+              <a14:hiddenLine xmlns:a14="http://schemas.microsoft.com/office/drawing/2010/main" xmlns="" w="9525">
                 <a:solidFill>
                   <a:schemeClr val="tx1"/>
                 </a:solidFill>
@@ -2507,7 +2507,7 @@
               </a14:hiddenLine>
             </a:ext>
             <a:ext uri="{AF507438-7753-43e0-B8FC-AC1667EBCBE1}">
-              <a14:hiddenEffects xmlns="" xmlns:a14="http://schemas.microsoft.com/office/drawing/2010/main">
+              <a14:hiddenEffects xmlns:a14="http://schemas.microsoft.com/office/drawing/2010/main" xmlns="">
                 <a:effectLst>
                   <a:outerShdw blurRad="63500" dist="38099" dir="2700000" algn="ctr" rotWithShape="0">
                     <a:schemeClr val="bg2">
@@ -2518,7 +2518,7 @@
               </a14:hiddenEffects>
             </a:ext>
             <a:ext uri="{FAA26D3D-D897-4be2-8F04-BA451C77F1D7}">
-              <ma14:placeholderFlag xmlns="" xmlns:ma14="http://schemas.microsoft.com/office/mac/drawingml/2011/main" val="1"/>
+              <ma14:placeholderFlag xmlns:ma14="http://schemas.microsoft.com/office/mac/drawingml/2011/main" xmlns="" val="1"/>
             </a:ext>
           </a:extLst>
         </p:spPr>
@@ -2662,7 +2662,7 @@
           <a:ln/>
           <a:extLst>
             <a:ext uri="{FAA26D3D-D897-4be2-8F04-BA451C77F1D7}">
-              <ma14:placeholderFlag xmlns="" xmlns:ma14="http://schemas.microsoft.com/office/mac/drawingml/2011/main" val="1"/>
+              <ma14:placeholderFlag xmlns:ma14="http://schemas.microsoft.com/office/mac/drawingml/2011/main" xmlns="" val="1"/>
             </a:ext>
           </a:extLst>
         </p:spPr>
@@ -2746,14 +2746,14 @@
         <p:spPr>
           <a:extLst>
             <a:ext uri="{909E8E84-426E-40dd-AFC4-6F175D3DCCD1}">
-              <a14:hiddenFill xmlns="" xmlns:a14="http://schemas.microsoft.com/office/drawing/2010/main">
+              <a14:hiddenFill xmlns:a14="http://schemas.microsoft.com/office/drawing/2010/main" xmlns="">
                 <a:solidFill>
                   <a:schemeClr val="accent1"/>
                 </a:solidFill>
               </a14:hiddenFill>
             </a:ext>
             <a:ext uri="{91240B29-F687-4f45-9708-019B960494DF}">
-              <a14:hiddenLine xmlns="" xmlns:a14="http://schemas.microsoft.com/office/drawing/2010/main" w="9525">
+              <a14:hiddenLine xmlns:a14="http://schemas.microsoft.com/office/drawing/2010/main" xmlns="" w="9525">
                 <a:solidFill>
                   <a:schemeClr val="tx1"/>
                 </a:solidFill>
@@ -2763,7 +2763,7 @@
               </a14:hiddenLine>
             </a:ext>
             <a:ext uri="{AF507438-7753-43e0-B8FC-AC1667EBCBE1}">
-              <a14:hiddenEffects xmlns="" xmlns:a14="http://schemas.microsoft.com/office/drawing/2010/main">
+              <a14:hiddenEffects xmlns:a14="http://schemas.microsoft.com/office/drawing/2010/main" xmlns="">
                 <a:effectLst>
                   <a:outerShdw blurRad="63500" dist="38099" dir="2700000" algn="ctr" rotWithShape="0">
                     <a:schemeClr val="bg2">
@@ -2774,7 +2774,7 @@
               </a14:hiddenEffects>
             </a:ext>
             <a:ext uri="{FAA26D3D-D897-4be2-8F04-BA451C77F1D7}">
-              <ma14:placeholderFlag xmlns="" xmlns:ma14="http://schemas.microsoft.com/office/mac/drawingml/2011/main" val="1"/>
+              <ma14:placeholderFlag xmlns:ma14="http://schemas.microsoft.com/office/mac/drawingml/2011/main" xmlns="" val="1"/>
             </a:ext>
           </a:extLst>
         </p:spPr>
@@ -2922,7 +2922,7 @@
           <a:ln/>
           <a:extLst>
             <a:ext uri="{FAA26D3D-D897-4be2-8F04-BA451C77F1D7}">
-              <ma14:placeholderFlag xmlns="" xmlns:ma14="http://schemas.microsoft.com/office/mac/drawingml/2011/main" val="1"/>
+              <ma14:placeholderFlag xmlns:ma14="http://schemas.microsoft.com/office/mac/drawingml/2011/main" xmlns="" val="1"/>
             </a:ext>
           </a:extLst>
         </p:spPr>
@@ -3481,7 +3481,7 @@
             <a:fld id="{72F0102A-871B-C743-910C-FB19B2FD047A}" type="datetimeFigureOut">
               <a:rPr lang="en-US" altLang="en-US"/>
               <a:pPr/>
-              <a:t>11/23/20</a:t>
+              <a:t>2/22/21</a:t>
             </a:fld>
             <a:endParaRPr lang="en-US" altLang="en-US"/>
           </a:p>
@@ -4002,7 +4002,7 @@
           <a:p>
             <a:fld id="{2AAA8945-93FC-CD4D-85EF-05021FBA20E6}" type="datetimeFigureOut">
               <a:rPr lang="en-US" smtClean="0"/>
-              <a:t>11/23/20</a:t>
+              <a:t>2/22/21</a:t>
             </a:fld>
             <a:endParaRPr lang="en-US"/>
           </a:p>
@@ -4868,7 +4868,7 @@
             <a:fld id="{0FE23F9E-BA2A-A743-93DB-E506B311A1A2}" type="datetimeFigureOut">
               <a:rPr lang="en-US" altLang="en-US"/>
               <a:pPr/>
-              <a:t>11/23/20</a:t>
+              <a:t>2/22/21</a:t>
             </a:fld>
             <a:endParaRPr lang="en-US" altLang="en-US"/>
           </a:p>
@@ -7734,7 +7734,7 @@
           <a:effectLst/>
           <a:extLst>
             <a:ext uri="{91240B29-F687-4f45-9708-019B960494DF}">
-              <a14:hiddenLine xmlns="" xmlns:a14="http://schemas.microsoft.com/office/drawing/2010/main" w="9525">
+              <a14:hiddenLine xmlns:a14="http://schemas.microsoft.com/office/drawing/2010/main" xmlns="" w="9525">
                 <a:solidFill>
                   <a:schemeClr val="tx1"/>
                 </a:solidFill>
@@ -7744,7 +7744,7 @@
               </a14:hiddenLine>
             </a:ext>
             <a:ext uri="{AF507438-7753-43e0-B8FC-AC1667EBCBE1}">
-              <a14:hiddenEffects xmlns="" xmlns:a14="http://schemas.microsoft.com/office/drawing/2010/main">
+              <a14:hiddenEffects xmlns:a14="http://schemas.microsoft.com/office/drawing/2010/main" xmlns="">
                 <a:effectLst>
                   <a:outerShdw blurRad="63500" dist="38099" dir="2700000" algn="ctr" rotWithShape="0">
                     <a:schemeClr val="bg2">
@@ -7815,12 +7815,12 @@
           <a:effectLst/>
           <a:extLst>
             <a:ext uri="{909E8E84-426E-40dd-AFC4-6F175D3DCCD1}">
-              <a14:hiddenFill xmlns="" xmlns:a14="http://schemas.microsoft.com/office/drawing/2010/main">
+              <a14:hiddenFill xmlns:a14="http://schemas.microsoft.com/office/drawing/2010/main" xmlns="">
                 <a:noFill/>
               </a14:hiddenFill>
             </a:ext>
             <a:ext uri="{AF507438-7753-43e0-B8FC-AC1667EBCBE1}">
-              <a14:hiddenEffects xmlns="" xmlns:a14="http://schemas.microsoft.com/office/drawing/2010/main">
+              <a14:hiddenEffects xmlns:a14="http://schemas.microsoft.com/office/drawing/2010/main" xmlns="">
                 <a:effectLst>
                   <a:outerShdw blurRad="63500" dist="38099" dir="2700000" algn="ctr" rotWithShape="0">
                     <a:schemeClr val="bg2">
@@ -10510,14 +10510,14 @@
           <a:effectLst/>
           <a:extLst>
             <a:ext uri="{909E8E84-426E-40dd-AFC4-6F175D3DCCD1}">
-              <a14:hiddenFill xmlns="" xmlns:a14="http://schemas.microsoft.com/office/drawing/2010/main">
+              <a14:hiddenFill xmlns:a14="http://schemas.microsoft.com/office/drawing/2010/main" xmlns="">
                 <a:solidFill>
                   <a:srgbClr val="FFFFFF"/>
                 </a:solidFill>
               </a14:hiddenFill>
             </a:ext>
             <a:ext uri="{91240B29-F687-4f45-9708-019B960494DF}">
-              <a14:hiddenLine xmlns="" xmlns:a14="http://schemas.microsoft.com/office/drawing/2010/main" w="28575">
+              <a14:hiddenLine xmlns:a14="http://schemas.microsoft.com/office/drawing/2010/main" xmlns="" w="28575">
                 <a:solidFill>
                   <a:schemeClr val="tx1"/>
                 </a:solidFill>
@@ -10528,7 +10528,7 @@
               </a14:hiddenLine>
             </a:ext>
             <a:ext uri="{AF507438-7753-43e0-B8FC-AC1667EBCBE1}">
-              <a14:hiddenEffects xmlns="" xmlns:a14="http://schemas.microsoft.com/office/drawing/2010/main">
+              <a14:hiddenEffects xmlns:a14="http://schemas.microsoft.com/office/drawing/2010/main" xmlns="">
                 <a:effectLst>
                   <a:outerShdw blurRad="63500" dist="38099" dir="2700000" algn="ctr" rotWithShape="0">
                     <a:srgbClr val="000000">
@@ -10629,12 +10629,12 @@
           <a:effectLst/>
           <a:extLst>
             <a:ext uri="{909E8E84-426E-40dd-AFC4-6F175D3DCCD1}">
-              <a14:hiddenFill xmlns="" xmlns:a14="http://schemas.microsoft.com/office/drawing/2010/main">
+              <a14:hiddenFill xmlns:a14="http://schemas.microsoft.com/office/drawing/2010/main" xmlns="">
                 <a:noFill/>
               </a14:hiddenFill>
             </a:ext>
             <a:ext uri="{AF507438-7753-43e0-B8FC-AC1667EBCBE1}">
-              <a14:hiddenEffects xmlns="" xmlns:a14="http://schemas.microsoft.com/office/drawing/2010/main">
+              <a14:hiddenEffects xmlns:a14="http://schemas.microsoft.com/office/drawing/2010/main" xmlns="">
                 <a:effectLst>
                   <a:outerShdw blurRad="63500" dist="38099" dir="2700000" algn="ctr" rotWithShape="0">
                     <a:srgbClr val="000000">
@@ -10694,12 +10694,12 @@
           <a:effectLst/>
           <a:extLst>
             <a:ext uri="{909E8E84-426E-40dd-AFC4-6F175D3DCCD1}">
-              <a14:hiddenFill xmlns="" xmlns:a14="http://schemas.microsoft.com/office/drawing/2010/main">
+              <a14:hiddenFill xmlns:a14="http://schemas.microsoft.com/office/drawing/2010/main" xmlns="">
                 <a:noFill/>
               </a14:hiddenFill>
             </a:ext>
             <a:ext uri="{AF507438-7753-43e0-B8FC-AC1667EBCBE1}">
-              <a14:hiddenEffects xmlns="" xmlns:a14="http://schemas.microsoft.com/office/drawing/2010/main">
+              <a14:hiddenEffects xmlns:a14="http://schemas.microsoft.com/office/drawing/2010/main" xmlns="">
                 <a:effectLst>
                   <a:outerShdw blurRad="63500" dist="38099" dir="2700000" algn="ctr" rotWithShape="0">
                     <a:srgbClr val="000000">
@@ -10759,12 +10759,12 @@
           <a:effectLst/>
           <a:extLst>
             <a:ext uri="{909E8E84-426E-40dd-AFC4-6F175D3DCCD1}">
-              <a14:hiddenFill xmlns="" xmlns:a14="http://schemas.microsoft.com/office/drawing/2010/main">
+              <a14:hiddenFill xmlns:a14="http://schemas.microsoft.com/office/drawing/2010/main" xmlns="">
                 <a:noFill/>
               </a14:hiddenFill>
             </a:ext>
             <a:ext uri="{AF507438-7753-43e0-B8FC-AC1667EBCBE1}">
-              <a14:hiddenEffects xmlns="" xmlns:a14="http://schemas.microsoft.com/office/drawing/2010/main">
+              <a14:hiddenEffects xmlns:a14="http://schemas.microsoft.com/office/drawing/2010/main" xmlns="">
                 <a:effectLst>
                   <a:outerShdw blurRad="63500" dist="38099" dir="2700000" algn="ctr" rotWithShape="0">
                     <a:srgbClr val="000000">
@@ -10824,12 +10824,12 @@
           <a:effectLst/>
           <a:extLst>
             <a:ext uri="{909E8E84-426E-40dd-AFC4-6F175D3DCCD1}">
-              <a14:hiddenFill xmlns="" xmlns:a14="http://schemas.microsoft.com/office/drawing/2010/main">
+              <a14:hiddenFill xmlns:a14="http://schemas.microsoft.com/office/drawing/2010/main" xmlns="">
                 <a:noFill/>
               </a14:hiddenFill>
             </a:ext>
             <a:ext uri="{AF507438-7753-43e0-B8FC-AC1667EBCBE1}">
-              <a14:hiddenEffects xmlns="" xmlns:a14="http://schemas.microsoft.com/office/drawing/2010/main">
+              <a14:hiddenEffects xmlns:a14="http://schemas.microsoft.com/office/drawing/2010/main" xmlns="">
                 <a:effectLst>
                   <a:outerShdw blurRad="63500" dist="38099" dir="2700000" algn="ctr" rotWithShape="0">
                     <a:srgbClr val="000000">
